--- a/PowerPoint Final/Presentation_Joao_Mauro.pptx
+++ b/PowerPoint Final/Presentation_Joao_Mauro.pptx
@@ -12824,12 +12824,12 @@
               <a:t> Auto XML </a:t>
             </a:r>
             <a:r>
-              <a:rPr lang="pt-PT" dirty="0" err="1" smtClean="0"/>
-              <a:t>configuration</a:t>
+              <a:rPr lang="en-GB" dirty="0" smtClean="0"/>
+              <a:t>configuration-</a:t>
             </a:r>
             <a:r>
               <a:rPr lang="pt-PT" dirty="0" smtClean="0"/>
-              <a:t>- </a:t>
+              <a:t> </a:t>
             </a:r>
             <a:r>
               <a:rPr lang="en-US" dirty="0"/>
@@ -15895,15 +15895,15 @@
             </a:pPr>
             <a:r>
               <a:rPr lang="en-US" dirty="0"/>
-              <a:t>Android Auto is also implemented in 5 brands of aftermarket displays, such as: </a:t>
-            </a:r>
-            <a:r>
-              <a:rPr lang="en-US" dirty="0" err="1"/>
-              <a:t>Kenwood,Panasonic</a:t>
+              <a:t>Android Auto is also implemented in 5 brands of aftermarket displays, such as: Kenwood</a:t>
+            </a:r>
+            <a:r>
+              <a:rPr lang="en-US" dirty="0" smtClean="0"/>
+              <a:t>, Panasonic </a:t>
             </a:r>
             <a:r>
               <a:rPr lang="en-US" dirty="0"/>
-              <a:t> and Sony.</a:t>
+              <a:t>and Sony.</a:t>
             </a:r>
           </a:p>
           <a:p>
@@ -15966,12 +15966,12 @@
               <a:t>Android Auto is only </a:t>
             </a:r>
             <a:r>
-              <a:rPr lang="en-US" dirty="0" err="1" smtClean="0"/>
-              <a:t>avaible</a:t>
-            </a:r>
-            <a:r>
               <a:rPr lang="en-US" dirty="0" smtClean="0"/>
-              <a:t> in 31 countries.</a:t>
+              <a:t>available </a:t>
+            </a:r>
+            <a:r>
+              <a:rPr lang="en-US" dirty="0" smtClean="0"/>
+              <a:t>in 31 countries.</a:t>
             </a:r>
           </a:p>
           <a:p>
@@ -16012,12 +16012,20 @@
               <a:t>For Portugal, there isn’t a official release date that, however the </a:t>
             </a:r>
             <a:r>
+              <a:rPr lang="en-US" dirty="0" smtClean="0"/>
+              <a:t>.</a:t>
+            </a:r>
+            <a:r>
               <a:rPr lang="en-US" dirty="0" err="1" smtClean="0"/>
               <a:t>apk</a:t>
             </a:r>
             <a:r>
               <a:rPr lang="en-US" dirty="0" smtClean="0"/>
-              <a:t> can be downloaded, and use some functionalities.</a:t>
+              <a:t> </a:t>
+            </a:r>
+            <a:r>
+              <a:rPr lang="en-US" dirty="0" smtClean="0"/>
+              <a:t>can be downloaded, and use some functionalities.</a:t>
             </a:r>
             <a:endParaRPr lang="en-US" dirty="0"/>
           </a:p>
@@ -16203,7 +16211,6 @@
               <a:rPr lang="fr-FR" dirty="0"/>
               <a:t>Android Auto</a:t>
             </a:r>
-            <a:endParaRPr lang="fr-FR" dirty="0"/>
           </a:p>
         </p:txBody>
       </p:sp>
@@ -16265,7 +16272,6 @@
               <a:rPr lang="fr-FR" dirty="0"/>
               <a:t>?</a:t>
             </a:r>
-            <a:endParaRPr lang="fr-FR" dirty="0"/>
           </a:p>
         </p:txBody>
       </p:sp>
@@ -16421,7 +16427,6 @@
               <a:rPr lang="fr-FR" dirty="0"/>
               <a:t>Embedded Android Auto</a:t>
             </a:r>
-            <a:endParaRPr lang="fr-FR" dirty="0"/>
           </a:p>
         </p:txBody>
       </p:sp>
@@ -16977,7 +16982,15 @@
             <a:pPr marL="280988" lvl="1" indent="-171450" algn="l"/>
             <a:r>
               <a:rPr lang="en-US" dirty="0" smtClean="0"/>
-              <a:t>Different display types. </a:t>
+              <a:t>Different display </a:t>
+            </a:r>
+            <a:r>
+              <a:rPr lang="en-US" dirty="0" smtClean="0"/>
+              <a:t>number and types</a:t>
+            </a:r>
+            <a:r>
+              <a:rPr lang="en-US" dirty="0" smtClean="0"/>
+              <a:t>. </a:t>
             </a:r>
             <a:endParaRPr lang="en-US" dirty="0"/>
           </a:p>
@@ -17914,8 +17927,13 @@
             </a:pPr>
             <a:r>
               <a:rPr lang="en-US" dirty="0" smtClean="0"/>
-              <a:t>GPS Navigation </a:t>
-            </a:r>
+              <a:t>GPS </a:t>
+            </a:r>
+            <a:r>
+              <a:rPr lang="en-US" dirty="0" smtClean="0"/>
+              <a:t>Navigation  </a:t>
+            </a:r>
+            <a:endParaRPr lang="en-US" dirty="0" smtClean="0"/>
           </a:p>
           <a:p>
             <a:pPr marL="171450" indent="-171450" algn="l">
@@ -18389,31 +18407,7 @@
             <a:pPr marL="279450" lvl="3" indent="-171450"/>
             <a:r>
               <a:rPr lang="en-US" dirty="0" smtClean="0"/>
-              <a:t>Notifications such as alerts from </a:t>
-            </a:r>
-            <a:r>
-              <a:rPr lang="en-US" dirty="0" smtClean="0"/>
-              <a:t>Email</a:t>
-            </a:r>
-            <a:r>
-              <a:rPr lang="en-US" dirty="0" smtClean="0"/>
-              <a:t>, </a:t>
-            </a:r>
-            <a:r>
-              <a:rPr lang="en-US" dirty="0" smtClean="0"/>
-              <a:t>Facebook </a:t>
-            </a:r>
-            <a:r>
-              <a:rPr lang="en-US" dirty="0" smtClean="0"/>
-              <a:t>or </a:t>
-            </a:r>
-            <a:r>
-              <a:rPr lang="en-US" dirty="0" smtClean="0"/>
-              <a:t>Twitter</a:t>
-            </a:r>
-            <a:r>
-              <a:rPr lang="en-US" dirty="0" smtClean="0"/>
-              <a:t>, will not show in the notifications log.</a:t>
+              <a:t>Notifications such as alerts from Email, Facebook or Twitter, will not show in the notifications log.</a:t>
             </a:r>
             <a:endParaRPr lang="en-US" dirty="0"/>
           </a:p>
@@ -19807,15 +19801,6 @@
 </file>
 
 <file path=customXml/item1.xml><?xml version="1.0" encoding="utf-8"?>
-<?mso-contentType ?>
-<FormTemplates xmlns="http://schemas.microsoft.com/sharepoint/v3/contenttype/forms">
-  <Display>DocumentLibraryForm</Display>
-  <Edit>DocumentLibraryForm</Edit>
-  <New>DocumentLibraryForm</New>
-</FormTemplates>
-</file>
-
-<file path=customXml/item2.xml><?xml version="1.0" encoding="utf-8"?>
 <ct:contentTypeSchema xmlns:ct="http://schemas.microsoft.com/office/2006/metadata/contentType" xmlns:ma="http://schemas.microsoft.com/office/2006/metadata/properties/metaAttributes" ct:_="" ma:_="" ma:contentTypeName="Document" ma:contentTypeID="0x0101001F419E1A6EA81A4789CC2A27D54FE063" ma:contentTypeVersion="2" ma:contentTypeDescription="Create a new document." ma:contentTypeScope="" ma:versionID="6e5cb36ff88c0f99687fc20d43474a84">
   <xsd:schema xmlns:xsd="http://www.w3.org/2001/XMLSchema" xmlns:xs="http://www.w3.org/2001/XMLSchema" xmlns:p="http://schemas.microsoft.com/office/2006/metadata/properties" targetNamespace="http://schemas.microsoft.com/office/2006/metadata/properties" ma:root="true" ma:fieldsID="0d665e38e66d01d06a7f476fcfe73af8">
     <xsd:element name="properties">
@@ -19929,6 +19914,15 @@
 </ct:contentTypeSchema>
 </file>
 
+<file path=customXml/item2.xml><?xml version="1.0" encoding="utf-8"?>
+<?mso-contentType ?>
+<FormTemplates xmlns="http://schemas.microsoft.com/sharepoint/v3/contenttype/forms">
+  <Display>DocumentLibraryForm</Display>
+  <Edit>DocumentLibraryForm</Edit>
+  <New>DocumentLibraryForm</New>
+</FormTemplates>
+</file>
+
 <file path=customXml/item3.xml><?xml version="1.0" encoding="utf-8"?>
 <p:properties xmlns:p="http://schemas.microsoft.com/office/2006/metadata/properties" xmlns:xsi="http://www.w3.org/2001/XMLSchema-instance" xmlns:pc="http://schemas.microsoft.com/office/infopath/2007/PartnerControls">
   <documentManagement/>
@@ -19936,14 +19930,6 @@
 </file>
 
 <file path=customXml/itemProps1.xml><?xml version="1.0" encoding="utf-8"?>
-<ds:datastoreItem xmlns:ds="http://schemas.openxmlformats.org/officeDocument/2006/customXml" ds:itemID="{74695D99-3EAE-4F55-A2B4-F38051B8FE0A}">
-  <ds:schemaRefs>
-    <ds:schemaRef ds:uri="http://schemas.microsoft.com/sharepoint/v3/contenttype/forms"/>
-  </ds:schemaRefs>
-</ds:datastoreItem>
-</file>
-
-<file path=customXml/itemProps2.xml><?xml version="1.0" encoding="utf-8"?>
 <ds:datastoreItem xmlns:ds="http://schemas.openxmlformats.org/officeDocument/2006/customXml" ds:itemID="{71BEF1E5-09DF-46B0-9968-4DC05085673B}">
   <ds:schemaRefs>
     <ds:schemaRef ds:uri="http://schemas.microsoft.com/office/2006/metadata/contentType"/>
@@ -19955,6 +19941,14 @@
     <ds:schemaRef ds:uri="http://purl.org/dc/terms/"/>
     <ds:schemaRef ds:uri="http://schemas.microsoft.com/internal/obd"/>
     <ds:schemaRef ds:uri="http://schemas.microsoft.com/office/infopath/2007/PartnerControls"/>
+  </ds:schemaRefs>
+</ds:datastoreItem>
+</file>
+
+<file path=customXml/itemProps2.xml><?xml version="1.0" encoding="utf-8"?>
+<ds:datastoreItem xmlns:ds="http://schemas.openxmlformats.org/officeDocument/2006/customXml" ds:itemID="{74695D99-3EAE-4F55-A2B4-F38051B8FE0A}">
+  <ds:schemaRefs>
+    <ds:schemaRef ds:uri="http://schemas.microsoft.com/sharepoint/v3/contenttype/forms"/>
   </ds:schemaRefs>
 </ds:datastoreItem>
 </file>

--- a/PowerPoint Final/Presentation_Joao_Mauro.pptx
+++ b/PowerPoint Final/Presentation_Joao_Mauro.pptx
@@ -5,10 +5,10 @@
     <p:sldMasterId id="2147483667" r:id="rId4"/>
   </p:sldMasterIdLst>
   <p:notesMasterIdLst>
-    <p:notesMasterId r:id="rId29"/>
+    <p:notesMasterId r:id="rId30"/>
   </p:notesMasterIdLst>
   <p:handoutMasterIdLst>
-    <p:handoutMasterId r:id="rId30"/>
+    <p:handoutMasterId r:id="rId31"/>
   </p:handoutMasterIdLst>
   <p:sldIdLst>
     <p:sldId id="258" r:id="rId5"/>
@@ -18,23 +18,24 @@
     <p:sldId id="302" r:id="rId9"/>
     <p:sldId id="261" r:id="rId10"/>
     <p:sldId id="288" r:id="rId11"/>
-    <p:sldId id="291" r:id="rId12"/>
-    <p:sldId id="292" r:id="rId13"/>
-    <p:sldId id="290" r:id="rId14"/>
-    <p:sldId id="271" r:id="rId15"/>
-    <p:sldId id="297" r:id="rId16"/>
-    <p:sldId id="298" r:id="rId17"/>
-    <p:sldId id="299" r:id="rId18"/>
-    <p:sldId id="300" r:id="rId19"/>
-    <p:sldId id="265" r:id="rId20"/>
-    <p:sldId id="301" r:id="rId21"/>
-    <p:sldId id="272" r:id="rId22"/>
-    <p:sldId id="293" r:id="rId23"/>
-    <p:sldId id="273" r:id="rId24"/>
-    <p:sldId id="294" r:id="rId25"/>
-    <p:sldId id="295" r:id="rId26"/>
-    <p:sldId id="296" r:id="rId27"/>
-    <p:sldId id="269" r:id="rId28"/>
+    <p:sldId id="303" r:id="rId12"/>
+    <p:sldId id="291" r:id="rId13"/>
+    <p:sldId id="292" r:id="rId14"/>
+    <p:sldId id="290" r:id="rId15"/>
+    <p:sldId id="271" r:id="rId16"/>
+    <p:sldId id="297" r:id="rId17"/>
+    <p:sldId id="298" r:id="rId18"/>
+    <p:sldId id="299" r:id="rId19"/>
+    <p:sldId id="300" r:id="rId20"/>
+    <p:sldId id="265" r:id="rId21"/>
+    <p:sldId id="301" r:id="rId22"/>
+    <p:sldId id="272" r:id="rId23"/>
+    <p:sldId id="293" r:id="rId24"/>
+    <p:sldId id="273" r:id="rId25"/>
+    <p:sldId id="294" r:id="rId26"/>
+    <p:sldId id="295" r:id="rId27"/>
+    <p:sldId id="296" r:id="rId28"/>
+    <p:sldId id="269" r:id="rId29"/>
   </p:sldIdLst>
   <p:sldSz cx="9144000" cy="5143500" type="screen16x9"/>
   <p:notesSz cx="6858000" cy="9144000"/>
@@ -145,6 +146,7 @@
             <p14:sldId id="302"/>
             <p14:sldId id="261"/>
             <p14:sldId id="288"/>
+            <p14:sldId id="303"/>
             <p14:sldId id="291"/>
             <p14:sldId id="292"/>
             <p14:sldId id="290"/>
@@ -848,12 +850,50 @@
           <a:lstStyle/>
           <a:p>
             <a:r>
-              <a:rPr lang="en-GB" dirty="0" smtClean="0"/>
-              <a:t>https://developer.android.com/training/auto/start/index.html#dev-project</a:t>
-            </a:r>
-          </a:p>
-          <a:p>
-            <a:endParaRPr lang="en-GB" dirty="0"/>
+              <a:rPr lang="en-US" dirty="0" smtClean="0"/>
+              <a:t>Need to be android 5.0 plus</a:t>
+            </a:r>
+          </a:p>
+          <a:p>
+            <a:r>
+              <a:rPr lang="en-US" dirty="0" smtClean="0"/>
+              <a:t>5 panels -&gt; navigation,</a:t>
+            </a:r>
+            <a:r>
+              <a:rPr lang="en-US" baseline="0" dirty="0" smtClean="0"/>
+              <a:t> phone log, home, media, car diagnosis</a:t>
+            </a:r>
+          </a:p>
+          <a:p>
+            <a:r>
+              <a:rPr lang="en-US" baseline="0" dirty="0" smtClean="0"/>
+              <a:t>Important information, like a message received, from </a:t>
+            </a:r>
+            <a:r>
+              <a:rPr lang="en-US" baseline="0" dirty="0" err="1" smtClean="0"/>
+              <a:t>whatsupp</a:t>
+            </a:r>
+            <a:r>
+              <a:rPr lang="en-US" baseline="0" dirty="0" smtClean="0"/>
+              <a:t>, </a:t>
+            </a:r>
+            <a:r>
+              <a:rPr lang="en-US" baseline="0" dirty="0" err="1" smtClean="0"/>
+              <a:t>facebook</a:t>
+            </a:r>
+            <a:r>
+              <a:rPr lang="en-US" baseline="0" dirty="0" smtClean="0"/>
+              <a:t> </a:t>
+            </a:r>
+            <a:r>
+              <a:rPr lang="en-US" baseline="0" dirty="0" err="1" smtClean="0"/>
+              <a:t>messeger</a:t>
+            </a:r>
+            <a:r>
+              <a:rPr lang="en-US" baseline="0" dirty="0" smtClean="0"/>
+              <a:t> or hangouts</a:t>
+            </a:r>
+            <a:endParaRPr lang="en-US" dirty="0" smtClean="0"/>
           </a:p>
         </p:txBody>
       </p:sp>
@@ -872,18 +912,19 @@
           <a:bodyPr/>
           <a:lstStyle/>
           <a:p>
-            <a:fld id="{A5FE6474-0819-4CAC-A677-1ACC1221F957}" type="slidenum">
-              <a:rPr lang="en-GB" smtClean="0"/>
-              <a:t>12</a:t>
+            <a:fld id="{1B06CD8F-B7ED-4A05-9FB1-A01CC0EF02CC}" type="slidenum">
+              <a:rPr lang="fr-FR" smtClean="0"/>
+              <a:pPr/>
+              <a:t>7</a:t>
             </a:fld>
-            <a:endParaRPr lang="en-GB"/>
+            <a:endParaRPr lang="fr-FR" dirty="0"/>
           </a:p>
         </p:txBody>
       </p:sp>
     </p:spTree>
     <p:extLst>
       <p:ext uri="{BB962C8B-B14F-4D97-AF65-F5344CB8AC3E}">
-        <p14:creationId xmlns:p14="http://schemas.microsoft.com/office/powerpoint/2010/main" val="4288258623"/>
+        <p14:creationId xmlns:p14="http://schemas.microsoft.com/office/powerpoint/2010/main" val="1564263606"/>
       </p:ext>
     </p:extLst>
   </p:cSld>
@@ -937,27 +978,81 @@
           <a:bodyPr/>
           <a:lstStyle/>
           <a:p>
-            <a:pPr marL="0" marR="0" lvl="0" indent="0" algn="l" defTabSz="914400" rtl="0" eaLnBrk="1" fontAlgn="auto" latinLnBrk="0" hangingPunct="1">
-              <a:lnSpc>
-                <a:spcPct val="100000"/>
-              </a:lnSpc>
-              <a:spcBef>
-                <a:spcPts val="0"/>
-              </a:spcBef>
-              <a:spcAft>
-                <a:spcPts val="0"/>
-              </a:spcAft>
-              <a:buClrTx/>
-              <a:buSzTx/>
-              <a:buFontTx/>
-              <a:buNone/>
-              <a:tabLst/>
-              <a:defRPr/>
-            </a:pPr>
             <a:r>
               <a:rPr lang="en-US" dirty="0" smtClean="0"/>
-              <a:t>Android Auto can contact your service to do the following:</a:t>
-            </a:r>
+              <a:t>Like said before, the car sound system is connected</a:t>
+            </a:r>
+            <a:r>
+              <a:rPr lang="en-US" baseline="0" dirty="0" smtClean="0"/>
+              <a:t> via </a:t>
+            </a:r>
+            <a:r>
+              <a:rPr lang="en-US" baseline="0" dirty="0" err="1" smtClean="0"/>
+              <a:t>bluethoot</a:t>
+            </a:r>
+            <a:r>
+              <a:rPr lang="en-US" baseline="0" dirty="0" smtClean="0"/>
+              <a:t>.</a:t>
+            </a:r>
+          </a:p>
+          <a:p>
+            <a:r>
+              <a:rPr lang="en-US" baseline="0" dirty="0" smtClean="0"/>
+              <a:t>We have a lot of options to start a voice command, for example if we use the “OK Google”, we don’t need to touch the screen, and keep the eyes on the road at the same time we are doing something else.</a:t>
+            </a:r>
+          </a:p>
+          <a:p>
+            <a:r>
+              <a:rPr lang="en-US" baseline="0" dirty="0" smtClean="0"/>
+              <a:t>A example to set the destination we can say “OK Google, set directions to …” and we say the address.</a:t>
+            </a:r>
+          </a:p>
+          <a:p>
+            <a:r>
+              <a:rPr lang="en-US" baseline="0" dirty="0" smtClean="0"/>
+              <a:t>We can also ask for a </a:t>
+            </a:r>
+            <a:r>
+              <a:rPr lang="en-US" sz="1200" b="0" i="0" kern="1200" dirty="0" smtClean="0">
+                <a:solidFill>
+                  <a:schemeClr val="tx1"/>
+                </a:solidFill>
+                <a:effectLst/>
+                <a:latin typeface="Arial" pitchFamily="34" charset="0"/>
+                <a:ea typeface="+mn-ea"/>
+                <a:cs typeface="+mn-cs"/>
+              </a:rPr>
+              <a:t>specific</a:t>
+            </a:r>
+            <a:r>
+              <a:rPr lang="en-US" baseline="0" dirty="0" smtClean="0"/>
+              <a:t> song in a </a:t>
+            </a:r>
+            <a:r>
+              <a:rPr lang="en-US" sz="1200" b="0" i="0" kern="1200" dirty="0" smtClean="0">
+                <a:solidFill>
+                  <a:schemeClr val="tx1"/>
+                </a:solidFill>
+                <a:effectLst/>
+                <a:latin typeface="Arial" pitchFamily="34" charset="0"/>
+                <a:ea typeface="+mn-ea"/>
+                <a:cs typeface="+mn-cs"/>
+              </a:rPr>
+              <a:t>specific</a:t>
+            </a:r>
+            <a:r>
+              <a:rPr lang="en-US" baseline="0" dirty="0" smtClean="0"/>
+              <a:t> app</a:t>
+            </a:r>
+          </a:p>
+          <a:p>
+            <a:r>
+              <a:rPr lang="en-US" baseline="0" dirty="0" smtClean="0"/>
+              <a:t>Basically, We can use every OK Google command available for android system</a:t>
+            </a:r>
+          </a:p>
+          <a:p>
+            <a:endParaRPr lang="en-US" dirty="0"/>
           </a:p>
         </p:txBody>
       </p:sp>
@@ -976,18 +1071,19 @@
           <a:bodyPr/>
           <a:lstStyle/>
           <a:p>
-            <a:fld id="{A5FE6474-0819-4CAC-A677-1ACC1221F957}" type="slidenum">
-              <a:rPr lang="en-GB" smtClean="0"/>
-              <a:t>13</a:t>
+            <a:fld id="{1B06CD8F-B7ED-4A05-9FB1-A01CC0EF02CC}" type="slidenum">
+              <a:rPr lang="fr-FR" smtClean="0"/>
+              <a:pPr/>
+              <a:t>8</a:t>
             </a:fld>
-            <a:endParaRPr lang="en-GB"/>
+            <a:endParaRPr lang="fr-FR" dirty="0"/>
           </a:p>
         </p:txBody>
       </p:sp>
     </p:spTree>
     <p:extLst>
       <p:ext uri="{BB962C8B-B14F-4D97-AF65-F5344CB8AC3E}">
-        <p14:creationId xmlns:p14="http://schemas.microsoft.com/office/powerpoint/2010/main" val="1749210354"/>
+        <p14:creationId xmlns:p14="http://schemas.microsoft.com/office/powerpoint/2010/main" val="4291574160"/>
       </p:ext>
     </p:extLst>
   </p:cSld>
@@ -1041,7 +1137,21 @@
           <a:bodyPr/>
           <a:lstStyle/>
           <a:p>
-            <a:endParaRPr lang="en-GB" dirty="0"/>
+            <a:r>
+              <a:rPr lang="en-US" dirty="0" smtClean="0"/>
+              <a:t>Here is shown the phone screen and the car dash screen,</a:t>
+            </a:r>
+            <a:r>
+              <a:rPr lang="en-US" baseline="0" dirty="0" smtClean="0"/>
+              <a:t> and the blue markers show the panel with 5 or 4 buttons</a:t>
+            </a:r>
+          </a:p>
+          <a:p>
+            <a:r>
+              <a:rPr lang="en-US" baseline="0" dirty="0" smtClean="0"/>
+              <a:t>For car diagnosis the app called Torque is the one that is used</a:t>
+            </a:r>
+            <a:endParaRPr lang="en-US" dirty="0"/>
           </a:p>
         </p:txBody>
       </p:sp>
@@ -1060,18 +1170,19 @@
           <a:bodyPr/>
           <a:lstStyle/>
           <a:p>
-            <a:fld id="{A5FE6474-0819-4CAC-A677-1ACC1221F957}" type="slidenum">
-              <a:rPr lang="en-GB" smtClean="0"/>
-              <a:t>15</a:t>
+            <a:fld id="{1B06CD8F-B7ED-4A05-9FB1-A01CC0EF02CC}" type="slidenum">
+              <a:rPr lang="fr-FR" smtClean="0"/>
+              <a:pPr/>
+              <a:t>9</a:t>
             </a:fld>
-            <a:endParaRPr lang="en-GB"/>
+            <a:endParaRPr lang="fr-FR" dirty="0"/>
           </a:p>
         </p:txBody>
       </p:sp>
     </p:spTree>
     <p:extLst>
       <p:ext uri="{BB962C8B-B14F-4D97-AF65-F5344CB8AC3E}">
-        <p14:creationId xmlns:p14="http://schemas.microsoft.com/office/powerpoint/2010/main" val="3694532524"/>
+        <p14:creationId xmlns:p14="http://schemas.microsoft.com/office/powerpoint/2010/main" val="3316341565"/>
       </p:ext>
     </p:extLst>
   </p:cSld>
@@ -1126,6 +1237,381 @@
           <a:lstStyle/>
           <a:p>
             <a:r>
+              <a:rPr lang="en-US" dirty="0" smtClean="0"/>
+              <a:t>Here</a:t>
+            </a:r>
+            <a:r>
+              <a:rPr lang="en-US" baseline="0" dirty="0" smtClean="0"/>
+              <a:t> is shown some examples of the home menu, where we see the relevant information, in the case of the phone we see the current destination, the actual music and a received message, in the car dash is shown a received message, a coming appointment and the current </a:t>
+            </a:r>
+            <a:r>
+              <a:rPr lang="en-US" baseline="0" dirty="0" err="1" smtClean="0"/>
+              <a:t>wheather</a:t>
+            </a:r>
+            <a:endParaRPr lang="en-US" dirty="0"/>
+          </a:p>
+        </p:txBody>
+      </p:sp>
+      <p:sp>
+        <p:nvSpPr>
+          <p:cNvPr id="4" name="Slide Number Placeholder 3"/>
+          <p:cNvSpPr>
+            <a:spLocks noGrp="1"/>
+          </p:cNvSpPr>
+          <p:nvPr>
+            <p:ph type="sldNum" sz="quarter" idx="10"/>
+          </p:nvPr>
+        </p:nvSpPr>
+        <p:spPr/>
+        <p:txBody>
+          <a:bodyPr/>
+          <a:lstStyle/>
+          <a:p>
+            <a:fld id="{1B06CD8F-B7ED-4A05-9FB1-A01CC0EF02CC}" type="slidenum">
+              <a:rPr lang="fr-FR" smtClean="0"/>
+              <a:pPr/>
+              <a:t>10</a:t>
+            </a:fld>
+            <a:endParaRPr lang="fr-FR" dirty="0"/>
+          </a:p>
+        </p:txBody>
+      </p:sp>
+    </p:spTree>
+    <p:extLst>
+      <p:ext uri="{BB962C8B-B14F-4D97-AF65-F5344CB8AC3E}">
+        <p14:creationId xmlns:p14="http://schemas.microsoft.com/office/powerpoint/2010/main" val="1596670375"/>
+      </p:ext>
+    </p:extLst>
+  </p:cSld>
+  <p:clrMapOvr>
+    <a:masterClrMapping/>
+  </p:clrMapOvr>
+</p:notes>
+</file>
+
+<file path=ppt/notesSlides/notesSlide5.xml><?xml version="1.0" encoding="utf-8"?>
+<p:notes xmlns:a="http://schemas.openxmlformats.org/drawingml/2006/main" xmlns:r="http://schemas.openxmlformats.org/officeDocument/2006/relationships" xmlns:p="http://schemas.openxmlformats.org/presentationml/2006/main">
+  <p:cSld>
+    <p:spTree>
+      <p:nvGrpSpPr>
+        <p:cNvPr id="1" name=""/>
+        <p:cNvGrpSpPr/>
+        <p:nvPr/>
+      </p:nvGrpSpPr>
+      <p:grpSpPr>
+        <a:xfrm>
+          <a:off x="0" y="0"/>
+          <a:ext cx="0" cy="0"/>
+          <a:chOff x="0" y="0"/>
+          <a:chExt cx="0" cy="0"/>
+        </a:xfrm>
+      </p:grpSpPr>
+      <p:sp>
+        <p:nvSpPr>
+          <p:cNvPr id="2" name="Slide Image Placeholder 1"/>
+          <p:cNvSpPr>
+            <a:spLocks noGrp="1" noRot="1" noChangeAspect="1"/>
+          </p:cNvSpPr>
+          <p:nvPr>
+            <p:ph type="sldImg"/>
+          </p:nvPr>
+        </p:nvSpPr>
+        <p:spPr/>
+      </p:sp>
+      <p:sp>
+        <p:nvSpPr>
+          <p:cNvPr id="3" name="Notes Placeholder 2"/>
+          <p:cNvSpPr>
+            <a:spLocks noGrp="1"/>
+          </p:cNvSpPr>
+          <p:nvPr>
+            <p:ph type="body" idx="1"/>
+          </p:nvPr>
+        </p:nvSpPr>
+        <p:spPr/>
+        <p:txBody>
+          <a:bodyPr/>
+          <a:lstStyle/>
+          <a:p>
+            <a:r>
+              <a:rPr lang="en-GB" dirty="0" smtClean="0"/>
+              <a:t>https://developer.android.com/training/auto/start/index.html#dev-project</a:t>
+            </a:r>
+          </a:p>
+          <a:p>
+            <a:endParaRPr lang="en-GB" dirty="0"/>
+          </a:p>
+        </p:txBody>
+      </p:sp>
+      <p:sp>
+        <p:nvSpPr>
+          <p:cNvPr id="4" name="Slide Number Placeholder 3"/>
+          <p:cNvSpPr>
+            <a:spLocks noGrp="1"/>
+          </p:cNvSpPr>
+          <p:nvPr>
+            <p:ph type="sldNum" sz="quarter" idx="10"/>
+          </p:nvPr>
+        </p:nvSpPr>
+        <p:spPr/>
+        <p:txBody>
+          <a:bodyPr/>
+          <a:lstStyle/>
+          <a:p>
+            <a:fld id="{A5FE6474-0819-4CAC-A677-1ACC1221F957}" type="slidenum">
+              <a:rPr lang="en-GB" smtClean="0"/>
+              <a:t>13</a:t>
+            </a:fld>
+            <a:endParaRPr lang="en-GB"/>
+          </a:p>
+        </p:txBody>
+      </p:sp>
+    </p:spTree>
+    <p:extLst>
+      <p:ext uri="{BB962C8B-B14F-4D97-AF65-F5344CB8AC3E}">
+        <p14:creationId xmlns:p14="http://schemas.microsoft.com/office/powerpoint/2010/main" val="4288258623"/>
+      </p:ext>
+    </p:extLst>
+  </p:cSld>
+  <p:clrMapOvr>
+    <a:masterClrMapping/>
+  </p:clrMapOvr>
+</p:notes>
+</file>
+
+<file path=ppt/notesSlides/notesSlide6.xml><?xml version="1.0" encoding="utf-8"?>
+<p:notes xmlns:a="http://schemas.openxmlformats.org/drawingml/2006/main" xmlns:r="http://schemas.openxmlformats.org/officeDocument/2006/relationships" xmlns:p="http://schemas.openxmlformats.org/presentationml/2006/main">
+  <p:cSld>
+    <p:spTree>
+      <p:nvGrpSpPr>
+        <p:cNvPr id="1" name=""/>
+        <p:cNvGrpSpPr/>
+        <p:nvPr/>
+      </p:nvGrpSpPr>
+      <p:grpSpPr>
+        <a:xfrm>
+          <a:off x="0" y="0"/>
+          <a:ext cx="0" cy="0"/>
+          <a:chOff x="0" y="0"/>
+          <a:chExt cx="0" cy="0"/>
+        </a:xfrm>
+      </p:grpSpPr>
+      <p:sp>
+        <p:nvSpPr>
+          <p:cNvPr id="2" name="Slide Image Placeholder 1"/>
+          <p:cNvSpPr>
+            <a:spLocks noGrp="1" noRot="1" noChangeAspect="1"/>
+          </p:cNvSpPr>
+          <p:nvPr>
+            <p:ph type="sldImg"/>
+          </p:nvPr>
+        </p:nvSpPr>
+        <p:spPr/>
+      </p:sp>
+      <p:sp>
+        <p:nvSpPr>
+          <p:cNvPr id="3" name="Notes Placeholder 2"/>
+          <p:cNvSpPr>
+            <a:spLocks noGrp="1"/>
+          </p:cNvSpPr>
+          <p:nvPr>
+            <p:ph type="body" idx="1"/>
+          </p:nvPr>
+        </p:nvSpPr>
+        <p:spPr/>
+        <p:txBody>
+          <a:bodyPr/>
+          <a:lstStyle/>
+          <a:p>
+            <a:pPr marL="0" marR="0" lvl="0" indent="0" algn="l" defTabSz="914400" rtl="0" eaLnBrk="1" fontAlgn="auto" latinLnBrk="0" hangingPunct="1">
+              <a:lnSpc>
+                <a:spcPct val="100000"/>
+              </a:lnSpc>
+              <a:spcBef>
+                <a:spcPts val="0"/>
+              </a:spcBef>
+              <a:spcAft>
+                <a:spcPts val="0"/>
+              </a:spcAft>
+              <a:buClrTx/>
+              <a:buSzTx/>
+              <a:buFontTx/>
+              <a:buNone/>
+              <a:tabLst/>
+              <a:defRPr/>
+            </a:pPr>
+            <a:r>
+              <a:rPr lang="en-US" dirty="0" smtClean="0"/>
+              <a:t>Android Auto can contact your service to do the following:</a:t>
+            </a:r>
+          </a:p>
+        </p:txBody>
+      </p:sp>
+      <p:sp>
+        <p:nvSpPr>
+          <p:cNvPr id="4" name="Slide Number Placeholder 3"/>
+          <p:cNvSpPr>
+            <a:spLocks noGrp="1"/>
+          </p:cNvSpPr>
+          <p:nvPr>
+            <p:ph type="sldNum" sz="quarter" idx="10"/>
+          </p:nvPr>
+        </p:nvSpPr>
+        <p:spPr/>
+        <p:txBody>
+          <a:bodyPr/>
+          <a:lstStyle/>
+          <a:p>
+            <a:fld id="{A5FE6474-0819-4CAC-A677-1ACC1221F957}" type="slidenum">
+              <a:rPr lang="en-GB" smtClean="0"/>
+              <a:t>14</a:t>
+            </a:fld>
+            <a:endParaRPr lang="en-GB"/>
+          </a:p>
+        </p:txBody>
+      </p:sp>
+    </p:spTree>
+    <p:extLst>
+      <p:ext uri="{BB962C8B-B14F-4D97-AF65-F5344CB8AC3E}">
+        <p14:creationId xmlns:p14="http://schemas.microsoft.com/office/powerpoint/2010/main" val="1749210354"/>
+      </p:ext>
+    </p:extLst>
+  </p:cSld>
+  <p:clrMapOvr>
+    <a:masterClrMapping/>
+  </p:clrMapOvr>
+</p:notes>
+</file>
+
+<file path=ppt/notesSlides/notesSlide7.xml><?xml version="1.0" encoding="utf-8"?>
+<p:notes xmlns:a="http://schemas.openxmlformats.org/drawingml/2006/main" xmlns:r="http://schemas.openxmlformats.org/officeDocument/2006/relationships" xmlns:p="http://schemas.openxmlformats.org/presentationml/2006/main">
+  <p:cSld>
+    <p:spTree>
+      <p:nvGrpSpPr>
+        <p:cNvPr id="1" name=""/>
+        <p:cNvGrpSpPr/>
+        <p:nvPr/>
+      </p:nvGrpSpPr>
+      <p:grpSpPr>
+        <a:xfrm>
+          <a:off x="0" y="0"/>
+          <a:ext cx="0" cy="0"/>
+          <a:chOff x="0" y="0"/>
+          <a:chExt cx="0" cy="0"/>
+        </a:xfrm>
+      </p:grpSpPr>
+      <p:sp>
+        <p:nvSpPr>
+          <p:cNvPr id="2" name="Slide Image Placeholder 1"/>
+          <p:cNvSpPr>
+            <a:spLocks noGrp="1" noRot="1" noChangeAspect="1"/>
+          </p:cNvSpPr>
+          <p:nvPr>
+            <p:ph type="sldImg"/>
+          </p:nvPr>
+        </p:nvSpPr>
+        <p:spPr/>
+      </p:sp>
+      <p:sp>
+        <p:nvSpPr>
+          <p:cNvPr id="3" name="Notes Placeholder 2"/>
+          <p:cNvSpPr>
+            <a:spLocks noGrp="1"/>
+          </p:cNvSpPr>
+          <p:nvPr>
+            <p:ph type="body" idx="1"/>
+          </p:nvPr>
+        </p:nvSpPr>
+        <p:spPr/>
+        <p:txBody>
+          <a:bodyPr/>
+          <a:lstStyle/>
+          <a:p>
+            <a:endParaRPr lang="en-GB" dirty="0"/>
+          </a:p>
+        </p:txBody>
+      </p:sp>
+      <p:sp>
+        <p:nvSpPr>
+          <p:cNvPr id="4" name="Slide Number Placeholder 3"/>
+          <p:cNvSpPr>
+            <a:spLocks noGrp="1"/>
+          </p:cNvSpPr>
+          <p:nvPr>
+            <p:ph type="sldNum" sz="quarter" idx="10"/>
+          </p:nvPr>
+        </p:nvSpPr>
+        <p:spPr/>
+        <p:txBody>
+          <a:bodyPr/>
+          <a:lstStyle/>
+          <a:p>
+            <a:fld id="{A5FE6474-0819-4CAC-A677-1ACC1221F957}" type="slidenum">
+              <a:rPr lang="en-GB" smtClean="0"/>
+              <a:t>16</a:t>
+            </a:fld>
+            <a:endParaRPr lang="en-GB"/>
+          </a:p>
+        </p:txBody>
+      </p:sp>
+    </p:spTree>
+    <p:extLst>
+      <p:ext uri="{BB962C8B-B14F-4D97-AF65-F5344CB8AC3E}">
+        <p14:creationId xmlns:p14="http://schemas.microsoft.com/office/powerpoint/2010/main" val="3694532524"/>
+      </p:ext>
+    </p:extLst>
+  </p:cSld>
+  <p:clrMapOvr>
+    <a:masterClrMapping/>
+  </p:clrMapOvr>
+</p:notes>
+</file>
+
+<file path=ppt/notesSlides/notesSlide8.xml><?xml version="1.0" encoding="utf-8"?>
+<p:notes xmlns:a="http://schemas.openxmlformats.org/drawingml/2006/main" xmlns:r="http://schemas.openxmlformats.org/officeDocument/2006/relationships" xmlns:p="http://schemas.openxmlformats.org/presentationml/2006/main">
+  <p:cSld>
+    <p:spTree>
+      <p:nvGrpSpPr>
+        <p:cNvPr id="1" name=""/>
+        <p:cNvGrpSpPr/>
+        <p:nvPr/>
+      </p:nvGrpSpPr>
+      <p:grpSpPr>
+        <a:xfrm>
+          <a:off x="0" y="0"/>
+          <a:ext cx="0" cy="0"/>
+          <a:chOff x="0" y="0"/>
+          <a:chExt cx="0" cy="0"/>
+        </a:xfrm>
+      </p:grpSpPr>
+      <p:sp>
+        <p:nvSpPr>
+          <p:cNvPr id="2" name="Slide Image Placeholder 1"/>
+          <p:cNvSpPr>
+            <a:spLocks noGrp="1" noRot="1" noChangeAspect="1"/>
+          </p:cNvSpPr>
+          <p:nvPr>
+            <p:ph type="sldImg"/>
+          </p:nvPr>
+        </p:nvSpPr>
+        <p:spPr/>
+      </p:sp>
+      <p:sp>
+        <p:nvSpPr>
+          <p:cNvPr id="3" name="Notes Placeholder 2"/>
+          <p:cNvSpPr>
+            <a:spLocks noGrp="1"/>
+          </p:cNvSpPr>
+          <p:nvPr>
+            <p:ph type="body" idx="1"/>
+          </p:nvPr>
+        </p:nvSpPr>
+        <p:spPr/>
+        <p:txBody>
+          <a:bodyPr/>
+          <a:lstStyle/>
+          <a:p>
+            <a:r>
               <a:rPr lang="en-GB" dirty="0" smtClean="0"/>
               <a:t>https://developer.android.com/distribute/best-practices/launch/distribute-auto.html#how_to_participate</a:t>
             </a:r>
@@ -1150,7 +1636,7 @@
           <a:p>
             <a:fld id="{A5FE6474-0819-4CAC-A677-1ACC1221F957}" type="slidenum">
               <a:rPr lang="en-GB" smtClean="0"/>
-              <a:t>17</a:t>
+              <a:t>18</a:t>
             </a:fld>
             <a:endParaRPr lang="en-GB"/>
           </a:p>
@@ -1160,6 +1646,91 @@
     <p:extLst>
       <p:ext uri="{BB962C8B-B14F-4D97-AF65-F5344CB8AC3E}">
         <p14:creationId xmlns:p14="http://schemas.microsoft.com/office/powerpoint/2010/main" val="3504536707"/>
+      </p:ext>
+    </p:extLst>
+  </p:cSld>
+  <p:clrMapOvr>
+    <a:masterClrMapping/>
+  </p:clrMapOvr>
+</p:notes>
+</file>
+
+<file path=ppt/notesSlides/notesSlide9.xml><?xml version="1.0" encoding="utf-8"?>
+<p:notes xmlns:a="http://schemas.openxmlformats.org/drawingml/2006/main" xmlns:r="http://schemas.openxmlformats.org/officeDocument/2006/relationships" xmlns:p="http://schemas.openxmlformats.org/presentationml/2006/main">
+  <p:cSld>
+    <p:spTree>
+      <p:nvGrpSpPr>
+        <p:cNvPr id="1" name=""/>
+        <p:cNvGrpSpPr/>
+        <p:nvPr/>
+      </p:nvGrpSpPr>
+      <p:grpSpPr>
+        <a:xfrm>
+          <a:off x="0" y="0"/>
+          <a:ext cx="0" cy="0"/>
+          <a:chOff x="0" y="0"/>
+          <a:chExt cx="0" cy="0"/>
+        </a:xfrm>
+      </p:grpSpPr>
+      <p:sp>
+        <p:nvSpPr>
+          <p:cNvPr id="2" name="Slide Image Placeholder 1"/>
+          <p:cNvSpPr>
+            <a:spLocks noGrp="1" noRot="1" noChangeAspect="1"/>
+          </p:cNvSpPr>
+          <p:nvPr>
+            <p:ph type="sldImg"/>
+          </p:nvPr>
+        </p:nvSpPr>
+        <p:spPr/>
+      </p:sp>
+      <p:sp>
+        <p:nvSpPr>
+          <p:cNvPr id="3" name="Notes Placeholder 2"/>
+          <p:cNvSpPr>
+            <a:spLocks noGrp="1"/>
+          </p:cNvSpPr>
+          <p:nvPr>
+            <p:ph type="body" idx="1"/>
+          </p:nvPr>
+        </p:nvSpPr>
+        <p:spPr/>
+        <p:txBody>
+          <a:bodyPr/>
+          <a:lstStyle/>
+          <a:p>
+            <a:endParaRPr lang="en-US" dirty="0"/>
+          </a:p>
+        </p:txBody>
+      </p:sp>
+      <p:sp>
+        <p:nvSpPr>
+          <p:cNvPr id="4" name="Slide Number Placeholder 3"/>
+          <p:cNvSpPr>
+            <a:spLocks noGrp="1"/>
+          </p:cNvSpPr>
+          <p:nvPr>
+            <p:ph type="sldNum" sz="quarter" idx="10"/>
+          </p:nvPr>
+        </p:nvSpPr>
+        <p:spPr/>
+        <p:txBody>
+          <a:bodyPr/>
+          <a:lstStyle/>
+          <a:p>
+            <a:fld id="{1B06CD8F-B7ED-4A05-9FB1-A01CC0EF02CC}" type="slidenum">
+              <a:rPr lang="fr-FR" smtClean="0"/>
+              <a:pPr/>
+              <a:t>22</a:t>
+            </a:fld>
+            <a:endParaRPr lang="fr-FR" dirty="0"/>
+          </a:p>
+        </p:txBody>
+      </p:sp>
+    </p:spTree>
+    <p:extLst>
+      <p:ext uri="{BB962C8B-B14F-4D97-AF65-F5344CB8AC3E}">
+        <p14:creationId xmlns:p14="http://schemas.microsoft.com/office/powerpoint/2010/main" val="991357884"/>
       </p:ext>
     </p:extLst>
   </p:cSld>
@@ -11937,7 +12508,7 @@
           <a:p>
             <a:r>
               <a:rPr lang="fr-FR" dirty="0" smtClean="0"/>
-              <a:t>06.10.2017</a:t>
+              <a:t>09.10.2017</a:t>
             </a:r>
             <a:endParaRPr lang="fr-FR" dirty="0"/>
           </a:p>
@@ -12105,6 +12676,29 @@
       </p:grpSpPr>
       <p:sp>
         <p:nvSpPr>
+          <p:cNvPr id="2" name="Title 1"/>
+          <p:cNvSpPr>
+            <a:spLocks noGrp="1"/>
+          </p:cNvSpPr>
+          <p:nvPr>
+            <p:ph type="title"/>
+          </p:nvPr>
+        </p:nvSpPr>
+        <p:spPr/>
+        <p:txBody>
+          <a:bodyPr/>
+          <a:lstStyle/>
+          <a:p>
+            <a:r>
+              <a:rPr lang="en-US" dirty="0" smtClean="0"/>
+              <a:t>Android Auto - Home Menu</a:t>
+            </a:r>
+            <a:endParaRPr lang="en-US" dirty="0"/>
+          </a:p>
+        </p:txBody>
+      </p:sp>
+      <p:sp>
+        <p:nvSpPr>
           <p:cNvPr id="4" name="Date Placeholder 3"/>
           <p:cNvSpPr>
             <a:spLocks noGrp="1"/>
@@ -12142,8 +12736,8 @@
           <a:lstStyle/>
           <a:p>
             <a:r>
-              <a:rPr lang="en-US" noProof="0" smtClean="0"/>
-              <a:t>Presentation title</a:t>
+              <a:rPr lang="en-US" noProof="0" dirty="0" smtClean="0"/>
+              <a:t>Android Auto</a:t>
             </a:r>
             <a:endParaRPr lang="en-US" noProof="0" dirty="0"/>
           </a:p>
@@ -12175,61 +12769,76 @@
       </p:sp>
       <p:sp>
         <p:nvSpPr>
-          <p:cNvPr id="14" name="Title 1"/>
-          <p:cNvSpPr txBox="1">
-            <a:spLocks/>
-          </p:cNvSpPr>
+          <p:cNvPr id="11" name="TextBox 10"/>
+          <p:cNvSpPr txBox="1"/>
           <p:nvPr/>
         </p:nvSpPr>
         <p:spPr>
           <a:xfrm>
-            <a:off x="62595" y="616310"/>
-            <a:ext cx="2305410" cy="891380"/>
+            <a:off x="636237" y="1497739"/>
+            <a:ext cx="3307582" cy="261610"/>
           </a:xfrm>
           <a:prstGeom prst="rect">
             <a:avLst/>
           </a:prstGeom>
-        </p:spPr>
-        <p:txBody>
-          <a:bodyPr/>
-          <a:lstStyle>
-            <a:lvl1pPr algn="l" defTabSz="914400" rtl="0" eaLnBrk="1" latinLnBrk="0" hangingPunct="1">
-              <a:lnSpc>
-                <a:spcPct val="90000"/>
-              </a:lnSpc>
-              <a:spcBef>
-                <a:spcPct val="0"/>
-              </a:spcBef>
-              <a:buNone/>
-              <a:defRPr sz="2000" b="1" kern="1200">
-                <a:solidFill>
-                  <a:schemeClr val="accent5"/>
-                </a:solidFill>
-                <a:latin typeface="+mj-lt"/>
-                <a:ea typeface="+mj-ea"/>
-                <a:cs typeface="+mj-cs"/>
-              </a:defRPr>
-            </a:lvl1pPr>
-          </a:lstStyle>
-          <a:p>
-            <a:r>
-              <a:rPr lang="en-US" dirty="0" smtClean="0"/>
-              <a:t>When a message is received</a:t>
-            </a:r>
-            <a:endParaRPr lang="en-US" dirty="0"/>
+          <a:noFill/>
+        </p:spPr>
+        <p:txBody>
+          <a:bodyPr wrap="square" rtlCol="0">
+            <a:spAutoFit/>
+          </a:bodyPr>
+          <a:lstStyle/>
+          <a:p>
+            <a:pPr algn="ctr"/>
+            <a:r>
+              <a:rPr lang="en-US" sz="1100" b="1" dirty="0" smtClean="0"/>
+              <a:t>On phone Screen</a:t>
+            </a:r>
+            <a:endParaRPr lang="en-US" sz="1100" b="1" dirty="0"/>
+          </a:p>
+        </p:txBody>
+      </p:sp>
+      <p:sp>
+        <p:nvSpPr>
+          <p:cNvPr id="12" name="TextBox 11"/>
+          <p:cNvSpPr txBox="1"/>
+          <p:nvPr/>
+        </p:nvSpPr>
+        <p:spPr>
+          <a:xfrm>
+            <a:off x="4670426" y="1493223"/>
+            <a:ext cx="4114800" cy="261610"/>
+          </a:xfrm>
+          <a:prstGeom prst="rect">
+            <a:avLst/>
+          </a:prstGeom>
+          <a:noFill/>
+        </p:spPr>
+        <p:txBody>
+          <a:bodyPr wrap="square" rtlCol="0">
+            <a:spAutoFit/>
+          </a:bodyPr>
+          <a:lstStyle/>
+          <a:p>
+            <a:pPr algn="ctr"/>
+            <a:r>
+              <a:rPr lang="en-US" sz="1100" b="1" dirty="0" smtClean="0"/>
+              <a:t>On Car Dash Screen</a:t>
+            </a:r>
+            <a:endParaRPr lang="en-US" sz="1100" b="1" dirty="0"/>
           </a:p>
         </p:txBody>
       </p:sp>
       <p:pic>
         <p:nvPicPr>
-          <p:cNvPr id="15" name="Picture 14"/>
+          <p:cNvPr id="3" name="Picture 2"/>
           <p:cNvPicPr>
             <a:picLocks noChangeAspect="1"/>
           </p:cNvPicPr>
           <p:nvPr/>
         </p:nvPicPr>
         <p:blipFill>
-          <a:blip r:embed="rId2">
+          <a:blip r:embed="rId3">
             <a:extLst>
               <a:ext uri="{28A0092B-C50C-407E-A947-70E740481C1C}">
                 <a14:useLocalDpi xmlns:a14="http://schemas.microsoft.com/office/drawing/2010/main" val="0"/>
@@ -12242,8 +12851,38 @@
         </p:blipFill>
         <p:spPr>
           <a:xfrm>
-            <a:off x="3810000" y="144417"/>
-            <a:ext cx="2986075" cy="4834234"/>
+            <a:off x="1758907" y="1927045"/>
+            <a:ext cx="1062242" cy="2066543"/>
+          </a:xfrm>
+          <a:prstGeom prst="rect">
+            <a:avLst/>
+          </a:prstGeom>
+        </p:spPr>
+      </p:pic>
+      <p:pic>
+        <p:nvPicPr>
+          <p:cNvPr id="7" name="Picture 6"/>
+          <p:cNvPicPr>
+            <a:picLocks noChangeAspect="1"/>
+          </p:cNvPicPr>
+          <p:nvPr/>
+        </p:nvPicPr>
+        <p:blipFill>
+          <a:blip r:embed="rId4" cstate="print">
+            <a:extLst>
+              <a:ext uri="{28A0092B-C50C-407E-A947-70E740481C1C}">
+                <a14:useLocalDpi xmlns:a14="http://schemas.microsoft.com/office/drawing/2010/main" val="0"/>
+              </a:ext>
+            </a:extLst>
+          </a:blip>
+          <a:stretch>
+            <a:fillRect/>
+          </a:stretch>
+        </p:blipFill>
+        <p:spPr>
+          <a:xfrm>
+            <a:off x="4670426" y="1942042"/>
+            <a:ext cx="4114800" cy="1983347"/>
           </a:xfrm>
           <a:prstGeom prst="rect">
             <a:avLst/>
@@ -12253,7 +12892,7 @@
     </p:spTree>
     <p:extLst>
       <p:ext uri="{BB962C8B-B14F-4D97-AF65-F5344CB8AC3E}">
-        <p14:creationId xmlns:p14="http://schemas.microsoft.com/office/powerpoint/2010/main" val="1486604085"/>
+        <p14:creationId xmlns:p14="http://schemas.microsoft.com/office/powerpoint/2010/main" val="1439041618"/>
       </p:ext>
     </p:extLst>
   </p:cSld>
@@ -12289,30 +12928,7 @@
       </p:grpSpPr>
       <p:sp>
         <p:nvSpPr>
-          <p:cNvPr id="24" name="Titre 23"/>
-          <p:cNvSpPr>
-            <a:spLocks noGrp="1"/>
-          </p:cNvSpPr>
-          <p:nvPr>
-            <p:ph type="title"/>
-          </p:nvPr>
-        </p:nvSpPr>
-        <p:spPr/>
-        <p:txBody>
-          <a:bodyPr/>
-          <a:lstStyle/>
-          <a:p>
-            <a:r>
-              <a:rPr lang="fr-FR" dirty="0" smtClean="0"/>
-              <a:t>3.</a:t>
-            </a:r>
-            <a:endParaRPr lang="fr-FR" dirty="0"/>
-          </a:p>
-        </p:txBody>
-      </p:sp>
-      <p:sp>
-        <p:nvSpPr>
-          <p:cNvPr id="2" name="Espace réservé de la date 1"/>
+          <p:cNvPr id="4" name="Date Placeholder 3"/>
           <p:cNvSpPr>
             <a:spLocks noGrp="1"/>
           </p:cNvSpPr>
@@ -12329,13 +12945,13 @@
               <a:rPr lang="fr-FR" noProof="0" smtClean="0"/>
               <a:t>Date</a:t>
             </a:r>
-            <a:endParaRPr lang="fr-FR" noProof="0"/>
-          </a:p>
-        </p:txBody>
-      </p:sp>
-      <p:sp>
-        <p:nvSpPr>
-          <p:cNvPr id="4" name="Espace réservé du pied de page 3"/>
+            <a:endParaRPr lang="en-US" noProof="0" dirty="0"/>
+          </a:p>
+        </p:txBody>
+      </p:sp>
+      <p:sp>
+        <p:nvSpPr>
+          <p:cNvPr id="5" name="Footer Placeholder 4"/>
           <p:cNvSpPr>
             <a:spLocks noGrp="1"/>
           </p:cNvSpPr>
@@ -12352,13 +12968,13 @@
               <a:rPr lang="en-US" noProof="0" smtClean="0"/>
               <a:t>Presentation title</a:t>
             </a:r>
-            <a:endParaRPr lang="fr-FR" noProof="0"/>
-          </a:p>
-        </p:txBody>
-      </p:sp>
-      <p:sp>
-        <p:nvSpPr>
-          <p:cNvPr id="3" name="Espace réservé du numéro de diapositive 2"/>
+            <a:endParaRPr lang="en-US" noProof="0" dirty="0"/>
+          </a:p>
+        </p:txBody>
+      </p:sp>
+      <p:sp>
+        <p:nvSpPr>
+          <p:cNvPr id="6" name="Slide Number Placeholder 5"/>
           <p:cNvSpPr>
             <a:spLocks noGrp="1"/>
           </p:cNvSpPr>
@@ -12372,40 +12988,95 @@
           <a:lstStyle/>
           <a:p>
             <a:fld id="{733122C9-A0B9-462F-8757-0847AD287B63}" type="slidenum">
-              <a:rPr lang="fr-FR" noProof="0" smtClean="0"/>
+              <a:rPr lang="en-US" noProof="0" smtClean="0"/>
               <a:pPr/>
               <a:t>11</a:t>
             </a:fld>
-            <a:endParaRPr lang="fr-FR" noProof="0"/>
-          </a:p>
-        </p:txBody>
-      </p:sp>
-      <p:sp>
-        <p:nvSpPr>
-          <p:cNvPr id="25" name="Espace réservé du texte 24"/>
-          <p:cNvSpPr>
-            <a:spLocks noGrp="1"/>
-          </p:cNvSpPr>
-          <p:nvPr>
-            <p:ph type="body" sz="quarter" idx="13"/>
-          </p:nvPr>
-        </p:nvSpPr>
-        <p:spPr/>
-        <p:txBody>
-          <a:bodyPr/>
-          <a:lstStyle/>
-          <a:p>
-            <a:r>
-              <a:rPr lang="en-GB" dirty="0"/>
-              <a:t>Building Apps for Auto</a:t>
-            </a:r>
-          </a:p>
-        </p:txBody>
-      </p:sp>
+            <a:endParaRPr lang="en-US" noProof="0" dirty="0"/>
+          </a:p>
+        </p:txBody>
+      </p:sp>
+      <p:sp>
+        <p:nvSpPr>
+          <p:cNvPr id="14" name="Title 1"/>
+          <p:cNvSpPr txBox="1">
+            <a:spLocks/>
+          </p:cNvSpPr>
+          <p:nvPr/>
+        </p:nvSpPr>
+        <p:spPr>
+          <a:xfrm>
+            <a:off x="62595" y="616310"/>
+            <a:ext cx="2305410" cy="891380"/>
+          </a:xfrm>
+          <a:prstGeom prst="rect">
+            <a:avLst/>
+          </a:prstGeom>
+        </p:spPr>
+        <p:txBody>
+          <a:bodyPr/>
+          <a:lstStyle>
+            <a:lvl1pPr algn="l" defTabSz="914400" rtl="0" eaLnBrk="1" latinLnBrk="0" hangingPunct="1">
+              <a:lnSpc>
+                <a:spcPct val="90000"/>
+              </a:lnSpc>
+              <a:spcBef>
+                <a:spcPct val="0"/>
+              </a:spcBef>
+              <a:buNone/>
+              <a:defRPr sz="2000" b="1" kern="1200">
+                <a:solidFill>
+                  <a:schemeClr val="accent5"/>
+                </a:solidFill>
+                <a:latin typeface="+mj-lt"/>
+                <a:ea typeface="+mj-ea"/>
+                <a:cs typeface="+mj-cs"/>
+              </a:defRPr>
+            </a:lvl1pPr>
+          </a:lstStyle>
+          <a:p>
+            <a:r>
+              <a:rPr lang="en-US" dirty="0" smtClean="0"/>
+              <a:t>When a message is received</a:t>
+            </a:r>
+            <a:endParaRPr lang="en-US" dirty="0"/>
+          </a:p>
+        </p:txBody>
+      </p:sp>
+      <p:pic>
+        <p:nvPicPr>
+          <p:cNvPr id="15" name="Picture 14"/>
+          <p:cNvPicPr>
+            <a:picLocks noChangeAspect="1"/>
+          </p:cNvPicPr>
+          <p:nvPr/>
+        </p:nvPicPr>
+        <p:blipFill>
+          <a:blip r:embed="rId2">
+            <a:extLst>
+              <a:ext uri="{28A0092B-C50C-407E-A947-70E740481C1C}">
+                <a14:useLocalDpi xmlns:a14="http://schemas.microsoft.com/office/drawing/2010/main" val="0"/>
+              </a:ext>
+            </a:extLst>
+          </a:blip>
+          <a:stretch>
+            <a:fillRect/>
+          </a:stretch>
+        </p:blipFill>
+        <p:spPr>
+          <a:xfrm>
+            <a:off x="3810000" y="144417"/>
+            <a:ext cx="2986075" cy="4834234"/>
+          </a:xfrm>
+          <a:prstGeom prst="rect">
+            <a:avLst/>
+          </a:prstGeom>
+        </p:spPr>
+      </p:pic>
     </p:spTree>
     <p:extLst>
       <p:ext uri="{BB962C8B-B14F-4D97-AF65-F5344CB8AC3E}">
-        <p14:creationId xmlns:p14="http://schemas.microsoft.com/office/powerpoint/2010/main" val="2140784827"/>
+        <p14:creationId xmlns:p14="http://schemas.microsoft.com/office/powerpoint/2010/main" val="1486604085"/>
       </p:ext>
     </p:extLst>
   </p:cSld>
@@ -12441,7 +13112,7 @@
       </p:grpSpPr>
       <p:sp>
         <p:nvSpPr>
-          <p:cNvPr id="2" name="Title 1"/>
+          <p:cNvPr id="24" name="Titre 23"/>
           <p:cNvSpPr>
             <a:spLocks noGrp="1"/>
           </p:cNvSpPr>
@@ -12455,16 +13126,16 @@
           <a:lstStyle/>
           <a:p>
             <a:r>
-              <a:rPr lang="en-US" dirty="0"/>
-              <a:t>Set up an Auto project</a:t>
-            </a:r>
-            <a:endParaRPr lang="en-GB" dirty="0"/>
-          </a:p>
-        </p:txBody>
-      </p:sp>
-      <p:sp>
-        <p:nvSpPr>
-          <p:cNvPr id="3" name="Date Placeholder 2"/>
+              <a:rPr lang="fr-FR" dirty="0" smtClean="0"/>
+              <a:t>3.</a:t>
+            </a:r>
+            <a:endParaRPr lang="fr-FR" dirty="0"/>
+          </a:p>
+        </p:txBody>
+      </p:sp>
+      <p:sp>
+        <p:nvSpPr>
+          <p:cNvPr id="2" name="Espace réservé de la date 1"/>
           <p:cNvSpPr>
             <a:spLocks noGrp="1"/>
           </p:cNvSpPr>
@@ -12478,28 +13149,16 @@
           <a:lstStyle/>
           <a:p>
             <a:r>
-              <a:rPr lang="fr-FR" smtClean="0">
-                <a:solidFill>
-                  <a:srgbClr val="FFFFFF">
-                    <a:alpha val="0"/>
-                  </a:srgbClr>
-                </a:solidFill>
-              </a:rPr>
+              <a:rPr lang="fr-FR" noProof="0" smtClean="0"/>
               <a:t>Date</a:t>
             </a:r>
-            <a:endParaRPr lang="en-US" dirty="0">
-              <a:solidFill>
-                <a:srgbClr val="FFFFFF">
-                  <a:alpha val="0"/>
-                </a:srgbClr>
-              </a:solidFill>
-            </a:endParaRPr>
-          </a:p>
-        </p:txBody>
-      </p:sp>
-      <p:sp>
-        <p:nvSpPr>
-          <p:cNvPr id="4" name="Footer Placeholder 3"/>
+            <a:endParaRPr lang="fr-FR" noProof="0"/>
+          </a:p>
+        </p:txBody>
+      </p:sp>
+      <p:sp>
+        <p:nvSpPr>
+          <p:cNvPr id="4" name="Espace réservé du pied de page 3"/>
           <p:cNvSpPr>
             <a:spLocks noGrp="1"/>
           </p:cNvSpPr>
@@ -12513,24 +13172,16 @@
           <a:lstStyle/>
           <a:p>
             <a:r>
-              <a:rPr lang="en-US" dirty="0" smtClean="0">
-                <a:solidFill>
-                  <a:srgbClr val="464B69"/>
-                </a:solidFill>
-              </a:rPr>
-              <a:t>Android Auto</a:t>
-            </a:r>
-            <a:endParaRPr lang="en-US" dirty="0">
-              <a:solidFill>
-                <a:srgbClr val="464B69"/>
-              </a:solidFill>
-            </a:endParaRPr>
-          </a:p>
-        </p:txBody>
-      </p:sp>
-      <p:sp>
-        <p:nvSpPr>
-          <p:cNvPr id="5" name="Slide Number Placeholder 4"/>
+              <a:rPr lang="en-US" noProof="0" smtClean="0"/>
+              <a:t>Presentation title</a:t>
+            </a:r>
+            <a:endParaRPr lang="fr-FR" noProof="0"/>
+          </a:p>
+        </p:txBody>
+      </p:sp>
+      <p:sp>
+        <p:nvSpPr>
+          <p:cNvPr id="3" name="Espace réservé du numéro de diapositive 2"/>
           <p:cNvSpPr>
             <a:spLocks noGrp="1"/>
           </p:cNvSpPr>
@@ -12544,25 +13195,17 @@
           <a:lstStyle/>
           <a:p>
             <a:fld id="{733122C9-A0B9-462F-8757-0847AD287B63}" type="slidenum">
-              <a:rPr lang="en-US" smtClean="0">
-                <a:solidFill>
-                  <a:srgbClr val="464B69"/>
-                </a:solidFill>
-              </a:rPr>
+              <a:rPr lang="fr-FR" noProof="0" smtClean="0"/>
               <a:pPr/>
               <a:t>12</a:t>
             </a:fld>
-            <a:endParaRPr lang="en-US" dirty="0">
-              <a:solidFill>
-                <a:srgbClr val="464B69"/>
-              </a:solidFill>
-            </a:endParaRPr>
-          </a:p>
-        </p:txBody>
-      </p:sp>
-      <p:sp>
-        <p:nvSpPr>
-          <p:cNvPr id="6" name="Text Placeholder 5"/>
+            <a:endParaRPr lang="fr-FR" noProof="0"/>
+          </a:p>
+        </p:txBody>
+      </p:sp>
+      <p:sp>
+        <p:nvSpPr>
+          <p:cNvPr id="25" name="Espace réservé du texte 24"/>
           <p:cNvSpPr>
             <a:spLocks noGrp="1"/>
           </p:cNvSpPr>
@@ -12576,378 +13219,16 @@
           <a:lstStyle/>
           <a:p>
             <a:r>
-              <a:rPr lang="en-US" b="1" dirty="0"/>
-              <a:t>Auto supports two types of apps</a:t>
-            </a:r>
-          </a:p>
-          <a:p>
-            <a:endParaRPr lang="en-US" dirty="0"/>
-          </a:p>
-          <a:p>
-            <a:endParaRPr lang="en-US" dirty="0"/>
-          </a:p>
-          <a:p>
-            <a:endParaRPr lang="en-US" dirty="0"/>
-          </a:p>
-          <a:p>
-            <a:pPr marL="214313" indent="-214313">
-              <a:buFont typeface="Arial" panose="020B0604020202020204" pitchFamily="34" charset="0"/>
-              <a:buChar char="•"/>
-            </a:pPr>
-            <a:r>
-              <a:rPr lang="en-US" b="1" i="1" dirty="0"/>
-              <a:t>Audio apps</a:t>
-            </a:r>
-            <a:r>
-              <a:rPr lang="en-US" dirty="0"/>
-              <a:t> - allow users to </a:t>
-            </a:r>
-            <a:r>
-              <a:rPr lang="en-US" b="1" dirty="0"/>
-              <a:t>browse</a:t>
-            </a:r>
-            <a:r>
-              <a:rPr lang="en-US" dirty="0"/>
-              <a:t> and </a:t>
-            </a:r>
-            <a:r>
-              <a:rPr lang="en-US" b="1" dirty="0"/>
-              <a:t>play music </a:t>
-            </a:r>
-            <a:r>
-              <a:rPr lang="en-US" dirty="0"/>
-              <a:t>and spoken audio.</a:t>
-            </a:r>
-          </a:p>
-          <a:p>
-            <a:pPr marL="214313" indent="-214313">
-              <a:buFont typeface="Arial" panose="020B0604020202020204" pitchFamily="34" charset="0"/>
-              <a:buChar char="•"/>
-            </a:pPr>
-            <a:endParaRPr lang="en-US" dirty="0"/>
-          </a:p>
-          <a:p>
-            <a:pPr marL="214313" indent="-214313">
-              <a:buFont typeface="Arial" panose="020B0604020202020204" pitchFamily="34" charset="0"/>
-              <a:buChar char="•"/>
-            </a:pPr>
-            <a:endParaRPr lang="en-US" dirty="0"/>
-          </a:p>
-          <a:p>
-            <a:pPr marL="214313" indent="-214313">
-              <a:buFont typeface="Arial" panose="020B0604020202020204" pitchFamily="34" charset="0"/>
-              <a:buChar char="•"/>
-            </a:pPr>
-            <a:endParaRPr lang="en-US" dirty="0"/>
-          </a:p>
-          <a:p>
-            <a:pPr marL="214313" indent="-214313">
-              <a:buFont typeface="Arial" panose="020B0604020202020204" pitchFamily="34" charset="0"/>
-              <a:buChar char="•"/>
-            </a:pPr>
-            <a:r>
-              <a:rPr lang="en-US" b="1" i="1" dirty="0"/>
-              <a:t>Messaging apps</a:t>
-            </a:r>
-            <a:r>
-              <a:rPr lang="en-US" b="1" dirty="0"/>
-              <a:t> </a:t>
-            </a:r>
-            <a:r>
-              <a:rPr lang="en-US" dirty="0"/>
-              <a:t>- receive incoming </a:t>
-            </a:r>
-            <a:r>
-              <a:rPr lang="en-US" b="1" dirty="0"/>
-              <a:t>notifications</a:t>
-            </a:r>
-            <a:r>
-              <a:rPr lang="en-US" dirty="0"/>
-              <a:t>, read message via </a:t>
-            </a:r>
-            <a:r>
-              <a:rPr lang="en-US" b="1" dirty="0"/>
-              <a:t>text-to-speech</a:t>
-            </a:r>
-            <a:r>
-              <a:rPr lang="en-US" dirty="0"/>
-              <a:t>, and send replies via </a:t>
-            </a:r>
-            <a:r>
-              <a:rPr lang="en-US" b="1" dirty="0"/>
-              <a:t>voice input</a:t>
-            </a:r>
-            <a:r>
-              <a:rPr lang="en-US" dirty="0"/>
-              <a:t>.</a:t>
-            </a:r>
-            <a:endParaRPr lang="en-GB" dirty="0"/>
-          </a:p>
-        </p:txBody>
-      </p:sp>
-      <p:sp>
-        <p:nvSpPr>
-          <p:cNvPr id="7" name="Text Placeholder 6"/>
-          <p:cNvSpPr>
-            <a:spLocks noGrp="1"/>
-          </p:cNvSpPr>
-          <p:nvPr>
-            <p:ph type="body" sz="quarter" idx="14"/>
-          </p:nvPr>
-        </p:nvSpPr>
-        <p:spPr/>
-        <p:txBody>
-          <a:bodyPr/>
-          <a:lstStyle/>
-          <a:p>
-            <a:r>
-              <a:rPr lang="en-GB" b="1" dirty="0" smtClean="0"/>
-              <a:t>Prerequisites</a:t>
-            </a:r>
-          </a:p>
-          <a:p>
-            <a:endParaRPr lang="en-GB" b="1" dirty="0"/>
-          </a:p>
-          <a:p>
-            <a:pPr marL="214313" indent="-214313">
-              <a:buFont typeface="Arial" panose="020B0604020202020204" pitchFamily="34" charset="0"/>
-              <a:buChar char="•"/>
-            </a:pPr>
-            <a:r>
-              <a:rPr lang="en-US" b="1" dirty="0" smtClean="0"/>
-              <a:t>Create </a:t>
-            </a:r>
-            <a:r>
-              <a:rPr lang="en-US" b="1" dirty="0"/>
-              <a:t>or update </a:t>
-            </a:r>
-            <a:r>
-              <a:rPr lang="en-US" dirty="0"/>
-              <a:t>your app </a:t>
-            </a:r>
-            <a:r>
-              <a:rPr lang="en-US" dirty="0" smtClean="0"/>
-              <a:t>project - </a:t>
-            </a:r>
-            <a:r>
-              <a:rPr lang="en-US" dirty="0"/>
-              <a:t>target Android 5.0 (API level 21) or higher.</a:t>
-            </a:r>
-            <a:endParaRPr lang="en-US" dirty="0" smtClean="0"/>
-          </a:p>
-          <a:p>
-            <a:pPr marL="214313" indent="-214313">
-              <a:buFont typeface="Arial" panose="020B0604020202020204" pitchFamily="34" charset="0"/>
-              <a:buChar char="•"/>
-            </a:pPr>
-            <a:endParaRPr lang="en-US" dirty="0"/>
-          </a:p>
-          <a:p>
-            <a:pPr marL="214313" indent="-214313">
-              <a:buFont typeface="Arial" panose="020B0604020202020204" pitchFamily="34" charset="0"/>
-              <a:buChar char="•"/>
-            </a:pPr>
-            <a:endParaRPr lang="en-US" dirty="0" smtClean="0"/>
-          </a:p>
-          <a:p>
-            <a:pPr marL="214313" indent="-214313">
-              <a:buFont typeface="Arial" panose="020B0604020202020204" pitchFamily="34" charset="0"/>
-              <a:buChar char="•"/>
-            </a:pPr>
-            <a:r>
-              <a:rPr lang="en-US" dirty="0"/>
-              <a:t>Install the </a:t>
-            </a:r>
-            <a:r>
-              <a:rPr lang="en-US" b="1" dirty="0"/>
-              <a:t>support library-   </a:t>
-            </a:r>
-            <a:r>
-              <a:rPr lang="en-US" dirty="0" err="1" smtClean="0"/>
-              <a:t>NotificationCompat.CarExtender</a:t>
-            </a:r>
-            <a:r>
-              <a:rPr lang="en-US" dirty="0" smtClean="0"/>
-              <a:t> class </a:t>
-            </a:r>
-            <a:r>
-              <a:rPr lang="en-US" dirty="0"/>
-              <a:t>allows you to create notifications that are compatible with Auto devices.</a:t>
-            </a:r>
-            <a:endParaRPr lang="en-GB" dirty="0"/>
-          </a:p>
-        </p:txBody>
-      </p:sp>
-      <p:sp>
-        <p:nvSpPr>
-          <p:cNvPr id="8" name="Text Placeholder 7"/>
-          <p:cNvSpPr>
-            <a:spLocks noGrp="1"/>
-          </p:cNvSpPr>
-          <p:nvPr>
-            <p:ph type="body" sz="quarter" idx="15"/>
-          </p:nvPr>
-        </p:nvSpPr>
-        <p:spPr/>
-        <p:txBody>
-          <a:bodyPr/>
-          <a:lstStyle/>
-          <a:p>
-            <a:r>
-              <a:rPr lang="en-GB" b="1" dirty="0"/>
-              <a:t>Declare Auto </a:t>
-            </a:r>
-            <a:r>
-              <a:rPr lang="en-GB" b="1" dirty="0" smtClean="0"/>
-              <a:t>capabilities</a:t>
-            </a:r>
-            <a:endParaRPr lang="en-GB" dirty="0" smtClean="0"/>
-          </a:p>
-          <a:p>
-            <a:endParaRPr lang="en-GB" b="1" dirty="0"/>
-          </a:p>
-          <a:p>
-            <a:pPr marL="214313" indent="-214313">
-              <a:buFont typeface="Arial" panose="020B0604020202020204" pitchFamily="34" charset="0"/>
-              <a:buChar char="•"/>
-            </a:pPr>
-            <a:r>
-              <a:rPr lang="pt-PT" b="1" dirty="0"/>
-              <a:t>Define </a:t>
-            </a:r>
-            <a:r>
-              <a:rPr lang="pt-PT" b="1" dirty="0" err="1"/>
-              <a:t>the</a:t>
-            </a:r>
-            <a:r>
-              <a:rPr lang="pt-PT" b="1" dirty="0"/>
-              <a:t> Auto XML </a:t>
-            </a:r>
-            <a:r>
-              <a:rPr lang="en-GB" dirty="0" smtClean="0"/>
-              <a:t>configuration-</a:t>
-            </a:r>
-            <a:r>
-              <a:rPr lang="pt-PT" dirty="0" smtClean="0"/>
-              <a:t> </a:t>
-            </a:r>
-            <a:r>
-              <a:rPr lang="en-US" dirty="0"/>
-              <a:t>Specify the car capabilities that your app uses in an XML </a:t>
-            </a:r>
-            <a:r>
-              <a:rPr lang="en-US" dirty="0" smtClean="0"/>
-              <a:t>file.</a:t>
-            </a:r>
-          </a:p>
-          <a:p>
-            <a:pPr marL="214313" indent="-214313">
-              <a:buFont typeface="Arial" panose="020B0604020202020204" pitchFamily="34" charset="0"/>
-              <a:buChar char="•"/>
-            </a:pPr>
-            <a:endParaRPr lang="pt-PT" dirty="0"/>
-          </a:p>
-          <a:p>
-            <a:pPr marL="214313" indent="-214313">
-              <a:buFont typeface="Arial" panose="020B0604020202020204" pitchFamily="34" charset="0"/>
-              <a:buChar char="•"/>
-            </a:pPr>
-            <a:r>
-              <a:rPr lang="pt-PT" dirty="0" err="1"/>
-              <a:t>Add</a:t>
-            </a:r>
-            <a:r>
-              <a:rPr lang="pt-PT" dirty="0"/>
-              <a:t> a </a:t>
-            </a:r>
-            <a:r>
-              <a:rPr lang="pt-PT" b="1" dirty="0" err="1"/>
-              <a:t>manifest</a:t>
-            </a:r>
-            <a:r>
-              <a:rPr lang="pt-PT" b="1" dirty="0"/>
-              <a:t> </a:t>
-            </a:r>
-            <a:r>
-              <a:rPr lang="pt-PT" b="1" dirty="0" err="1" smtClean="0"/>
-              <a:t>entry</a:t>
-            </a:r>
-            <a:r>
-              <a:rPr lang="pt-PT" b="1" dirty="0" smtClean="0"/>
-              <a:t> </a:t>
-            </a:r>
-            <a:r>
-              <a:rPr lang="pt-PT" dirty="0" smtClean="0"/>
-              <a:t>- </a:t>
-            </a:r>
-            <a:r>
-              <a:rPr lang="en-US" dirty="0" smtClean="0"/>
-              <a:t>provide </a:t>
-            </a:r>
-            <a:r>
-              <a:rPr lang="en-US" dirty="0"/>
-              <a:t>a reference to the Auto XML configuration file you </a:t>
-            </a:r>
-            <a:r>
-              <a:rPr lang="en-US" dirty="0" smtClean="0"/>
-              <a:t>created.</a:t>
-            </a:r>
-          </a:p>
-          <a:p>
-            <a:pPr marL="214313" indent="-214313">
-              <a:buFont typeface="Arial" panose="020B0604020202020204" pitchFamily="34" charset="0"/>
-              <a:buChar char="•"/>
-            </a:pPr>
-            <a:endParaRPr lang="en-US" dirty="0" smtClean="0"/>
-          </a:p>
-          <a:p>
-            <a:pPr marL="214313" indent="-214313">
-              <a:buFont typeface="Arial" panose="020B0604020202020204" pitchFamily="34" charset="0"/>
-              <a:buChar char="•"/>
-            </a:pPr>
-            <a:r>
-              <a:rPr lang="en-US" dirty="0" smtClean="0"/>
-              <a:t>Add </a:t>
-            </a:r>
-            <a:r>
-              <a:rPr lang="en-US" b="1" dirty="0"/>
-              <a:t>Auto features </a:t>
-            </a:r>
-            <a:r>
-              <a:rPr lang="en-US" dirty="0"/>
-              <a:t>to your apps</a:t>
-            </a:r>
-          </a:p>
-          <a:p>
-            <a:pPr marL="214313" indent="-214313">
-              <a:buFont typeface="Arial" panose="020B0604020202020204" pitchFamily="34" charset="0"/>
-              <a:buChar char="•"/>
-            </a:pPr>
-            <a:endParaRPr lang="pt-PT" dirty="0"/>
-          </a:p>
-          <a:p>
-            <a:pPr marL="214313" indent="-214313">
-              <a:buFont typeface="Arial" panose="020B0604020202020204" pitchFamily="34" charset="0"/>
-              <a:buChar char="•"/>
-            </a:pPr>
-            <a:endParaRPr lang="pt-PT" dirty="0"/>
-          </a:p>
-          <a:p>
-            <a:r>
-              <a:rPr lang="pt-PT" dirty="0"/>
-              <a:t/>
-            </a:r>
-            <a:br>
-              <a:rPr lang="pt-PT" dirty="0"/>
-            </a:br>
-            <a:endParaRPr lang="en-GB" b="1" dirty="0"/>
+              <a:rPr lang="en-GB" dirty="0"/>
+              <a:t>Building Apps for Auto</a:t>
+            </a:r>
           </a:p>
         </p:txBody>
       </p:sp>
     </p:spTree>
     <p:extLst>
       <p:ext uri="{BB962C8B-B14F-4D97-AF65-F5344CB8AC3E}">
-        <p14:creationId xmlns:p14="http://schemas.microsoft.com/office/powerpoint/2010/main" val="394011398"/>
+        <p14:creationId xmlns:p14="http://schemas.microsoft.com/office/powerpoint/2010/main" val="2140784827"/>
       </p:ext>
     </p:extLst>
   </p:cSld>
@@ -12983,7 +13264,7 @@
       </p:grpSpPr>
       <p:sp>
         <p:nvSpPr>
-          <p:cNvPr id="7" name="Titre 6"/>
+          <p:cNvPr id="2" name="Title 1"/>
           <p:cNvSpPr>
             <a:spLocks noGrp="1"/>
           </p:cNvSpPr>
@@ -12991,41 +13272,22 @@
             <p:ph type="title"/>
           </p:nvPr>
         </p:nvSpPr>
-        <p:spPr>
-          <a:xfrm>
-            <a:off x="358247" y="442215"/>
-            <a:ext cx="8426450" cy="891380"/>
-          </a:xfrm>
-        </p:spPr>
+        <p:spPr/>
         <p:txBody>
           <a:bodyPr/>
           <a:lstStyle/>
           <a:p>
             <a:r>
               <a:rPr lang="en-US" dirty="0"/>
-              <a:t>Providing Audio Playback for Auto</a:t>
-            </a:r>
-            <a:r>
-              <a:rPr lang="en-US" b="0" dirty="0"/>
-              <a:t/>
-            </a:r>
-            <a:br>
-              <a:rPr lang="en-US" b="0" dirty="0"/>
-            </a:br>
-            <a:r>
-              <a:rPr lang="en-US" b="0" dirty="0"/>
-              <a:t/>
-            </a:r>
-            <a:br>
-              <a:rPr lang="en-US" b="0" dirty="0"/>
-            </a:br>
-            <a:endParaRPr lang="fr-FR" dirty="0"/>
-          </a:p>
-        </p:txBody>
-      </p:sp>
-      <p:sp>
-        <p:nvSpPr>
-          <p:cNvPr id="3" name="Espace réservé de la date 2"/>
+              <a:t>Set up an Auto project</a:t>
+            </a:r>
+            <a:endParaRPr lang="en-GB" dirty="0"/>
+          </a:p>
+        </p:txBody>
+      </p:sp>
+      <p:sp>
+        <p:nvSpPr>
+          <p:cNvPr id="3" name="Date Placeholder 2"/>
           <p:cNvSpPr>
             <a:spLocks noGrp="1"/>
           </p:cNvSpPr>
@@ -13048,7 +13310,7 @@
               </a:rPr>
               <a:t>Date</a:t>
             </a:r>
-            <a:endParaRPr lang="fr-FR">
+            <a:endParaRPr lang="en-US" dirty="0">
               <a:solidFill>
                 <a:srgbClr val="FFFFFF">
                   <a:alpha val="0"/>
@@ -13060,7 +13322,7 @@
       </p:sp>
       <p:sp>
         <p:nvSpPr>
-          <p:cNvPr id="4" name="Espace réservé du pied de page 3"/>
+          <p:cNvPr id="4" name="Footer Placeholder 3"/>
           <p:cNvSpPr>
             <a:spLocks noGrp="1"/>
           </p:cNvSpPr>
@@ -13081,12 +13343,17 @@
               </a:rPr>
               <a:t>Android Auto</a:t>
             </a:r>
-          </a:p>
-        </p:txBody>
-      </p:sp>
-      <p:sp>
-        <p:nvSpPr>
-          <p:cNvPr id="5" name="Espace réservé du numéro de diapositive 4"/>
+            <a:endParaRPr lang="en-US" dirty="0">
+              <a:solidFill>
+                <a:srgbClr val="464B69"/>
+              </a:solidFill>
+            </a:endParaRPr>
+          </a:p>
+        </p:txBody>
+      </p:sp>
+      <p:sp>
+        <p:nvSpPr>
+          <p:cNvPr id="5" name="Slide Number Placeholder 4"/>
           <p:cNvSpPr>
             <a:spLocks noGrp="1"/>
           </p:cNvSpPr>
@@ -13099,8 +13366,8 @@
           <a:bodyPr/>
           <a:lstStyle/>
           <a:p>
-            <a:fld id="{10C140CD-8AED-46FF-A9A2-77308F3F39AE}" type="slidenum">
-              <a:rPr lang="fr-FR" smtClean="0">
+            <a:fld id="{733122C9-A0B9-462F-8757-0847AD287B63}" type="slidenum">
+              <a:rPr lang="en-US" smtClean="0">
                 <a:solidFill>
                   <a:srgbClr val="464B69"/>
                 </a:solidFill>
@@ -13108,7 +13375,7 @@
               <a:pPr/>
               <a:t>13</a:t>
             </a:fld>
-            <a:endParaRPr lang="fr-FR" dirty="0">
+            <a:endParaRPr lang="en-US" dirty="0">
               <a:solidFill>
                 <a:srgbClr val="464B69"/>
               </a:solidFill>
@@ -13118,7 +13385,7 @@
       </p:sp>
       <p:sp>
         <p:nvSpPr>
-          <p:cNvPr id="9" name="Espace réservé du texte 8"/>
+          <p:cNvPr id="6" name="Text Placeholder 5"/>
           <p:cNvSpPr>
             <a:spLocks noGrp="1"/>
           </p:cNvSpPr>
@@ -13132,20 +13399,18 @@
           <a:lstStyle/>
           <a:p>
             <a:r>
-              <a:rPr lang="fr-FR" b="1" dirty="0" err="1" smtClean="0"/>
-              <a:t>Build</a:t>
-            </a:r>
-            <a:r>
-              <a:rPr lang="fr-FR" b="1" dirty="0" smtClean="0"/>
-              <a:t> a Browser Service </a:t>
-            </a:r>
-          </a:p>
-          <a:p>
-            <a:r>
-              <a:rPr lang="fr-FR" dirty="0"/>
-              <a:t> </a:t>
-            </a:r>
-            <a:endParaRPr lang="fr-FR" dirty="0" smtClean="0"/>
+              <a:rPr lang="en-US" b="1" dirty="0"/>
+              <a:t>Auto supports two types of apps</a:t>
+            </a:r>
+          </a:p>
+          <a:p>
+            <a:endParaRPr lang="en-US" dirty="0"/>
+          </a:p>
+          <a:p>
+            <a:endParaRPr lang="en-US" dirty="0"/>
+          </a:p>
+          <a:p>
+            <a:endParaRPr lang="en-US" dirty="0"/>
           </a:p>
           <a:p>
             <a:pPr marL="214313" indent="-214313">
@@ -13153,34 +13418,34 @@
               <a:buChar char="•"/>
             </a:pPr>
             <a:r>
+              <a:rPr lang="en-US" b="1" i="1" dirty="0"/>
+              <a:t>Audio apps</a:t>
+            </a:r>
+            <a:r>
               <a:rPr lang="en-US" dirty="0"/>
-              <a:t>M</a:t>
+              <a:t> - allow users to </a:t>
+            </a:r>
+            <a:r>
+              <a:rPr lang="en-US" b="1" dirty="0"/>
+              <a:t>browse</a:t>
+            </a:r>
+            <a:r>
+              <a:rPr lang="en-US" dirty="0"/>
+              <a:t> and </a:t>
+            </a:r>
+            <a:r>
+              <a:rPr lang="en-US" b="1" dirty="0"/>
+              <a:t>play music </a:t>
+            </a:r>
+            <a:r>
+              <a:rPr lang="en-US" dirty="0"/>
+              <a:t>and spoken </a:t>
             </a:r>
             <a:r>
               <a:rPr lang="en-US" dirty="0" smtClean="0"/>
-              <a:t>edia </a:t>
-            </a:r>
-            <a:r>
-              <a:rPr lang="en-US" dirty="0"/>
-              <a:t>browser service </a:t>
-            </a:r>
-            <a:r>
-              <a:rPr lang="en-US" dirty="0" smtClean="0"/>
-              <a:t>extends </a:t>
-            </a:r>
-            <a:r>
-              <a:rPr lang="en-US" i="1" dirty="0" err="1" smtClean="0"/>
-              <a:t>MediaBrowserService</a:t>
-            </a:r>
-            <a:r>
-              <a:rPr lang="en-US" dirty="0" smtClean="0"/>
-              <a:t> </a:t>
-            </a:r>
-            <a:r>
-              <a:rPr lang="en-US" dirty="0"/>
-              <a:t>class. </a:t>
-            </a:r>
-            <a:endParaRPr lang="en-US" dirty="0" smtClean="0"/>
+              <a:t>audio</a:t>
+            </a:r>
+            <a:endParaRPr lang="en-US" dirty="0"/>
           </a:p>
           <a:p>
             <a:pPr marL="214313" indent="-214313">
@@ -13194,22 +13459,120 @@
               <a:buFont typeface="Arial" panose="020B0604020202020204" pitchFamily="34" charset="0"/>
               <a:buChar char="•"/>
             </a:pPr>
+            <a:endParaRPr lang="en-US" dirty="0"/>
+          </a:p>
+          <a:p>
+            <a:pPr marL="214313" indent="-214313">
+              <a:buFont typeface="Arial" panose="020B0604020202020204" pitchFamily="34" charset="0"/>
+              <a:buChar char="•"/>
+            </a:pPr>
+            <a:endParaRPr lang="en-US" dirty="0"/>
+          </a:p>
+          <a:p>
+            <a:pPr marL="214313" indent="-214313">
+              <a:buFont typeface="Arial" panose="020B0604020202020204" pitchFamily="34" charset="0"/>
+              <a:buChar char="•"/>
+            </a:pPr>
+            <a:r>
+              <a:rPr lang="en-US" b="1" i="1" dirty="0"/>
+              <a:t>Messaging apps</a:t>
+            </a:r>
+            <a:r>
+              <a:rPr lang="en-US" b="1" dirty="0"/>
+              <a:t> </a:t>
+            </a:r>
             <a:r>
               <a:rPr lang="en-US" dirty="0"/>
-              <a:t>Android Auto includes a </a:t>
+              <a:t>- receive incoming </a:t>
             </a:r>
             <a:r>
               <a:rPr lang="en-US" b="1" dirty="0"/>
-              <a:t>browsing capability</a:t>
+              <a:t>notifications</a:t>
             </a:r>
             <a:r>
               <a:rPr lang="en-US" dirty="0"/>
-              <a:t> that lets users select a letter from an on-screen </a:t>
+              <a:t>, read message via </a:t>
+            </a:r>
+            <a:r>
+              <a:rPr lang="en-US" b="1" dirty="0"/>
+              <a:t>text-to-speech</a:t>
+            </a:r>
+            <a:r>
+              <a:rPr lang="en-US" dirty="0"/>
+              <a:t>, and send replies via </a:t>
+            </a:r>
+            <a:r>
+              <a:rPr lang="en-US" b="1" dirty="0"/>
+              <a:t>voice </a:t>
+            </a:r>
+            <a:r>
+              <a:rPr lang="en-US" b="1" dirty="0" smtClean="0"/>
+              <a:t>input</a:t>
+            </a:r>
+            <a:endParaRPr lang="en-GB" dirty="0"/>
+          </a:p>
+        </p:txBody>
+      </p:sp>
+      <p:sp>
+        <p:nvSpPr>
+          <p:cNvPr id="7" name="Text Placeholder 6"/>
+          <p:cNvSpPr>
+            <a:spLocks noGrp="1"/>
+          </p:cNvSpPr>
+          <p:nvPr>
+            <p:ph type="body" sz="quarter" idx="14"/>
+          </p:nvPr>
+        </p:nvSpPr>
+        <p:spPr/>
+        <p:txBody>
+          <a:bodyPr/>
+          <a:lstStyle/>
+          <a:p>
+            <a:r>
+              <a:rPr lang="en-GB" b="1" dirty="0" smtClean="0"/>
+              <a:t>Prerequisites</a:t>
+            </a:r>
+          </a:p>
+          <a:p>
+            <a:endParaRPr lang="en-GB" b="1" dirty="0"/>
+          </a:p>
+          <a:p>
+            <a:pPr marL="214313" indent="-214313">
+              <a:buFont typeface="Arial" panose="020B0604020202020204" pitchFamily="34" charset="0"/>
+              <a:buChar char="•"/>
+            </a:pPr>
+            <a:r>
+              <a:rPr lang="en-US" b="1" dirty="0" smtClean="0"/>
+              <a:t>Create </a:t>
+            </a:r>
+            <a:r>
+              <a:rPr lang="en-US" b="1" dirty="0"/>
+              <a:t>or update </a:t>
+            </a:r>
+            <a:r>
+              <a:rPr lang="en-US" dirty="0"/>
+              <a:t>your app </a:t>
             </a:r>
             <a:r>
               <a:rPr lang="en-US" dirty="0" smtClean="0"/>
-              <a:t>keyboard</a:t>
-            </a:r>
+              <a:t>project - </a:t>
+            </a:r>
+            <a:r>
+              <a:rPr lang="en-US" dirty="0"/>
+              <a:t>target Android 5.0 (API level 21) or </a:t>
+            </a:r>
+            <a:r>
+              <a:rPr lang="en-US" dirty="0" smtClean="0"/>
+              <a:t>higher</a:t>
+            </a:r>
+            <a:endParaRPr lang="en-US" dirty="0" smtClean="0"/>
+          </a:p>
+          <a:p>
+            <a:pPr marL="214313" indent="-214313">
+              <a:buFont typeface="Arial" panose="020B0604020202020204" pitchFamily="34" charset="0"/>
+              <a:buChar char="•"/>
+            </a:pPr>
+            <a:endParaRPr lang="en-US" dirty="0"/>
           </a:p>
           <a:p>
             <a:pPr marL="214313" indent="-214313">
@@ -13224,47 +13587,41 @@
               <a:buChar char="•"/>
             </a:pPr>
             <a:r>
-              <a:rPr lang="pt-PT" dirty="0" err="1"/>
-              <a:t>Building</a:t>
-            </a:r>
-            <a:r>
-              <a:rPr lang="pt-PT" dirty="0"/>
-              <a:t> </a:t>
-            </a:r>
-            <a:r>
-              <a:rPr lang="pt-PT" b="1" dirty="0" err="1" smtClean="0"/>
-              <a:t>content</a:t>
-            </a:r>
-            <a:r>
-              <a:rPr lang="pt-PT" b="1" dirty="0" smtClean="0"/>
-              <a:t> </a:t>
-            </a:r>
-            <a:r>
-              <a:rPr lang="pt-PT" b="1" dirty="0" err="1"/>
-              <a:t>hierarchy</a:t>
-            </a:r>
-            <a:endParaRPr lang="pt-PT" b="1" dirty="0"/>
-          </a:p>
-          <a:p>
-            <a:r>
-              <a:rPr lang="pt-PT" dirty="0"/>
-              <a:t/>
-            </a:r>
-            <a:br>
-              <a:rPr lang="pt-PT" dirty="0"/>
-            </a:br>
-            <a:endParaRPr lang="fr-FR" dirty="0"/>
-          </a:p>
-        </p:txBody>
-      </p:sp>
-      <p:sp>
-        <p:nvSpPr>
-          <p:cNvPr id="10" name="Espace réservé du texte 9"/>
-          <p:cNvSpPr>
-            <a:spLocks noGrp="1"/>
-          </p:cNvSpPr>
-          <p:nvPr>
-            <p:ph type="body" sz="quarter" idx="14"/>
+              <a:rPr lang="en-US" dirty="0"/>
+              <a:t>Install the </a:t>
+            </a:r>
+            <a:r>
+              <a:rPr lang="en-US" b="1" dirty="0"/>
+              <a:t>support library-   </a:t>
+            </a:r>
+            <a:r>
+              <a:rPr lang="en-US" dirty="0" err="1" smtClean="0"/>
+              <a:t>NotificationCompat.CarExtender</a:t>
+            </a:r>
+            <a:r>
+              <a:rPr lang="en-US" dirty="0" smtClean="0"/>
+              <a:t> class </a:t>
+            </a:r>
+            <a:r>
+              <a:rPr lang="en-US" dirty="0"/>
+              <a:t>allows you to create notifications that are compatible with Auto </a:t>
+            </a:r>
+            <a:r>
+              <a:rPr lang="en-US" dirty="0" smtClean="0"/>
+              <a:t>devices</a:t>
+            </a:r>
+            <a:endParaRPr lang="en-GB" dirty="0"/>
+          </a:p>
+        </p:txBody>
+      </p:sp>
+      <p:sp>
+        <p:nvSpPr>
+          <p:cNvPr id="8" name="Text Placeholder 7"/>
+          <p:cNvSpPr>
+            <a:spLocks noGrp="1"/>
+          </p:cNvSpPr>
+          <p:nvPr>
+            <p:ph type="body" sz="quarter" idx="15"/>
           </p:nvPr>
         </p:nvSpPr>
         <p:spPr/>
@@ -13273,21 +13630,17 @@
           <a:lstStyle/>
           <a:p>
             <a:r>
-              <a:rPr lang="pt-PT" b="1" dirty="0" err="1"/>
-              <a:t>Enable</a:t>
-            </a:r>
-            <a:r>
-              <a:rPr lang="pt-PT" b="1" dirty="0"/>
-              <a:t> Playback </a:t>
-            </a:r>
-            <a:r>
-              <a:rPr lang="pt-PT" b="1" dirty="0" err="1" smtClean="0"/>
-              <a:t>Control</a:t>
-            </a:r>
-            <a:endParaRPr lang="pt-PT" b="1" dirty="0" smtClean="0"/>
-          </a:p>
-          <a:p>
-            <a:endParaRPr lang="pt-PT" b="1" dirty="0"/>
+              <a:rPr lang="en-GB" b="1" dirty="0"/>
+              <a:t>Declare Auto </a:t>
+            </a:r>
+            <a:r>
+              <a:rPr lang="en-GB" b="1" dirty="0" smtClean="0"/>
+              <a:t>capabilities</a:t>
+            </a:r>
+            <a:endParaRPr lang="en-GB" dirty="0" smtClean="0"/>
+          </a:p>
+          <a:p>
+            <a:endParaRPr lang="en-GB" b="1" dirty="0"/>
           </a:p>
           <a:p>
             <a:pPr marL="214313" indent="-214313">
@@ -13295,20 +13648,20 @@
               <a:buChar char="•"/>
             </a:pPr>
             <a:r>
+              <a:rPr lang="pt-PT" b="1" dirty="0"/>
+              <a:t>Define </a:t>
+            </a:r>
+            <a:r>
               <a:rPr lang="pt-PT" b="1" dirty="0" err="1"/>
-              <a:t>Register</a:t>
+              <a:t>the</a:t>
             </a:r>
             <a:r>
               <a:rPr lang="pt-PT" b="1" dirty="0"/>
-              <a:t> a media </a:t>
-            </a:r>
-            <a:r>
-              <a:rPr lang="pt-PT" b="1" dirty="0" err="1" smtClean="0"/>
-              <a:t>session</a:t>
-            </a:r>
-            <a:r>
-              <a:rPr lang="pt-PT" b="1" dirty="0" smtClean="0"/>
-              <a:t> </a:t>
+              <a:t> Auto XML </a:t>
+            </a:r>
+            <a:r>
+              <a:rPr lang="pt-PT" dirty="0" err="1" smtClean="0"/>
+              <a:t>configuration</a:t>
             </a:r>
             <a:r>
               <a:rPr lang="pt-PT" dirty="0" smtClean="0"/>
@@ -13316,19 +13669,20 @@
             </a:r>
             <a:r>
               <a:rPr lang="en-US" dirty="0"/>
-              <a:t>set a callback object that is used to handle playback control requests</a:t>
+              <a:t>Specify the car capabilities that your app uses in an XML </a:t>
             </a:r>
             <a:r>
               <a:rPr lang="en-US" dirty="0" smtClean="0"/>
-              <a:t>.</a:t>
-            </a:r>
+              <a:t>file</a:t>
+            </a:r>
+            <a:endParaRPr lang="en-US" dirty="0" smtClean="0"/>
           </a:p>
           <a:p>
             <a:pPr marL="214313" indent="-214313">
               <a:buFont typeface="Arial" panose="020B0604020202020204" pitchFamily="34" charset="0"/>
               <a:buChar char="•"/>
             </a:pPr>
-            <a:endParaRPr lang="en-US" dirty="0"/>
+            <a:endParaRPr lang="pt-PT" dirty="0"/>
           </a:p>
           <a:p>
             <a:pPr marL="214313" indent="-214313">
@@ -13336,173 +13690,46 @@
               <a:buChar char="•"/>
             </a:pPr>
             <a:r>
+              <a:rPr lang="pt-PT" dirty="0" err="1"/>
+              <a:t>Add</a:t>
+            </a:r>
+            <a:r>
+              <a:rPr lang="pt-PT" dirty="0"/>
+              <a:t> a </a:t>
+            </a:r>
+            <a:r>
               <a:rPr lang="pt-PT" b="1" dirty="0" err="1"/>
-              <a:t>Implement</a:t>
-            </a:r>
-            <a:r>
-              <a:rPr lang="pt-PT" b="1" dirty="0"/>
-              <a:t> play </a:t>
-            </a:r>
-            <a:r>
-              <a:rPr lang="pt-PT" b="1" dirty="0" err="1" smtClean="0"/>
-              <a:t>commands</a:t>
-            </a:r>
-            <a:r>
-              <a:rPr lang="pt-PT" b="1" dirty="0" smtClean="0"/>
-              <a:t> - </a:t>
-            </a:r>
-            <a:r>
-              <a:rPr lang="en-US" dirty="0"/>
-              <a:t>your app must extend the abstract </a:t>
-            </a:r>
-            <a:r>
-              <a:rPr lang="en-US" i="1" dirty="0" err="1"/>
-              <a:t>MediaSession.Callback</a:t>
-            </a:r>
-            <a:r>
-              <a:rPr lang="en-US" dirty="0"/>
-              <a:t> class and implement the methods that your app </a:t>
-            </a:r>
-            <a:r>
-              <a:rPr lang="en-US" dirty="0" smtClean="0"/>
-              <a:t>supports </a:t>
-            </a:r>
-            <a:endParaRPr lang="pt-PT" dirty="0"/>
-          </a:p>
-          <a:p>
-            <a:r>
-              <a:rPr lang="pt-PT" dirty="0"/>
-              <a:t/>
-            </a:r>
-            <a:br>
-              <a:rPr lang="pt-PT" dirty="0"/>
-            </a:br>
-            <a:endParaRPr lang="pt-PT" dirty="0"/>
-          </a:p>
-          <a:p>
-            <a:r>
-              <a:rPr lang="pt-PT" dirty="0"/>
-              <a:t/>
-            </a:r>
-            <a:br>
-              <a:rPr lang="pt-PT" dirty="0"/>
-            </a:br>
-            <a:r>
-              <a:rPr lang="en-US" dirty="0"/>
-              <a:t> </a:t>
-            </a:r>
-            <a:endParaRPr lang="pt-PT" b="1" dirty="0" smtClean="0"/>
-          </a:p>
-          <a:p>
-            <a:endParaRPr lang="pt-PT" b="1" dirty="0"/>
-          </a:p>
-          <a:p>
-            <a:r>
-              <a:rPr lang="pt-PT" b="1" dirty="0"/>
-              <a:t/>
-            </a:r>
-            <a:br>
-              <a:rPr lang="pt-PT" b="1" dirty="0"/>
-            </a:br>
-            <a:endParaRPr lang="fr-FR" b="1" dirty="0" smtClean="0"/>
-          </a:p>
-          <a:p>
-            <a:endParaRPr lang="fr-FR" dirty="0"/>
-          </a:p>
-        </p:txBody>
-      </p:sp>
-      <p:sp>
-        <p:nvSpPr>
-          <p:cNvPr id="11" name="Espace réservé du texte 10"/>
-          <p:cNvSpPr>
-            <a:spLocks noGrp="1"/>
-          </p:cNvSpPr>
-          <p:nvPr>
-            <p:ph type="body" sz="quarter" idx="15"/>
-          </p:nvPr>
-        </p:nvSpPr>
-        <p:spPr/>
-        <p:txBody>
-          <a:bodyPr/>
-          <a:lstStyle/>
-          <a:p>
-            <a:pPr lvl="2"/>
-            <a:r>
-              <a:rPr lang="pt-PT" b="1" dirty="0" err="1"/>
-              <a:t>Support</a:t>
+              <a:t>manifest</a:t>
             </a:r>
             <a:r>
               <a:rPr lang="pt-PT" b="1" dirty="0"/>
               <a:t> </a:t>
             </a:r>
             <a:r>
-              <a:rPr lang="pt-PT" b="1" dirty="0" err="1"/>
-              <a:t>Voice</a:t>
-            </a:r>
-            <a:r>
-              <a:rPr lang="pt-PT" b="1" dirty="0"/>
-              <a:t> </a:t>
-            </a:r>
-            <a:r>
               <a:rPr lang="pt-PT" b="1" dirty="0" err="1" smtClean="0"/>
-              <a:t>Actions</a:t>
+              <a:t>entry</a:t>
             </a:r>
             <a:r>
               <a:rPr lang="pt-PT" b="1" dirty="0" smtClean="0"/>
               <a:t> </a:t>
             </a:r>
-          </a:p>
-          <a:p>
-            <a:pPr lvl="2"/>
-            <a:endParaRPr lang="pt-PT" b="1" dirty="0"/>
-          </a:p>
-          <a:p>
-            <a:pPr marL="214313" indent="-214313">
-              <a:buFont typeface="Arial" panose="020B0604020202020204" pitchFamily="34" charset="0"/>
-              <a:buChar char="•"/>
-            </a:pPr>
+            <a:r>
+              <a:rPr lang="pt-PT" dirty="0" smtClean="0"/>
+              <a:t>- </a:t>
+            </a:r>
             <a:r>
               <a:rPr lang="en-US" dirty="0" smtClean="0"/>
-              <a:t>Enable </a:t>
+              <a:t>provide </a:t>
             </a:r>
             <a:r>
               <a:rPr lang="en-US" dirty="0"/>
-              <a:t>your audio app to </a:t>
-            </a:r>
-            <a:r>
-              <a:rPr lang="en-US" b="1" dirty="0"/>
-              <a:t>launch with a voice </a:t>
-            </a:r>
-            <a:r>
-              <a:rPr lang="en-US" b="1" dirty="0" smtClean="0"/>
-              <a:t>command</a:t>
+              <a:t>a reference to the Auto XML configuration file you </a:t>
             </a:r>
             <a:r>
               <a:rPr lang="en-US" dirty="0" smtClean="0"/>
-              <a:t> - </a:t>
-            </a:r>
-            <a:r>
-              <a:rPr lang="en-US" i="1" dirty="0"/>
-              <a:t>"Play [search query] on [your app name]"</a:t>
-            </a:r>
-            <a:r>
-              <a:rPr lang="en-US" dirty="0" smtClean="0"/>
-              <a:t>	</a:t>
-            </a:r>
-            <a:endParaRPr lang="en-US" dirty="0"/>
-          </a:p>
-          <a:p>
+              <a:t>created</a:t>
+            </a:r>
             <a:endParaRPr lang="en-US" dirty="0" smtClean="0"/>
-          </a:p>
-          <a:p>
-            <a:pPr marL="214313" indent="-214313">
-              <a:buFont typeface="Arial" panose="020B0604020202020204" pitchFamily="34" charset="0"/>
-              <a:buChar char="•"/>
-            </a:pPr>
-            <a:r>
-              <a:rPr lang="en-US" dirty="0"/>
-              <a:t>Parse the voice query to build the playback queue</a:t>
-            </a:r>
           </a:p>
           <a:p>
             <a:pPr marL="214313" indent="-214313">
@@ -13517,58 +13744,48 @@
               <a:buChar char="•"/>
             </a:pPr>
             <a:r>
-              <a:rPr lang="pt-PT" b="1" dirty="0" smtClean="0"/>
-              <a:t>Playback </a:t>
-            </a:r>
-            <a:r>
-              <a:rPr lang="pt-PT" b="1" dirty="0" err="1"/>
-              <a:t>control</a:t>
-            </a:r>
-            <a:r>
-              <a:rPr lang="pt-PT" b="1" dirty="0"/>
-              <a:t> </a:t>
-            </a:r>
-            <a:r>
-              <a:rPr lang="pt-PT" b="1" dirty="0" err="1" smtClean="0"/>
-              <a:t>actions</a:t>
-            </a:r>
-            <a:r>
-              <a:rPr lang="pt-PT" b="1" dirty="0" smtClean="0"/>
-              <a:t> - </a:t>
+              <a:rPr lang="en-US" dirty="0" smtClean="0"/>
+              <a:t>Add </a:t>
+            </a:r>
+            <a:r>
+              <a:rPr lang="en-US" b="1" dirty="0"/>
+              <a:t>Auto features </a:t>
             </a:r>
             <a:r>
               <a:rPr lang="en-US" dirty="0"/>
-              <a:t>implement the callback methods with the playback controls that you support in your app.</a:t>
-            </a:r>
-            <a:r>
-              <a:rPr lang="en-US" dirty="0" smtClean="0"/>
-              <a:t>		</a:t>
-            </a:r>
-            <a:endParaRPr lang="pt-PT" b="1" dirty="0"/>
-          </a:p>
-          <a:p>
-            <a:r>
-              <a:rPr lang="en-US" dirty="0"/>
+              <a:t>to your apps</a:t>
+            </a:r>
+          </a:p>
+          <a:p>
+            <a:pPr marL="214313" indent="-214313">
+              <a:buFont typeface="Arial" panose="020B0604020202020204" pitchFamily="34" charset="0"/>
+              <a:buChar char="•"/>
+            </a:pPr>
+            <a:endParaRPr lang="pt-PT" dirty="0"/>
+          </a:p>
+          <a:p>
+            <a:pPr marL="214313" indent="-214313">
+              <a:buFont typeface="Arial" panose="020B0604020202020204" pitchFamily="34" charset="0"/>
+              <a:buChar char="•"/>
+            </a:pPr>
+            <a:endParaRPr lang="pt-PT" dirty="0"/>
+          </a:p>
+          <a:p>
+            <a:r>
+              <a:rPr lang="pt-PT" dirty="0"/>
               <a:t/>
             </a:r>
             <a:br>
-              <a:rPr lang="en-US" dirty="0"/>
+              <a:rPr lang="pt-PT" dirty="0"/>
             </a:br>
-            <a:r>
-              <a:rPr lang="pt-PT" b="1" dirty="0"/>
-              <a:t/>
-            </a:r>
-            <a:br>
-              <a:rPr lang="pt-PT" b="1" dirty="0"/>
-            </a:br>
-            <a:endParaRPr lang="fr-FR" b="1" dirty="0"/>
+            <a:endParaRPr lang="en-GB" b="1" dirty="0"/>
           </a:p>
         </p:txBody>
       </p:sp>
     </p:spTree>
     <p:extLst>
       <p:ext uri="{BB962C8B-B14F-4D97-AF65-F5344CB8AC3E}">
-        <p14:creationId xmlns:p14="http://schemas.microsoft.com/office/powerpoint/2010/main" val="2911035477"/>
+        <p14:creationId xmlns:p14="http://schemas.microsoft.com/office/powerpoint/2010/main" val="394011398"/>
       </p:ext>
     </p:extLst>
   </p:cSld>
@@ -13604,7 +13821,7 @@
       </p:grpSpPr>
       <p:sp>
         <p:nvSpPr>
-          <p:cNvPr id="2" name="Title 1"/>
+          <p:cNvPr id="7" name="Titre 6"/>
           <p:cNvSpPr>
             <a:spLocks noGrp="1"/>
           </p:cNvSpPr>
@@ -13612,48 +13829,41 @@
             <p:ph type="title"/>
           </p:nvPr>
         </p:nvSpPr>
-        <p:spPr/>
-        <p:txBody>
-          <a:bodyPr/>
-          <a:lstStyle/>
-          <a:p>
-            <a:r>
-              <a:rPr lang="pt-PT" dirty="0" err="1"/>
-              <a:t>Providing</a:t>
-            </a:r>
-            <a:r>
-              <a:rPr lang="pt-PT" dirty="0"/>
-              <a:t> </a:t>
-            </a:r>
-            <a:r>
-              <a:rPr lang="pt-PT" dirty="0" err="1"/>
-              <a:t>Messaging</a:t>
-            </a:r>
-            <a:r>
-              <a:rPr lang="pt-PT" dirty="0"/>
-              <a:t> for Auto</a:t>
-            </a:r>
-            <a:r>
-              <a:rPr lang="pt-PT" b="0" dirty="0"/>
+        <p:spPr>
+          <a:xfrm>
+            <a:off x="358247" y="442215"/>
+            <a:ext cx="8426450" cy="891380"/>
+          </a:xfrm>
+        </p:spPr>
+        <p:txBody>
+          <a:bodyPr/>
+          <a:lstStyle/>
+          <a:p>
+            <a:r>
+              <a:rPr lang="en-US" dirty="0"/>
+              <a:t>Providing Audio Playback for Auto</a:t>
+            </a:r>
+            <a:r>
+              <a:rPr lang="en-US" b="0" dirty="0"/>
               <a:t/>
             </a:r>
             <a:br>
-              <a:rPr lang="pt-PT" b="0" dirty="0"/>
+              <a:rPr lang="en-US" b="0" dirty="0"/>
             </a:br>
             <a:r>
-              <a:rPr lang="pt-PT" b="0" dirty="0"/>
+              <a:rPr lang="en-US" b="0" dirty="0"/>
               <a:t/>
             </a:r>
             <a:br>
-              <a:rPr lang="pt-PT" b="0" dirty="0"/>
+              <a:rPr lang="en-US" b="0" dirty="0"/>
             </a:br>
-            <a:endParaRPr lang="en-GB" dirty="0"/>
-          </a:p>
-        </p:txBody>
-      </p:sp>
-      <p:sp>
-        <p:nvSpPr>
-          <p:cNvPr id="3" name="Date Placeholder 2"/>
+            <a:endParaRPr lang="fr-FR" dirty="0"/>
+          </a:p>
+        </p:txBody>
+      </p:sp>
+      <p:sp>
+        <p:nvSpPr>
+          <p:cNvPr id="3" name="Espace réservé de la date 2"/>
           <p:cNvSpPr>
             <a:spLocks noGrp="1"/>
           </p:cNvSpPr>
@@ -13676,7 +13886,7 @@
               </a:rPr>
               <a:t>Date</a:t>
             </a:r>
-            <a:endParaRPr lang="en-US" dirty="0">
+            <a:endParaRPr lang="fr-FR">
               <a:solidFill>
                 <a:srgbClr val="FFFFFF">
                   <a:alpha val="0"/>
@@ -13688,7 +13898,7 @@
       </p:sp>
       <p:sp>
         <p:nvSpPr>
-          <p:cNvPr id="4" name="Footer Placeholder 3"/>
+          <p:cNvPr id="4" name="Espace réservé du pied de page 3"/>
           <p:cNvSpPr>
             <a:spLocks noGrp="1"/>
           </p:cNvSpPr>
@@ -13709,17 +13919,12 @@
               </a:rPr>
               <a:t>Android Auto</a:t>
             </a:r>
-            <a:endParaRPr lang="en-US" dirty="0">
-              <a:solidFill>
-                <a:srgbClr val="464B69"/>
-              </a:solidFill>
-            </a:endParaRPr>
-          </a:p>
-        </p:txBody>
-      </p:sp>
-      <p:sp>
-        <p:nvSpPr>
-          <p:cNvPr id="5" name="Slide Number Placeholder 4"/>
+          </a:p>
+        </p:txBody>
+      </p:sp>
+      <p:sp>
+        <p:nvSpPr>
+          <p:cNvPr id="5" name="Espace réservé du numéro de diapositive 4"/>
           <p:cNvSpPr>
             <a:spLocks noGrp="1"/>
           </p:cNvSpPr>
@@ -13732,8 +13937,8 @@
           <a:bodyPr/>
           <a:lstStyle/>
           <a:p>
-            <a:fld id="{733122C9-A0B9-462F-8757-0847AD287B63}" type="slidenum">
-              <a:rPr lang="en-US" smtClean="0">
+            <a:fld id="{10C140CD-8AED-46FF-A9A2-77308F3F39AE}" type="slidenum">
+              <a:rPr lang="fr-FR" smtClean="0">
                 <a:solidFill>
                   <a:srgbClr val="464B69"/>
                 </a:solidFill>
@@ -13741,7 +13946,7 @@
               <a:pPr/>
               <a:t>14</a:t>
             </a:fld>
-            <a:endParaRPr lang="en-US" dirty="0">
+            <a:endParaRPr lang="fr-FR" dirty="0">
               <a:solidFill>
                 <a:srgbClr val="464B69"/>
               </a:solidFill>
@@ -13751,7 +13956,7 @@
       </p:sp>
       <p:sp>
         <p:nvSpPr>
-          <p:cNvPr id="6" name="Text Placeholder 5"/>
+          <p:cNvPr id="9" name="Espace réservé du texte 8"/>
           <p:cNvSpPr>
             <a:spLocks noGrp="1"/>
           </p:cNvSpPr>
@@ -13765,16 +13970,20 @@
           <a:lstStyle/>
           <a:p>
             <a:r>
-              <a:rPr lang="en-US" b="1" dirty="0"/>
-              <a:t>Define read and reply intent </a:t>
-            </a:r>
-            <a:r>
-              <a:rPr lang="en-US" b="1" dirty="0" smtClean="0"/>
-              <a:t>filters </a:t>
-            </a:r>
-          </a:p>
-          <a:p>
-            <a:endParaRPr lang="en-US" b="1" dirty="0"/>
+              <a:rPr lang="fr-FR" b="1" dirty="0" err="1" smtClean="0"/>
+              <a:t>Build</a:t>
+            </a:r>
+            <a:r>
+              <a:rPr lang="fr-FR" b="1" dirty="0" smtClean="0"/>
+              <a:t> a Browser Service </a:t>
+            </a:r>
+          </a:p>
+          <a:p>
+            <a:r>
+              <a:rPr lang="fr-FR" dirty="0"/>
+              <a:t> </a:t>
+            </a:r>
+            <a:endParaRPr lang="fr-FR" dirty="0" smtClean="0"/>
           </a:p>
           <a:p>
             <a:pPr marL="214313" indent="-214313">
@@ -13782,164 +13991,41 @@
               <a:buChar char="•"/>
             </a:pPr>
             <a:r>
+              <a:rPr lang="en-US" dirty="0"/>
+              <a:t>M</a:t>
+            </a:r>
+            <a:r>
               <a:rPr lang="en-US" dirty="0" smtClean="0"/>
-              <a:t>Define </a:t>
+              <a:t>edia </a:t>
             </a:r>
             <a:r>
               <a:rPr lang="en-US" dirty="0"/>
-              <a:t>the read action and reply action intent types for your app and the </a:t>
-            </a:r>
-            <a:r>
-              <a:rPr lang="en-US" i="1" dirty="0" err="1"/>
-              <a:t>BroadcastReceiver</a:t>
-            </a:r>
-            <a:r>
-              <a:rPr lang="en-US" dirty="0"/>
+              <a:t>browser service </a:t>
+            </a:r>
+            <a:r>
+              <a:rPr lang="en-US" dirty="0" smtClean="0"/>
+              <a:t>extends </a:t>
+            </a:r>
+            <a:r>
+              <a:rPr lang="en-US" i="1" dirty="0" err="1" smtClean="0"/>
+              <a:t>MediaBrowserService</a:t>
+            </a:r>
+            <a:r>
+              <a:rPr lang="en-US" dirty="0" smtClean="0"/>
               <a:t> </a:t>
             </a:r>
             <a:r>
               <a:rPr lang="en-US" dirty="0" smtClean="0"/>
-              <a:t>classes. </a:t>
-            </a:r>
-            <a:endParaRPr lang="en-US" dirty="0"/>
-          </a:p>
-          <a:p>
-            <a:r>
-              <a:rPr lang="en-US" dirty="0"/>
-              <a:t/>
-            </a:r>
-            <a:br>
-              <a:rPr lang="en-US" dirty="0"/>
-            </a:br>
-            <a:endParaRPr lang="en-US" b="1" dirty="0" smtClean="0"/>
-          </a:p>
-          <a:p>
-            <a:endParaRPr lang="en-US" b="1" dirty="0"/>
-          </a:p>
-          <a:p>
-            <a:r>
-              <a:rPr lang="en-US" b="1" dirty="0" smtClean="0"/>
-              <a:t>Import </a:t>
-            </a:r>
-            <a:r>
-              <a:rPr lang="en-US" b="1" dirty="0"/>
-              <a:t>Support Library for </a:t>
-            </a:r>
-            <a:r>
-              <a:rPr lang="en-US" b="1" dirty="0" smtClean="0"/>
-              <a:t>Messaging</a:t>
-            </a:r>
-          </a:p>
-          <a:p>
-            <a:r>
-              <a:rPr lang="en-US" b="1" dirty="0" smtClean="0"/>
-              <a:t> </a:t>
-            </a:r>
+              <a:t>class</a:t>
+            </a:r>
+            <a:endParaRPr lang="en-US" dirty="0" smtClean="0"/>
           </a:p>
           <a:p>
             <a:pPr marL="214313" indent="-214313">
               <a:buFont typeface="Arial" panose="020B0604020202020204" pitchFamily="34" charset="0"/>
               <a:buChar char="•"/>
             </a:pPr>
-            <a:r>
-              <a:rPr lang="en-US" dirty="0" smtClean="0"/>
-              <a:t>U</a:t>
-            </a:r>
-            <a:r>
-              <a:rPr lang="pt-PT" dirty="0" err="1" smtClean="0"/>
-              <a:t>pdate</a:t>
-            </a:r>
-            <a:r>
-              <a:rPr lang="pt-PT" dirty="0" smtClean="0"/>
-              <a:t> </a:t>
-            </a:r>
-            <a:r>
-              <a:rPr lang="pt-PT" dirty="0" err="1"/>
-              <a:t>the</a:t>
-            </a:r>
-            <a:r>
-              <a:rPr lang="pt-PT" dirty="0"/>
-              <a:t> </a:t>
-            </a:r>
-            <a:r>
-              <a:rPr lang="pt-PT" dirty="0" err="1"/>
-              <a:t>support</a:t>
-            </a:r>
-            <a:r>
-              <a:rPr lang="pt-PT" dirty="0"/>
-              <a:t> </a:t>
-            </a:r>
-            <a:r>
-              <a:rPr lang="pt-PT" dirty="0" err="1"/>
-              <a:t>libraries</a:t>
-            </a:r>
-            <a:r>
-              <a:rPr lang="pt-PT" dirty="0"/>
-              <a:t>, </a:t>
-            </a:r>
-            <a:r>
-              <a:rPr lang="en-US" dirty="0"/>
-              <a:t>b</a:t>
-            </a:r>
-            <a:r>
-              <a:rPr lang="en-US" dirty="0" smtClean="0"/>
-              <a:t>uilding </a:t>
-            </a:r>
-            <a:r>
-              <a:rPr lang="en-US" dirty="0"/>
-              <a:t>notifications </a:t>
-            </a:r>
-            <a:r>
-              <a:rPr lang="en-US" dirty="0" smtClean="0"/>
-              <a:t>requires </a:t>
-            </a:r>
-            <a:r>
-              <a:rPr lang="en-US" dirty="0"/>
-              <a:t>classes from the </a:t>
-            </a:r>
-            <a:r>
-              <a:rPr lang="en-US" i="1" dirty="0"/>
-              <a:t>v4 support library.</a:t>
-            </a:r>
-            <a:endParaRPr lang="en-GB" i="1" dirty="0"/>
-          </a:p>
-        </p:txBody>
-      </p:sp>
-      <p:sp>
-        <p:nvSpPr>
-          <p:cNvPr id="7" name="Text Placeholder 6"/>
-          <p:cNvSpPr>
-            <a:spLocks noGrp="1"/>
-          </p:cNvSpPr>
-          <p:nvPr>
-            <p:ph type="body" sz="quarter" idx="14"/>
-          </p:nvPr>
-        </p:nvSpPr>
-        <p:spPr>
-          <a:xfrm>
-            <a:off x="3221472" y="1851026"/>
-            <a:ext cx="2700000" cy="2557463"/>
-          </a:xfrm>
-        </p:spPr>
-        <p:txBody>
-          <a:bodyPr/>
-          <a:lstStyle/>
-          <a:p>
-            <a:r>
-              <a:rPr lang="en-GB" b="1" dirty="0" smtClean="0"/>
-              <a:t>Notify </a:t>
-            </a:r>
-            <a:r>
-              <a:rPr lang="en-GB" b="1" dirty="0"/>
-              <a:t>Users of </a:t>
-            </a:r>
-            <a:r>
-              <a:rPr lang="en-GB" b="1" dirty="0" smtClean="0"/>
-              <a:t>Messages</a:t>
-            </a:r>
-          </a:p>
-          <a:p>
-            <a:endParaRPr lang="en-GB" b="1" dirty="0"/>
+            <a:endParaRPr lang="en-US" dirty="0"/>
           </a:p>
           <a:p>
             <a:pPr marL="214313" indent="-214313">
@@ -13947,50 +14033,21 @@
               <a:buChar char="•"/>
             </a:pPr>
             <a:r>
+              <a:rPr lang="en-US" dirty="0"/>
+              <a:t>Android Auto includes a </a:t>
+            </a:r>
+            <a:r>
+              <a:rPr lang="en-US" b="1" dirty="0"/>
+              <a:t>browsing capability</a:t>
+            </a:r>
+            <a:r>
+              <a:rPr lang="en-US" dirty="0"/>
+              <a:t> that lets users select a letter from an on-screen </a:t>
+            </a:r>
+            <a:r>
               <a:rPr lang="en-US" dirty="0" smtClean="0"/>
-              <a:t>Create </a:t>
-            </a:r>
-            <a:r>
-              <a:rPr lang="en-US" dirty="0"/>
-              <a:t>conversation </a:t>
-            </a:r>
-            <a:r>
-              <a:rPr lang="en-US" b="1" dirty="0"/>
-              <a:t>read</a:t>
-            </a:r>
-            <a:r>
-              <a:rPr lang="en-US" dirty="0"/>
-              <a:t> and </a:t>
-            </a:r>
-            <a:r>
-              <a:rPr lang="en-US" b="1" dirty="0"/>
-              <a:t>reply</a:t>
-            </a:r>
-            <a:r>
-              <a:rPr lang="en-US" dirty="0"/>
-              <a:t> </a:t>
-            </a:r>
-            <a:r>
-              <a:rPr lang="en-US" b="1" dirty="0" smtClean="0"/>
-              <a:t>intents</a:t>
-            </a:r>
-            <a:r>
-              <a:rPr lang="en-US" dirty="0" smtClean="0"/>
-              <a:t> </a:t>
-            </a:r>
-            <a:r>
-              <a:rPr lang="en-US" dirty="0"/>
-              <a:t>- create a </a:t>
-            </a:r>
-            <a:r>
-              <a:rPr lang="en-US" i="1" dirty="0" err="1"/>
-              <a:t>PendingIntent</a:t>
-            </a:r>
-            <a:r>
-              <a:rPr lang="en-US" dirty="0"/>
-              <a:t> object for each of these actions, </a:t>
-            </a:r>
-            <a:endParaRPr lang="en-GB" b="1" dirty="0" smtClean="0"/>
+              <a:t>keyboard</a:t>
+            </a:r>
           </a:p>
           <a:p>
             <a:pPr marL="214313" indent="-214313">
@@ -14005,36 +14062,26 @@
               <a:buChar char="•"/>
             </a:pPr>
             <a:r>
-              <a:rPr lang="en-US" dirty="0" smtClean="0"/>
-              <a:t>Set </a:t>
-            </a:r>
-            <a:r>
-              <a:rPr lang="en-US" dirty="0"/>
-              <a:t>up the </a:t>
-            </a:r>
-            <a:r>
-              <a:rPr lang="en-US" b="1" dirty="0"/>
-              <a:t>conversation </a:t>
-            </a:r>
-            <a:r>
-              <a:rPr lang="en-US" b="1" dirty="0" smtClean="0"/>
-              <a:t>builder </a:t>
-            </a:r>
-            <a:r>
-              <a:rPr lang="en-US" dirty="0" smtClean="0"/>
-              <a:t>- Auto </a:t>
-            </a:r>
-            <a:r>
-              <a:rPr lang="en-US" dirty="0"/>
-              <a:t>organize messages into conversations</a:t>
-            </a:r>
-            <a:endParaRPr lang="en-US" dirty="0" smtClean="0"/>
-          </a:p>
-          <a:p>
-            <a:endParaRPr lang="en-US" dirty="0"/>
-          </a:p>
-          <a:p>
-            <a:endParaRPr lang="en-US" dirty="0" smtClean="0"/>
+              <a:rPr lang="pt-PT" dirty="0" err="1"/>
+              <a:t>Building</a:t>
+            </a:r>
+            <a:r>
+              <a:rPr lang="pt-PT" dirty="0"/>
+              <a:t> </a:t>
+            </a:r>
+            <a:r>
+              <a:rPr lang="pt-PT" b="1" dirty="0" err="1" smtClean="0"/>
+              <a:t>content</a:t>
+            </a:r>
+            <a:r>
+              <a:rPr lang="pt-PT" b="1" dirty="0" smtClean="0"/>
+              <a:t> </a:t>
+            </a:r>
+            <a:r>
+              <a:rPr lang="pt-PT" b="1" dirty="0" err="1"/>
+              <a:t>hierarchy</a:t>
+            </a:r>
+            <a:endParaRPr lang="pt-PT" b="1" dirty="0"/>
           </a:p>
           <a:p>
             <a:r>
@@ -14044,28 +14091,18 @@
             <a:br>
               <a:rPr lang="pt-PT" dirty="0"/>
             </a:br>
-            <a:endParaRPr lang="en-US" dirty="0"/>
-          </a:p>
-          <a:p>
-            <a:r>
-              <a:rPr lang="en-US" dirty="0"/>
-              <a:t/>
-            </a:r>
-            <a:br>
-              <a:rPr lang="en-US" dirty="0"/>
-            </a:br>
-            <a:endParaRPr lang="en-GB" b="1" dirty="0"/>
-          </a:p>
-        </p:txBody>
-      </p:sp>
-      <p:sp>
-        <p:nvSpPr>
-          <p:cNvPr id="8" name="Text Placeholder 7"/>
-          <p:cNvSpPr>
-            <a:spLocks noGrp="1"/>
-          </p:cNvSpPr>
-          <p:nvPr>
-            <p:ph type="body" sz="quarter" idx="15"/>
+            <a:endParaRPr lang="fr-FR" dirty="0"/>
+          </a:p>
+        </p:txBody>
+      </p:sp>
+      <p:sp>
+        <p:nvSpPr>
+          <p:cNvPr id="10" name="Espace réservé du texte 9"/>
+          <p:cNvSpPr>
+            <a:spLocks noGrp="1"/>
+          </p:cNvSpPr>
+          <p:nvPr>
+            <p:ph type="body" sz="quarter" idx="14"/>
           </p:nvPr>
         </p:nvSpPr>
         <p:spPr/>
@@ -14074,12 +14111,21 @@
           <a:lstStyle/>
           <a:p>
             <a:r>
-              <a:rPr lang="en-GB" b="1" dirty="0" smtClean="0"/>
-              <a:t>Handle User Actions</a:t>
-            </a:r>
-          </a:p>
-          <a:p>
-            <a:endParaRPr lang="en-GB" b="1" dirty="0" smtClean="0"/>
+              <a:rPr lang="pt-PT" b="1" dirty="0" err="1"/>
+              <a:t>Enable</a:t>
+            </a:r>
+            <a:r>
+              <a:rPr lang="pt-PT" b="1" dirty="0"/>
+              <a:t> Playback </a:t>
+            </a:r>
+            <a:r>
+              <a:rPr lang="pt-PT" b="1" dirty="0" err="1" smtClean="0"/>
+              <a:t>Control</a:t>
+            </a:r>
+            <a:endParaRPr lang="pt-PT" b="1" dirty="0" smtClean="0"/>
+          </a:p>
+          <a:p>
+            <a:endParaRPr lang="pt-PT" b="1" dirty="0"/>
           </a:p>
           <a:p>
             <a:pPr marL="214313" indent="-214313">
@@ -14087,20 +14133,32 @@
               <a:buChar char="•"/>
             </a:pPr>
             <a:r>
+              <a:rPr lang="pt-PT" b="1" dirty="0" err="1"/>
+              <a:t>Register</a:t>
+            </a:r>
+            <a:r>
+              <a:rPr lang="pt-PT" b="1" dirty="0"/>
+              <a:t> a media </a:t>
+            </a:r>
+            <a:r>
+              <a:rPr lang="pt-PT" b="1" dirty="0" err="1" smtClean="0"/>
+              <a:t>session</a:t>
+            </a:r>
+            <a:r>
+              <a:rPr lang="pt-PT" b="1" dirty="0" smtClean="0"/>
+              <a:t> </a:t>
+            </a:r>
+            <a:r>
+              <a:rPr lang="pt-PT" dirty="0" smtClean="0"/>
+              <a:t>- </a:t>
+            </a:r>
+            <a:r>
+              <a:rPr lang="en-US" dirty="0"/>
+              <a:t>set a callback object that is used to handle playback control </a:t>
+            </a:r>
+            <a:r>
               <a:rPr lang="en-US" dirty="0" smtClean="0"/>
-              <a:t>Handling a </a:t>
-            </a:r>
-            <a:r>
-              <a:rPr lang="en-US" b="1" dirty="0" smtClean="0"/>
-              <a:t>message read action </a:t>
-            </a:r>
-            <a:r>
-              <a:rPr lang="en-US" dirty="0" smtClean="0"/>
-              <a:t>- </a:t>
-            </a:r>
-            <a:r>
-              <a:rPr lang="en-US" dirty="0"/>
-              <a:t>Auto sends a read intent based on how your app defined the messaging notification</a:t>
+              <a:t>requests</a:t>
             </a:r>
             <a:endParaRPr lang="en-US" dirty="0" smtClean="0"/>
           </a:p>
@@ -14109,21 +14167,171 @@
               <a:buFont typeface="Arial" panose="020B0604020202020204" pitchFamily="34" charset="0"/>
               <a:buChar char="•"/>
             </a:pPr>
-            <a:endParaRPr lang="en-GB" b="1" dirty="0" smtClean="0"/>
+            <a:endParaRPr lang="en-US" dirty="0"/>
           </a:p>
           <a:p>
             <a:pPr marL="214313" indent="-214313">
               <a:buFont typeface="Arial" panose="020B0604020202020204" pitchFamily="34" charset="0"/>
               <a:buChar char="•"/>
             </a:pPr>
-            <a:endParaRPr lang="en-GB" b="1" dirty="0" smtClean="0"/>
+            <a:r>
+              <a:rPr lang="pt-PT" b="1" dirty="0" err="1"/>
+              <a:t>Implement</a:t>
+            </a:r>
+            <a:r>
+              <a:rPr lang="pt-PT" b="1" dirty="0"/>
+              <a:t> play </a:t>
+            </a:r>
+            <a:r>
+              <a:rPr lang="pt-PT" b="1" dirty="0" err="1" smtClean="0"/>
+              <a:t>commands</a:t>
+            </a:r>
+            <a:r>
+              <a:rPr lang="pt-PT" b="1" dirty="0" smtClean="0"/>
+              <a:t> - </a:t>
+            </a:r>
+            <a:r>
+              <a:rPr lang="en-US" dirty="0"/>
+              <a:t>your app must extend the abstract </a:t>
+            </a:r>
+            <a:r>
+              <a:rPr lang="en-US" i="1" dirty="0" err="1"/>
+              <a:t>MediaSession.Callback</a:t>
+            </a:r>
+            <a:r>
+              <a:rPr lang="en-US" dirty="0"/>
+              <a:t> class and implement the methods that your app </a:t>
+            </a:r>
+            <a:r>
+              <a:rPr lang="en-US" dirty="0" smtClean="0"/>
+              <a:t>supports </a:t>
+            </a:r>
+            <a:endParaRPr lang="pt-PT" dirty="0"/>
+          </a:p>
+          <a:p>
+            <a:r>
+              <a:rPr lang="pt-PT" dirty="0"/>
+              <a:t/>
+            </a:r>
+            <a:br>
+              <a:rPr lang="pt-PT" dirty="0"/>
+            </a:br>
+            <a:endParaRPr lang="pt-PT" dirty="0"/>
+          </a:p>
+          <a:p>
+            <a:r>
+              <a:rPr lang="pt-PT" dirty="0"/>
+              <a:t/>
+            </a:r>
+            <a:br>
+              <a:rPr lang="pt-PT" dirty="0"/>
+            </a:br>
+            <a:r>
+              <a:rPr lang="en-US" dirty="0"/>
+              <a:t> </a:t>
+            </a:r>
+            <a:endParaRPr lang="pt-PT" b="1" dirty="0" smtClean="0"/>
+          </a:p>
+          <a:p>
+            <a:endParaRPr lang="pt-PT" b="1" dirty="0"/>
+          </a:p>
+          <a:p>
+            <a:r>
+              <a:rPr lang="pt-PT" b="1" dirty="0"/>
+              <a:t/>
+            </a:r>
+            <a:br>
+              <a:rPr lang="pt-PT" b="1" dirty="0"/>
+            </a:br>
+            <a:endParaRPr lang="fr-FR" b="1" dirty="0" smtClean="0"/>
+          </a:p>
+          <a:p>
+            <a:endParaRPr lang="fr-FR" dirty="0"/>
+          </a:p>
+        </p:txBody>
+      </p:sp>
+      <p:sp>
+        <p:nvSpPr>
+          <p:cNvPr id="11" name="Espace réservé du texte 10"/>
+          <p:cNvSpPr>
+            <a:spLocks noGrp="1"/>
+          </p:cNvSpPr>
+          <p:nvPr>
+            <p:ph type="body" sz="quarter" idx="15"/>
+          </p:nvPr>
+        </p:nvSpPr>
+        <p:spPr/>
+        <p:txBody>
+          <a:bodyPr/>
+          <a:lstStyle/>
+          <a:p>
+            <a:pPr lvl="2"/>
+            <a:r>
+              <a:rPr lang="pt-PT" b="1" dirty="0" err="1"/>
+              <a:t>Support</a:t>
+            </a:r>
+            <a:r>
+              <a:rPr lang="pt-PT" b="1" dirty="0"/>
+              <a:t> </a:t>
+            </a:r>
+            <a:r>
+              <a:rPr lang="pt-PT" b="1" dirty="0" err="1"/>
+              <a:t>Voice</a:t>
+            </a:r>
+            <a:r>
+              <a:rPr lang="pt-PT" b="1" dirty="0"/>
+              <a:t> </a:t>
+            </a:r>
+            <a:r>
+              <a:rPr lang="pt-PT" b="1" dirty="0" err="1" smtClean="0"/>
+              <a:t>Actions</a:t>
+            </a:r>
+            <a:r>
+              <a:rPr lang="pt-PT" b="1" dirty="0" smtClean="0"/>
+              <a:t> </a:t>
+            </a:r>
+          </a:p>
+          <a:p>
+            <a:pPr lvl="2"/>
+            <a:endParaRPr lang="pt-PT" b="1" dirty="0"/>
           </a:p>
           <a:p>
             <a:pPr marL="214313" indent="-214313">
               <a:buFont typeface="Arial" panose="020B0604020202020204" pitchFamily="34" charset="0"/>
               <a:buChar char="•"/>
             </a:pPr>
-            <a:endParaRPr lang="en-GB" b="1" dirty="0" smtClean="0"/>
+            <a:r>
+              <a:rPr lang="en-US" dirty="0" smtClean="0"/>
+              <a:t>Enable </a:t>
+            </a:r>
+            <a:r>
+              <a:rPr lang="en-US" dirty="0"/>
+              <a:t>your audio app to </a:t>
+            </a:r>
+            <a:r>
+              <a:rPr lang="en-US" b="1" dirty="0"/>
+              <a:t>launch with a voice </a:t>
+            </a:r>
+            <a:r>
+              <a:rPr lang="en-US" b="1" dirty="0" smtClean="0"/>
+              <a:t>command</a:t>
+            </a:r>
+            <a:r>
+              <a:rPr lang="en-US" dirty="0" smtClean="0"/>
+              <a:t> - </a:t>
+            </a:r>
+            <a:r>
+              <a:rPr lang="en-US" i="1" dirty="0"/>
+              <a:t>"Play [search query] on [your app name]"</a:t>
+            </a:r>
+            <a:r>
+              <a:rPr lang="en-US" dirty="0" smtClean="0"/>
+              <a:t>	</a:t>
+            </a:r>
+            <a:endParaRPr lang="en-US" dirty="0"/>
+          </a:p>
+          <a:p>
+            <a:endParaRPr lang="en-US" dirty="0" smtClean="0"/>
           </a:p>
           <a:p>
             <a:pPr marL="214313" indent="-214313">
@@ -14131,48 +14339,75 @@
               <a:buChar char="•"/>
             </a:pPr>
             <a:r>
-              <a:rPr lang="pt-PT" dirty="0" smtClean="0"/>
-              <a:t>Handling a </a:t>
-            </a:r>
-            <a:r>
-              <a:rPr lang="pt-PT" b="1" dirty="0" err="1" smtClean="0"/>
-              <a:t>reply</a:t>
-            </a:r>
+              <a:rPr lang="en-US" dirty="0"/>
+              <a:t>Parse the voice query to build the playback queue</a:t>
+            </a:r>
+          </a:p>
+          <a:p>
+            <a:pPr marL="214313" indent="-214313">
+              <a:buFont typeface="Arial" panose="020B0604020202020204" pitchFamily="34" charset="0"/>
+              <a:buChar char="•"/>
+            </a:pPr>
+            <a:endParaRPr lang="en-US" dirty="0" smtClean="0"/>
+          </a:p>
+          <a:p>
+            <a:pPr marL="214313" indent="-214313">
+              <a:buFont typeface="Arial" panose="020B0604020202020204" pitchFamily="34" charset="0"/>
+              <a:buChar char="•"/>
+            </a:pPr>
             <a:r>
               <a:rPr lang="pt-PT" b="1" dirty="0" smtClean="0"/>
-              <a:t> </a:t>
-            </a:r>
-            <a:r>
-              <a:rPr lang="pt-PT" b="1" dirty="0" err="1" smtClean="0"/>
-              <a:t>action</a:t>
+              <a:t>Playback </a:t>
+            </a:r>
+            <a:r>
+              <a:rPr lang="pt-PT" b="1" dirty="0" err="1"/>
+              <a:t>control</a:t>
             </a:r>
             <a:r>
               <a:rPr lang="pt-PT" b="1" dirty="0"/>
               <a:t> </a:t>
             </a:r>
             <a:r>
+              <a:rPr lang="pt-PT" b="1" dirty="0" err="1" smtClean="0"/>
+              <a:t>actions</a:t>
+            </a:r>
+            <a:r>
               <a:rPr lang="pt-PT" b="1" dirty="0" smtClean="0"/>
-              <a:t>- </a:t>
+              <a:t> - </a:t>
             </a:r>
             <a:r>
               <a:rPr lang="en-US" dirty="0"/>
-              <a:t>Auto sends a read intent based on how your app defined the messaging notification</a:t>
-            </a:r>
-            <a:r>
-              <a:rPr lang="pt-PT" dirty="0" smtClean="0"/>
+              <a:t>implement the callback methods with the playback controls that you support in your app.</a:t>
+            </a:r>
+            <a:r>
+              <a:rPr lang="en-US" dirty="0" smtClean="0"/>
+              <a:t>		</a:t>
+            </a:r>
+            <a:endParaRPr lang="pt-PT" b="1" dirty="0"/>
+          </a:p>
+          <a:p>
+            <a:r>
+              <a:rPr lang="en-US" dirty="0"/>
               <a:t/>
             </a:r>
             <a:br>
-              <a:rPr lang="pt-PT" dirty="0" smtClean="0"/>
+              <a:rPr lang="en-US" dirty="0"/>
             </a:br>
-            <a:endParaRPr lang="en-GB" b="1" dirty="0"/>
+            <a:r>
+              <a:rPr lang="pt-PT" b="1" dirty="0"/>
+              <a:t/>
+            </a:r>
+            <a:br>
+              <a:rPr lang="pt-PT" b="1" dirty="0"/>
+            </a:br>
+            <a:endParaRPr lang="fr-FR" b="1" dirty="0"/>
           </a:p>
         </p:txBody>
       </p:sp>
     </p:spTree>
     <p:extLst>
       <p:ext uri="{BB962C8B-B14F-4D97-AF65-F5344CB8AC3E}">
-        <p14:creationId xmlns:p14="http://schemas.microsoft.com/office/powerpoint/2010/main" val="3368054609"/>
+        <p14:creationId xmlns:p14="http://schemas.microsoft.com/office/powerpoint/2010/main" val="2911035477"/>
       </p:ext>
     </p:extLst>
   </p:cSld>
@@ -14223,11 +14458,19 @@
           <a:p>
             <a:r>
               <a:rPr lang="pt-PT" dirty="0" err="1"/>
-              <a:t>Testing</a:t>
+              <a:t>Providing</a:t>
             </a:r>
             <a:r>
               <a:rPr lang="pt-PT" dirty="0"/>
-              <a:t> Apps for Auto</a:t>
+              <a:t> </a:t>
+            </a:r>
+            <a:r>
+              <a:rPr lang="pt-PT" dirty="0" err="1"/>
+              <a:t>Messaging</a:t>
+            </a:r>
+            <a:r>
+              <a:rPr lang="pt-PT" dirty="0"/>
+              <a:t> for Auto</a:t>
             </a:r>
             <a:r>
               <a:rPr lang="pt-PT" b="0" dirty="0"/>
@@ -14305,6 +14548,11 @@
               </a:rPr>
               <a:t>Android Auto</a:t>
             </a:r>
+            <a:endParaRPr lang="en-US" dirty="0">
+              <a:solidFill>
+                <a:srgbClr val="464B69"/>
+              </a:solidFill>
+            </a:endParaRPr>
           </a:p>
         </p:txBody>
       </p:sp>
@@ -14356,41 +14604,16 @@
           <a:lstStyle/>
           <a:p>
             <a:r>
+              <a:rPr lang="en-US" b="1" dirty="0"/>
+              <a:t>Define read and reply intent </a:t>
+            </a:r>
+            <a:r>
               <a:rPr lang="en-US" b="1" dirty="0" smtClean="0"/>
-              <a:t>Android</a:t>
-            </a:r>
-            <a:r>
-              <a:rPr lang="en-US" dirty="0" smtClean="0"/>
-              <a:t> </a:t>
-            </a:r>
-            <a:r>
-              <a:rPr lang="en-US" b="1" dirty="0"/>
-              <a:t>Auto</a:t>
-            </a:r>
-            <a:r>
-              <a:rPr lang="en-US" dirty="0"/>
-              <a:t> is available for both </a:t>
-            </a:r>
-            <a:r>
-              <a:rPr lang="en-US" b="1" dirty="0"/>
-              <a:t>car</a:t>
-            </a:r>
-            <a:r>
-              <a:rPr lang="en-US" dirty="0"/>
-              <a:t> and </a:t>
-            </a:r>
-            <a:r>
-              <a:rPr lang="en-US" b="1" dirty="0"/>
-              <a:t>phone </a:t>
-            </a:r>
-            <a:r>
-              <a:rPr lang="en-US" b="1" dirty="0" smtClean="0"/>
-              <a:t>screens</a:t>
-            </a:r>
-            <a:endParaRPr lang="en-US" dirty="0" smtClean="0"/>
-          </a:p>
-          <a:p>
-            <a:endParaRPr lang="en-US" dirty="0" smtClean="0"/>
+              <a:t>filters </a:t>
+            </a:r>
+          </a:p>
+          <a:p>
+            <a:endParaRPr lang="en-US" b="1" dirty="0"/>
           </a:p>
           <a:p>
             <a:pPr marL="214313" indent="-214313">
@@ -14398,30 +14621,58 @@
               <a:buChar char="•"/>
             </a:pPr>
             <a:r>
+              <a:rPr lang="en-US" dirty="0" smtClean="0"/>
+              <a:t>Define </a:t>
+            </a:r>
+            <a:r>
+              <a:rPr lang="en-US" dirty="0"/>
+              <a:t>the read action and reply action intent types for your app and the </a:t>
+            </a:r>
+            <a:r>
+              <a:rPr lang="en-US" i="1" dirty="0" err="1"/>
+              <a:t>BroadcastReceiver</a:t>
+            </a:r>
+            <a:r>
+              <a:rPr lang="en-US" dirty="0"/>
+              <a:t> </a:t>
+            </a:r>
+            <a:r>
+              <a:rPr lang="en-US" dirty="0" smtClean="0"/>
+              <a:t>classes</a:t>
+            </a:r>
+            <a:endParaRPr lang="en-US" dirty="0"/>
+          </a:p>
+          <a:p>
+            <a:r>
+              <a:rPr lang="en-US" dirty="0"/>
+              <a:t/>
+            </a:r>
+            <a:br>
+              <a:rPr lang="en-US" dirty="0"/>
+            </a:br>
+            <a:endParaRPr lang="en-US" b="1" dirty="0" smtClean="0"/>
+          </a:p>
+          <a:p>
+            <a:endParaRPr lang="en-US" b="1" dirty="0"/>
+          </a:p>
+          <a:p>
+            <a:r>
+              <a:rPr lang="en-US" b="1" dirty="0" smtClean="0"/>
+              <a:t>Import </a:t>
+            </a:r>
+            <a:r>
               <a:rPr lang="en-US" b="1" dirty="0"/>
-              <a:t>Car </a:t>
+              <a:t>Support Library for </a:t>
             </a:r>
             <a:r>
               <a:rPr lang="en-US" b="1" dirty="0" smtClean="0"/>
-              <a:t>screen - </a:t>
-            </a:r>
-            <a:r>
-              <a:rPr lang="en-US" dirty="0" smtClean="0"/>
-              <a:t>Desktop </a:t>
-            </a:r>
-            <a:r>
-              <a:rPr lang="en-US" dirty="0"/>
-              <a:t>Head Unit (DHU), a testing tool for Auto apps that lets you test pre-released versions of your Android Auto apps</a:t>
-            </a:r>
-            <a:r>
-              <a:rPr lang="en-US" dirty="0" smtClean="0"/>
-              <a:t>.</a:t>
-            </a:r>
-          </a:p>
-          <a:p>
-            <a:r>
-              <a:rPr lang="en-US" dirty="0"/>
-              <a:t> </a:t>
+              <a:t>Messaging</a:t>
+            </a:r>
+          </a:p>
+          <a:p>
+            <a:r>
+              <a:rPr lang="en-US" b="1" dirty="0" smtClean="0"/>
+              <a:t> </a:t>
             </a:r>
           </a:p>
           <a:p>
@@ -14430,20 +14681,70 @@
               <a:buChar char="•"/>
             </a:pPr>
             <a:r>
-              <a:rPr lang="en-US" b="1" dirty="0" smtClean="0"/>
-              <a:t>Phone screen -</a:t>
-            </a:r>
-            <a:r>
               <a:rPr lang="en-US" dirty="0" smtClean="0"/>
+              <a:t>U</a:t>
+            </a:r>
+            <a:r>
+              <a:rPr lang="pt-PT" dirty="0" err="1" smtClean="0"/>
+              <a:t>pdate</a:t>
+            </a:r>
+            <a:r>
+              <a:rPr lang="pt-PT" dirty="0" smtClean="0"/>
               <a:t> </a:t>
             </a:r>
             <a:r>
+              <a:rPr lang="pt-PT" dirty="0" err="1"/>
+              <a:t>the</a:t>
+            </a:r>
+            <a:r>
+              <a:rPr lang="pt-PT" dirty="0"/>
+              <a:t> </a:t>
+            </a:r>
+            <a:r>
+              <a:rPr lang="pt-PT" dirty="0" err="1"/>
+              <a:t>support</a:t>
+            </a:r>
+            <a:r>
+              <a:rPr lang="pt-PT" dirty="0"/>
+              <a:t> </a:t>
+            </a:r>
+            <a:r>
+              <a:rPr lang="pt-PT" dirty="0" err="1"/>
+              <a:t>libraries</a:t>
+            </a:r>
+            <a:r>
+              <a:rPr lang="pt-PT" dirty="0"/>
+              <a:t>, </a:t>
+            </a:r>
+            <a:r>
               <a:rPr lang="en-US" dirty="0"/>
-              <a:t>This option lets you display and test pre-released versions of your app on Android Auto for the phone screen.</a:t>
-            </a:r>
-          </a:p>
-          <a:p>
-            <a:endParaRPr lang="en-GB" dirty="0" smtClean="0"/>
+              <a:t>b</a:t>
+            </a:r>
+            <a:r>
+              <a:rPr lang="en-US" dirty="0" smtClean="0"/>
+              <a:t>uilding </a:t>
+            </a:r>
+            <a:r>
+              <a:rPr lang="en-US" dirty="0"/>
+              <a:t>notifications </a:t>
+            </a:r>
+            <a:r>
+              <a:rPr lang="en-US" dirty="0" smtClean="0"/>
+              <a:t>requires </a:t>
+            </a:r>
+            <a:r>
+              <a:rPr lang="en-US" dirty="0"/>
+              <a:t>classes from the </a:t>
+            </a:r>
+            <a:r>
+              <a:rPr lang="en-US" i="1" dirty="0"/>
+              <a:t>v4 support </a:t>
+            </a:r>
+            <a:r>
+              <a:rPr lang="en-US" i="1" dirty="0" smtClean="0"/>
+              <a:t>library</a:t>
+            </a:r>
+            <a:endParaRPr lang="en-GB" i="1" dirty="0"/>
           </a:p>
         </p:txBody>
       </p:sp>
@@ -14457,22 +14758,31 @@
             <p:ph type="body" sz="quarter" idx="14"/>
           </p:nvPr>
         </p:nvSpPr>
-        <p:spPr/>
-        <p:txBody>
-          <a:bodyPr/>
-          <a:lstStyle/>
-          <a:p>
-            <a:r>
-              <a:rPr lang="en-US" b="1" dirty="0" smtClean="0"/>
-              <a:t>Car </a:t>
-            </a:r>
-            <a:r>
-              <a:rPr lang="en-US" b="1" dirty="0"/>
-              <a:t>screen</a:t>
-            </a:r>
-          </a:p>
-          <a:p>
-            <a:endParaRPr lang="en-GB" dirty="0" smtClean="0"/>
+        <p:spPr>
+          <a:xfrm>
+            <a:off x="3221472" y="1851026"/>
+            <a:ext cx="2700000" cy="2557463"/>
+          </a:xfrm>
+        </p:spPr>
+        <p:txBody>
+          <a:bodyPr/>
+          <a:lstStyle/>
+          <a:p>
+            <a:r>
+              <a:rPr lang="en-GB" b="1" dirty="0" smtClean="0"/>
+              <a:t>Notify </a:t>
+            </a:r>
+            <a:r>
+              <a:rPr lang="en-GB" b="1" dirty="0"/>
+              <a:t>Users of </a:t>
+            </a:r>
+            <a:r>
+              <a:rPr lang="en-GB" b="1" dirty="0" smtClean="0"/>
+              <a:t>Messages</a:t>
+            </a:r>
+          </a:p>
+          <a:p>
+            <a:endParaRPr lang="en-GB" b="1" dirty="0"/>
           </a:p>
           <a:p>
             <a:pPr marL="214313" indent="-214313">
@@ -14480,34 +14790,54 @@
               <a:buChar char="•"/>
             </a:pPr>
             <a:r>
+              <a:rPr lang="en-US" dirty="0" smtClean="0"/>
+              <a:t>Create </a:t>
+            </a:r>
+            <a:r>
               <a:rPr lang="en-US" dirty="0"/>
-              <a:t>DHU enables your development machine to emulate an Android Auto head </a:t>
+              <a:t>conversation </a:t>
+            </a:r>
+            <a:r>
+              <a:rPr lang="en-US" b="1" dirty="0"/>
+              <a:t>read</a:t>
+            </a:r>
+            <a:r>
+              <a:rPr lang="en-US" dirty="0"/>
+              <a:t> and </a:t>
+            </a:r>
+            <a:r>
+              <a:rPr lang="en-US" b="1" dirty="0"/>
+              <a:t>reply</a:t>
+            </a:r>
+            <a:r>
+              <a:rPr lang="en-US" dirty="0"/>
+              <a:t> </a:t>
+            </a:r>
+            <a:r>
+              <a:rPr lang="en-US" b="1" dirty="0" smtClean="0"/>
+              <a:t>intents</a:t>
             </a:r>
             <a:r>
               <a:rPr lang="en-US" dirty="0" smtClean="0"/>
-              <a:t>unit</a:t>
-            </a:r>
-          </a:p>
-          <a:p>
-            <a:pPr marL="214313" indent="-214313">
-              <a:buFont typeface="Arial" panose="020B0604020202020204" pitchFamily="34" charset="0"/>
-              <a:buChar char="•"/>
-            </a:pPr>
-            <a:endParaRPr lang="en-US" dirty="0"/>
-          </a:p>
-          <a:p>
-            <a:pPr marL="214313" indent="-214313">
-              <a:buFont typeface="Arial" panose="020B0604020202020204" pitchFamily="34" charset="0"/>
-              <a:buChar char="•"/>
-            </a:pPr>
+              <a:t> </a:t>
+            </a:r>
             <a:r>
               <a:rPr lang="en-US" dirty="0"/>
-              <a:t>The DHU runs on Windows, Mac, and Linux hosts</a:t>
+              <a:t>- create a </a:t>
+            </a:r>
+            <a:r>
+              <a:rPr lang="en-US" i="1" dirty="0" err="1"/>
+              <a:t>PendingIntent</a:t>
+            </a:r>
+            <a:r>
+              <a:rPr lang="en-US" dirty="0"/>
+              <a:t> object for each of these </a:t>
             </a:r>
             <a:r>
               <a:rPr lang="en-US" dirty="0" smtClean="0"/>
-              <a:t>.</a:t>
-            </a:r>
+              <a:t>actions</a:t>
+            </a:r>
+            <a:endParaRPr lang="en-GB" b="1" dirty="0" smtClean="0"/>
           </a:p>
           <a:p>
             <a:pPr marL="214313" indent="-214313">
@@ -14523,13 +14853,55 @@
             </a:pPr>
             <a:r>
               <a:rPr lang="en-US" dirty="0" smtClean="0"/>
-              <a:t>After </a:t>
+              <a:t>Set </a:t>
             </a:r>
             <a:r>
               <a:rPr lang="en-US" dirty="0"/>
-              <a:t>you’ve installed the DHU, you can test your Android Auto apps by connecting your phone and workstation via USB.</a:t>
-            </a:r>
-            <a:endParaRPr lang="en-GB" dirty="0"/>
+              <a:t>up the </a:t>
+            </a:r>
+            <a:r>
+              <a:rPr lang="en-US" b="1" dirty="0"/>
+              <a:t>conversation </a:t>
+            </a:r>
+            <a:r>
+              <a:rPr lang="en-US" b="1" dirty="0" smtClean="0"/>
+              <a:t>builder </a:t>
+            </a:r>
+            <a:r>
+              <a:rPr lang="en-US" dirty="0" smtClean="0"/>
+              <a:t>- Auto </a:t>
+            </a:r>
+            <a:r>
+              <a:rPr lang="en-US" dirty="0"/>
+              <a:t>organize messages into conversations</a:t>
+            </a:r>
+            <a:endParaRPr lang="en-US" dirty="0" smtClean="0"/>
+          </a:p>
+          <a:p>
+            <a:endParaRPr lang="en-US" dirty="0"/>
+          </a:p>
+          <a:p>
+            <a:endParaRPr lang="en-US" dirty="0" smtClean="0"/>
+          </a:p>
+          <a:p>
+            <a:r>
+              <a:rPr lang="pt-PT" dirty="0"/>
+              <a:t/>
+            </a:r>
+            <a:br>
+              <a:rPr lang="pt-PT" dirty="0"/>
+            </a:br>
+            <a:endParaRPr lang="en-US" dirty="0"/>
+          </a:p>
+          <a:p>
+            <a:r>
+              <a:rPr lang="en-US" dirty="0"/>
+              <a:t/>
+            </a:r>
+            <a:br>
+              <a:rPr lang="en-US" dirty="0"/>
+            </a:br>
+            <a:endParaRPr lang="en-GB" b="1" dirty="0"/>
           </a:p>
         </p:txBody>
       </p:sp>
@@ -14549,16 +14921,12 @@
           <a:lstStyle/>
           <a:p>
             <a:r>
-              <a:rPr lang="en-US" b="1" dirty="0"/>
-              <a:t>Phone </a:t>
-            </a:r>
-            <a:r>
-              <a:rPr lang="en-US" b="1" dirty="0" smtClean="0"/>
-              <a:t>screen</a:t>
-            </a:r>
-          </a:p>
-          <a:p>
-            <a:endParaRPr lang="en-US" b="1" dirty="0"/>
+              <a:rPr lang="en-GB" b="1" dirty="0" smtClean="0"/>
+              <a:t>Handle User Actions</a:t>
+            </a:r>
+          </a:p>
+          <a:p>
+            <a:endParaRPr lang="en-GB" b="1" dirty="0" smtClean="0"/>
           </a:p>
           <a:p>
             <a:pPr marL="214313" indent="-214313">
@@ -14567,64 +14935,91 @@
             </a:pPr>
             <a:r>
               <a:rPr lang="en-US" dirty="0" smtClean="0"/>
-              <a:t>Install </a:t>
+              <a:t>Handling a </a:t>
+            </a:r>
+            <a:r>
+              <a:rPr lang="en-US" b="1" dirty="0" smtClean="0"/>
+              <a:t>message read action </a:t>
+            </a:r>
+            <a:r>
+              <a:rPr lang="en-US" dirty="0" smtClean="0"/>
+              <a:t>- </a:t>
             </a:r>
             <a:r>
               <a:rPr lang="en-US" dirty="0"/>
-              <a:t>the Android Auto app, available on Google Play, on your handheld </a:t>
-            </a:r>
-            <a:r>
-              <a:rPr lang="en-US" dirty="0" smtClean="0"/>
-              <a:t>and enable</a:t>
-            </a:r>
-            <a:r>
-              <a:rPr lang="en-US" dirty="0"/>
-              <a:t> unknown sources in developer mode</a:t>
-            </a:r>
+              <a:t>Auto sends a read intent based on how your app defined the messaging notification</a:t>
+            </a:r>
+            <a:endParaRPr lang="en-US" dirty="0" smtClean="0"/>
           </a:p>
           <a:p>
             <a:pPr marL="214313" indent="-214313">
               <a:buFont typeface="Arial" panose="020B0604020202020204" pitchFamily="34" charset="0"/>
               <a:buChar char="•"/>
             </a:pPr>
-            <a:endParaRPr lang="en-US" dirty="0" smtClean="0"/>
+            <a:endParaRPr lang="en-GB" b="1" dirty="0" smtClean="0"/>
           </a:p>
           <a:p>
             <a:pPr marL="214313" indent="-214313">
               <a:buFont typeface="Arial" panose="020B0604020202020204" pitchFamily="34" charset="0"/>
               <a:buChar char="•"/>
             </a:pPr>
-            <a:r>
-              <a:rPr lang="en-US" dirty="0" smtClean="0"/>
-              <a:t>Enable </a:t>
-            </a:r>
-            <a:r>
-              <a:rPr lang="en-US" dirty="0"/>
-              <a:t>USB debugging</a:t>
-            </a:r>
-          </a:p>
-          <a:p>
-            <a:endParaRPr lang="en-GB" dirty="0" smtClean="0"/>
+            <a:endParaRPr lang="en-GB" b="1" dirty="0" smtClean="0"/>
           </a:p>
           <a:p>
             <a:pPr marL="214313" indent="-214313">
               <a:buFont typeface="Arial" panose="020B0604020202020204" pitchFamily="34" charset="0"/>
               <a:buChar char="•"/>
             </a:pPr>
+            <a:endParaRPr lang="en-GB" b="1" dirty="0" smtClean="0"/>
+          </a:p>
+          <a:p>
+            <a:pPr marL="214313" indent="-214313">
+              <a:buFont typeface="Arial" panose="020B0604020202020204" pitchFamily="34" charset="0"/>
+              <a:buChar char="•"/>
+            </a:pPr>
+            <a:r>
+              <a:rPr lang="pt-PT" dirty="0" smtClean="0"/>
+              <a:t>Handling a </a:t>
+            </a:r>
+            <a:r>
+              <a:rPr lang="pt-PT" b="1" dirty="0" err="1" smtClean="0"/>
+              <a:t>reply</a:t>
+            </a:r>
+            <a:r>
+              <a:rPr lang="pt-PT" b="1" dirty="0" smtClean="0"/>
+              <a:t> </a:t>
+            </a:r>
+            <a:r>
+              <a:rPr lang="pt-PT" b="1" dirty="0" err="1" smtClean="0"/>
+              <a:t>action</a:t>
+            </a:r>
+            <a:r>
+              <a:rPr lang="pt-PT" b="1" dirty="0"/>
+              <a:t> </a:t>
+            </a:r>
+            <a:r>
+              <a:rPr lang="pt-PT" b="1" dirty="0" smtClean="0"/>
+              <a:t>- </a:t>
+            </a:r>
             <a:r>
               <a:rPr lang="en-US" dirty="0"/>
-              <a:t>Install your app onto the handheld and test</a:t>
-            </a:r>
-          </a:p>
-          <a:p>
-            <a:endParaRPr lang="en-GB" dirty="0"/>
+              <a:t>Auto sends a read intent based on how your app defined the messaging notification</a:t>
+            </a:r>
+            <a:r>
+              <a:rPr lang="pt-PT" dirty="0" smtClean="0"/>
+              <a:t/>
+            </a:r>
+            <a:br>
+              <a:rPr lang="pt-PT" dirty="0" smtClean="0"/>
+            </a:br>
+            <a:endParaRPr lang="en-GB" b="1" dirty="0"/>
           </a:p>
         </p:txBody>
       </p:sp>
     </p:spTree>
     <p:extLst>
       <p:ext uri="{BB962C8B-B14F-4D97-AF65-F5344CB8AC3E}">
-        <p14:creationId xmlns:p14="http://schemas.microsoft.com/office/powerpoint/2010/main" val="2862293424"/>
+        <p14:creationId xmlns:p14="http://schemas.microsoft.com/office/powerpoint/2010/main" val="3368054609"/>
       </p:ext>
     </p:extLst>
   </p:cSld>
@@ -14660,103 +15055,12 @@
       </p:grpSpPr>
       <p:sp>
         <p:nvSpPr>
-          <p:cNvPr id="17" name="Espace réservé du texte 16"/>
-          <p:cNvSpPr>
-            <a:spLocks noGrp="1"/>
-          </p:cNvSpPr>
-          <p:nvPr>
-            <p:ph type="body" sz="quarter" idx="16"/>
-          </p:nvPr>
-        </p:nvSpPr>
-        <p:spPr>
-          <a:xfrm>
-            <a:off x="2438400" y="3079538"/>
-            <a:ext cx="936104" cy="828000"/>
-          </a:xfrm>
-          <a:prstGeom prst="callout2">
-            <a:avLst>
-              <a:gd name="adj1" fmla="val 49342"/>
-              <a:gd name="adj2" fmla="val 110147"/>
-              <a:gd name="adj3" fmla="val 49342"/>
-              <a:gd name="adj4" fmla="val 142898"/>
-              <a:gd name="adj5" fmla="val 3100"/>
-              <a:gd name="adj6" fmla="val 176234"/>
-            </a:avLst>
-          </a:prstGeom>
-        </p:spPr>
-        <p:txBody>
-          <a:bodyPr/>
-          <a:lstStyle/>
-          <a:p>
-            <a:r>
-              <a:rPr lang="en-GB" dirty="0" smtClean="0"/>
-              <a:t>Functionality</a:t>
-            </a:r>
-          </a:p>
-        </p:txBody>
-      </p:sp>
-      <p:sp>
-        <p:nvSpPr>
-          <p:cNvPr id="15" name="Espace réservé du texte 14"/>
-          <p:cNvSpPr>
-            <a:spLocks noGrp="1"/>
-          </p:cNvSpPr>
-          <p:nvPr>
-            <p:ph type="body" sz="quarter" idx="14"/>
-          </p:nvPr>
-        </p:nvSpPr>
-        <p:spPr>
-          <a:xfrm>
-            <a:off x="2167699" y="1304237"/>
-            <a:ext cx="1066800" cy="832826"/>
-          </a:xfrm>
-          <a:prstGeom prst="callout2">
-            <a:avLst>
-              <a:gd name="adj1" fmla="val 48795"/>
-              <a:gd name="adj2" fmla="val 112793"/>
-              <a:gd name="adj3" fmla="val 48795"/>
-              <a:gd name="adj4" fmla="val 145669"/>
-              <a:gd name="adj5" fmla="val 86748"/>
-              <a:gd name="adj6" fmla="val 178437"/>
-            </a:avLst>
-          </a:prstGeom>
-        </p:spPr>
-        <p:txBody>
-          <a:bodyPr/>
-          <a:lstStyle/>
-          <a:p>
-            <a:r>
-              <a:rPr lang="fr-FR" dirty="0" err="1" smtClean="0"/>
-              <a:t>Core</a:t>
-            </a:r>
-            <a:r>
-              <a:rPr lang="fr-FR" dirty="0" smtClean="0"/>
-              <a:t> </a:t>
-            </a:r>
-            <a:r>
-              <a:rPr lang="fr-FR" dirty="0" err="1" smtClean="0"/>
-              <a:t>app</a:t>
-            </a:r>
-            <a:r>
-              <a:rPr lang="fr-FR" dirty="0" smtClean="0"/>
-              <a:t> </a:t>
-            </a:r>
-            <a:r>
-              <a:rPr lang="fr-FR" dirty="0" err="1" smtClean="0"/>
-              <a:t>quality</a:t>
-            </a:r>
-            <a:endParaRPr lang="fr-FR" dirty="0"/>
-          </a:p>
-        </p:txBody>
-      </p:sp>
-      <p:sp>
-        <p:nvSpPr>
-          <p:cNvPr id="22" name="Espace réservé du texte 21"/>
-          <p:cNvSpPr>
-            <a:spLocks noGrp="1"/>
-          </p:cNvSpPr>
-          <p:nvPr>
-            <p:ph type="body" sz="quarter" idx="21"/>
+          <p:cNvPr id="2" name="Title 1"/>
+          <p:cNvSpPr>
+            <a:spLocks noGrp="1"/>
+          </p:cNvSpPr>
+          <p:nvPr>
+            <p:ph type="title"/>
           </p:nvPr>
         </p:nvSpPr>
         <p:spPr/>
@@ -14765,15 +15069,34 @@
           <a:lstStyle/>
           <a:p>
             <a:r>
-              <a:rPr lang="fr-FR" dirty="0" smtClean="0"/>
-              <a:t>Visual Design</a:t>
-            </a:r>
-          </a:p>
-        </p:txBody>
-      </p:sp>
-      <p:sp>
-        <p:nvSpPr>
-          <p:cNvPr id="2" name="Espace réservé de la date 1"/>
+              <a:rPr lang="pt-PT" dirty="0" err="1"/>
+              <a:t>Testing</a:t>
+            </a:r>
+            <a:r>
+              <a:rPr lang="pt-PT" dirty="0"/>
+              <a:t> Apps for Auto</a:t>
+            </a:r>
+            <a:r>
+              <a:rPr lang="pt-PT" b="0" dirty="0"/>
+              <a:t/>
+            </a:r>
+            <a:br>
+              <a:rPr lang="pt-PT" b="0" dirty="0"/>
+            </a:br>
+            <a:r>
+              <a:rPr lang="pt-PT" b="0" dirty="0"/>
+              <a:t/>
+            </a:r>
+            <a:br>
+              <a:rPr lang="pt-PT" b="0" dirty="0"/>
+            </a:br>
+            <a:endParaRPr lang="en-GB" dirty="0"/>
+          </a:p>
+        </p:txBody>
+      </p:sp>
+      <p:sp>
+        <p:nvSpPr>
+          <p:cNvPr id="3" name="Date Placeholder 2"/>
           <p:cNvSpPr>
             <a:spLocks noGrp="1"/>
           </p:cNvSpPr>
@@ -14787,21 +15110,33 @@
           <a:lstStyle/>
           <a:p>
             <a:r>
-              <a:rPr lang="fr-FR" noProof="0" smtClean="0"/>
+              <a:rPr lang="fr-FR" smtClean="0">
+                <a:solidFill>
+                  <a:srgbClr val="FFFFFF">
+                    <a:alpha val="0"/>
+                  </a:srgbClr>
+                </a:solidFill>
+              </a:rPr>
               <a:t>Date</a:t>
             </a:r>
-            <a:endParaRPr lang="fr-FR" noProof="0"/>
-          </a:p>
-        </p:txBody>
-      </p:sp>
-      <p:sp>
-        <p:nvSpPr>
-          <p:cNvPr id="3" name="Espace réservé du numéro de diapositive 2"/>
-          <p:cNvSpPr>
-            <a:spLocks noGrp="1"/>
-          </p:cNvSpPr>
-          <p:nvPr>
-            <p:ph type="sldNum" sz="quarter" idx="11"/>
+            <a:endParaRPr lang="en-US" dirty="0">
+              <a:solidFill>
+                <a:srgbClr val="FFFFFF">
+                  <a:alpha val="0"/>
+                </a:srgbClr>
+              </a:solidFill>
+            </a:endParaRPr>
+          </a:p>
+        </p:txBody>
+      </p:sp>
+      <p:sp>
+        <p:nvSpPr>
+          <p:cNvPr id="4" name="Footer Placeholder 3"/>
+          <p:cNvSpPr>
+            <a:spLocks noGrp="1"/>
+          </p:cNvSpPr>
+          <p:nvPr>
+            <p:ph type="ftr" sz="quarter" idx="11"/>
           </p:nvPr>
         </p:nvSpPr>
         <p:spPr/>
@@ -14809,23 +15144,57 @@
           <a:bodyPr/>
           <a:lstStyle/>
           <a:p>
+            <a:r>
+              <a:rPr lang="en-US" dirty="0" smtClean="0">
+                <a:solidFill>
+                  <a:srgbClr val="464B69"/>
+                </a:solidFill>
+              </a:rPr>
+              <a:t>Android Auto</a:t>
+            </a:r>
+          </a:p>
+        </p:txBody>
+      </p:sp>
+      <p:sp>
+        <p:nvSpPr>
+          <p:cNvPr id="5" name="Slide Number Placeholder 4"/>
+          <p:cNvSpPr>
+            <a:spLocks noGrp="1"/>
+          </p:cNvSpPr>
+          <p:nvPr>
+            <p:ph type="sldNum" sz="quarter" idx="12"/>
+          </p:nvPr>
+        </p:nvSpPr>
+        <p:spPr/>
+        <p:txBody>
+          <a:bodyPr/>
+          <a:lstStyle/>
+          <a:p>
             <a:fld id="{733122C9-A0B9-462F-8757-0847AD287B63}" type="slidenum">
-              <a:rPr lang="fr-FR" noProof="0" smtClean="0"/>
+              <a:rPr lang="en-US" smtClean="0">
+                <a:solidFill>
+                  <a:srgbClr val="464B69"/>
+                </a:solidFill>
+              </a:rPr>
               <a:pPr/>
               <a:t>16</a:t>
             </a:fld>
-            <a:endParaRPr lang="fr-FR" noProof="0"/>
-          </a:p>
-        </p:txBody>
-      </p:sp>
-      <p:sp>
-        <p:nvSpPr>
-          <p:cNvPr id="4" name="Espace réservé du pied de page 3"/>
-          <p:cNvSpPr>
-            <a:spLocks noGrp="1"/>
-          </p:cNvSpPr>
-          <p:nvPr>
-            <p:ph type="ftr" sz="quarter" idx="12"/>
+            <a:endParaRPr lang="en-US" dirty="0">
+              <a:solidFill>
+                <a:srgbClr val="464B69"/>
+              </a:solidFill>
+            </a:endParaRPr>
+          </a:p>
+        </p:txBody>
+      </p:sp>
+      <p:sp>
+        <p:nvSpPr>
+          <p:cNvPr id="6" name="Text Placeholder 5"/>
+          <p:cNvSpPr>
+            <a:spLocks noGrp="1"/>
+          </p:cNvSpPr>
+          <p:nvPr>
+            <p:ph type="body" sz="quarter" idx="13"/>
           </p:nvPr>
         </p:nvSpPr>
         <p:spPr/>
@@ -14834,16 +15203,197 @@
           <a:lstStyle/>
           <a:p>
             <a:r>
-              <a:rPr lang="en-US" noProof="0" dirty="0" smtClean="0"/>
-              <a:t>Android Auto</a:t>
-            </a:r>
-            <a:endParaRPr lang="fr-FR" noProof="0" dirty="0"/>
-          </a:p>
-        </p:txBody>
-      </p:sp>
-      <p:sp>
-        <p:nvSpPr>
-          <p:cNvPr id="16" name="Espace réservé du texte 15"/>
+              <a:rPr lang="en-US" b="1" dirty="0" smtClean="0"/>
+              <a:t>Android</a:t>
+            </a:r>
+            <a:r>
+              <a:rPr lang="en-US" dirty="0" smtClean="0"/>
+              <a:t> </a:t>
+            </a:r>
+            <a:r>
+              <a:rPr lang="en-US" b="1" dirty="0"/>
+              <a:t>Auto</a:t>
+            </a:r>
+            <a:r>
+              <a:rPr lang="en-US" dirty="0"/>
+              <a:t> is available for both </a:t>
+            </a:r>
+            <a:r>
+              <a:rPr lang="en-US" b="1" dirty="0"/>
+              <a:t>car</a:t>
+            </a:r>
+            <a:r>
+              <a:rPr lang="en-US" dirty="0"/>
+              <a:t> and </a:t>
+            </a:r>
+            <a:r>
+              <a:rPr lang="en-US" b="1" dirty="0"/>
+              <a:t>phone </a:t>
+            </a:r>
+            <a:r>
+              <a:rPr lang="en-US" b="1" dirty="0" smtClean="0"/>
+              <a:t>screens</a:t>
+            </a:r>
+            <a:endParaRPr lang="en-US" dirty="0" smtClean="0"/>
+          </a:p>
+          <a:p>
+            <a:endParaRPr lang="en-US" dirty="0" smtClean="0"/>
+          </a:p>
+          <a:p>
+            <a:pPr marL="214313" indent="-214313">
+              <a:buFont typeface="Arial" panose="020B0604020202020204" pitchFamily="34" charset="0"/>
+              <a:buChar char="•"/>
+            </a:pPr>
+            <a:r>
+              <a:rPr lang="en-US" b="1" dirty="0"/>
+              <a:t>Car </a:t>
+            </a:r>
+            <a:r>
+              <a:rPr lang="en-US" b="1" dirty="0" smtClean="0"/>
+              <a:t>screen - </a:t>
+            </a:r>
+            <a:r>
+              <a:rPr lang="en-US" dirty="0" smtClean="0"/>
+              <a:t>Desktop </a:t>
+            </a:r>
+            <a:r>
+              <a:rPr lang="en-US" dirty="0"/>
+              <a:t>Head Unit (DHU), a testing tool for Auto apps that lets you test pre-released versions of your Android Auto </a:t>
+            </a:r>
+            <a:r>
+              <a:rPr lang="en-US" dirty="0" smtClean="0"/>
+              <a:t>apps</a:t>
+            </a:r>
+            <a:endParaRPr lang="en-US" dirty="0" smtClean="0"/>
+          </a:p>
+          <a:p>
+            <a:r>
+              <a:rPr lang="en-US" dirty="0"/>
+              <a:t> </a:t>
+            </a:r>
+          </a:p>
+          <a:p>
+            <a:pPr marL="214313" indent="-214313">
+              <a:buFont typeface="Arial" panose="020B0604020202020204" pitchFamily="34" charset="0"/>
+              <a:buChar char="•"/>
+            </a:pPr>
+            <a:r>
+              <a:rPr lang="en-US" b="1" dirty="0" smtClean="0"/>
+              <a:t>Phone screen -</a:t>
+            </a:r>
+            <a:r>
+              <a:rPr lang="en-US" dirty="0" smtClean="0"/>
+              <a:t> </a:t>
+            </a:r>
+            <a:r>
+              <a:rPr lang="en-US" dirty="0"/>
+              <a:t>This option lets you display and test pre-released versions of your app on Android Auto for the phone </a:t>
+            </a:r>
+            <a:r>
+              <a:rPr lang="en-US" dirty="0" smtClean="0"/>
+              <a:t>screen</a:t>
+            </a:r>
+            <a:endParaRPr lang="en-US" dirty="0"/>
+          </a:p>
+          <a:p>
+            <a:endParaRPr lang="en-GB" dirty="0" smtClean="0"/>
+          </a:p>
+        </p:txBody>
+      </p:sp>
+      <p:sp>
+        <p:nvSpPr>
+          <p:cNvPr id="7" name="Text Placeholder 6"/>
+          <p:cNvSpPr>
+            <a:spLocks noGrp="1"/>
+          </p:cNvSpPr>
+          <p:nvPr>
+            <p:ph type="body" sz="quarter" idx="14"/>
+          </p:nvPr>
+        </p:nvSpPr>
+        <p:spPr/>
+        <p:txBody>
+          <a:bodyPr/>
+          <a:lstStyle/>
+          <a:p>
+            <a:r>
+              <a:rPr lang="en-US" b="1" dirty="0" smtClean="0"/>
+              <a:t>Car </a:t>
+            </a:r>
+            <a:r>
+              <a:rPr lang="en-US" b="1" dirty="0"/>
+              <a:t>screen</a:t>
+            </a:r>
+          </a:p>
+          <a:p>
+            <a:endParaRPr lang="en-GB" dirty="0" smtClean="0"/>
+          </a:p>
+          <a:p>
+            <a:pPr marL="214313" indent="-214313">
+              <a:buFont typeface="Arial" panose="020B0604020202020204" pitchFamily="34" charset="0"/>
+              <a:buChar char="•"/>
+            </a:pPr>
+            <a:r>
+              <a:rPr lang="en-US" dirty="0"/>
+              <a:t>DHU enables your development machine to emulate an Android Auto head </a:t>
+            </a:r>
+            <a:r>
+              <a:rPr lang="en-US" dirty="0" smtClean="0"/>
+              <a:t>unit</a:t>
+            </a:r>
+          </a:p>
+          <a:p>
+            <a:pPr marL="214313" indent="-214313">
+              <a:buFont typeface="Arial" panose="020B0604020202020204" pitchFamily="34" charset="0"/>
+              <a:buChar char="•"/>
+            </a:pPr>
+            <a:endParaRPr lang="en-US" dirty="0"/>
+          </a:p>
+          <a:p>
+            <a:pPr marL="214313" indent="-214313">
+              <a:buFont typeface="Arial" panose="020B0604020202020204" pitchFamily="34" charset="0"/>
+              <a:buChar char="•"/>
+            </a:pPr>
+            <a:r>
+              <a:rPr lang="en-US" dirty="0"/>
+              <a:t>The DHU runs on Windows, Mac, and Linux </a:t>
+            </a:r>
+            <a:r>
+              <a:rPr lang="en-US" dirty="0" smtClean="0"/>
+              <a:t>hosts</a:t>
+            </a:r>
+            <a:endParaRPr lang="en-US" dirty="0" smtClean="0"/>
+          </a:p>
+          <a:p>
+            <a:pPr marL="214313" indent="-214313">
+              <a:buFont typeface="Arial" panose="020B0604020202020204" pitchFamily="34" charset="0"/>
+              <a:buChar char="•"/>
+            </a:pPr>
+            <a:endParaRPr lang="en-US" dirty="0" smtClean="0"/>
+          </a:p>
+          <a:p>
+            <a:pPr marL="214313" indent="-214313">
+              <a:buFont typeface="Arial" panose="020B0604020202020204" pitchFamily="34" charset="0"/>
+              <a:buChar char="•"/>
+            </a:pPr>
+            <a:r>
+              <a:rPr lang="en-US" dirty="0" smtClean="0"/>
+              <a:t>After </a:t>
+            </a:r>
+            <a:r>
+              <a:rPr lang="en-US" dirty="0"/>
+              <a:t>you’ve installed the DHU, you can test your Android Auto apps by connecting your phone and workstation via </a:t>
+            </a:r>
+            <a:r>
+              <a:rPr lang="en-US" dirty="0" smtClean="0"/>
+              <a:t>USB</a:t>
+            </a:r>
+            <a:endParaRPr lang="en-GB" dirty="0"/>
+          </a:p>
+        </p:txBody>
+      </p:sp>
+      <p:sp>
+        <p:nvSpPr>
+          <p:cNvPr id="8" name="Text Placeholder 7"/>
           <p:cNvSpPr>
             <a:spLocks noGrp="1"/>
           </p:cNvSpPr>
@@ -14851,239 +15401,88 @@
             <p:ph type="body" sz="quarter" idx="15"/>
           </p:nvPr>
         </p:nvSpPr>
-        <p:spPr>
-          <a:xfrm>
-            <a:off x="479334" y="1304237"/>
-            <a:ext cx="1728192" cy="763457"/>
-          </a:xfrm>
-        </p:spPr>
-        <p:txBody>
-          <a:bodyPr/>
-          <a:lstStyle/>
-          <a:p>
-            <a:pPr lvl="1"/>
-            <a:r>
-              <a:rPr lang="fr-FR" dirty="0" err="1" smtClean="0"/>
-              <a:t>Need</a:t>
-            </a:r>
-            <a:r>
-              <a:rPr lang="fr-FR" dirty="0" smtClean="0"/>
-              <a:t> to </a:t>
-            </a:r>
-            <a:r>
-              <a:rPr lang="fr-FR" dirty="0" err="1" smtClean="0"/>
-              <a:t>meet</a:t>
-            </a:r>
-            <a:r>
-              <a:rPr lang="fr-FR" dirty="0" smtClean="0"/>
-              <a:t> all relevant </a:t>
-            </a:r>
-            <a:r>
-              <a:rPr lang="fr-FR" dirty="0" err="1" smtClean="0"/>
-              <a:t>core</a:t>
-            </a:r>
-            <a:r>
-              <a:rPr lang="fr-FR" dirty="0" smtClean="0"/>
-              <a:t> </a:t>
-            </a:r>
-            <a:r>
-              <a:rPr lang="fr-FR" dirty="0" err="1" smtClean="0"/>
-              <a:t>app</a:t>
-            </a:r>
-            <a:r>
-              <a:rPr lang="fr-FR" dirty="0" smtClean="0"/>
-              <a:t> </a:t>
-            </a:r>
-            <a:r>
-              <a:rPr lang="fr-FR" dirty="0" err="1" smtClean="0"/>
-              <a:t>quality</a:t>
-            </a:r>
-            <a:r>
-              <a:rPr lang="fr-FR" dirty="0" smtClean="0"/>
-              <a:t> </a:t>
-            </a:r>
-            <a:r>
-              <a:rPr lang="fr-FR" dirty="0" err="1" smtClean="0"/>
-              <a:t>criteria</a:t>
-            </a:r>
-            <a:r>
-              <a:rPr lang="fr-FR" dirty="0" smtClean="0"/>
-              <a:t> for the Android </a:t>
-            </a:r>
-            <a:r>
-              <a:rPr lang="fr-FR" dirty="0" err="1" smtClean="0"/>
-              <a:t>platform</a:t>
-            </a:r>
-            <a:endParaRPr lang="fr-FR" dirty="0" smtClean="0"/>
-          </a:p>
-        </p:txBody>
-      </p:sp>
-      <p:sp>
-        <p:nvSpPr>
-          <p:cNvPr id="13" name="Titre 12"/>
-          <p:cNvSpPr>
-            <a:spLocks noGrp="1"/>
-          </p:cNvSpPr>
-          <p:nvPr>
-            <p:ph type="title"/>
-          </p:nvPr>
-        </p:nvSpPr>
         <p:spPr/>
         <p:txBody>
           <a:bodyPr/>
           <a:lstStyle/>
           <a:p>
             <a:r>
-              <a:rPr lang="fr-FR" dirty="0" smtClean="0"/>
-              <a:t>Auto App </a:t>
-            </a:r>
-            <a:r>
-              <a:rPr lang="fr-FR" dirty="0" err="1" smtClean="0"/>
-              <a:t>Quality</a:t>
-            </a:r>
-            <a:endParaRPr lang="fr-FR" dirty="0"/>
-          </a:p>
-        </p:txBody>
-      </p:sp>
-      <p:sp>
-        <p:nvSpPr>
-          <p:cNvPr id="18" name="Espace réservé du texte 17"/>
-          <p:cNvSpPr>
-            <a:spLocks noGrp="1"/>
-          </p:cNvSpPr>
-          <p:nvPr>
-            <p:ph type="body" sz="quarter" idx="17"/>
-          </p:nvPr>
-        </p:nvSpPr>
-        <p:spPr>
-          <a:xfrm>
-            <a:off x="479334" y="3144081"/>
-            <a:ext cx="1728192" cy="763457"/>
-          </a:xfrm>
-        </p:spPr>
-        <p:txBody>
-          <a:bodyPr/>
-          <a:lstStyle/>
-          <a:p>
-            <a:pPr lvl="1"/>
-            <a:r>
-              <a:rPr lang="fr-FR" dirty="0" smtClean="0"/>
-              <a:t>General</a:t>
-            </a:r>
-          </a:p>
-          <a:p>
-            <a:pPr lvl="1"/>
-            <a:r>
-              <a:rPr lang="fr-FR" dirty="0" smtClean="0"/>
-              <a:t>Media</a:t>
-            </a:r>
-          </a:p>
-          <a:p>
-            <a:pPr lvl="1"/>
-            <a:r>
-              <a:rPr lang="fr-FR" dirty="0" smtClean="0"/>
-              <a:t>Notifications</a:t>
-            </a:r>
-          </a:p>
-          <a:p>
-            <a:pPr lvl="1"/>
-            <a:r>
-              <a:rPr lang="fr-FR" dirty="0" smtClean="0"/>
-              <a:t>Messaging</a:t>
-            </a:r>
-          </a:p>
-        </p:txBody>
-      </p:sp>
-      <p:sp>
-        <p:nvSpPr>
-          <p:cNvPr id="21" name="Espace réservé du texte 20"/>
-          <p:cNvSpPr>
-            <a:spLocks noGrp="1"/>
-          </p:cNvSpPr>
-          <p:nvPr>
-            <p:ph type="body" sz="quarter" idx="20"/>
-          </p:nvPr>
-        </p:nvSpPr>
-        <p:spPr/>
-        <p:txBody>
-          <a:bodyPr/>
-          <a:lstStyle/>
-          <a:p>
-            <a:pPr lvl="1"/>
-            <a:r>
-              <a:rPr lang="fr-FR" dirty="0" smtClean="0"/>
-              <a:t>Driver attention</a:t>
-            </a:r>
-          </a:p>
-          <a:p>
-            <a:pPr lvl="1"/>
-            <a:r>
-              <a:rPr lang="fr-FR" dirty="0" err="1" smtClean="0"/>
-              <a:t>Layout</a:t>
-            </a:r>
-            <a:endParaRPr lang="fr-FR" dirty="0" smtClean="0"/>
-          </a:p>
-          <a:p>
-            <a:pPr lvl="1"/>
-            <a:r>
-              <a:rPr lang="fr-FR" dirty="0" smtClean="0"/>
-              <a:t>Visual </a:t>
-            </a:r>
-            <a:r>
-              <a:rPr lang="fr-FR" dirty="0" err="1" smtClean="0"/>
-              <a:t>Contrast</a:t>
-            </a:r>
-            <a:endParaRPr lang="fr-FR" dirty="0" smtClean="0"/>
-          </a:p>
-          <a:p>
-            <a:pPr lvl="1"/>
-            <a:r>
-              <a:rPr lang="fr-FR" dirty="0" smtClean="0"/>
-              <a:t>Interaction</a:t>
-            </a:r>
-            <a:endParaRPr lang="fr-FR" dirty="0"/>
-          </a:p>
-        </p:txBody>
-      </p:sp>
-      <p:sp>
-        <p:nvSpPr>
-          <p:cNvPr id="14" name="Espace réservé du texte 13"/>
-          <p:cNvSpPr>
-            <a:spLocks noGrp="1"/>
-          </p:cNvSpPr>
-          <p:nvPr>
-            <p:ph type="body" sz="quarter" idx="13"/>
-          </p:nvPr>
-        </p:nvSpPr>
-        <p:spPr/>
-        <p:txBody>
-          <a:bodyPr/>
-          <a:lstStyle/>
-          <a:p>
-            <a:r>
-              <a:rPr lang="fr-FR" dirty="0" smtClean="0"/>
-              <a:t>Auto </a:t>
-            </a:r>
-            <a:r>
-              <a:rPr lang="fr-FR" dirty="0" err="1" smtClean="0"/>
-              <a:t>app</a:t>
-            </a:r>
-            <a:r>
-              <a:rPr lang="fr-FR" dirty="0" smtClean="0"/>
-              <a:t> </a:t>
-            </a:r>
-            <a:r>
-              <a:rPr lang="fr-FR" dirty="0" err="1" smtClean="0"/>
-              <a:t>quality</a:t>
-            </a:r>
-            <a:endParaRPr lang="fr-FR" dirty="0"/>
+              <a:rPr lang="en-US" b="1" dirty="0"/>
+              <a:t>Phone </a:t>
+            </a:r>
+            <a:r>
+              <a:rPr lang="en-US" b="1" dirty="0" smtClean="0"/>
+              <a:t>screen</a:t>
+            </a:r>
+          </a:p>
+          <a:p>
+            <a:endParaRPr lang="en-US" b="1" dirty="0"/>
+          </a:p>
+          <a:p>
+            <a:pPr marL="214313" indent="-214313">
+              <a:buFont typeface="Arial" panose="020B0604020202020204" pitchFamily="34" charset="0"/>
+              <a:buChar char="•"/>
+            </a:pPr>
+            <a:r>
+              <a:rPr lang="en-US" dirty="0" smtClean="0"/>
+              <a:t>Install </a:t>
+            </a:r>
+            <a:r>
+              <a:rPr lang="en-US" dirty="0"/>
+              <a:t>the Android Auto app, available on Google Play, on your handheld </a:t>
+            </a:r>
+            <a:r>
+              <a:rPr lang="en-US" dirty="0" smtClean="0"/>
+              <a:t>and enable</a:t>
+            </a:r>
+            <a:r>
+              <a:rPr lang="en-US" dirty="0"/>
+              <a:t> unknown sources in developer mode</a:t>
+            </a:r>
+          </a:p>
+          <a:p>
+            <a:pPr marL="214313" indent="-214313">
+              <a:buFont typeface="Arial" panose="020B0604020202020204" pitchFamily="34" charset="0"/>
+              <a:buChar char="•"/>
+            </a:pPr>
+            <a:endParaRPr lang="en-US" dirty="0" smtClean="0"/>
+          </a:p>
+          <a:p>
+            <a:pPr marL="214313" indent="-214313">
+              <a:buFont typeface="Arial" panose="020B0604020202020204" pitchFamily="34" charset="0"/>
+              <a:buChar char="•"/>
+            </a:pPr>
+            <a:r>
+              <a:rPr lang="en-US" dirty="0" smtClean="0"/>
+              <a:t>Enable </a:t>
+            </a:r>
+            <a:r>
+              <a:rPr lang="en-US" dirty="0"/>
+              <a:t>USB debugging</a:t>
+            </a:r>
+          </a:p>
+          <a:p>
+            <a:endParaRPr lang="en-GB" dirty="0" smtClean="0"/>
+          </a:p>
+          <a:p>
+            <a:pPr marL="214313" indent="-214313">
+              <a:buFont typeface="Arial" panose="020B0604020202020204" pitchFamily="34" charset="0"/>
+              <a:buChar char="•"/>
+            </a:pPr>
+            <a:r>
+              <a:rPr lang="en-US" dirty="0"/>
+              <a:t>Install your app onto the handheld and test</a:t>
+            </a:r>
+          </a:p>
+          <a:p>
+            <a:endParaRPr lang="en-GB" dirty="0"/>
           </a:p>
         </p:txBody>
       </p:sp>
     </p:spTree>
     <p:extLst>
       <p:ext uri="{BB962C8B-B14F-4D97-AF65-F5344CB8AC3E}">
-        <p14:creationId xmlns:p14="http://schemas.microsoft.com/office/powerpoint/2010/main" val="3278131026"/>
+        <p14:creationId xmlns:p14="http://schemas.microsoft.com/office/powerpoint/2010/main" val="2862293424"/>
       </p:ext>
     </p:extLst>
   </p:cSld>
@@ -15119,12 +15518,103 @@
       </p:grpSpPr>
       <p:sp>
         <p:nvSpPr>
-          <p:cNvPr id="2" name="Title 1"/>
-          <p:cNvSpPr>
-            <a:spLocks noGrp="1"/>
-          </p:cNvSpPr>
-          <p:nvPr>
-            <p:ph type="title"/>
+          <p:cNvPr id="17" name="Espace réservé du texte 16"/>
+          <p:cNvSpPr>
+            <a:spLocks noGrp="1"/>
+          </p:cNvSpPr>
+          <p:nvPr>
+            <p:ph type="body" sz="quarter" idx="16"/>
+          </p:nvPr>
+        </p:nvSpPr>
+        <p:spPr>
+          <a:xfrm>
+            <a:off x="2438400" y="3079538"/>
+            <a:ext cx="936104" cy="828000"/>
+          </a:xfrm>
+          <a:prstGeom prst="callout2">
+            <a:avLst>
+              <a:gd name="adj1" fmla="val 49342"/>
+              <a:gd name="adj2" fmla="val 110147"/>
+              <a:gd name="adj3" fmla="val 49342"/>
+              <a:gd name="adj4" fmla="val 142898"/>
+              <a:gd name="adj5" fmla="val 3100"/>
+              <a:gd name="adj6" fmla="val 176234"/>
+            </a:avLst>
+          </a:prstGeom>
+        </p:spPr>
+        <p:txBody>
+          <a:bodyPr/>
+          <a:lstStyle/>
+          <a:p>
+            <a:r>
+              <a:rPr lang="en-GB" dirty="0" smtClean="0"/>
+              <a:t>Functionality</a:t>
+            </a:r>
+          </a:p>
+        </p:txBody>
+      </p:sp>
+      <p:sp>
+        <p:nvSpPr>
+          <p:cNvPr id="15" name="Espace réservé du texte 14"/>
+          <p:cNvSpPr>
+            <a:spLocks noGrp="1"/>
+          </p:cNvSpPr>
+          <p:nvPr>
+            <p:ph type="body" sz="quarter" idx="14"/>
+          </p:nvPr>
+        </p:nvSpPr>
+        <p:spPr>
+          <a:xfrm>
+            <a:off x="2167699" y="1304237"/>
+            <a:ext cx="1066800" cy="832826"/>
+          </a:xfrm>
+          <a:prstGeom prst="callout2">
+            <a:avLst>
+              <a:gd name="adj1" fmla="val 48795"/>
+              <a:gd name="adj2" fmla="val 112793"/>
+              <a:gd name="adj3" fmla="val 48795"/>
+              <a:gd name="adj4" fmla="val 145669"/>
+              <a:gd name="adj5" fmla="val 86748"/>
+              <a:gd name="adj6" fmla="val 178437"/>
+            </a:avLst>
+          </a:prstGeom>
+        </p:spPr>
+        <p:txBody>
+          <a:bodyPr/>
+          <a:lstStyle/>
+          <a:p>
+            <a:r>
+              <a:rPr lang="fr-FR" dirty="0" err="1" smtClean="0"/>
+              <a:t>Core</a:t>
+            </a:r>
+            <a:r>
+              <a:rPr lang="fr-FR" dirty="0" smtClean="0"/>
+              <a:t> </a:t>
+            </a:r>
+            <a:r>
+              <a:rPr lang="fr-FR" dirty="0" err="1" smtClean="0"/>
+              <a:t>app</a:t>
+            </a:r>
+            <a:r>
+              <a:rPr lang="fr-FR" dirty="0" smtClean="0"/>
+              <a:t> </a:t>
+            </a:r>
+            <a:r>
+              <a:rPr lang="fr-FR" dirty="0" err="1" smtClean="0"/>
+              <a:t>quality</a:t>
+            </a:r>
+            <a:endParaRPr lang="fr-FR" dirty="0"/>
+          </a:p>
+        </p:txBody>
+      </p:sp>
+      <p:sp>
+        <p:nvSpPr>
+          <p:cNvPr id="22" name="Espace réservé du texte 21"/>
+          <p:cNvSpPr>
+            <a:spLocks noGrp="1"/>
+          </p:cNvSpPr>
+          <p:nvPr>
+            <p:ph type="body" sz="quarter" idx="21"/>
           </p:nvPr>
         </p:nvSpPr>
         <p:spPr/>
@@ -15133,42 +15623,15 @@
           <a:lstStyle/>
           <a:p>
             <a:r>
-              <a:rPr lang="pt-PT" dirty="0" err="1"/>
-              <a:t>Distribute</a:t>
-            </a:r>
-            <a:r>
-              <a:rPr lang="pt-PT" dirty="0"/>
-              <a:t> to </a:t>
-            </a:r>
-            <a:r>
-              <a:rPr lang="pt-PT" dirty="0" err="1"/>
-              <a:t>Android</a:t>
-            </a:r>
-            <a:r>
-              <a:rPr lang="pt-PT" dirty="0"/>
-              <a:t> Auto</a:t>
-            </a:r>
-            <a:r>
-              <a:rPr lang="pt-PT" b="0" dirty="0"/>
-              <a:t/>
-            </a:r>
-            <a:br>
-              <a:rPr lang="pt-PT" b="0" dirty="0"/>
-            </a:br>
-            <a:r>
-              <a:rPr lang="pt-PT" dirty="0"/>
-              <a:t/>
-            </a:r>
-            <a:br>
-              <a:rPr lang="pt-PT" dirty="0"/>
-            </a:br>
-            <a:endParaRPr lang="en-GB" dirty="0"/>
-          </a:p>
-        </p:txBody>
-      </p:sp>
-      <p:sp>
-        <p:nvSpPr>
-          <p:cNvPr id="3" name="Date Placeholder 2"/>
+              <a:rPr lang="fr-FR" dirty="0" smtClean="0"/>
+              <a:t>Visual Design</a:t>
+            </a:r>
+          </a:p>
+        </p:txBody>
+      </p:sp>
+      <p:sp>
+        <p:nvSpPr>
+          <p:cNvPr id="2" name="Espace réservé de la date 1"/>
           <p:cNvSpPr>
             <a:spLocks noGrp="1"/>
           </p:cNvSpPr>
@@ -15182,33 +15645,21 @@
           <a:lstStyle/>
           <a:p>
             <a:r>
-              <a:rPr lang="fr-FR" smtClean="0">
-                <a:solidFill>
-                  <a:srgbClr val="FFFFFF">
-                    <a:alpha val="0"/>
-                  </a:srgbClr>
-                </a:solidFill>
-              </a:rPr>
+              <a:rPr lang="fr-FR" noProof="0" smtClean="0"/>
               <a:t>Date</a:t>
             </a:r>
-            <a:endParaRPr lang="en-US" dirty="0">
-              <a:solidFill>
-                <a:srgbClr val="FFFFFF">
-                  <a:alpha val="0"/>
-                </a:srgbClr>
-              </a:solidFill>
-            </a:endParaRPr>
-          </a:p>
-        </p:txBody>
-      </p:sp>
-      <p:sp>
-        <p:nvSpPr>
-          <p:cNvPr id="4" name="Footer Placeholder 3"/>
-          <p:cNvSpPr>
-            <a:spLocks noGrp="1"/>
-          </p:cNvSpPr>
-          <p:nvPr>
-            <p:ph type="ftr" sz="quarter" idx="11"/>
+            <a:endParaRPr lang="fr-FR" noProof="0"/>
+          </a:p>
+        </p:txBody>
+      </p:sp>
+      <p:sp>
+        <p:nvSpPr>
+          <p:cNvPr id="3" name="Espace réservé du numéro de diapositive 2"/>
+          <p:cNvSpPr>
+            <a:spLocks noGrp="1"/>
+          </p:cNvSpPr>
+          <p:nvPr>
+            <p:ph type="sldNum" sz="quarter" idx="11"/>
           </p:nvPr>
         </p:nvSpPr>
         <p:spPr/>
@@ -15216,52 +15667,245 @@
           <a:bodyPr/>
           <a:lstStyle/>
           <a:p>
-            <a:r>
-              <a:rPr lang="en-US" dirty="0">
-                <a:solidFill>
-                  <a:srgbClr val="464B69"/>
-                </a:solidFill>
-              </a:rPr>
-              <a:t>Android Auto</a:t>
-            </a:r>
-          </a:p>
-        </p:txBody>
-      </p:sp>
-      <p:sp>
-        <p:nvSpPr>
-          <p:cNvPr id="5" name="Slide Number Placeholder 4"/>
-          <p:cNvSpPr>
-            <a:spLocks noGrp="1"/>
-          </p:cNvSpPr>
-          <p:nvPr>
-            <p:ph type="sldNum" sz="quarter" idx="12"/>
-          </p:nvPr>
-        </p:nvSpPr>
-        <p:spPr/>
-        <p:txBody>
-          <a:bodyPr/>
-          <a:lstStyle/>
-          <a:p>
             <a:fld id="{733122C9-A0B9-462F-8757-0847AD287B63}" type="slidenum">
-              <a:rPr lang="en-US" smtClean="0">
-                <a:solidFill>
-                  <a:srgbClr val="464B69"/>
-                </a:solidFill>
-              </a:rPr>
+              <a:rPr lang="fr-FR" noProof="0" smtClean="0"/>
               <a:pPr/>
               <a:t>17</a:t>
             </a:fld>
-            <a:endParaRPr lang="en-US" dirty="0">
-              <a:solidFill>
-                <a:srgbClr val="464B69"/>
-              </a:solidFill>
-            </a:endParaRPr>
-          </a:p>
-        </p:txBody>
-      </p:sp>
-      <p:sp>
-        <p:nvSpPr>
-          <p:cNvPr id="6" name="Text Placeholder 5"/>
+            <a:endParaRPr lang="fr-FR" noProof="0"/>
+          </a:p>
+        </p:txBody>
+      </p:sp>
+      <p:sp>
+        <p:nvSpPr>
+          <p:cNvPr id="4" name="Espace réservé du pied de page 3"/>
+          <p:cNvSpPr>
+            <a:spLocks noGrp="1"/>
+          </p:cNvSpPr>
+          <p:nvPr>
+            <p:ph type="ftr" sz="quarter" idx="12"/>
+          </p:nvPr>
+        </p:nvSpPr>
+        <p:spPr/>
+        <p:txBody>
+          <a:bodyPr/>
+          <a:lstStyle/>
+          <a:p>
+            <a:r>
+              <a:rPr lang="en-US" noProof="0" dirty="0" smtClean="0"/>
+              <a:t>Android Auto</a:t>
+            </a:r>
+            <a:endParaRPr lang="fr-FR" noProof="0" dirty="0"/>
+          </a:p>
+        </p:txBody>
+      </p:sp>
+      <p:sp>
+        <p:nvSpPr>
+          <p:cNvPr id="16" name="Espace réservé du texte 15"/>
+          <p:cNvSpPr>
+            <a:spLocks noGrp="1"/>
+          </p:cNvSpPr>
+          <p:nvPr>
+            <p:ph type="body" sz="quarter" idx="15"/>
+          </p:nvPr>
+        </p:nvSpPr>
+        <p:spPr>
+          <a:xfrm>
+            <a:off x="479334" y="1304237"/>
+            <a:ext cx="1728192" cy="763457"/>
+          </a:xfrm>
+        </p:spPr>
+        <p:txBody>
+          <a:bodyPr/>
+          <a:lstStyle/>
+          <a:p>
+            <a:pPr lvl="1"/>
+            <a:r>
+              <a:rPr lang="fr-FR" dirty="0" err="1" smtClean="0"/>
+              <a:t>Need</a:t>
+            </a:r>
+            <a:r>
+              <a:rPr lang="fr-FR" dirty="0" smtClean="0"/>
+              <a:t> to </a:t>
+            </a:r>
+            <a:r>
+              <a:rPr lang="fr-FR" dirty="0" err="1" smtClean="0"/>
+              <a:t>meet</a:t>
+            </a:r>
+            <a:r>
+              <a:rPr lang="fr-FR" dirty="0" smtClean="0"/>
+              <a:t> all relevant </a:t>
+            </a:r>
+            <a:r>
+              <a:rPr lang="fr-FR" dirty="0" err="1" smtClean="0"/>
+              <a:t>core</a:t>
+            </a:r>
+            <a:r>
+              <a:rPr lang="fr-FR" dirty="0" smtClean="0"/>
+              <a:t> </a:t>
+            </a:r>
+            <a:r>
+              <a:rPr lang="fr-FR" dirty="0" err="1" smtClean="0"/>
+              <a:t>app</a:t>
+            </a:r>
+            <a:r>
+              <a:rPr lang="fr-FR" dirty="0" smtClean="0"/>
+              <a:t> </a:t>
+            </a:r>
+            <a:r>
+              <a:rPr lang="fr-FR" dirty="0" err="1" smtClean="0"/>
+              <a:t>quality</a:t>
+            </a:r>
+            <a:r>
+              <a:rPr lang="fr-FR" dirty="0" smtClean="0"/>
+              <a:t> </a:t>
+            </a:r>
+            <a:r>
+              <a:rPr lang="fr-FR" dirty="0" err="1" smtClean="0"/>
+              <a:t>criteria</a:t>
+            </a:r>
+            <a:r>
+              <a:rPr lang="fr-FR" dirty="0" smtClean="0"/>
+              <a:t> for the Android </a:t>
+            </a:r>
+            <a:r>
+              <a:rPr lang="fr-FR" dirty="0" err="1" smtClean="0"/>
+              <a:t>platform</a:t>
+            </a:r>
+            <a:endParaRPr lang="fr-FR" dirty="0" smtClean="0"/>
+          </a:p>
+        </p:txBody>
+      </p:sp>
+      <p:sp>
+        <p:nvSpPr>
+          <p:cNvPr id="13" name="Titre 12"/>
+          <p:cNvSpPr>
+            <a:spLocks noGrp="1"/>
+          </p:cNvSpPr>
+          <p:nvPr>
+            <p:ph type="title"/>
+          </p:nvPr>
+        </p:nvSpPr>
+        <p:spPr/>
+        <p:txBody>
+          <a:bodyPr/>
+          <a:lstStyle/>
+          <a:p>
+            <a:r>
+              <a:rPr lang="fr-FR" dirty="0" smtClean="0"/>
+              <a:t>Auto App </a:t>
+            </a:r>
+            <a:r>
+              <a:rPr lang="fr-FR" dirty="0" err="1" smtClean="0"/>
+              <a:t>Quality</a:t>
+            </a:r>
+            <a:endParaRPr lang="fr-FR" dirty="0"/>
+          </a:p>
+        </p:txBody>
+      </p:sp>
+      <p:sp>
+        <p:nvSpPr>
+          <p:cNvPr id="18" name="Espace réservé du texte 17"/>
+          <p:cNvSpPr>
+            <a:spLocks noGrp="1"/>
+          </p:cNvSpPr>
+          <p:nvPr>
+            <p:ph type="body" sz="quarter" idx="17"/>
+          </p:nvPr>
+        </p:nvSpPr>
+        <p:spPr>
+          <a:xfrm>
+            <a:off x="479334" y="3144081"/>
+            <a:ext cx="1728192" cy="763457"/>
+          </a:xfrm>
+        </p:spPr>
+        <p:txBody>
+          <a:bodyPr/>
+          <a:lstStyle/>
+          <a:p>
+            <a:pPr lvl="1"/>
+            <a:r>
+              <a:rPr lang="fr-FR" dirty="0" smtClean="0"/>
+              <a:t>General</a:t>
+            </a:r>
+          </a:p>
+          <a:p>
+            <a:pPr lvl="1"/>
+            <a:r>
+              <a:rPr lang="fr-FR" dirty="0" smtClean="0"/>
+              <a:t>Media</a:t>
+            </a:r>
+          </a:p>
+          <a:p>
+            <a:pPr lvl="1"/>
+            <a:r>
+              <a:rPr lang="fr-FR" dirty="0" smtClean="0"/>
+              <a:t>Notifications</a:t>
+            </a:r>
+          </a:p>
+          <a:p>
+            <a:pPr lvl="1"/>
+            <a:r>
+              <a:rPr lang="fr-FR" dirty="0" smtClean="0"/>
+              <a:t>Messaging</a:t>
+            </a:r>
+          </a:p>
+        </p:txBody>
+      </p:sp>
+      <p:sp>
+        <p:nvSpPr>
+          <p:cNvPr id="21" name="Espace réservé du texte 20"/>
+          <p:cNvSpPr>
+            <a:spLocks noGrp="1"/>
+          </p:cNvSpPr>
+          <p:nvPr>
+            <p:ph type="body" sz="quarter" idx="20"/>
+          </p:nvPr>
+        </p:nvSpPr>
+        <p:spPr/>
+        <p:txBody>
+          <a:bodyPr/>
+          <a:lstStyle/>
+          <a:p>
+            <a:pPr lvl="1"/>
+            <a:r>
+              <a:rPr lang="fr-FR" dirty="0" smtClean="0"/>
+              <a:t>Driver attention</a:t>
+            </a:r>
+          </a:p>
+          <a:p>
+            <a:pPr lvl="1"/>
+            <a:r>
+              <a:rPr lang="fr-FR" dirty="0" err="1" smtClean="0"/>
+              <a:t>Layout</a:t>
+            </a:r>
+            <a:endParaRPr lang="fr-FR" dirty="0" smtClean="0"/>
+          </a:p>
+          <a:p>
+            <a:pPr lvl="1"/>
+            <a:r>
+              <a:rPr lang="fr-FR" dirty="0" smtClean="0"/>
+              <a:t>Visual </a:t>
+            </a:r>
+            <a:r>
+              <a:rPr lang="fr-FR" dirty="0" err="1" smtClean="0"/>
+              <a:t>Contrast</a:t>
+            </a:r>
+            <a:endParaRPr lang="fr-FR" dirty="0" smtClean="0"/>
+          </a:p>
+          <a:p>
+            <a:pPr lvl="1"/>
+            <a:r>
+              <a:rPr lang="fr-FR" dirty="0" smtClean="0"/>
+              <a:t>Interaction</a:t>
+            </a:r>
+            <a:endParaRPr lang="fr-FR" dirty="0"/>
+          </a:p>
+        </p:txBody>
+      </p:sp>
+      <p:sp>
+        <p:nvSpPr>
+          <p:cNvPr id="14" name="Espace réservé du texte 13"/>
           <p:cNvSpPr>
             <a:spLocks noGrp="1"/>
           </p:cNvSpPr>
@@ -15274,264 +15918,30 @@
           <a:bodyPr/>
           <a:lstStyle/>
           <a:p>
-            <a:pPr marL="214313" indent="-214313">
-              <a:buFont typeface="Arial" panose="020B0604020202020204" pitchFamily="34" charset="0"/>
-              <a:buChar char="•"/>
-            </a:pPr>
-            <a:r>
-              <a:rPr lang="en-US" b="1" dirty="0" smtClean="0"/>
-              <a:t>Understand </a:t>
-            </a:r>
-            <a:r>
-              <a:rPr lang="en-US" b="1" dirty="0"/>
-              <a:t>the guidelines and </a:t>
-            </a:r>
-            <a:r>
-              <a:rPr lang="en-US" b="1" dirty="0" smtClean="0"/>
-              <a:t>requirements </a:t>
-            </a:r>
-            <a:r>
-              <a:rPr lang="en-US" dirty="0" smtClean="0"/>
-              <a:t>- read </a:t>
-            </a:r>
-            <a:r>
-              <a:rPr lang="en-US" dirty="0"/>
-              <a:t>and understand the quality guidelines </a:t>
-            </a:r>
-            <a:r>
-              <a:rPr lang="en-US" dirty="0" smtClean="0"/>
-              <a:t>for </a:t>
-            </a:r>
-            <a:r>
-              <a:rPr lang="en-US" dirty="0"/>
-              <a:t>Auto apps</a:t>
-            </a:r>
-            <a:r>
-              <a:rPr lang="en-US" dirty="0" smtClean="0"/>
-              <a:t>.</a:t>
-            </a:r>
-          </a:p>
-          <a:p>
-            <a:endParaRPr lang="en-US" dirty="0"/>
-          </a:p>
-          <a:p>
-            <a:pPr marL="214313" indent="-214313">
-              <a:buFont typeface="Arial" panose="020B0604020202020204" pitchFamily="34" charset="0"/>
-              <a:buChar char="•"/>
-            </a:pPr>
-            <a:r>
-              <a:rPr lang="en-US" b="1" dirty="0"/>
-              <a:t>Develop a </a:t>
-            </a:r>
-            <a:r>
-              <a:rPr lang="en-US" b="1" dirty="0" smtClean="0"/>
-              <a:t>app </a:t>
-            </a:r>
-            <a:r>
-              <a:rPr lang="en-US" b="1" dirty="0"/>
-              <a:t>for </a:t>
-            </a:r>
-            <a:r>
-              <a:rPr lang="en-US" b="1" dirty="0" smtClean="0"/>
-              <a:t>Auto - </a:t>
-            </a:r>
-            <a:r>
-              <a:rPr lang="en-US" dirty="0" smtClean="0"/>
-              <a:t>Android </a:t>
-            </a:r>
-            <a:r>
-              <a:rPr lang="en-US" dirty="0"/>
+            <a:r>
+              <a:rPr lang="fr-FR" dirty="0" smtClean="0"/>
               <a:t>Auto </a:t>
             </a:r>
             <a:r>
-              <a:rPr lang="en-US" dirty="0" smtClean="0"/>
-              <a:t>is a </a:t>
-            </a:r>
-            <a:r>
-              <a:rPr lang="en-US" dirty="0"/>
-              <a:t>part of a new or existing app for </a:t>
-            </a:r>
-            <a:r>
-              <a:rPr lang="en-US" dirty="0" smtClean="0"/>
-              <a:t>Android devices</a:t>
-            </a:r>
-            <a:r>
-              <a:rPr lang="en-US" dirty="0"/>
-              <a:t>, using the same package name and store </a:t>
-            </a:r>
-            <a:r>
-              <a:rPr lang="en-US" dirty="0" smtClean="0"/>
-              <a:t>listing.</a:t>
-            </a:r>
-            <a:endParaRPr lang="en-US" b="1" dirty="0"/>
-          </a:p>
-          <a:p>
-            <a:endParaRPr lang="en-GB" dirty="0"/>
-          </a:p>
-        </p:txBody>
-      </p:sp>
-      <p:sp>
-        <p:nvSpPr>
-          <p:cNvPr id="7" name="Text Placeholder 6"/>
-          <p:cNvSpPr>
-            <a:spLocks noGrp="1"/>
-          </p:cNvSpPr>
-          <p:nvPr>
-            <p:ph type="body" sz="quarter" idx="14"/>
-          </p:nvPr>
-        </p:nvSpPr>
-        <p:spPr/>
-        <p:txBody>
-          <a:bodyPr/>
-          <a:lstStyle/>
-          <a:p>
-            <a:pPr marL="214313" indent="-214313">
-              <a:buFont typeface="Arial" panose="020B0604020202020204" pitchFamily="34" charset="0"/>
-              <a:buChar char="•"/>
-            </a:pPr>
-            <a:r>
-              <a:rPr lang="en-US" b="1" dirty="0"/>
-              <a:t>Test for Auto app </a:t>
-            </a:r>
-            <a:r>
-              <a:rPr lang="en-US" b="1" dirty="0" smtClean="0"/>
-              <a:t>quality - </a:t>
-            </a:r>
-            <a:r>
-              <a:rPr lang="en-US" dirty="0" smtClean="0"/>
-              <a:t>Apps </a:t>
-            </a:r>
-            <a:r>
-              <a:rPr lang="en-US" dirty="0"/>
-              <a:t>should be designed to perform well, look great in the car, and offer the best user experience possible. </a:t>
-            </a:r>
-            <a:endParaRPr lang="en-US" b="1" dirty="0"/>
-          </a:p>
-          <a:p>
-            <a:endParaRPr lang="en-US" dirty="0" smtClean="0"/>
-          </a:p>
-          <a:p>
-            <a:pPr marL="214313" indent="-214313">
-              <a:buFont typeface="Arial" panose="020B0604020202020204" pitchFamily="34" charset="0"/>
-              <a:buChar char="•"/>
-            </a:pPr>
-            <a:r>
-              <a:rPr lang="en-US" b="1" dirty="0" smtClean="0"/>
-              <a:t>Agree </a:t>
-            </a:r>
-            <a:r>
-              <a:rPr lang="en-US" b="1" dirty="0"/>
-              <a:t>to Android Auto terms and </a:t>
-            </a:r>
-            <a:r>
-              <a:rPr lang="en-US" b="1" dirty="0" smtClean="0"/>
-              <a:t>publish - </a:t>
-            </a:r>
-            <a:r>
-              <a:rPr lang="en-US" dirty="0"/>
-              <a:t> </a:t>
-            </a:r>
-            <a:r>
-              <a:rPr lang="en-US" dirty="0" smtClean="0"/>
-              <a:t>Google </a:t>
-            </a:r>
-            <a:r>
-              <a:rPr lang="en-US" dirty="0"/>
-              <a:t>Play submits your app for review against the Auto app quality criteria and notifies you of the result.</a:t>
-            </a:r>
-            <a:endParaRPr lang="en-US" b="1" dirty="0"/>
-          </a:p>
-          <a:p>
-            <a:endParaRPr lang="en-GB" dirty="0"/>
-          </a:p>
-        </p:txBody>
-      </p:sp>
-      <p:sp>
-        <p:nvSpPr>
-          <p:cNvPr id="8" name="Text Placeholder 7"/>
-          <p:cNvSpPr>
-            <a:spLocks noGrp="1"/>
-          </p:cNvSpPr>
-          <p:nvPr>
-            <p:ph type="body" sz="quarter" idx="15"/>
-          </p:nvPr>
-        </p:nvSpPr>
-        <p:spPr/>
-        <p:txBody>
-          <a:bodyPr/>
-          <a:lstStyle/>
-          <a:p>
-            <a:r>
-              <a:rPr lang="pt-PT" b="1" dirty="0" err="1"/>
-              <a:t>Track</a:t>
-            </a:r>
-            <a:r>
-              <a:rPr lang="pt-PT" b="1" dirty="0"/>
+              <a:rPr lang="fr-FR" dirty="0" err="1" smtClean="0"/>
+              <a:t>app</a:t>
+            </a:r>
+            <a:r>
+              <a:rPr lang="fr-FR" dirty="0" smtClean="0"/>
               <a:t> </a:t>
             </a:r>
             <a:r>
-              <a:rPr lang="pt-PT" b="1" dirty="0" err="1"/>
-              <a:t>your</a:t>
-            </a:r>
-            <a:r>
-              <a:rPr lang="pt-PT" b="1" dirty="0"/>
-              <a:t> </a:t>
-            </a:r>
-            <a:r>
-              <a:rPr lang="pt-PT" b="1" dirty="0" err="1" smtClean="0"/>
-              <a:t>review</a:t>
-            </a:r>
-            <a:endParaRPr lang="pt-PT" b="1" dirty="0" smtClean="0"/>
-          </a:p>
-          <a:p>
-            <a:endParaRPr lang="pt-PT" b="1" dirty="0"/>
-          </a:p>
-          <a:p>
-            <a:pPr marL="214313" indent="-214313">
-              <a:buFont typeface="Arial" panose="020B0604020202020204" pitchFamily="34" charset="0"/>
-              <a:buChar char="•"/>
-            </a:pPr>
-            <a:r>
-              <a:rPr lang="en-US" dirty="0"/>
-              <a:t>A</a:t>
-            </a:r>
-            <a:r>
-              <a:rPr lang="en-US" dirty="0" smtClean="0"/>
-              <a:t>pp </a:t>
-            </a:r>
-            <a:r>
-              <a:rPr lang="en-US" dirty="0"/>
-              <a:t>will be reviewed for compliance with driver distraction guidelines and the technical and quality </a:t>
-            </a:r>
-            <a:r>
-              <a:rPr lang="en-US" dirty="0" smtClean="0"/>
-              <a:t>criteria</a:t>
-            </a:r>
-          </a:p>
-          <a:p>
-            <a:pPr marL="214313" indent="-214313">
-              <a:buFont typeface="Arial" panose="020B0604020202020204" pitchFamily="34" charset="0"/>
-              <a:buChar char="•"/>
-            </a:pPr>
-            <a:endParaRPr lang="pt-PT" b="1" dirty="0" smtClean="0"/>
-          </a:p>
-          <a:p>
-            <a:pPr marL="214313" indent="-214313">
-              <a:buFont typeface="Arial" panose="020B0604020202020204" pitchFamily="34" charset="0"/>
-              <a:buChar char="•"/>
-            </a:pPr>
-            <a:r>
-              <a:rPr lang="en-US" dirty="0"/>
-              <a:t> After a successful review, your app will be published and made available on the Google Play Store</a:t>
-            </a:r>
-            <a:endParaRPr lang="pt-PT" b="1" dirty="0"/>
+              <a:rPr lang="fr-FR" dirty="0" err="1" smtClean="0"/>
+              <a:t>quality</a:t>
+            </a:r>
+            <a:endParaRPr lang="fr-FR" dirty="0"/>
           </a:p>
         </p:txBody>
       </p:sp>
     </p:spTree>
     <p:extLst>
       <p:ext uri="{BB962C8B-B14F-4D97-AF65-F5344CB8AC3E}">
-        <p14:creationId xmlns:p14="http://schemas.microsoft.com/office/powerpoint/2010/main" val="1031495650"/>
+        <p14:creationId xmlns:p14="http://schemas.microsoft.com/office/powerpoint/2010/main" val="3278131026"/>
       </p:ext>
     </p:extLst>
   </p:cSld>
@@ -15567,7 +15977,7 @@
       </p:grpSpPr>
       <p:sp>
         <p:nvSpPr>
-          <p:cNvPr id="24" name="Titre 23"/>
+          <p:cNvPr id="2" name="Title 1"/>
           <p:cNvSpPr>
             <a:spLocks noGrp="1"/>
           </p:cNvSpPr>
@@ -15581,20 +15991,42 @@
           <a:lstStyle/>
           <a:p>
             <a:r>
-              <a:rPr lang="fr-FR" dirty="0"/>
-              <a:t>4</a:t>
-            </a:r>
-            <a:r>
-              <a:rPr lang="fr-FR" dirty="0" smtClean="0"/>
-              <a:t>.</a:t>
-            </a:r>
-            <a:endParaRPr lang="fr-FR" dirty="0"/>
-          </a:p>
-        </p:txBody>
-      </p:sp>
-      <p:sp>
-        <p:nvSpPr>
-          <p:cNvPr id="2" name="Espace réservé de la date 1"/>
+              <a:rPr lang="pt-PT" dirty="0" err="1"/>
+              <a:t>Distribute</a:t>
+            </a:r>
+            <a:r>
+              <a:rPr lang="pt-PT" dirty="0"/>
+              <a:t> to </a:t>
+            </a:r>
+            <a:r>
+              <a:rPr lang="pt-PT" dirty="0" err="1"/>
+              <a:t>Android</a:t>
+            </a:r>
+            <a:r>
+              <a:rPr lang="pt-PT" dirty="0"/>
+              <a:t> Auto</a:t>
+            </a:r>
+            <a:r>
+              <a:rPr lang="pt-PT" b="0" dirty="0"/>
+              <a:t/>
+            </a:r>
+            <a:br>
+              <a:rPr lang="pt-PT" b="0" dirty="0"/>
+            </a:br>
+            <a:r>
+              <a:rPr lang="pt-PT" dirty="0"/>
+              <a:t/>
+            </a:r>
+            <a:br>
+              <a:rPr lang="pt-PT" dirty="0"/>
+            </a:br>
+            <a:endParaRPr lang="en-GB" dirty="0"/>
+          </a:p>
+        </p:txBody>
+      </p:sp>
+      <p:sp>
+        <p:nvSpPr>
+          <p:cNvPr id="3" name="Date Placeholder 2"/>
           <p:cNvSpPr>
             <a:spLocks noGrp="1"/>
           </p:cNvSpPr>
@@ -15608,16 +16040,28 @@
           <a:lstStyle/>
           <a:p>
             <a:r>
-              <a:rPr lang="fr-FR" noProof="0" smtClean="0"/>
+              <a:rPr lang="fr-FR" smtClean="0">
+                <a:solidFill>
+                  <a:srgbClr val="FFFFFF">
+                    <a:alpha val="0"/>
+                  </a:srgbClr>
+                </a:solidFill>
+              </a:rPr>
               <a:t>Date</a:t>
             </a:r>
-            <a:endParaRPr lang="fr-FR" noProof="0"/>
-          </a:p>
-        </p:txBody>
-      </p:sp>
-      <p:sp>
-        <p:nvSpPr>
-          <p:cNvPr id="4" name="Espace réservé du pied de page 3"/>
+            <a:endParaRPr lang="en-US" dirty="0">
+              <a:solidFill>
+                <a:srgbClr val="FFFFFF">
+                  <a:alpha val="0"/>
+                </a:srgbClr>
+              </a:solidFill>
+            </a:endParaRPr>
+          </a:p>
+        </p:txBody>
+      </p:sp>
+      <p:sp>
+        <p:nvSpPr>
+          <p:cNvPr id="4" name="Footer Placeholder 3"/>
           <p:cNvSpPr>
             <a:spLocks noGrp="1"/>
           </p:cNvSpPr>
@@ -15631,16 +16075,19 @@
           <a:lstStyle/>
           <a:p>
             <a:r>
-              <a:rPr lang="en-US" noProof="0" smtClean="0"/>
-              <a:t>Presentation title</a:t>
-            </a:r>
-            <a:endParaRPr lang="fr-FR" noProof="0"/>
-          </a:p>
-        </p:txBody>
-      </p:sp>
-      <p:sp>
-        <p:nvSpPr>
-          <p:cNvPr id="3" name="Espace réservé du numéro de diapositive 2"/>
+              <a:rPr lang="en-US" dirty="0">
+                <a:solidFill>
+                  <a:srgbClr val="464B69"/>
+                </a:solidFill>
+              </a:rPr>
+              <a:t>Android Auto</a:t>
+            </a:r>
+          </a:p>
+        </p:txBody>
+      </p:sp>
+      <p:sp>
+        <p:nvSpPr>
+          <p:cNvPr id="5" name="Slide Number Placeholder 4"/>
           <p:cNvSpPr>
             <a:spLocks noGrp="1"/>
           </p:cNvSpPr>
@@ -15654,17 +16101,25 @@
           <a:lstStyle/>
           <a:p>
             <a:fld id="{733122C9-A0B9-462F-8757-0847AD287B63}" type="slidenum">
-              <a:rPr lang="fr-FR" noProof="0" smtClean="0"/>
+              <a:rPr lang="en-US" smtClean="0">
+                <a:solidFill>
+                  <a:srgbClr val="464B69"/>
+                </a:solidFill>
+              </a:rPr>
               <a:pPr/>
               <a:t>18</a:t>
             </a:fld>
-            <a:endParaRPr lang="fr-FR" noProof="0"/>
-          </a:p>
-        </p:txBody>
-      </p:sp>
-      <p:sp>
-        <p:nvSpPr>
-          <p:cNvPr id="25" name="Espace réservé du texte 24"/>
+            <a:endParaRPr lang="en-US" dirty="0">
+              <a:solidFill>
+                <a:srgbClr val="464B69"/>
+              </a:solidFill>
+            </a:endParaRPr>
+          </a:p>
+        </p:txBody>
+      </p:sp>
+      <p:sp>
+        <p:nvSpPr>
+          <p:cNvPr id="6" name="Text Placeholder 5"/>
           <p:cNvSpPr>
             <a:spLocks noGrp="1"/>
           </p:cNvSpPr>
@@ -15677,26 +16132,273 @@
           <a:bodyPr/>
           <a:lstStyle/>
           <a:p>
-            <a:r>
-              <a:rPr lang="fr-FR" dirty="0" smtClean="0"/>
-              <a:t>Compatible </a:t>
-            </a:r>
-            <a:r>
-              <a:rPr lang="fr-FR" dirty="0" err="1" smtClean="0"/>
-              <a:t>with</a:t>
-            </a:r>
-            <a:r>
-              <a:rPr lang="fr-FR" dirty="0" smtClean="0"/>
-              <a:t> Android Auto</a:t>
-            </a:r>
-            <a:endParaRPr lang="fr-FR" dirty="0"/>
+            <a:pPr marL="214313" indent="-214313">
+              <a:buFont typeface="Arial" panose="020B0604020202020204" pitchFamily="34" charset="0"/>
+              <a:buChar char="•"/>
+            </a:pPr>
+            <a:r>
+              <a:rPr lang="en-US" b="1" dirty="0" smtClean="0"/>
+              <a:t>Understand </a:t>
+            </a:r>
+            <a:r>
+              <a:rPr lang="en-US" b="1" dirty="0"/>
+              <a:t>the guidelines and </a:t>
+            </a:r>
+            <a:r>
+              <a:rPr lang="en-US" b="1" dirty="0" smtClean="0"/>
+              <a:t>requirements </a:t>
+            </a:r>
+            <a:r>
+              <a:rPr lang="en-US" dirty="0" smtClean="0"/>
+              <a:t>- read </a:t>
+            </a:r>
+            <a:r>
+              <a:rPr lang="en-US" dirty="0"/>
+              <a:t>and understand the quality guidelines </a:t>
+            </a:r>
+            <a:r>
+              <a:rPr lang="en-US" dirty="0" smtClean="0"/>
+              <a:t>for </a:t>
+            </a:r>
+            <a:r>
+              <a:rPr lang="en-US" dirty="0"/>
+              <a:t>Auto </a:t>
+            </a:r>
+            <a:r>
+              <a:rPr lang="en-US" dirty="0" smtClean="0"/>
+              <a:t>apps</a:t>
+            </a:r>
+            <a:endParaRPr lang="en-US" dirty="0" smtClean="0"/>
+          </a:p>
+          <a:p>
+            <a:endParaRPr lang="en-US" dirty="0"/>
+          </a:p>
+          <a:p>
+            <a:pPr marL="214313" indent="-214313">
+              <a:buFont typeface="Arial" panose="020B0604020202020204" pitchFamily="34" charset="0"/>
+              <a:buChar char="•"/>
+            </a:pPr>
+            <a:r>
+              <a:rPr lang="en-US" b="1" dirty="0"/>
+              <a:t>Develop a </a:t>
+            </a:r>
+            <a:r>
+              <a:rPr lang="en-US" b="1" dirty="0" smtClean="0"/>
+              <a:t>app </a:t>
+            </a:r>
+            <a:r>
+              <a:rPr lang="en-US" b="1" dirty="0"/>
+              <a:t>for </a:t>
+            </a:r>
+            <a:r>
+              <a:rPr lang="en-US" b="1" dirty="0" smtClean="0"/>
+              <a:t>Auto - </a:t>
+            </a:r>
+            <a:r>
+              <a:rPr lang="en-US" dirty="0" smtClean="0"/>
+              <a:t>Android </a:t>
+            </a:r>
+            <a:r>
+              <a:rPr lang="en-US" dirty="0"/>
+              <a:t>Auto </a:t>
+            </a:r>
+            <a:r>
+              <a:rPr lang="en-US" dirty="0" smtClean="0"/>
+              <a:t>is a </a:t>
+            </a:r>
+            <a:r>
+              <a:rPr lang="en-US" dirty="0"/>
+              <a:t>part of a new or existing app for </a:t>
+            </a:r>
+            <a:r>
+              <a:rPr lang="en-US" dirty="0" smtClean="0"/>
+              <a:t>Android devices</a:t>
+            </a:r>
+            <a:r>
+              <a:rPr lang="en-US" dirty="0"/>
+              <a:t>, using the same package name and store </a:t>
+            </a:r>
+            <a:r>
+              <a:rPr lang="en-US" dirty="0" smtClean="0"/>
+              <a:t>listing</a:t>
+            </a:r>
+            <a:endParaRPr lang="en-US" b="1" dirty="0"/>
+          </a:p>
+          <a:p>
+            <a:endParaRPr lang="en-GB" dirty="0"/>
+          </a:p>
+        </p:txBody>
+      </p:sp>
+      <p:sp>
+        <p:nvSpPr>
+          <p:cNvPr id="7" name="Text Placeholder 6"/>
+          <p:cNvSpPr>
+            <a:spLocks noGrp="1"/>
+          </p:cNvSpPr>
+          <p:nvPr>
+            <p:ph type="body" sz="quarter" idx="14"/>
+          </p:nvPr>
+        </p:nvSpPr>
+        <p:spPr/>
+        <p:txBody>
+          <a:bodyPr/>
+          <a:lstStyle/>
+          <a:p>
+            <a:pPr marL="214313" indent="-214313">
+              <a:buFont typeface="Arial" panose="020B0604020202020204" pitchFamily="34" charset="0"/>
+              <a:buChar char="•"/>
+            </a:pPr>
+            <a:r>
+              <a:rPr lang="en-US" b="1" dirty="0"/>
+              <a:t>Test for Auto app </a:t>
+            </a:r>
+            <a:r>
+              <a:rPr lang="en-US" b="1" dirty="0" smtClean="0"/>
+              <a:t>quality - </a:t>
+            </a:r>
+            <a:r>
+              <a:rPr lang="en-US" dirty="0" smtClean="0"/>
+              <a:t>Apps </a:t>
+            </a:r>
+            <a:r>
+              <a:rPr lang="en-US" dirty="0"/>
+              <a:t>should be designed to perform well, look great in the car, and offer the best user experience </a:t>
+            </a:r>
+            <a:r>
+              <a:rPr lang="en-US" dirty="0" smtClean="0"/>
+              <a:t>possible</a:t>
+            </a:r>
+            <a:endParaRPr lang="en-US" b="1" dirty="0"/>
+          </a:p>
+          <a:p>
+            <a:endParaRPr lang="en-US" dirty="0" smtClean="0"/>
+          </a:p>
+          <a:p>
+            <a:pPr marL="214313" indent="-214313">
+              <a:buFont typeface="Arial" panose="020B0604020202020204" pitchFamily="34" charset="0"/>
+              <a:buChar char="•"/>
+            </a:pPr>
+            <a:r>
+              <a:rPr lang="en-US" b="1" dirty="0" smtClean="0"/>
+              <a:t>Agree </a:t>
+            </a:r>
+            <a:r>
+              <a:rPr lang="en-US" b="1" dirty="0"/>
+              <a:t>to Android Auto terms and </a:t>
+            </a:r>
+            <a:r>
+              <a:rPr lang="en-US" b="1" dirty="0" smtClean="0"/>
+              <a:t>publish - </a:t>
+            </a:r>
+            <a:r>
+              <a:rPr lang="en-US" dirty="0"/>
+              <a:t> </a:t>
+            </a:r>
+            <a:r>
+              <a:rPr lang="en-US" dirty="0" smtClean="0"/>
+              <a:t>Google </a:t>
+            </a:r>
+            <a:r>
+              <a:rPr lang="en-US" dirty="0"/>
+              <a:t>Play submits your app for review against the Auto app quality criteria and notifies you of the </a:t>
+            </a:r>
+            <a:r>
+              <a:rPr lang="en-US" dirty="0" smtClean="0"/>
+              <a:t>result</a:t>
+            </a:r>
+            <a:endParaRPr lang="en-US" b="1" dirty="0"/>
+          </a:p>
+          <a:p>
+            <a:endParaRPr lang="en-GB" dirty="0"/>
+          </a:p>
+        </p:txBody>
+      </p:sp>
+      <p:sp>
+        <p:nvSpPr>
+          <p:cNvPr id="8" name="Text Placeholder 7"/>
+          <p:cNvSpPr>
+            <a:spLocks noGrp="1"/>
+          </p:cNvSpPr>
+          <p:nvPr>
+            <p:ph type="body" sz="quarter" idx="15"/>
+          </p:nvPr>
+        </p:nvSpPr>
+        <p:spPr/>
+        <p:txBody>
+          <a:bodyPr/>
+          <a:lstStyle/>
+          <a:p>
+            <a:r>
+              <a:rPr lang="pt-PT" b="1" dirty="0" err="1"/>
+              <a:t>Track</a:t>
+            </a:r>
+            <a:r>
+              <a:rPr lang="pt-PT" b="1" dirty="0"/>
+              <a:t> </a:t>
+            </a:r>
+            <a:r>
+              <a:rPr lang="pt-PT" b="1" dirty="0" err="1"/>
+              <a:t>your</a:t>
+            </a:r>
+            <a:r>
+              <a:rPr lang="pt-PT" b="1" dirty="0"/>
+              <a:t> </a:t>
+            </a:r>
+            <a:r>
+              <a:rPr lang="pt-PT" b="1" dirty="0" err="1" smtClean="0"/>
+              <a:t>review</a:t>
+            </a:r>
+            <a:endParaRPr lang="pt-PT" b="1" dirty="0" smtClean="0"/>
+          </a:p>
+          <a:p>
+            <a:endParaRPr lang="pt-PT" b="1" dirty="0"/>
+          </a:p>
+          <a:p>
+            <a:pPr marL="214313" indent="-214313">
+              <a:buFont typeface="Arial" panose="020B0604020202020204" pitchFamily="34" charset="0"/>
+              <a:buChar char="•"/>
+            </a:pPr>
+            <a:r>
+              <a:rPr lang="en-US" dirty="0"/>
+              <a:t>A</a:t>
+            </a:r>
+            <a:r>
+              <a:rPr lang="en-US" dirty="0" smtClean="0"/>
+              <a:t>pp </a:t>
+            </a:r>
+            <a:r>
+              <a:rPr lang="en-US" dirty="0"/>
+              <a:t>will be reviewed for compliance with driver distraction guidelines and the technical and quality </a:t>
+            </a:r>
+            <a:r>
+              <a:rPr lang="en-US" dirty="0" smtClean="0"/>
+              <a:t>criteria</a:t>
+            </a:r>
+          </a:p>
+          <a:p>
+            <a:pPr marL="214313" indent="-214313">
+              <a:buFont typeface="Arial" panose="020B0604020202020204" pitchFamily="34" charset="0"/>
+              <a:buChar char="•"/>
+            </a:pPr>
+            <a:endParaRPr lang="pt-PT" b="1" dirty="0" smtClean="0"/>
+          </a:p>
+          <a:p>
+            <a:pPr marL="214313" indent="-214313">
+              <a:buFont typeface="Arial" panose="020B0604020202020204" pitchFamily="34" charset="0"/>
+              <a:buChar char="•"/>
+            </a:pPr>
+            <a:r>
+              <a:rPr lang="en-US" dirty="0"/>
+              <a:t> After a successful review, your app will be published and made available on the Google Play Store</a:t>
+            </a:r>
+            <a:endParaRPr lang="pt-PT" b="1" dirty="0"/>
           </a:p>
         </p:txBody>
       </p:sp>
     </p:spTree>
     <p:extLst>
       <p:ext uri="{BB962C8B-B14F-4D97-AF65-F5344CB8AC3E}">
-        <p14:creationId xmlns:p14="http://schemas.microsoft.com/office/powerpoint/2010/main" val="3180888971"/>
+        <p14:creationId xmlns:p14="http://schemas.microsoft.com/office/powerpoint/2010/main" val="1031495650"/>
       </p:ext>
     </p:extLst>
   </p:cSld>
@@ -15732,7 +16434,7 @@
       </p:grpSpPr>
       <p:sp>
         <p:nvSpPr>
-          <p:cNvPr id="7" name="Title 6"/>
+          <p:cNvPr id="24" name="Titre 23"/>
           <p:cNvSpPr>
             <a:spLocks noGrp="1"/>
           </p:cNvSpPr>
@@ -15746,16 +16448,20 @@
           <a:lstStyle/>
           <a:p>
             <a:r>
-              <a:rPr lang="en-US" dirty="0" smtClean="0"/>
-              <a:t>Compatible with Android Auto</a:t>
-            </a:r>
-            <a:endParaRPr lang="en-US" dirty="0"/>
-          </a:p>
-        </p:txBody>
-      </p:sp>
-      <p:sp>
-        <p:nvSpPr>
-          <p:cNvPr id="3" name="Date Placeholder 2"/>
+              <a:rPr lang="fr-FR" dirty="0"/>
+              <a:t>4</a:t>
+            </a:r>
+            <a:r>
+              <a:rPr lang="fr-FR" dirty="0" smtClean="0"/>
+              <a:t>.</a:t>
+            </a:r>
+            <a:endParaRPr lang="fr-FR" dirty="0"/>
+          </a:p>
+        </p:txBody>
+      </p:sp>
+      <p:sp>
+        <p:nvSpPr>
+          <p:cNvPr id="2" name="Espace réservé de la date 1"/>
           <p:cNvSpPr>
             <a:spLocks noGrp="1"/>
           </p:cNvSpPr>
@@ -15772,13 +16478,13 @@
               <a:rPr lang="fr-FR" noProof="0" smtClean="0"/>
               <a:t>Date</a:t>
             </a:r>
-            <a:endParaRPr lang="en-US" noProof="0" dirty="0"/>
-          </a:p>
-        </p:txBody>
-      </p:sp>
-      <p:sp>
-        <p:nvSpPr>
-          <p:cNvPr id="4" name="Footer Placeholder 3"/>
+            <a:endParaRPr lang="fr-FR" noProof="0"/>
+          </a:p>
+        </p:txBody>
+      </p:sp>
+      <p:sp>
+        <p:nvSpPr>
+          <p:cNvPr id="4" name="Espace réservé du pied de page 3"/>
           <p:cNvSpPr>
             <a:spLocks noGrp="1"/>
           </p:cNvSpPr>
@@ -15792,16 +16498,16 @@
           <a:lstStyle/>
           <a:p>
             <a:r>
-              <a:rPr lang="en-US" noProof="0" dirty="0" smtClean="0"/>
-              <a:t>Android Auto</a:t>
-            </a:r>
-            <a:endParaRPr lang="en-US" noProof="0" dirty="0"/>
-          </a:p>
-        </p:txBody>
-      </p:sp>
-      <p:sp>
-        <p:nvSpPr>
-          <p:cNvPr id="5" name="Slide Number Placeholder 4"/>
+              <a:rPr lang="en-US" noProof="0" smtClean="0"/>
+              <a:t>Presentation title</a:t>
+            </a:r>
+            <a:endParaRPr lang="fr-FR" noProof="0"/>
+          </a:p>
+        </p:txBody>
+      </p:sp>
+      <p:sp>
+        <p:nvSpPr>
+          <p:cNvPr id="3" name="Espace réservé du numéro de diapositive 2"/>
           <p:cNvSpPr>
             <a:spLocks noGrp="1"/>
           </p:cNvSpPr>
@@ -15814,18 +16520,18 @@
           <a:bodyPr/>
           <a:lstStyle/>
           <a:p>
-            <a:fld id="{10C140CD-8AED-46FF-A9A2-77308F3F39AE}" type="slidenum">
-              <a:rPr lang="en-US" noProof="0" smtClean="0"/>
+            <a:fld id="{733122C9-A0B9-462F-8757-0847AD287B63}" type="slidenum">
+              <a:rPr lang="fr-FR" noProof="0" smtClean="0"/>
               <a:pPr/>
               <a:t>19</a:t>
             </a:fld>
-            <a:endParaRPr lang="en-US" noProof="0" dirty="0"/>
-          </a:p>
-        </p:txBody>
-      </p:sp>
-      <p:sp>
-        <p:nvSpPr>
-          <p:cNvPr id="8" name="Text Placeholder 7"/>
+            <a:endParaRPr lang="fr-FR" noProof="0"/>
+          </a:p>
+        </p:txBody>
+      </p:sp>
+      <p:sp>
+        <p:nvSpPr>
+          <p:cNvPr id="25" name="Espace réservé du texte 24"/>
           <p:cNvSpPr>
             <a:spLocks noGrp="1"/>
           </p:cNvSpPr>
@@ -15838,203 +16544,26 @@
           <a:bodyPr/>
           <a:lstStyle/>
           <a:p>
-            <a:pPr marL="171450" indent="-171450">
-              <a:buFont typeface="Arial" panose="020B0604020202020204" pitchFamily="34" charset="0"/>
-              <a:buChar char="•"/>
-            </a:pPr>
-            <a:r>
-              <a:rPr lang="en-US" dirty="0" smtClean="0"/>
-              <a:t>There are 37 brands of cars that have already implemented Android auto in some models, such as: Audi, Chevrolet, Lamborghini and Volvo.</a:t>
-            </a:r>
-          </a:p>
-          <a:p>
-            <a:pPr marL="171450" indent="-171450">
-              <a:buFont typeface="Arial" panose="020B0604020202020204" pitchFamily="34" charset="0"/>
-              <a:buChar char="•"/>
-            </a:pPr>
-            <a:endParaRPr lang="en-US" dirty="0" smtClean="0"/>
-          </a:p>
-          <a:p>
-            <a:pPr marL="171450" indent="-171450">
-              <a:buFont typeface="Arial" panose="020B0604020202020204" pitchFamily="34" charset="0"/>
-              <a:buChar char="•"/>
-            </a:pPr>
-            <a:endParaRPr lang="en-US" dirty="0"/>
-          </a:p>
-          <a:p>
-            <a:pPr marL="171450" indent="-171450">
-              <a:buFont typeface="Arial" panose="020B0604020202020204" pitchFamily="34" charset="0"/>
-              <a:buChar char="•"/>
-            </a:pPr>
-            <a:r>
-              <a:rPr lang="en-US" dirty="0" smtClean="0"/>
-              <a:t>In the near future the Android Auto will be implemented in 16 more brands.</a:t>
-            </a:r>
-            <a:endParaRPr lang="en-US" dirty="0"/>
-          </a:p>
-        </p:txBody>
-      </p:sp>
-      <p:sp>
-        <p:nvSpPr>
-          <p:cNvPr id="9" name="Text Placeholder 8"/>
-          <p:cNvSpPr>
-            <a:spLocks noGrp="1"/>
-          </p:cNvSpPr>
-          <p:nvPr>
-            <p:ph type="body" sz="quarter" idx="14"/>
-          </p:nvPr>
-        </p:nvSpPr>
-        <p:spPr/>
-        <p:txBody>
-          <a:bodyPr/>
-          <a:lstStyle/>
-          <a:p>
-            <a:pPr marL="171450" indent="-171450">
-              <a:buFont typeface="Arial" panose="020B0604020202020204" pitchFamily="34" charset="0"/>
-              <a:buChar char="•"/>
-            </a:pPr>
-            <a:r>
-              <a:rPr lang="en-US" dirty="0"/>
-              <a:t>Android Auto is also implemented in 5 brands of aftermarket displays, such as: Kenwood</a:t>
-            </a:r>
-            <a:r>
-              <a:rPr lang="en-US" dirty="0" smtClean="0"/>
-              <a:t>, Panasonic </a:t>
-            </a:r>
-            <a:r>
-              <a:rPr lang="en-US" dirty="0"/>
-              <a:t>and Sony.</a:t>
-            </a:r>
-          </a:p>
-          <a:p>
-            <a:pPr marL="171450" indent="-171450">
-              <a:buFont typeface="Arial" panose="020B0604020202020204" pitchFamily="34" charset="0"/>
-              <a:buChar char="•"/>
-            </a:pPr>
-            <a:endParaRPr lang="en-US" dirty="0"/>
-          </a:p>
-          <a:p>
-            <a:pPr marL="171450" indent="-171450">
-              <a:buFont typeface="Arial" panose="020B0604020202020204" pitchFamily="34" charset="0"/>
-              <a:buChar char="•"/>
-            </a:pPr>
-            <a:endParaRPr lang="en-US" dirty="0" smtClean="0"/>
-          </a:p>
-          <a:p>
-            <a:pPr marL="171450" indent="-171450">
-              <a:buFont typeface="Arial" panose="020B0604020202020204" pitchFamily="34" charset="0"/>
-              <a:buChar char="•"/>
-            </a:pPr>
-            <a:endParaRPr lang="en-US" dirty="0"/>
-          </a:p>
-          <a:p>
-            <a:pPr marL="171450" indent="-171450">
-              <a:buFont typeface="Arial" panose="020B0604020202020204" pitchFamily="34" charset="0"/>
-              <a:buChar char="•"/>
-            </a:pPr>
-            <a:r>
-              <a:rPr lang="en-US" dirty="0"/>
-              <a:t>In the near future Android Auto will be implemented in 4 more brands of aftermarket displays.</a:t>
-            </a:r>
-          </a:p>
-          <a:p>
-            <a:endParaRPr lang="en-US" dirty="0"/>
-          </a:p>
-        </p:txBody>
-      </p:sp>
-      <p:sp>
-        <p:nvSpPr>
-          <p:cNvPr id="10" name="Text Placeholder 9"/>
-          <p:cNvSpPr>
-            <a:spLocks noGrp="1"/>
-          </p:cNvSpPr>
-          <p:nvPr>
-            <p:ph type="body" sz="quarter" idx="15"/>
-          </p:nvPr>
-        </p:nvSpPr>
-        <p:spPr/>
-        <p:txBody>
-          <a:bodyPr/>
-          <a:lstStyle/>
-          <a:p>
-            <a:pPr marL="171450" indent="-171450">
-              <a:buFont typeface="Arial" panose="020B0604020202020204" pitchFamily="34" charset="0"/>
-              <a:buChar char="•"/>
-            </a:pPr>
-            <a:r>
-              <a:rPr lang="en-US" dirty="0" smtClean="0"/>
-              <a:t>Android Auto is only </a:t>
-            </a:r>
-            <a:r>
-              <a:rPr lang="en-US" dirty="0" smtClean="0"/>
-              <a:t>available </a:t>
-            </a:r>
-            <a:r>
-              <a:rPr lang="en-US" dirty="0" smtClean="0"/>
-              <a:t>in 31 countries.</a:t>
-            </a:r>
-          </a:p>
-          <a:p>
-            <a:pPr marL="171450" indent="-171450">
-              <a:buFont typeface="Arial" panose="020B0604020202020204" pitchFamily="34" charset="0"/>
-              <a:buChar char="•"/>
-            </a:pPr>
-            <a:endParaRPr lang="en-US" dirty="0" smtClean="0"/>
-          </a:p>
-          <a:p>
-            <a:pPr marL="171450" indent="-171450">
-              <a:buFont typeface="Arial" panose="020B0604020202020204" pitchFamily="34" charset="0"/>
-              <a:buChar char="•"/>
-            </a:pPr>
-            <a:endParaRPr lang="en-US" dirty="0" smtClean="0"/>
-          </a:p>
-          <a:p>
-            <a:pPr marL="171450" indent="-171450">
-              <a:buFont typeface="Arial" panose="020B0604020202020204" pitchFamily="34" charset="0"/>
-              <a:buChar char="•"/>
-            </a:pPr>
-            <a:endParaRPr lang="en-US" dirty="0" smtClean="0"/>
-          </a:p>
-          <a:p>
-            <a:pPr marL="171450" indent="-171450">
-              <a:buFont typeface="Arial" panose="020B0604020202020204" pitchFamily="34" charset="0"/>
-              <a:buChar char="•"/>
-            </a:pPr>
-            <a:endParaRPr lang="en-US" dirty="0"/>
-          </a:p>
-          <a:p>
-            <a:pPr marL="171450" indent="-171450">
-              <a:buFont typeface="Arial" panose="020B0604020202020204" pitchFamily="34" charset="0"/>
-              <a:buChar char="•"/>
-            </a:pPr>
-            <a:r>
-              <a:rPr lang="en-US" dirty="0" smtClean="0"/>
-              <a:t>For Portugal, there isn’t a official release date that, however the </a:t>
-            </a:r>
-            <a:r>
-              <a:rPr lang="en-US" dirty="0" smtClean="0"/>
-              <a:t>.</a:t>
-            </a:r>
-            <a:r>
-              <a:rPr lang="en-US" dirty="0" err="1" smtClean="0"/>
-              <a:t>apk</a:t>
-            </a:r>
-            <a:r>
-              <a:rPr lang="en-US" dirty="0" smtClean="0"/>
-              <a:t> </a:t>
-            </a:r>
-            <a:r>
-              <a:rPr lang="en-US" dirty="0" smtClean="0"/>
-              <a:t>can be downloaded, and use some functionalities.</a:t>
-            </a:r>
-            <a:endParaRPr lang="en-US" dirty="0"/>
+            <a:r>
+              <a:rPr lang="fr-FR" dirty="0" smtClean="0"/>
+              <a:t>Compatible </a:t>
+            </a:r>
+            <a:r>
+              <a:rPr lang="fr-FR" dirty="0" err="1" smtClean="0"/>
+              <a:t>with</a:t>
+            </a:r>
+            <a:r>
+              <a:rPr lang="fr-FR" dirty="0" smtClean="0"/>
+              <a:t> Android Auto</a:t>
+            </a:r>
+            <a:endParaRPr lang="fr-FR" dirty="0"/>
           </a:p>
         </p:txBody>
       </p:sp>
     </p:spTree>
     <p:extLst>
       <p:ext uri="{BB962C8B-B14F-4D97-AF65-F5344CB8AC3E}">
-        <p14:creationId xmlns:p14="http://schemas.microsoft.com/office/powerpoint/2010/main" val="2364809862"/>
+        <p14:creationId xmlns:p14="http://schemas.microsoft.com/office/powerpoint/2010/main" val="3180888971"/>
       </p:ext>
     </p:extLst>
   </p:cSld>
@@ -16469,7 +16998,7 @@
       </p:grpSpPr>
       <p:sp>
         <p:nvSpPr>
-          <p:cNvPr id="24" name="Titre 23"/>
+          <p:cNvPr id="7" name="Title 6"/>
           <p:cNvSpPr>
             <a:spLocks noGrp="1"/>
           </p:cNvSpPr>
@@ -16483,16 +17012,16 @@
           <a:lstStyle/>
           <a:p>
             <a:r>
-              <a:rPr lang="fr-FR" dirty="0" smtClean="0"/>
-              <a:t>5.</a:t>
-            </a:r>
-            <a:endParaRPr lang="fr-FR" dirty="0"/>
-          </a:p>
-        </p:txBody>
-      </p:sp>
-      <p:sp>
-        <p:nvSpPr>
-          <p:cNvPr id="2" name="Espace réservé de la date 1"/>
+              <a:rPr lang="en-US" dirty="0" smtClean="0"/>
+              <a:t>Compatible with Android Auto</a:t>
+            </a:r>
+            <a:endParaRPr lang="en-US" dirty="0"/>
+          </a:p>
+        </p:txBody>
+      </p:sp>
+      <p:sp>
+        <p:nvSpPr>
+          <p:cNvPr id="3" name="Date Placeholder 2"/>
           <p:cNvSpPr>
             <a:spLocks noGrp="1"/>
           </p:cNvSpPr>
@@ -16509,13 +17038,13 @@
               <a:rPr lang="fr-FR" noProof="0" smtClean="0"/>
               <a:t>Date</a:t>
             </a:r>
-            <a:endParaRPr lang="fr-FR" noProof="0"/>
-          </a:p>
-        </p:txBody>
-      </p:sp>
-      <p:sp>
-        <p:nvSpPr>
-          <p:cNvPr id="4" name="Espace réservé du pied de page 3"/>
+            <a:endParaRPr lang="en-US" noProof="0" dirty="0"/>
+          </a:p>
+        </p:txBody>
+      </p:sp>
+      <p:sp>
+        <p:nvSpPr>
+          <p:cNvPr id="4" name="Footer Placeholder 3"/>
           <p:cNvSpPr>
             <a:spLocks noGrp="1"/>
           </p:cNvSpPr>
@@ -16529,40 +17058,40 @@
           <a:lstStyle/>
           <a:p>
             <a:r>
+              <a:rPr lang="en-US" noProof="0" dirty="0" smtClean="0"/>
+              <a:t>Android Auto</a:t>
+            </a:r>
+            <a:endParaRPr lang="en-US" noProof="0" dirty="0"/>
+          </a:p>
+        </p:txBody>
+      </p:sp>
+      <p:sp>
+        <p:nvSpPr>
+          <p:cNvPr id="5" name="Slide Number Placeholder 4"/>
+          <p:cNvSpPr>
+            <a:spLocks noGrp="1"/>
+          </p:cNvSpPr>
+          <p:nvPr>
+            <p:ph type="sldNum" sz="quarter" idx="12"/>
+          </p:nvPr>
+        </p:nvSpPr>
+        <p:spPr/>
+        <p:txBody>
+          <a:bodyPr/>
+          <a:lstStyle/>
+          <a:p>
+            <a:fld id="{10C140CD-8AED-46FF-A9A2-77308F3F39AE}" type="slidenum">
               <a:rPr lang="en-US" noProof="0" smtClean="0"/>
-              <a:t>Presentation title</a:t>
-            </a:r>
-            <a:endParaRPr lang="fr-FR" noProof="0"/>
-          </a:p>
-        </p:txBody>
-      </p:sp>
-      <p:sp>
-        <p:nvSpPr>
-          <p:cNvPr id="3" name="Espace réservé du numéro de diapositive 2"/>
-          <p:cNvSpPr>
-            <a:spLocks noGrp="1"/>
-          </p:cNvSpPr>
-          <p:nvPr>
-            <p:ph type="sldNum" sz="quarter" idx="12"/>
-          </p:nvPr>
-        </p:nvSpPr>
-        <p:spPr/>
-        <p:txBody>
-          <a:bodyPr/>
-          <a:lstStyle/>
-          <a:p>
-            <a:fld id="{733122C9-A0B9-462F-8757-0847AD287B63}" type="slidenum">
-              <a:rPr lang="fr-FR" noProof="0" smtClean="0"/>
               <a:pPr/>
               <a:t>20</a:t>
             </a:fld>
-            <a:endParaRPr lang="fr-FR" noProof="0"/>
-          </a:p>
-        </p:txBody>
-      </p:sp>
-      <p:sp>
-        <p:nvSpPr>
-          <p:cNvPr id="25" name="Espace réservé du texte 24"/>
+            <a:endParaRPr lang="en-US" noProof="0" dirty="0"/>
+          </a:p>
+        </p:txBody>
+      </p:sp>
+      <p:sp>
+        <p:nvSpPr>
+          <p:cNvPr id="8" name="Text Placeholder 7"/>
           <p:cNvSpPr>
             <a:spLocks noGrp="1"/>
           </p:cNvSpPr>
@@ -16575,18 +17104,223 @@
           <a:bodyPr/>
           <a:lstStyle/>
           <a:p>
-            <a:r>
-              <a:rPr lang="fr-FR" dirty="0" smtClean="0"/>
-              <a:t>Embedded Android Auto</a:t>
-            </a:r>
-            <a:endParaRPr lang="fr-FR" dirty="0"/>
+            <a:pPr marL="171450" indent="-171450">
+              <a:buFont typeface="Arial" panose="020B0604020202020204" pitchFamily="34" charset="0"/>
+              <a:buChar char="•"/>
+            </a:pPr>
+            <a:r>
+              <a:rPr lang="en-US" dirty="0" smtClean="0"/>
+              <a:t>There are 37 brands of cars that have already implemented Android auto in some models, such as: Audi, Chevrolet, Lamborghini and </a:t>
+            </a:r>
+            <a:r>
+              <a:rPr lang="en-US" dirty="0" smtClean="0"/>
+              <a:t>Volvo</a:t>
+            </a:r>
+            <a:endParaRPr lang="en-US" dirty="0" smtClean="0"/>
+          </a:p>
+          <a:p>
+            <a:pPr marL="171450" indent="-171450">
+              <a:buFont typeface="Arial" panose="020B0604020202020204" pitchFamily="34" charset="0"/>
+              <a:buChar char="•"/>
+            </a:pPr>
+            <a:endParaRPr lang="en-US" dirty="0" smtClean="0"/>
+          </a:p>
+          <a:p>
+            <a:pPr marL="171450" indent="-171450">
+              <a:buFont typeface="Arial" panose="020B0604020202020204" pitchFamily="34" charset="0"/>
+              <a:buChar char="•"/>
+            </a:pPr>
+            <a:endParaRPr lang="en-US" dirty="0"/>
+          </a:p>
+          <a:p>
+            <a:pPr marL="171450" indent="-171450">
+              <a:buFont typeface="Arial" panose="020B0604020202020204" pitchFamily="34" charset="0"/>
+              <a:buChar char="•"/>
+            </a:pPr>
+            <a:r>
+              <a:rPr lang="en-US" dirty="0" smtClean="0"/>
+              <a:t>In the near future the Android Auto will be implemented in 16 more </a:t>
+            </a:r>
+            <a:r>
+              <a:rPr lang="en-US" dirty="0" smtClean="0"/>
+              <a:t>brands</a:t>
+            </a:r>
+            <a:endParaRPr lang="en-US" dirty="0"/>
+          </a:p>
+        </p:txBody>
+      </p:sp>
+      <p:sp>
+        <p:nvSpPr>
+          <p:cNvPr id="9" name="Text Placeholder 8"/>
+          <p:cNvSpPr>
+            <a:spLocks noGrp="1"/>
+          </p:cNvSpPr>
+          <p:nvPr>
+            <p:ph type="body" sz="quarter" idx="14"/>
+          </p:nvPr>
+        </p:nvSpPr>
+        <p:spPr/>
+        <p:txBody>
+          <a:bodyPr/>
+          <a:lstStyle/>
+          <a:p>
+            <a:pPr marL="171450" indent="-171450">
+              <a:buFont typeface="Arial" panose="020B0604020202020204" pitchFamily="34" charset="0"/>
+              <a:buChar char="•"/>
+            </a:pPr>
+            <a:r>
+              <a:rPr lang="en-US" dirty="0"/>
+              <a:t>Android Auto is also implemented in 5 brands of aftermarket displays, such as: Kenwood</a:t>
+            </a:r>
+            <a:r>
+              <a:rPr lang="en-US" dirty="0" smtClean="0"/>
+              <a:t>, Panasonic </a:t>
+            </a:r>
+            <a:r>
+              <a:rPr lang="en-US" dirty="0"/>
+              <a:t>and </a:t>
+            </a:r>
+            <a:r>
+              <a:rPr lang="en-US" dirty="0" smtClean="0"/>
+              <a:t>Sony</a:t>
+            </a:r>
+            <a:endParaRPr lang="en-US" dirty="0"/>
+          </a:p>
+          <a:p>
+            <a:pPr marL="171450" indent="-171450">
+              <a:buFont typeface="Arial" panose="020B0604020202020204" pitchFamily="34" charset="0"/>
+              <a:buChar char="•"/>
+            </a:pPr>
+            <a:endParaRPr lang="en-US" dirty="0"/>
+          </a:p>
+          <a:p>
+            <a:pPr marL="171450" indent="-171450">
+              <a:buFont typeface="Arial" panose="020B0604020202020204" pitchFamily="34" charset="0"/>
+              <a:buChar char="•"/>
+            </a:pPr>
+            <a:endParaRPr lang="en-US" dirty="0" smtClean="0"/>
+          </a:p>
+          <a:p>
+            <a:pPr marL="171450" indent="-171450">
+              <a:buFont typeface="Arial" panose="020B0604020202020204" pitchFamily="34" charset="0"/>
+              <a:buChar char="•"/>
+            </a:pPr>
+            <a:endParaRPr lang="en-US" dirty="0"/>
+          </a:p>
+          <a:p>
+            <a:pPr marL="171450" indent="-171450">
+              <a:buFont typeface="Arial" panose="020B0604020202020204" pitchFamily="34" charset="0"/>
+              <a:buChar char="•"/>
+            </a:pPr>
+            <a:r>
+              <a:rPr lang="en-US" dirty="0"/>
+              <a:t>In the near future Android Auto will be implemented in 4 more brands of aftermarket </a:t>
+            </a:r>
+            <a:r>
+              <a:rPr lang="en-US" dirty="0" smtClean="0"/>
+              <a:t>displays</a:t>
+            </a:r>
+            <a:endParaRPr lang="en-US" dirty="0"/>
+          </a:p>
+          <a:p>
+            <a:endParaRPr lang="en-US" dirty="0"/>
+          </a:p>
+        </p:txBody>
+      </p:sp>
+      <p:sp>
+        <p:nvSpPr>
+          <p:cNvPr id="10" name="Text Placeholder 9"/>
+          <p:cNvSpPr>
+            <a:spLocks noGrp="1"/>
+          </p:cNvSpPr>
+          <p:nvPr>
+            <p:ph type="body" sz="quarter" idx="15"/>
+          </p:nvPr>
+        </p:nvSpPr>
+        <p:spPr/>
+        <p:txBody>
+          <a:bodyPr/>
+          <a:lstStyle/>
+          <a:p>
+            <a:pPr marL="171450" indent="-171450">
+              <a:buFont typeface="Arial" panose="020B0604020202020204" pitchFamily="34" charset="0"/>
+              <a:buChar char="•"/>
+            </a:pPr>
+            <a:r>
+              <a:rPr lang="en-US" dirty="0" smtClean="0"/>
+              <a:t>Android Auto is only </a:t>
+            </a:r>
+            <a:r>
+              <a:rPr lang="en-US" dirty="0" smtClean="0"/>
+              <a:t>available </a:t>
+            </a:r>
+            <a:r>
+              <a:rPr lang="en-US" dirty="0" smtClean="0"/>
+              <a:t>in 31 </a:t>
+            </a:r>
+            <a:r>
+              <a:rPr lang="en-US" dirty="0" smtClean="0"/>
+              <a:t>countries</a:t>
+            </a:r>
+            <a:endParaRPr lang="en-US" dirty="0" smtClean="0"/>
+          </a:p>
+          <a:p>
+            <a:pPr marL="171450" indent="-171450">
+              <a:buFont typeface="Arial" panose="020B0604020202020204" pitchFamily="34" charset="0"/>
+              <a:buChar char="•"/>
+            </a:pPr>
+            <a:endParaRPr lang="en-US" dirty="0" smtClean="0"/>
+          </a:p>
+          <a:p>
+            <a:pPr marL="171450" indent="-171450">
+              <a:buFont typeface="Arial" panose="020B0604020202020204" pitchFamily="34" charset="0"/>
+              <a:buChar char="•"/>
+            </a:pPr>
+            <a:endParaRPr lang="en-US" dirty="0" smtClean="0"/>
+          </a:p>
+          <a:p>
+            <a:pPr marL="171450" indent="-171450">
+              <a:buFont typeface="Arial" panose="020B0604020202020204" pitchFamily="34" charset="0"/>
+              <a:buChar char="•"/>
+            </a:pPr>
+            <a:endParaRPr lang="en-US" dirty="0" smtClean="0"/>
+          </a:p>
+          <a:p>
+            <a:pPr marL="171450" indent="-171450">
+              <a:buFont typeface="Arial" panose="020B0604020202020204" pitchFamily="34" charset="0"/>
+              <a:buChar char="•"/>
+            </a:pPr>
+            <a:endParaRPr lang="en-US" dirty="0"/>
+          </a:p>
+          <a:p>
+            <a:pPr marL="171450" indent="-171450">
+              <a:buFont typeface="Arial" panose="020B0604020202020204" pitchFamily="34" charset="0"/>
+              <a:buChar char="•"/>
+            </a:pPr>
+            <a:r>
+              <a:rPr lang="en-US" dirty="0" smtClean="0"/>
+              <a:t>For Portugal, there isn’t a official release date that, however the </a:t>
+            </a:r>
+            <a:r>
+              <a:rPr lang="en-US" dirty="0" smtClean="0"/>
+              <a:t>APK </a:t>
+            </a:r>
+            <a:r>
+              <a:rPr lang="en-US" dirty="0" smtClean="0"/>
+              <a:t>can be downloaded, and use some </a:t>
+            </a:r>
+            <a:r>
+              <a:rPr lang="en-US" dirty="0" smtClean="0"/>
+              <a:t>functionalities</a:t>
+            </a:r>
+            <a:endParaRPr lang="en-US" dirty="0"/>
           </a:p>
         </p:txBody>
       </p:sp>
     </p:spTree>
     <p:extLst>
       <p:ext uri="{BB962C8B-B14F-4D97-AF65-F5344CB8AC3E}">
-        <p14:creationId xmlns:p14="http://schemas.microsoft.com/office/powerpoint/2010/main" val="894643797"/>
+        <p14:creationId xmlns:p14="http://schemas.microsoft.com/office/powerpoint/2010/main" val="2364809862"/>
       </p:ext>
     </p:extLst>
   </p:cSld>
@@ -16622,7 +17356,7 @@
       </p:grpSpPr>
       <p:sp>
         <p:nvSpPr>
-          <p:cNvPr id="7" name="Title 6"/>
+          <p:cNvPr id="24" name="Titre 23"/>
           <p:cNvSpPr>
             <a:spLocks noGrp="1"/>
           </p:cNvSpPr>
@@ -16636,121 +17370,16 @@
           <a:lstStyle/>
           <a:p>
             <a:r>
-              <a:rPr lang="en-US" dirty="0" smtClean="0"/>
-              <a:t>Overview – Embedded Android Auto</a:t>
-            </a:r>
-            <a:endParaRPr lang="en-US" dirty="0"/>
-          </a:p>
-        </p:txBody>
-      </p:sp>
-      <p:sp>
-        <p:nvSpPr>
-          <p:cNvPr id="8" name="Content Placeholder 7"/>
-          <p:cNvSpPr>
-            <a:spLocks noGrp="1"/>
-          </p:cNvSpPr>
-          <p:nvPr>
-            <p:ph idx="1"/>
-          </p:nvPr>
-        </p:nvSpPr>
-        <p:spPr/>
-        <p:txBody>
-          <a:bodyPr/>
-          <a:lstStyle/>
-          <a:p>
-            <a:pPr marL="171450" indent="-171450" algn="l">
-              <a:buFont typeface="Arial" panose="020B0604020202020204" pitchFamily="34" charset="0"/>
-              <a:buChar char="•"/>
-            </a:pPr>
-            <a:r>
-              <a:rPr lang="en-US" dirty="0" smtClean="0"/>
-              <a:t>Release Date: No official release date, shown in May 17, 2017 in Google I/O</a:t>
-            </a:r>
-          </a:p>
-          <a:p>
-            <a:pPr marL="171450" indent="-171450" algn="l">
-              <a:buFont typeface="Arial" panose="020B0604020202020204" pitchFamily="34" charset="0"/>
-              <a:buChar char="•"/>
-            </a:pPr>
-            <a:endParaRPr lang="en-US" dirty="0"/>
-          </a:p>
-          <a:p>
-            <a:pPr marL="171450" indent="-171450" algn="l">
-              <a:buFont typeface="Arial" panose="020B0604020202020204" pitchFamily="34" charset="0"/>
-              <a:buChar char="•"/>
-            </a:pPr>
-            <a:r>
-              <a:rPr lang="en-US" dirty="0" smtClean="0"/>
-              <a:t>Android-based operating system designed for vehicles</a:t>
-            </a:r>
-          </a:p>
-          <a:p>
-            <a:pPr marL="171450" indent="-171450" algn="l">
-              <a:buFont typeface="Arial" panose="020B0604020202020204" pitchFamily="34" charset="0"/>
-              <a:buChar char="•"/>
-            </a:pPr>
-            <a:endParaRPr lang="en-US" dirty="0"/>
-          </a:p>
-          <a:p>
-            <a:pPr marL="171450" indent="-171450" algn="l">
-              <a:buFont typeface="Arial" panose="020B0604020202020204" pitchFamily="34" charset="0"/>
-              <a:buChar char="•"/>
-            </a:pPr>
-            <a:r>
-              <a:rPr lang="en-US" dirty="0" smtClean="0"/>
-              <a:t>Tightly-integrated with the features of the car</a:t>
-            </a:r>
-          </a:p>
-          <a:p>
-            <a:pPr marL="280988" lvl="1" indent="-171450" algn="l"/>
-            <a:r>
-              <a:rPr lang="en-US" dirty="0" smtClean="0"/>
-              <a:t>Can control various sensors and switches.</a:t>
-            </a:r>
-          </a:p>
-          <a:p>
-            <a:pPr lvl="1" indent="0" algn="l">
-              <a:buNone/>
-            </a:pPr>
-            <a:r>
-              <a:rPr lang="en-US" dirty="0"/>
-              <a:t>	</a:t>
-            </a:r>
-            <a:endParaRPr lang="en-US" dirty="0" smtClean="0"/>
-          </a:p>
-          <a:p>
-            <a:pPr marL="171450" indent="-171450" algn="l">
-              <a:buFont typeface="Arial" panose="020B0604020202020204" pitchFamily="34" charset="0"/>
-              <a:buChar char="•"/>
-            </a:pPr>
-            <a:r>
-              <a:rPr lang="en-US" dirty="0" smtClean="0"/>
-              <a:t>Gives the car OEMs more control over the UI</a:t>
-            </a:r>
-          </a:p>
-          <a:p>
-            <a:pPr marL="171450" indent="-171450" algn="l">
-              <a:buFont typeface="Arial" panose="020B0604020202020204" pitchFamily="34" charset="0"/>
-              <a:buChar char="•"/>
-            </a:pPr>
-            <a:endParaRPr lang="en-US" dirty="0"/>
-          </a:p>
-          <a:p>
-            <a:pPr marL="171450" indent="-171450" algn="l">
-              <a:buFont typeface="Arial" panose="020B0604020202020204" pitchFamily="34" charset="0"/>
-              <a:buChar char="•"/>
-            </a:pPr>
-            <a:r>
-              <a:rPr lang="en-US" dirty="0" smtClean="0"/>
-              <a:t>Full customization is important for adoption </a:t>
-            </a:r>
-            <a:endParaRPr lang="en-US" dirty="0"/>
-          </a:p>
-        </p:txBody>
-      </p:sp>
-      <p:sp>
-        <p:nvSpPr>
-          <p:cNvPr id="3" name="Date Placeholder 2"/>
+              <a:rPr lang="fr-FR" dirty="0" smtClean="0"/>
+              <a:t>5.</a:t>
+            </a:r>
+            <a:endParaRPr lang="fr-FR" dirty="0"/>
+          </a:p>
+        </p:txBody>
+      </p:sp>
+      <p:sp>
+        <p:nvSpPr>
+          <p:cNvPr id="2" name="Espace réservé de la date 1"/>
           <p:cNvSpPr>
             <a:spLocks noGrp="1"/>
           </p:cNvSpPr>
@@ -16767,13 +17396,13 @@
               <a:rPr lang="fr-FR" noProof="0" smtClean="0"/>
               <a:t>Date</a:t>
             </a:r>
-            <a:endParaRPr lang="en-US" noProof="0" dirty="0"/>
-          </a:p>
-        </p:txBody>
-      </p:sp>
-      <p:sp>
-        <p:nvSpPr>
-          <p:cNvPr id="4" name="Footer Placeholder 3"/>
+            <a:endParaRPr lang="fr-FR" noProof="0"/>
+          </a:p>
+        </p:txBody>
+      </p:sp>
+      <p:sp>
+        <p:nvSpPr>
+          <p:cNvPr id="4" name="Espace réservé du pied de page 3"/>
           <p:cNvSpPr>
             <a:spLocks noGrp="1"/>
           </p:cNvSpPr>
@@ -16787,16 +17416,16 @@
           <a:lstStyle/>
           <a:p>
             <a:r>
-              <a:rPr lang="en-US" noProof="0" dirty="0" smtClean="0"/>
-              <a:t>Android Auto</a:t>
-            </a:r>
-            <a:endParaRPr lang="en-US" noProof="0" dirty="0"/>
-          </a:p>
-        </p:txBody>
-      </p:sp>
-      <p:sp>
-        <p:nvSpPr>
-          <p:cNvPr id="5" name="Slide Number Placeholder 4"/>
+              <a:rPr lang="en-US" noProof="0" smtClean="0"/>
+              <a:t>Presentation title</a:t>
+            </a:r>
+            <a:endParaRPr lang="fr-FR" noProof="0"/>
+          </a:p>
+        </p:txBody>
+      </p:sp>
+      <p:sp>
+        <p:nvSpPr>
+          <p:cNvPr id="3" name="Espace réservé du numéro de diapositive 2"/>
           <p:cNvSpPr>
             <a:spLocks noGrp="1"/>
           </p:cNvSpPr>
@@ -16809,19 +17438,42 @@
           <a:bodyPr/>
           <a:lstStyle/>
           <a:p>
-            <a:fld id="{10C140CD-8AED-46FF-A9A2-77308F3F39AE}" type="slidenum">
-              <a:rPr lang="en-US" noProof="0" smtClean="0"/>
+            <a:fld id="{733122C9-A0B9-462F-8757-0847AD287B63}" type="slidenum">
+              <a:rPr lang="fr-FR" noProof="0" smtClean="0"/>
               <a:pPr/>
               <a:t>21</a:t>
             </a:fld>
-            <a:endParaRPr lang="en-US" noProof="0" dirty="0"/>
+            <a:endParaRPr lang="fr-FR" noProof="0"/>
+          </a:p>
+        </p:txBody>
+      </p:sp>
+      <p:sp>
+        <p:nvSpPr>
+          <p:cNvPr id="25" name="Espace réservé du texte 24"/>
+          <p:cNvSpPr>
+            <a:spLocks noGrp="1"/>
+          </p:cNvSpPr>
+          <p:nvPr>
+            <p:ph type="body" sz="quarter" idx="13"/>
+          </p:nvPr>
+        </p:nvSpPr>
+        <p:spPr/>
+        <p:txBody>
+          <a:bodyPr/>
+          <a:lstStyle/>
+          <a:p>
+            <a:r>
+              <a:rPr lang="fr-FR" dirty="0" smtClean="0"/>
+              <a:t>Embedded Android Auto</a:t>
+            </a:r>
+            <a:endParaRPr lang="fr-FR" dirty="0"/>
           </a:p>
         </p:txBody>
       </p:sp>
     </p:spTree>
     <p:extLst>
       <p:ext uri="{BB962C8B-B14F-4D97-AF65-F5344CB8AC3E}">
-        <p14:creationId xmlns:p14="http://schemas.microsoft.com/office/powerpoint/2010/main" val="2363581934"/>
+        <p14:creationId xmlns:p14="http://schemas.microsoft.com/office/powerpoint/2010/main" val="894643797"/>
       </p:ext>
     </p:extLst>
   </p:cSld>
@@ -16857,7 +17509,7 @@
       </p:grpSpPr>
       <p:sp>
         <p:nvSpPr>
-          <p:cNvPr id="2" name="Title 1"/>
+          <p:cNvPr id="7" name="Title 6"/>
           <p:cNvSpPr>
             <a:spLocks noGrp="1"/>
           </p:cNvSpPr>
@@ -16872,7 +17524,7 @@
           <a:p>
             <a:r>
               <a:rPr lang="en-US" dirty="0" smtClean="0"/>
-              <a:t>How it works?</a:t>
+              <a:t>Overview – Embedded Android Auto</a:t>
             </a:r>
             <a:endParaRPr lang="en-US" dirty="0"/>
           </a:p>
@@ -16880,7 +17532,7 @@
       </p:sp>
       <p:sp>
         <p:nvSpPr>
-          <p:cNvPr id="3" name="Content Placeholder 2"/>
+          <p:cNvPr id="8" name="Content Placeholder 7"/>
           <p:cNvSpPr>
             <a:spLocks noGrp="1"/>
           </p:cNvSpPr>
@@ -16899,15 +17551,8 @@
             </a:pPr>
             <a:r>
               <a:rPr lang="en-US" dirty="0" smtClean="0"/>
-              <a:t>Similar to Android Auto.</a:t>
-            </a:r>
-          </a:p>
-          <a:p>
-            <a:pPr marL="171450" indent="-171450" algn="l">
-              <a:buFont typeface="Arial" panose="020B0604020202020204" pitchFamily="34" charset="0"/>
-              <a:buChar char="•"/>
-            </a:pPr>
-            <a:endParaRPr lang="en-US" dirty="0" smtClean="0"/>
+              <a:t>Release Date: No official release date, shown in May 17, 2017 in Google I/O</a:t>
+            </a:r>
           </a:p>
           <a:p>
             <a:pPr marL="171450" indent="-171450" algn="l">
@@ -16921,24 +17566,10 @@
               <a:buFont typeface="Arial" panose="020B0604020202020204" pitchFamily="34" charset="0"/>
               <a:buChar char="•"/>
             </a:pPr>
-            <a:endParaRPr lang="en-US" dirty="0" smtClean="0"/>
-          </a:p>
-          <a:p>
-            <a:pPr marL="171450" indent="-171450" algn="l">
-              <a:buFont typeface="Arial" panose="020B0604020202020204" pitchFamily="34" charset="0"/>
-              <a:buChar char="•"/>
-            </a:pPr>
             <a:r>
               <a:rPr lang="en-US" dirty="0" smtClean="0"/>
-              <a:t>UI elements and built-in apps differ from OEM to OEM.</a:t>
-            </a:r>
-          </a:p>
-          <a:p>
-            <a:pPr marL="171450" indent="-171450" algn="l">
-              <a:buFont typeface="Arial" panose="020B0604020202020204" pitchFamily="34" charset="0"/>
-              <a:buChar char="•"/>
-            </a:pPr>
-            <a:endParaRPr lang="en-US" dirty="0" smtClean="0"/>
+              <a:t>Android-based operating system designed for vehicles</a:t>
+            </a:r>
           </a:p>
           <a:p>
             <a:pPr marL="171450" indent="-171450" algn="l">
@@ -16952,7 +17583,32 @@
               <a:buFont typeface="Arial" panose="020B0604020202020204" pitchFamily="34" charset="0"/>
               <a:buChar char="•"/>
             </a:pPr>
-            <a:endParaRPr lang="en-US" dirty="0"/>
+            <a:r>
+              <a:rPr lang="en-US" dirty="0" smtClean="0"/>
+              <a:t>Tightly-integrated with the features of the car</a:t>
+            </a:r>
+          </a:p>
+          <a:p>
+            <a:pPr marL="280988" lvl="1" indent="-171450" algn="l"/>
+            <a:r>
+              <a:rPr lang="en-US" dirty="0" smtClean="0"/>
+              <a:t>Can control various sensors and </a:t>
+            </a:r>
+            <a:r>
+              <a:rPr lang="en-US" dirty="0" smtClean="0"/>
+              <a:t>switches</a:t>
+            </a:r>
+            <a:endParaRPr lang="en-US" dirty="0" smtClean="0"/>
+          </a:p>
+          <a:p>
+            <a:pPr lvl="1" indent="0" algn="l">
+              <a:buNone/>
+            </a:pPr>
+            <a:r>
+              <a:rPr lang="en-US" dirty="0"/>
+              <a:t>	</a:t>
+            </a:r>
+            <a:endParaRPr lang="en-US" dirty="0" smtClean="0"/>
           </a:p>
           <a:p>
             <a:pPr marL="171450" indent="-171450" algn="l">
@@ -16961,7 +17617,7 @@
             </a:pPr>
             <a:r>
               <a:rPr lang="en-US" dirty="0" smtClean="0"/>
-              <a:t>Expect implementations from different automakers to look and feel unique</a:t>
+              <a:t>Gives the car OEMs more control over the UI</a:t>
             </a:r>
           </a:p>
           <a:p>
@@ -16972,25 +17628,13 @@
             <a:endParaRPr lang="en-US" dirty="0"/>
           </a:p>
           <a:p>
-            <a:pPr marL="280988" lvl="1" indent="-171450" algn="l"/>
+            <a:pPr marL="171450" indent="-171450" algn="l">
+              <a:buFont typeface="Arial" panose="020B0604020202020204" pitchFamily="34" charset="0"/>
+              <a:buChar char="•"/>
+            </a:pPr>
             <a:r>
               <a:rPr lang="en-US" dirty="0" smtClean="0"/>
-              <a:t>Different design elements</a:t>
-            </a:r>
-          </a:p>
-          <a:p>
-            <a:pPr marL="280988" lvl="1" indent="-171450" algn="l"/>
-            <a:r>
-              <a:rPr lang="en-US" dirty="0" smtClean="0"/>
-              <a:t>Different display </a:t>
-            </a:r>
-            <a:r>
-              <a:rPr lang="en-US" dirty="0" smtClean="0"/>
-              <a:t>number and types</a:t>
-            </a:r>
-            <a:r>
-              <a:rPr lang="en-US" dirty="0" smtClean="0"/>
-              <a:t>. </a:t>
+              <a:t>Full customization is important for adoption </a:t>
             </a:r>
             <a:endParaRPr lang="en-US" dirty="0"/>
           </a:p>
@@ -16998,7 +17642,7 @@
       </p:sp>
       <p:sp>
         <p:nvSpPr>
-          <p:cNvPr id="4" name="Date Placeholder 3"/>
+          <p:cNvPr id="3" name="Date Placeholder 2"/>
           <p:cNvSpPr>
             <a:spLocks noGrp="1"/>
           </p:cNvSpPr>
@@ -17021,7 +17665,7 @@
       </p:sp>
       <p:sp>
         <p:nvSpPr>
-          <p:cNvPr id="5" name="Footer Placeholder 4"/>
+          <p:cNvPr id="4" name="Footer Placeholder 3"/>
           <p:cNvSpPr>
             <a:spLocks noGrp="1"/>
           </p:cNvSpPr>
@@ -17044,7 +17688,7 @@
       </p:sp>
       <p:sp>
         <p:nvSpPr>
-          <p:cNvPr id="6" name="Slide Number Placeholder 5"/>
+          <p:cNvPr id="5" name="Slide Number Placeholder 4"/>
           <p:cNvSpPr>
             <a:spLocks noGrp="1"/>
           </p:cNvSpPr>
@@ -17057,7 +17701,7 @@
           <a:bodyPr/>
           <a:lstStyle/>
           <a:p>
-            <a:fld id="{733122C9-A0B9-462F-8757-0847AD287B63}" type="slidenum">
+            <a:fld id="{10C140CD-8AED-46FF-A9A2-77308F3F39AE}" type="slidenum">
               <a:rPr lang="en-US" noProof="0" smtClean="0"/>
               <a:pPr/>
               <a:t>22</a:t>
@@ -17069,7 +17713,7 @@
     </p:spTree>
     <p:extLst>
       <p:ext uri="{BB962C8B-B14F-4D97-AF65-F5344CB8AC3E}">
-        <p14:creationId xmlns:p14="http://schemas.microsoft.com/office/powerpoint/2010/main" val="2228910912"/>
+        <p14:creationId xmlns:p14="http://schemas.microsoft.com/office/powerpoint/2010/main" val="2363581934"/>
       </p:ext>
     </p:extLst>
   </p:cSld>
@@ -17120,7 +17764,131 @@
           <a:p>
             <a:r>
               <a:rPr lang="en-US" dirty="0" smtClean="0"/>
-              <a:t>Car Models where it is available (Google I/O 2017)</a:t>
+              <a:t>How it works?</a:t>
+            </a:r>
+            <a:endParaRPr lang="en-US" dirty="0"/>
+          </a:p>
+        </p:txBody>
+      </p:sp>
+      <p:sp>
+        <p:nvSpPr>
+          <p:cNvPr id="3" name="Content Placeholder 2"/>
+          <p:cNvSpPr>
+            <a:spLocks noGrp="1"/>
+          </p:cNvSpPr>
+          <p:nvPr>
+            <p:ph idx="1"/>
+          </p:nvPr>
+        </p:nvSpPr>
+        <p:spPr/>
+        <p:txBody>
+          <a:bodyPr/>
+          <a:lstStyle/>
+          <a:p>
+            <a:pPr marL="171450" indent="-171450" algn="l">
+              <a:buFont typeface="Arial" panose="020B0604020202020204" pitchFamily="34" charset="0"/>
+              <a:buChar char="•"/>
+            </a:pPr>
+            <a:r>
+              <a:rPr lang="en-US" dirty="0" smtClean="0"/>
+              <a:t>Similar to Android </a:t>
+            </a:r>
+            <a:r>
+              <a:rPr lang="en-US" dirty="0" smtClean="0"/>
+              <a:t>Auto</a:t>
+            </a:r>
+            <a:endParaRPr lang="en-US" dirty="0" smtClean="0"/>
+          </a:p>
+          <a:p>
+            <a:pPr marL="171450" indent="-171450" algn="l">
+              <a:buFont typeface="Arial" panose="020B0604020202020204" pitchFamily="34" charset="0"/>
+              <a:buChar char="•"/>
+            </a:pPr>
+            <a:endParaRPr lang="en-US" dirty="0" smtClean="0"/>
+          </a:p>
+          <a:p>
+            <a:pPr marL="171450" indent="-171450" algn="l">
+              <a:buFont typeface="Arial" panose="020B0604020202020204" pitchFamily="34" charset="0"/>
+              <a:buChar char="•"/>
+            </a:pPr>
+            <a:endParaRPr lang="en-US" dirty="0"/>
+          </a:p>
+          <a:p>
+            <a:pPr marL="171450" indent="-171450" algn="l">
+              <a:buFont typeface="Arial" panose="020B0604020202020204" pitchFamily="34" charset="0"/>
+              <a:buChar char="•"/>
+            </a:pPr>
+            <a:endParaRPr lang="en-US" dirty="0" smtClean="0"/>
+          </a:p>
+          <a:p>
+            <a:pPr marL="171450" indent="-171450" algn="l">
+              <a:buFont typeface="Arial" panose="020B0604020202020204" pitchFamily="34" charset="0"/>
+              <a:buChar char="•"/>
+            </a:pPr>
+            <a:r>
+              <a:rPr lang="en-US" dirty="0" smtClean="0"/>
+              <a:t>UI elements and built-in apps differ from OEM to </a:t>
+            </a:r>
+            <a:r>
+              <a:rPr lang="en-US" dirty="0" smtClean="0"/>
+              <a:t>OEM</a:t>
+            </a:r>
+            <a:endParaRPr lang="en-US" dirty="0" smtClean="0"/>
+          </a:p>
+          <a:p>
+            <a:pPr marL="171450" indent="-171450" algn="l">
+              <a:buFont typeface="Arial" panose="020B0604020202020204" pitchFamily="34" charset="0"/>
+              <a:buChar char="•"/>
+            </a:pPr>
+            <a:endParaRPr lang="en-US" dirty="0" smtClean="0"/>
+          </a:p>
+          <a:p>
+            <a:pPr marL="171450" indent="-171450" algn="l">
+              <a:buFont typeface="Arial" panose="020B0604020202020204" pitchFamily="34" charset="0"/>
+              <a:buChar char="•"/>
+            </a:pPr>
+            <a:endParaRPr lang="en-US" dirty="0"/>
+          </a:p>
+          <a:p>
+            <a:pPr marL="171450" indent="-171450" algn="l">
+              <a:buFont typeface="Arial" panose="020B0604020202020204" pitchFamily="34" charset="0"/>
+              <a:buChar char="•"/>
+            </a:pPr>
+            <a:endParaRPr lang="en-US" dirty="0"/>
+          </a:p>
+          <a:p>
+            <a:pPr marL="171450" indent="-171450" algn="l">
+              <a:buFont typeface="Arial" panose="020B0604020202020204" pitchFamily="34" charset="0"/>
+              <a:buChar char="•"/>
+            </a:pPr>
+            <a:r>
+              <a:rPr lang="en-US" dirty="0" smtClean="0"/>
+              <a:t>Expect implementations from different automakers to look and feel unique</a:t>
+            </a:r>
+          </a:p>
+          <a:p>
+            <a:pPr marL="171450" indent="-171450" algn="l">
+              <a:buFont typeface="Arial" panose="020B0604020202020204" pitchFamily="34" charset="0"/>
+              <a:buChar char="•"/>
+            </a:pPr>
+            <a:endParaRPr lang="en-US" dirty="0"/>
+          </a:p>
+          <a:p>
+            <a:pPr marL="280988" lvl="1" indent="-171450" algn="l"/>
+            <a:r>
+              <a:rPr lang="en-US" dirty="0" smtClean="0"/>
+              <a:t>Different design elements</a:t>
+            </a:r>
+          </a:p>
+          <a:p>
+            <a:pPr marL="280988" lvl="1" indent="-171450" algn="l"/>
+            <a:r>
+              <a:rPr lang="en-US" dirty="0" smtClean="0"/>
+              <a:t>Different display </a:t>
+            </a:r>
+            <a:r>
+              <a:rPr lang="en-US" dirty="0" smtClean="0"/>
+              <a:t>types</a:t>
             </a:r>
             <a:endParaRPr lang="en-US" dirty="0"/>
           </a:p>
@@ -17196,132 +17964,10 @@
           </a:p>
         </p:txBody>
       </p:sp>
-      <p:sp>
-        <p:nvSpPr>
-          <p:cNvPr id="11" name="TextBox 10"/>
-          <p:cNvSpPr txBox="1"/>
-          <p:nvPr/>
-        </p:nvSpPr>
-        <p:spPr>
-          <a:xfrm>
-            <a:off x="431552" y="1497739"/>
-            <a:ext cx="3990247" cy="261610"/>
-          </a:xfrm>
-          <a:prstGeom prst="rect">
-            <a:avLst/>
-          </a:prstGeom>
-          <a:noFill/>
-        </p:spPr>
-        <p:txBody>
-          <a:bodyPr wrap="square" rtlCol="0">
-            <a:spAutoFit/>
-          </a:bodyPr>
-          <a:lstStyle/>
-          <a:p>
-            <a:pPr algn="ctr"/>
-            <a:r>
-              <a:rPr lang="en-US" sz="1100" b="1" dirty="0" smtClean="0"/>
-              <a:t>Audi Q8</a:t>
-            </a:r>
-            <a:endParaRPr lang="en-US" sz="1100" b="1" dirty="0"/>
-          </a:p>
-        </p:txBody>
-      </p:sp>
-      <p:sp>
-        <p:nvSpPr>
-          <p:cNvPr id="12" name="TextBox 11"/>
-          <p:cNvSpPr txBox="1"/>
-          <p:nvPr/>
-        </p:nvSpPr>
-        <p:spPr>
-          <a:xfrm>
-            <a:off x="4754566" y="1497739"/>
-            <a:ext cx="3990248" cy="261610"/>
-          </a:xfrm>
-          <a:prstGeom prst="rect">
-            <a:avLst/>
-          </a:prstGeom>
-          <a:noFill/>
-        </p:spPr>
-        <p:txBody>
-          <a:bodyPr wrap="square" rtlCol="0">
-            <a:spAutoFit/>
-          </a:bodyPr>
-          <a:lstStyle/>
-          <a:p>
-            <a:pPr algn="ctr"/>
-            <a:r>
-              <a:rPr lang="en-US" sz="1100" b="1" dirty="0" smtClean="0"/>
-              <a:t>Volvo V90 SUVs</a:t>
-            </a:r>
-            <a:endParaRPr lang="en-US" sz="1100" b="1" dirty="0"/>
-          </a:p>
-        </p:txBody>
-      </p:sp>
-      <p:pic>
-        <p:nvPicPr>
-          <p:cNvPr id="3" name="Picture 2"/>
-          <p:cNvPicPr>
-            <a:picLocks noChangeAspect="1"/>
-          </p:cNvPicPr>
-          <p:nvPr/>
-        </p:nvPicPr>
-        <p:blipFill>
-          <a:blip r:embed="rId2" cstate="print">
-            <a:extLst>
-              <a:ext uri="{28A0092B-C50C-407E-A947-70E740481C1C}">
-                <a14:useLocalDpi xmlns:a14="http://schemas.microsoft.com/office/drawing/2010/main" val="0"/>
-              </a:ext>
-            </a:extLst>
-          </a:blip>
-          <a:stretch>
-            <a:fillRect/>
-          </a:stretch>
-        </p:blipFill>
-        <p:spPr>
-          <a:xfrm>
-            <a:off x="4754566" y="1927045"/>
-            <a:ext cx="3990248" cy="2246510"/>
-          </a:xfrm>
-          <a:prstGeom prst="rect">
-            <a:avLst/>
-          </a:prstGeom>
-        </p:spPr>
-      </p:pic>
-      <p:pic>
-        <p:nvPicPr>
-          <p:cNvPr id="7" name="Picture 6"/>
-          <p:cNvPicPr>
-            <a:picLocks noChangeAspect="1"/>
-          </p:cNvPicPr>
-          <p:nvPr/>
-        </p:nvPicPr>
-        <p:blipFill>
-          <a:blip r:embed="rId3" cstate="print">
-            <a:extLst>
-              <a:ext uri="{28A0092B-C50C-407E-A947-70E740481C1C}">
-                <a14:useLocalDpi xmlns:a14="http://schemas.microsoft.com/office/drawing/2010/main" val="0"/>
-              </a:ext>
-            </a:extLst>
-          </a:blip>
-          <a:stretch>
-            <a:fillRect/>
-          </a:stretch>
-        </p:blipFill>
-        <p:spPr>
-          <a:xfrm>
-            <a:off x="431552" y="1927046"/>
-            <a:ext cx="3990248" cy="2246509"/>
-          </a:xfrm>
-          <a:prstGeom prst="rect">
-            <a:avLst/>
-          </a:prstGeom>
-        </p:spPr>
-      </p:pic>
     </p:spTree>
     <p:extLst>
       <p:ext uri="{BB962C8B-B14F-4D97-AF65-F5344CB8AC3E}">
-        <p14:creationId xmlns:p14="http://schemas.microsoft.com/office/powerpoint/2010/main" val="3156306908"/>
+        <p14:creationId xmlns:p14="http://schemas.microsoft.com/office/powerpoint/2010/main" val="2228910912"/>
       </p:ext>
     </p:extLst>
   </p:cSld>
@@ -17357,6 +18003,258 @@
       </p:grpSpPr>
       <p:sp>
         <p:nvSpPr>
+          <p:cNvPr id="2" name="Title 1"/>
+          <p:cNvSpPr>
+            <a:spLocks noGrp="1"/>
+          </p:cNvSpPr>
+          <p:nvPr>
+            <p:ph type="title"/>
+          </p:nvPr>
+        </p:nvSpPr>
+        <p:spPr/>
+        <p:txBody>
+          <a:bodyPr/>
+          <a:lstStyle/>
+          <a:p>
+            <a:r>
+              <a:rPr lang="en-US" dirty="0" smtClean="0"/>
+              <a:t>Car Models where it is available (Google I/O 2017)</a:t>
+            </a:r>
+            <a:endParaRPr lang="en-US" dirty="0"/>
+          </a:p>
+        </p:txBody>
+      </p:sp>
+      <p:sp>
+        <p:nvSpPr>
+          <p:cNvPr id="4" name="Date Placeholder 3"/>
+          <p:cNvSpPr>
+            <a:spLocks noGrp="1"/>
+          </p:cNvSpPr>
+          <p:nvPr>
+            <p:ph type="dt" sz="half" idx="10"/>
+          </p:nvPr>
+        </p:nvSpPr>
+        <p:spPr/>
+        <p:txBody>
+          <a:bodyPr/>
+          <a:lstStyle/>
+          <a:p>
+            <a:r>
+              <a:rPr lang="fr-FR" noProof="0" smtClean="0"/>
+              <a:t>Date</a:t>
+            </a:r>
+            <a:endParaRPr lang="en-US" noProof="0" dirty="0"/>
+          </a:p>
+        </p:txBody>
+      </p:sp>
+      <p:sp>
+        <p:nvSpPr>
+          <p:cNvPr id="5" name="Footer Placeholder 4"/>
+          <p:cNvSpPr>
+            <a:spLocks noGrp="1"/>
+          </p:cNvSpPr>
+          <p:nvPr>
+            <p:ph type="ftr" sz="quarter" idx="11"/>
+          </p:nvPr>
+        </p:nvSpPr>
+        <p:spPr/>
+        <p:txBody>
+          <a:bodyPr/>
+          <a:lstStyle/>
+          <a:p>
+            <a:r>
+              <a:rPr lang="en-US" noProof="0" dirty="0" smtClean="0"/>
+              <a:t>Android Auto</a:t>
+            </a:r>
+            <a:endParaRPr lang="en-US" noProof="0" dirty="0"/>
+          </a:p>
+        </p:txBody>
+      </p:sp>
+      <p:sp>
+        <p:nvSpPr>
+          <p:cNvPr id="6" name="Slide Number Placeholder 5"/>
+          <p:cNvSpPr>
+            <a:spLocks noGrp="1"/>
+          </p:cNvSpPr>
+          <p:nvPr>
+            <p:ph type="sldNum" sz="quarter" idx="12"/>
+          </p:nvPr>
+        </p:nvSpPr>
+        <p:spPr/>
+        <p:txBody>
+          <a:bodyPr/>
+          <a:lstStyle/>
+          <a:p>
+            <a:fld id="{733122C9-A0B9-462F-8757-0847AD287B63}" type="slidenum">
+              <a:rPr lang="en-US" noProof="0" smtClean="0"/>
+              <a:pPr/>
+              <a:t>24</a:t>
+            </a:fld>
+            <a:endParaRPr lang="en-US" noProof="0" dirty="0"/>
+          </a:p>
+        </p:txBody>
+      </p:sp>
+      <p:sp>
+        <p:nvSpPr>
+          <p:cNvPr id="11" name="TextBox 10"/>
+          <p:cNvSpPr txBox="1"/>
+          <p:nvPr/>
+        </p:nvSpPr>
+        <p:spPr>
+          <a:xfrm>
+            <a:off x="431552" y="1497739"/>
+            <a:ext cx="3990247" cy="261610"/>
+          </a:xfrm>
+          <a:prstGeom prst="rect">
+            <a:avLst/>
+          </a:prstGeom>
+          <a:noFill/>
+        </p:spPr>
+        <p:txBody>
+          <a:bodyPr wrap="square" rtlCol="0">
+            <a:spAutoFit/>
+          </a:bodyPr>
+          <a:lstStyle/>
+          <a:p>
+            <a:pPr algn="ctr"/>
+            <a:r>
+              <a:rPr lang="en-US" sz="1100" b="1" dirty="0" smtClean="0"/>
+              <a:t>Audi Q8</a:t>
+            </a:r>
+            <a:endParaRPr lang="en-US" sz="1100" b="1" dirty="0"/>
+          </a:p>
+        </p:txBody>
+      </p:sp>
+      <p:sp>
+        <p:nvSpPr>
+          <p:cNvPr id="12" name="TextBox 11"/>
+          <p:cNvSpPr txBox="1"/>
+          <p:nvPr/>
+        </p:nvSpPr>
+        <p:spPr>
+          <a:xfrm>
+            <a:off x="4754566" y="1497739"/>
+            <a:ext cx="3990248" cy="261610"/>
+          </a:xfrm>
+          <a:prstGeom prst="rect">
+            <a:avLst/>
+          </a:prstGeom>
+          <a:noFill/>
+        </p:spPr>
+        <p:txBody>
+          <a:bodyPr wrap="square" rtlCol="0">
+            <a:spAutoFit/>
+          </a:bodyPr>
+          <a:lstStyle/>
+          <a:p>
+            <a:pPr algn="ctr"/>
+            <a:r>
+              <a:rPr lang="en-US" sz="1100" b="1" dirty="0" smtClean="0"/>
+              <a:t>Volvo V90 SUVs</a:t>
+            </a:r>
+            <a:endParaRPr lang="en-US" sz="1100" b="1" dirty="0"/>
+          </a:p>
+        </p:txBody>
+      </p:sp>
+      <p:pic>
+        <p:nvPicPr>
+          <p:cNvPr id="3" name="Picture 2"/>
+          <p:cNvPicPr>
+            <a:picLocks noChangeAspect="1"/>
+          </p:cNvPicPr>
+          <p:nvPr/>
+        </p:nvPicPr>
+        <p:blipFill>
+          <a:blip r:embed="rId2" cstate="print">
+            <a:extLst>
+              <a:ext uri="{28A0092B-C50C-407E-A947-70E740481C1C}">
+                <a14:useLocalDpi xmlns:a14="http://schemas.microsoft.com/office/drawing/2010/main" val="0"/>
+              </a:ext>
+            </a:extLst>
+          </a:blip>
+          <a:stretch>
+            <a:fillRect/>
+          </a:stretch>
+        </p:blipFill>
+        <p:spPr>
+          <a:xfrm>
+            <a:off x="4754566" y="1927045"/>
+            <a:ext cx="3990248" cy="2246510"/>
+          </a:xfrm>
+          <a:prstGeom prst="rect">
+            <a:avLst/>
+          </a:prstGeom>
+        </p:spPr>
+      </p:pic>
+      <p:pic>
+        <p:nvPicPr>
+          <p:cNvPr id="7" name="Picture 6"/>
+          <p:cNvPicPr>
+            <a:picLocks noChangeAspect="1"/>
+          </p:cNvPicPr>
+          <p:nvPr/>
+        </p:nvPicPr>
+        <p:blipFill>
+          <a:blip r:embed="rId3" cstate="print">
+            <a:extLst>
+              <a:ext uri="{28A0092B-C50C-407E-A947-70E740481C1C}">
+                <a14:useLocalDpi xmlns:a14="http://schemas.microsoft.com/office/drawing/2010/main" val="0"/>
+              </a:ext>
+            </a:extLst>
+          </a:blip>
+          <a:stretch>
+            <a:fillRect/>
+          </a:stretch>
+        </p:blipFill>
+        <p:spPr>
+          <a:xfrm>
+            <a:off x="431552" y="1927046"/>
+            <a:ext cx="3990248" cy="2246509"/>
+          </a:xfrm>
+          <a:prstGeom prst="rect">
+            <a:avLst/>
+          </a:prstGeom>
+        </p:spPr>
+      </p:pic>
+    </p:spTree>
+    <p:extLst>
+      <p:ext uri="{BB962C8B-B14F-4D97-AF65-F5344CB8AC3E}">
+        <p14:creationId xmlns:p14="http://schemas.microsoft.com/office/powerpoint/2010/main" val="3156306908"/>
+      </p:ext>
+    </p:extLst>
+  </p:cSld>
+  <p:clrMapOvr>
+    <a:masterClrMapping/>
+  </p:clrMapOvr>
+  <p:timing>
+    <p:tnLst>
+      <p:par>
+        <p:cTn id="1" dur="indefinite" restart="never" nodeType="tmRoot"/>
+      </p:par>
+    </p:tnLst>
+  </p:timing>
+</p:sld>
+</file>
+
+<file path=ppt/slides/slide25.xml><?xml version="1.0" encoding="utf-8"?>
+<p:sld xmlns:a="http://schemas.openxmlformats.org/drawingml/2006/main" xmlns:r="http://schemas.openxmlformats.org/officeDocument/2006/relationships" xmlns:p="http://schemas.openxmlformats.org/presentationml/2006/main">
+  <p:cSld>
+    <p:spTree>
+      <p:nvGrpSpPr>
+        <p:cNvPr id="1" name=""/>
+        <p:cNvGrpSpPr/>
+        <p:nvPr/>
+      </p:nvGrpSpPr>
+      <p:grpSpPr>
+        <a:xfrm>
+          <a:off x="0" y="0"/>
+          <a:ext cx="0" cy="0"/>
+          <a:chOff x="0" y="0"/>
+          <a:chExt cx="0" cy="0"/>
+        </a:xfrm>
+      </p:grpSpPr>
+      <p:sp>
+        <p:nvSpPr>
           <p:cNvPr id="2" name="Espace réservé de la date 1"/>
           <p:cNvSpPr>
             <a:spLocks noGrp="1"/>
@@ -17419,7 +18317,7 @@
             <a:fld id="{733122C9-A0B9-462F-8757-0847AD287B63}" type="slidenum">
               <a:rPr lang="fr-FR" noProof="0" smtClean="0"/>
               <a:pPr/>
-              <a:t>24</a:t>
+              <a:t>25</a:t>
             </a:fld>
             <a:endParaRPr lang="fr-FR" noProof="0"/>
           </a:p>
@@ -17671,8 +18569,9 @@
             </a:r>
             <a:r>
               <a:rPr lang="en-US" dirty="0" smtClean="0"/>
-              <a:t>2015.</a:t>
-            </a:r>
+              <a:t>2015</a:t>
+            </a:r>
+            <a:endParaRPr lang="en-US" dirty="0" smtClean="0"/>
           </a:p>
           <a:p>
             <a:pPr marL="171450" indent="-171450" algn="l">
@@ -17691,13 +18590,14 @@
               <a:t>Android Application for smartphone that allows a connection with the car using a </a:t>
             </a:r>
             <a:r>
-              <a:rPr lang="en-US" dirty="0" err="1" smtClean="0"/>
-              <a:t>usb</a:t>
-            </a:r>
-            <a:r>
               <a:rPr lang="en-US" dirty="0" smtClean="0"/>
-              <a:t> cable.</a:t>
-            </a:r>
+              <a:t>USB</a:t>
+            </a:r>
+            <a:r>
+              <a:rPr lang="en-US" dirty="0" smtClean="0"/>
+              <a:t> cable</a:t>
+            </a:r>
+            <a:endParaRPr lang="en-US" dirty="0" smtClean="0"/>
           </a:p>
           <a:p>
             <a:pPr marL="171450" indent="-171450" algn="l">
@@ -17713,8 +18613,13 @@
             </a:pPr>
             <a:r>
               <a:rPr lang="en-US" dirty="0" smtClean="0"/>
-              <a:t>Android Auto connects via Bluetooth, in order to connect with the car sound system..</a:t>
-            </a:r>
+              <a:t>Android Auto connects via Bluetooth, in order to connect with the car sound </a:t>
+            </a:r>
+            <a:r>
+              <a:rPr lang="en-US" dirty="0" smtClean="0"/>
+              <a:t>system</a:t>
+            </a:r>
+            <a:endParaRPr lang="en-US" dirty="0" smtClean="0"/>
           </a:p>
           <a:p>
             <a:pPr algn="l"/>
@@ -17770,7 +18675,11 @@
             <a:pPr marL="387450" lvl="4" indent="-171450"/>
             <a:r>
               <a:rPr lang="en-US" dirty="0" smtClean="0"/>
-              <a:t>Similar menu structures.</a:t>
+              <a:t>Similar menu </a:t>
+            </a:r>
+            <a:r>
+              <a:rPr lang="en-US" dirty="0" smtClean="0"/>
+              <a:t>structures</a:t>
             </a:r>
             <a:endParaRPr lang="en-US" dirty="0"/>
           </a:p>
@@ -17927,13 +18836,8 @@
             </a:pPr>
             <a:r>
               <a:rPr lang="en-US" dirty="0" smtClean="0"/>
-              <a:t>GPS </a:t>
-            </a:r>
-            <a:r>
-              <a:rPr lang="en-US" dirty="0" smtClean="0"/>
-              <a:t>Navigation  </a:t>
-            </a:r>
-            <a:endParaRPr lang="en-US" dirty="0" smtClean="0"/>
+              <a:t>GPS Navigation </a:t>
+            </a:r>
           </a:p>
           <a:p>
             <a:pPr marL="171450" indent="-171450" algn="l">
@@ -17946,8 +18850,13 @@
             <a:pPr marL="280988" lvl="1" indent="-171450" algn="l"/>
             <a:r>
               <a:rPr lang="en-US" dirty="0" smtClean="0"/>
-              <a:t>Google maps is the more precise and user friendly application for GPS Navigation.</a:t>
-            </a:r>
+              <a:t>Google maps is the more precise and user friendly application for GPS </a:t>
+            </a:r>
+            <a:r>
+              <a:rPr lang="en-US" dirty="0" smtClean="0"/>
+              <a:t>Navigation</a:t>
+            </a:r>
+            <a:endParaRPr lang="en-US" dirty="0" smtClean="0"/>
           </a:p>
           <a:p>
             <a:pPr marL="171450" indent="-171450" algn="l">
@@ -17977,7 +18886,11 @@
             <a:pPr marL="280988" lvl="1" indent="-171450" algn="l"/>
             <a:r>
               <a:rPr lang="en-US" dirty="0" smtClean="0"/>
-              <a:t>Speech recognition from Google is more refined, and his able to interpret more commands.</a:t>
+              <a:t>Speech recognition from Google is more refined, and his able to interpret more </a:t>
+            </a:r>
+            <a:r>
+              <a:rPr lang="en-US" dirty="0" smtClean="0"/>
+              <a:t>commands</a:t>
             </a:r>
             <a:endParaRPr lang="en-US" dirty="0"/>
           </a:p>
@@ -18006,8 +18919,13 @@
             <a:pPr marL="280988" lvl="1" indent="-171450" algn="l"/>
             <a:r>
               <a:rPr lang="en-US" dirty="0" smtClean="0"/>
-              <a:t>Android Auto has the ability to work in the phone.</a:t>
-            </a:r>
+              <a:t>Android Auto has the ability to work in the </a:t>
+            </a:r>
+            <a:r>
+              <a:rPr lang="en-US" dirty="0" smtClean="0"/>
+              <a:t>phone</a:t>
+            </a:r>
+            <a:endParaRPr lang="en-US" dirty="0" smtClean="0"/>
           </a:p>
           <a:p>
             <a:pPr marL="171450" indent="-171450" algn="l">
@@ -18345,8 +19263,13 @@
             </a:pPr>
             <a:r>
               <a:rPr lang="en-US" dirty="0" smtClean="0"/>
-              <a:t>If connected to the car the phone stays unusable.</a:t>
-            </a:r>
+              <a:t>If connected to the car the phone stays </a:t>
+            </a:r>
+            <a:r>
+              <a:rPr lang="en-US" dirty="0" smtClean="0"/>
+              <a:t>unusable</a:t>
+            </a:r>
+            <a:endParaRPr lang="en-US" dirty="0" smtClean="0"/>
           </a:p>
           <a:p>
             <a:pPr marL="171450" indent="-171450" algn="l">
@@ -18362,8 +19285,13 @@
             </a:pPr>
             <a:r>
               <a:rPr lang="en-US" dirty="0" smtClean="0"/>
-              <a:t>There are 5 panels available, if connected with the car dash screen.</a:t>
-            </a:r>
+              <a:t>There are 5 panels available, if connected with the car dash </a:t>
+            </a:r>
+            <a:r>
+              <a:rPr lang="en-US" dirty="0" smtClean="0"/>
+              <a:t>screen</a:t>
+            </a:r>
+            <a:endParaRPr lang="en-US" dirty="0" smtClean="0"/>
           </a:p>
           <a:p>
             <a:pPr marL="280988" lvl="1" indent="-171450" algn="l"/>
@@ -18383,8 +19311,13 @@
             </a:pPr>
             <a:r>
               <a:rPr lang="en-US" dirty="0" smtClean="0"/>
-              <a:t>Home menu has information such as the weather, current song, current destination and upcoming appointments.</a:t>
-            </a:r>
+              <a:t>Home menu has information such as the weather, current song, current destination and upcoming </a:t>
+            </a:r>
+            <a:r>
+              <a:rPr lang="en-US" dirty="0" smtClean="0"/>
+              <a:t>appointments</a:t>
+            </a:r>
+            <a:endParaRPr lang="en-US" dirty="0" smtClean="0"/>
           </a:p>
           <a:p>
             <a:pPr marL="171450" lvl="2" indent="-171450">
@@ -18407,7 +19340,11 @@
             <a:pPr marL="279450" lvl="3" indent="-171450"/>
             <a:r>
               <a:rPr lang="en-US" dirty="0" smtClean="0"/>
-              <a:t>Notifications such as alerts from Email, Facebook or Twitter, will not show in the notifications log.</a:t>
+              <a:t>Notifications such as alerts from Email, Facebook or Twitter, will not show in the notifications </a:t>
+            </a:r>
+            <a:r>
+              <a:rPr lang="en-US" dirty="0" smtClean="0"/>
+              <a:t>log</a:t>
             </a:r>
             <a:endParaRPr lang="en-US" dirty="0"/>
           </a:p>
@@ -18537,8 +19474,140 @@
           <a:p>
             <a:r>
               <a:rPr lang="en-US" dirty="0" smtClean="0"/>
-              <a:t>Android Auto - Panels</a:t>
-            </a:r>
+              <a:t>Voice Command</a:t>
+            </a:r>
+            <a:endParaRPr lang="en-US" dirty="0"/>
+          </a:p>
+        </p:txBody>
+      </p:sp>
+      <p:sp>
+        <p:nvSpPr>
+          <p:cNvPr id="3" name="Content Placeholder 2"/>
+          <p:cNvSpPr>
+            <a:spLocks noGrp="1"/>
+          </p:cNvSpPr>
+          <p:nvPr>
+            <p:ph idx="1"/>
+          </p:nvPr>
+        </p:nvSpPr>
+        <p:spPr/>
+        <p:txBody>
+          <a:bodyPr/>
+          <a:lstStyle/>
+          <a:p>
+            <a:pPr marL="171450" indent="-171450" algn="l">
+              <a:buFont typeface="Arial" panose="020B0604020202020204" pitchFamily="34" charset="0"/>
+              <a:buChar char="•"/>
+            </a:pPr>
+            <a:r>
+              <a:rPr lang="en-US" dirty="0" smtClean="0"/>
+              <a:t>To start Voice Command we can use:</a:t>
+            </a:r>
+          </a:p>
+          <a:p>
+            <a:pPr marL="171450" indent="-171450" algn="l">
+              <a:buFont typeface="Arial" panose="020B0604020202020204" pitchFamily="34" charset="0"/>
+              <a:buChar char="•"/>
+            </a:pPr>
+            <a:endParaRPr lang="en-US" dirty="0" smtClean="0"/>
+          </a:p>
+          <a:p>
+            <a:pPr marL="280988" lvl="1" indent="-171450" algn="l"/>
+            <a:r>
+              <a:rPr lang="en-US" dirty="0" smtClean="0"/>
+              <a:t>At the beginning of the sentence we say “OK Google”</a:t>
+            </a:r>
+          </a:p>
+          <a:p>
+            <a:pPr marL="280988" lvl="1" indent="-171450" algn="l"/>
+            <a:r>
+              <a:rPr lang="en-US" dirty="0" smtClean="0"/>
+              <a:t>By a button placed in </a:t>
+            </a:r>
+            <a:r>
+              <a:rPr lang="en-US" dirty="0"/>
+              <a:t>the </a:t>
+            </a:r>
+            <a:r>
+              <a:rPr lang="en-US" dirty="0" smtClean="0"/>
+              <a:t>top </a:t>
+            </a:r>
+            <a:r>
+              <a:rPr lang="en-US" dirty="0"/>
+              <a:t>right </a:t>
+            </a:r>
+            <a:r>
+              <a:rPr lang="en-US" dirty="0" smtClean="0"/>
+              <a:t>corner</a:t>
+            </a:r>
+          </a:p>
+          <a:p>
+            <a:pPr marL="280988" lvl="1" indent="-171450" algn="l"/>
+            <a:r>
+              <a:rPr lang="en-US" dirty="0" smtClean="0"/>
+              <a:t>Press the talk button presented in steering wheel</a:t>
+            </a:r>
+          </a:p>
+          <a:p>
+            <a:pPr marL="280988" lvl="1" indent="-171450" algn="l"/>
+            <a:endParaRPr lang="en-US" dirty="0"/>
+          </a:p>
+          <a:p>
+            <a:pPr marL="280988" lvl="1" indent="-171450" algn="l"/>
+            <a:endParaRPr lang="en-US" dirty="0" smtClean="0"/>
+          </a:p>
+          <a:p>
+            <a:pPr marL="171450" indent="-171450" algn="l">
+              <a:buFont typeface="Arial" panose="020B0604020202020204" pitchFamily="34" charset="0"/>
+              <a:buChar char="•"/>
+            </a:pPr>
+            <a:r>
+              <a:rPr lang="en-US" dirty="0" smtClean="0"/>
+              <a:t>Using Voice Command we can:</a:t>
+            </a:r>
+          </a:p>
+          <a:p>
+            <a:pPr marL="171450" indent="-171450" algn="l">
+              <a:buFont typeface="Arial" panose="020B0604020202020204" pitchFamily="34" charset="0"/>
+              <a:buChar char="•"/>
+            </a:pPr>
+            <a:endParaRPr lang="en-US" dirty="0"/>
+          </a:p>
+          <a:p>
+            <a:pPr marL="280988" lvl="1" indent="-171450" algn="l"/>
+            <a:r>
+              <a:rPr lang="en-US" dirty="0" smtClean="0"/>
+              <a:t>Set the destination place</a:t>
+            </a:r>
+          </a:p>
+          <a:p>
+            <a:pPr marL="280988" lvl="1" indent="-171450" algn="l"/>
+            <a:r>
+              <a:rPr lang="en-US" dirty="0" smtClean="0"/>
+              <a:t>Call a person</a:t>
+            </a:r>
+          </a:p>
+          <a:p>
+            <a:pPr marL="280988" lvl="1" indent="-171450" algn="l"/>
+            <a:r>
+              <a:rPr lang="en-US" dirty="0" smtClean="0"/>
+              <a:t>Initialize a song</a:t>
+            </a:r>
+          </a:p>
+          <a:p>
+            <a:pPr marL="280988" lvl="1" indent="-171450" algn="l"/>
+            <a:r>
+              <a:rPr lang="en-US" dirty="0" smtClean="0"/>
+              <a:t>Access to any </a:t>
+            </a:r>
+            <a:r>
+              <a:rPr lang="en-US" dirty="0" smtClean="0"/>
+              <a:t>menu</a:t>
+            </a:r>
+            <a:endParaRPr lang="en-US" dirty="0" smtClean="0"/>
+          </a:p>
+          <a:p>
+            <a:pPr marL="280988" lvl="1" indent="-171450" algn="l"/>
             <a:endParaRPr lang="en-US" dirty="0"/>
           </a:p>
         </p:txBody>
@@ -18582,8 +19651,8 @@
           <a:lstStyle/>
           <a:p>
             <a:r>
-              <a:rPr lang="en-US" noProof="0" dirty="0" smtClean="0"/>
-              <a:t>Android Auto</a:t>
+              <a:rPr lang="en-US" noProof="0" smtClean="0"/>
+              <a:t>Presentation title</a:t>
             </a:r>
             <a:endParaRPr lang="en-US" noProof="0" dirty="0"/>
           </a:p>
@@ -18613,132 +19682,10 @@
           </a:p>
         </p:txBody>
       </p:sp>
-      <p:pic>
-        <p:nvPicPr>
-          <p:cNvPr id="9" name="Picture 8"/>
-          <p:cNvPicPr>
-            <a:picLocks noChangeAspect="1"/>
-          </p:cNvPicPr>
-          <p:nvPr/>
-        </p:nvPicPr>
-        <p:blipFill>
-          <a:blip r:embed="rId2" cstate="print">
-            <a:extLst>
-              <a:ext uri="{28A0092B-C50C-407E-A947-70E740481C1C}">
-                <a14:useLocalDpi xmlns:a14="http://schemas.microsoft.com/office/drawing/2010/main" val="0"/>
-              </a:ext>
-            </a:extLst>
-          </a:blip>
-          <a:stretch>
-            <a:fillRect/>
-          </a:stretch>
-        </p:blipFill>
-        <p:spPr>
-          <a:xfrm>
-            <a:off x="5257800" y="2179624"/>
-            <a:ext cx="3314700" cy="1988820"/>
-          </a:xfrm>
-          <a:prstGeom prst="rect">
-            <a:avLst/>
-          </a:prstGeom>
-        </p:spPr>
-      </p:pic>
-      <p:pic>
-        <p:nvPicPr>
-          <p:cNvPr id="10" name="Picture 9"/>
-          <p:cNvPicPr>
-            <a:picLocks noChangeAspect="1"/>
-          </p:cNvPicPr>
-          <p:nvPr/>
-        </p:nvPicPr>
-        <p:blipFill>
-          <a:blip r:embed="rId3" cstate="print">
-            <a:extLst>
-              <a:ext uri="{28A0092B-C50C-407E-A947-70E740481C1C}">
-                <a14:useLocalDpi xmlns:a14="http://schemas.microsoft.com/office/drawing/2010/main" val="0"/>
-              </a:ext>
-            </a:extLst>
-          </a:blip>
-          <a:stretch>
-            <a:fillRect/>
-          </a:stretch>
-        </p:blipFill>
-        <p:spPr>
-          <a:xfrm>
-            <a:off x="636237" y="2371945"/>
-            <a:ext cx="3307582" cy="1604178"/>
-          </a:xfrm>
-          <a:prstGeom prst="rect">
-            <a:avLst/>
-          </a:prstGeom>
-        </p:spPr>
-      </p:pic>
-      <p:sp>
-        <p:nvSpPr>
-          <p:cNvPr id="11" name="TextBox 10"/>
-          <p:cNvSpPr txBox="1"/>
-          <p:nvPr/>
-        </p:nvSpPr>
-        <p:spPr>
-          <a:xfrm>
-            <a:off x="636237" y="1497739"/>
-            <a:ext cx="3307582" cy="261610"/>
-          </a:xfrm>
-          <a:prstGeom prst="rect">
-            <a:avLst/>
-          </a:prstGeom>
-          <a:noFill/>
-        </p:spPr>
-        <p:txBody>
-          <a:bodyPr wrap="square" rtlCol="0">
-            <a:spAutoFit/>
-          </a:bodyPr>
-          <a:lstStyle/>
-          <a:p>
-            <a:pPr algn="ctr"/>
-            <a:r>
-              <a:rPr lang="en-US" sz="1100" b="1" dirty="0" smtClean="0"/>
-              <a:t>On phone Screen</a:t>
-            </a:r>
-            <a:endParaRPr lang="en-US" sz="1100" b="1" dirty="0"/>
-          </a:p>
-        </p:txBody>
-      </p:sp>
-      <p:sp>
-        <p:nvSpPr>
-          <p:cNvPr id="12" name="TextBox 11"/>
-          <p:cNvSpPr txBox="1"/>
-          <p:nvPr/>
-        </p:nvSpPr>
-        <p:spPr>
-          <a:xfrm>
-            <a:off x="5257800" y="1493223"/>
-            <a:ext cx="3307582" cy="261610"/>
-          </a:xfrm>
-          <a:prstGeom prst="rect">
-            <a:avLst/>
-          </a:prstGeom>
-          <a:noFill/>
-        </p:spPr>
-        <p:txBody>
-          <a:bodyPr wrap="square" rtlCol="0">
-            <a:spAutoFit/>
-          </a:bodyPr>
-          <a:lstStyle/>
-          <a:p>
-            <a:pPr algn="ctr"/>
-            <a:r>
-              <a:rPr lang="en-US" sz="1100" b="1" dirty="0" smtClean="0"/>
-              <a:t>On Car Dash Screen</a:t>
-            </a:r>
-            <a:endParaRPr lang="en-US" sz="1100" b="1" dirty="0"/>
-          </a:p>
-        </p:txBody>
-      </p:sp>
     </p:spTree>
     <p:extLst>
       <p:ext uri="{BB962C8B-B14F-4D97-AF65-F5344CB8AC3E}">
-        <p14:creationId xmlns:p14="http://schemas.microsoft.com/office/powerpoint/2010/main" val="1681901882"/>
+        <p14:creationId xmlns:p14="http://schemas.microsoft.com/office/powerpoint/2010/main" val="3250439599"/>
       </p:ext>
     </p:extLst>
   </p:cSld>
@@ -18789,7 +19736,7 @@
           <a:p>
             <a:r>
               <a:rPr lang="en-US" dirty="0" smtClean="0"/>
-              <a:t>Android Auto - Home Menu</a:t>
+              <a:t>Android Auto - Panels</a:t>
             </a:r>
             <a:endParaRPr lang="en-US" dirty="0"/>
           </a:p>
@@ -18865,101 +19812,9 @@
           </a:p>
         </p:txBody>
       </p:sp>
-      <p:sp>
-        <p:nvSpPr>
-          <p:cNvPr id="11" name="TextBox 10"/>
-          <p:cNvSpPr txBox="1"/>
-          <p:nvPr/>
-        </p:nvSpPr>
-        <p:spPr>
-          <a:xfrm>
-            <a:off x="636237" y="1497739"/>
-            <a:ext cx="3307582" cy="261610"/>
-          </a:xfrm>
-          <a:prstGeom prst="rect">
-            <a:avLst/>
-          </a:prstGeom>
-          <a:noFill/>
-        </p:spPr>
-        <p:txBody>
-          <a:bodyPr wrap="square" rtlCol="0">
-            <a:spAutoFit/>
-          </a:bodyPr>
-          <a:lstStyle/>
-          <a:p>
-            <a:pPr algn="ctr"/>
-            <a:r>
-              <a:rPr lang="en-US" sz="1100" b="1" dirty="0" smtClean="0"/>
-              <a:t>On phone Screen</a:t>
-            </a:r>
-            <a:endParaRPr lang="en-US" sz="1100" b="1" dirty="0"/>
-          </a:p>
-        </p:txBody>
-      </p:sp>
-      <p:sp>
-        <p:nvSpPr>
-          <p:cNvPr id="12" name="TextBox 11"/>
-          <p:cNvSpPr txBox="1"/>
-          <p:nvPr/>
-        </p:nvSpPr>
-        <p:spPr>
-          <a:xfrm>
-            <a:off x="4670426" y="1493223"/>
-            <a:ext cx="4114800" cy="261610"/>
-          </a:xfrm>
-          <a:prstGeom prst="rect">
-            <a:avLst/>
-          </a:prstGeom>
-          <a:noFill/>
-        </p:spPr>
-        <p:txBody>
-          <a:bodyPr wrap="square" rtlCol="0">
-            <a:spAutoFit/>
-          </a:bodyPr>
-          <a:lstStyle/>
-          <a:p>
-            <a:pPr algn="ctr"/>
-            <a:r>
-              <a:rPr lang="en-US" sz="1100" b="1" dirty="0" smtClean="0"/>
-              <a:t>On Car Dash Screen</a:t>
-            </a:r>
-            <a:endParaRPr lang="en-US" sz="1100" b="1" dirty="0"/>
-          </a:p>
-        </p:txBody>
-      </p:sp>
       <p:pic>
         <p:nvPicPr>
-          <p:cNvPr id="3" name="Picture 2"/>
-          <p:cNvPicPr>
-            <a:picLocks noChangeAspect="1"/>
-          </p:cNvPicPr>
-          <p:nvPr/>
-        </p:nvPicPr>
-        <p:blipFill>
-          <a:blip r:embed="rId2">
-            <a:extLst>
-              <a:ext uri="{28A0092B-C50C-407E-A947-70E740481C1C}">
-                <a14:useLocalDpi xmlns:a14="http://schemas.microsoft.com/office/drawing/2010/main" val="0"/>
-              </a:ext>
-            </a:extLst>
-          </a:blip>
-          <a:stretch>
-            <a:fillRect/>
-          </a:stretch>
-        </p:blipFill>
-        <p:spPr>
-          <a:xfrm>
-            <a:off x="1758907" y="1927045"/>
-            <a:ext cx="1062242" cy="2066543"/>
-          </a:xfrm>
-          <a:prstGeom prst="rect">
-            <a:avLst/>
-          </a:prstGeom>
-        </p:spPr>
-      </p:pic>
-      <p:pic>
-        <p:nvPicPr>
-          <p:cNvPr id="7" name="Picture 6"/>
+          <p:cNvPr id="9" name="Picture 8"/>
           <p:cNvPicPr>
             <a:picLocks noChangeAspect="1"/>
           </p:cNvPicPr>
@@ -18979,18 +19834,110 @@
         </p:blipFill>
         <p:spPr>
           <a:xfrm>
-            <a:off x="4670426" y="1942042"/>
-            <a:ext cx="4114800" cy="1983347"/>
+            <a:off x="5257800" y="2179624"/>
+            <a:ext cx="3314700" cy="1988820"/>
           </a:xfrm>
           <a:prstGeom prst="rect">
             <a:avLst/>
           </a:prstGeom>
         </p:spPr>
       </p:pic>
+      <p:pic>
+        <p:nvPicPr>
+          <p:cNvPr id="10" name="Picture 9"/>
+          <p:cNvPicPr>
+            <a:picLocks noChangeAspect="1"/>
+          </p:cNvPicPr>
+          <p:nvPr/>
+        </p:nvPicPr>
+        <p:blipFill>
+          <a:blip r:embed="rId4" cstate="print">
+            <a:extLst>
+              <a:ext uri="{28A0092B-C50C-407E-A947-70E740481C1C}">
+                <a14:useLocalDpi xmlns:a14="http://schemas.microsoft.com/office/drawing/2010/main" val="0"/>
+              </a:ext>
+            </a:extLst>
+          </a:blip>
+          <a:stretch>
+            <a:fillRect/>
+          </a:stretch>
+        </p:blipFill>
+        <p:spPr>
+          <a:xfrm>
+            <a:off x="636237" y="2371945"/>
+            <a:ext cx="3307582" cy="1604178"/>
+          </a:xfrm>
+          <a:prstGeom prst="rect">
+            <a:avLst/>
+          </a:prstGeom>
+        </p:spPr>
+      </p:pic>
+      <p:sp>
+        <p:nvSpPr>
+          <p:cNvPr id="11" name="TextBox 10"/>
+          <p:cNvSpPr txBox="1"/>
+          <p:nvPr/>
+        </p:nvSpPr>
+        <p:spPr>
+          <a:xfrm>
+            <a:off x="636237" y="1497739"/>
+            <a:ext cx="3307582" cy="261610"/>
+          </a:xfrm>
+          <a:prstGeom prst="rect">
+            <a:avLst/>
+          </a:prstGeom>
+          <a:noFill/>
+        </p:spPr>
+        <p:txBody>
+          <a:bodyPr wrap="square" rtlCol="0">
+            <a:spAutoFit/>
+          </a:bodyPr>
+          <a:lstStyle/>
+          <a:p>
+            <a:pPr algn="ctr"/>
+            <a:r>
+              <a:rPr lang="en-US" sz="1100" b="1" dirty="0" smtClean="0"/>
+              <a:t>On phone Screen</a:t>
+            </a:r>
+            <a:endParaRPr lang="en-US" sz="1100" b="1" dirty="0"/>
+          </a:p>
+        </p:txBody>
+      </p:sp>
+      <p:sp>
+        <p:nvSpPr>
+          <p:cNvPr id="12" name="TextBox 11"/>
+          <p:cNvSpPr txBox="1"/>
+          <p:nvPr/>
+        </p:nvSpPr>
+        <p:spPr>
+          <a:xfrm>
+            <a:off x="5257800" y="1493223"/>
+            <a:ext cx="3307582" cy="261610"/>
+          </a:xfrm>
+          <a:prstGeom prst="rect">
+            <a:avLst/>
+          </a:prstGeom>
+          <a:noFill/>
+        </p:spPr>
+        <p:txBody>
+          <a:bodyPr wrap="square" rtlCol="0">
+            <a:spAutoFit/>
+          </a:bodyPr>
+          <a:lstStyle/>
+          <a:p>
+            <a:pPr algn="ctr"/>
+            <a:r>
+              <a:rPr lang="en-US" sz="1100" b="1" dirty="0" smtClean="0"/>
+              <a:t>On Car Dash Screen</a:t>
+            </a:r>
+            <a:endParaRPr lang="en-US" sz="1100" b="1" dirty="0"/>
+          </a:p>
+        </p:txBody>
+      </p:sp>
     </p:spTree>
     <p:extLst>
       <p:ext uri="{BB962C8B-B14F-4D97-AF65-F5344CB8AC3E}">
-        <p14:creationId xmlns:p14="http://schemas.microsoft.com/office/powerpoint/2010/main" val="1439041618"/>
+        <p14:creationId xmlns:p14="http://schemas.microsoft.com/office/powerpoint/2010/main" val="1681901882"/>
       </p:ext>
     </p:extLst>
   </p:cSld>
@@ -19801,6 +20748,15 @@
 </file>
 
 <file path=customXml/item1.xml><?xml version="1.0" encoding="utf-8"?>
+<?mso-contentType ?>
+<FormTemplates xmlns="http://schemas.microsoft.com/sharepoint/v3/contenttype/forms">
+  <Display>DocumentLibraryForm</Display>
+  <Edit>DocumentLibraryForm</Edit>
+  <New>DocumentLibraryForm</New>
+</FormTemplates>
+</file>
+
+<file path=customXml/item2.xml><?xml version="1.0" encoding="utf-8"?>
 <ct:contentTypeSchema xmlns:ct="http://schemas.microsoft.com/office/2006/metadata/contentType" xmlns:ma="http://schemas.microsoft.com/office/2006/metadata/properties/metaAttributes" ct:_="" ma:_="" ma:contentTypeName="Document" ma:contentTypeID="0x0101001F419E1A6EA81A4789CC2A27D54FE063" ma:contentTypeVersion="2" ma:contentTypeDescription="Create a new document." ma:contentTypeScope="" ma:versionID="6e5cb36ff88c0f99687fc20d43474a84">
   <xsd:schema xmlns:xsd="http://www.w3.org/2001/XMLSchema" xmlns:xs="http://www.w3.org/2001/XMLSchema" xmlns:p="http://schemas.microsoft.com/office/2006/metadata/properties" targetNamespace="http://schemas.microsoft.com/office/2006/metadata/properties" ma:root="true" ma:fieldsID="0d665e38e66d01d06a7f476fcfe73af8">
     <xsd:element name="properties">
@@ -19914,15 +20870,6 @@
 </ct:contentTypeSchema>
 </file>
 
-<file path=customXml/item2.xml><?xml version="1.0" encoding="utf-8"?>
-<?mso-contentType ?>
-<FormTemplates xmlns="http://schemas.microsoft.com/sharepoint/v3/contenttype/forms">
-  <Display>DocumentLibraryForm</Display>
-  <Edit>DocumentLibraryForm</Edit>
-  <New>DocumentLibraryForm</New>
-</FormTemplates>
-</file>
-
 <file path=customXml/item3.xml><?xml version="1.0" encoding="utf-8"?>
 <p:properties xmlns:p="http://schemas.microsoft.com/office/2006/metadata/properties" xmlns:xsi="http://www.w3.org/2001/XMLSchema-instance" xmlns:pc="http://schemas.microsoft.com/office/infopath/2007/PartnerControls">
   <documentManagement/>
@@ -19930,6 +20877,14 @@
 </file>
 
 <file path=customXml/itemProps1.xml><?xml version="1.0" encoding="utf-8"?>
+<ds:datastoreItem xmlns:ds="http://schemas.openxmlformats.org/officeDocument/2006/customXml" ds:itemID="{74695D99-3EAE-4F55-A2B4-F38051B8FE0A}">
+  <ds:schemaRefs>
+    <ds:schemaRef ds:uri="http://schemas.microsoft.com/sharepoint/v3/contenttype/forms"/>
+  </ds:schemaRefs>
+</ds:datastoreItem>
+</file>
+
+<file path=customXml/itemProps2.xml><?xml version="1.0" encoding="utf-8"?>
 <ds:datastoreItem xmlns:ds="http://schemas.openxmlformats.org/officeDocument/2006/customXml" ds:itemID="{71BEF1E5-09DF-46B0-9968-4DC05085673B}">
   <ds:schemaRefs>
     <ds:schemaRef ds:uri="http://schemas.microsoft.com/office/2006/metadata/contentType"/>
@@ -19945,25 +20900,17 @@
 </ds:datastoreItem>
 </file>
 
-<file path=customXml/itemProps2.xml><?xml version="1.0" encoding="utf-8"?>
-<ds:datastoreItem xmlns:ds="http://schemas.openxmlformats.org/officeDocument/2006/customXml" ds:itemID="{74695D99-3EAE-4F55-A2B4-F38051B8FE0A}">
-  <ds:schemaRefs>
-    <ds:schemaRef ds:uri="http://schemas.microsoft.com/sharepoint/v3/contenttype/forms"/>
-  </ds:schemaRefs>
-</ds:datastoreItem>
-</file>
-
 <file path=customXml/itemProps3.xml><?xml version="1.0" encoding="utf-8"?>
 <ds:datastoreItem xmlns:ds="http://schemas.openxmlformats.org/officeDocument/2006/customXml" ds:itemID="{65F64EBE-3065-4A3D-B86E-F21B0406FD66}">
   <ds:schemaRefs>
+    <ds:schemaRef ds:uri="http://www.w3.org/XML/1998/namespace"/>
+    <ds:schemaRef ds:uri="http://schemas.openxmlformats.org/package/2006/metadata/core-properties"/>
+    <ds:schemaRef ds:uri="http://schemas.microsoft.com/office/2006/documentManagement/types"/>
+    <ds:schemaRef ds:uri="http://purl.org/dc/elements/1.1/"/>
+    <ds:schemaRef ds:uri="http://schemas.microsoft.com/office/infopath/2007/PartnerControls"/>
+    <ds:schemaRef ds:uri="http://schemas.microsoft.com/office/2006/metadata/properties"/>
+    <ds:schemaRef ds:uri="http://purl.org/dc/dcmitype/"/>
     <ds:schemaRef ds:uri="http://purl.org/dc/terms/"/>
-    <ds:schemaRef ds:uri="http://www.w3.org/XML/1998/namespace"/>
-    <ds:schemaRef ds:uri="http://purl.org/dc/dcmitype/"/>
-    <ds:schemaRef ds:uri="http://schemas.microsoft.com/office/infopath/2007/PartnerControls"/>
-    <ds:schemaRef ds:uri="http://schemas.microsoft.com/office/2006/documentManagement/types"/>
-    <ds:schemaRef ds:uri="http://schemas.microsoft.com/office/2006/metadata/properties"/>
-    <ds:schemaRef ds:uri="http://schemas.openxmlformats.org/package/2006/metadata/core-properties"/>
-    <ds:schemaRef ds:uri="http://purl.org/dc/elements/1.1/"/>
   </ds:schemaRefs>
 </ds:datastoreItem>
 </file>
--- a/PowerPoint Final/Presentation_Joao_Mauro.pptx
+++ b/PowerPoint Final/Presentation_Joao_Mauro.pptx
@@ -851,49 +851,21 @@
           <a:p>
             <a:r>
               <a:rPr lang="en-US" dirty="0" smtClean="0"/>
-              <a:t>Need to be android 5.0 plus</a:t>
-            </a:r>
-          </a:p>
-          <a:p>
-            <a:r>
-              <a:rPr lang="en-US" dirty="0" smtClean="0"/>
-              <a:t>5 panels -&gt; navigation,</a:t>
+              <a:t>Good morning, thank you all for you presence,</a:t>
             </a:r>
             <a:r>
               <a:rPr lang="en-US" baseline="0" dirty="0" smtClean="0"/>
-              <a:t> phone log, home, media, car diagnosis</a:t>
-            </a:r>
-          </a:p>
-          <a:p>
+              <a:t> my name is João Ramos and this is Mauro </a:t>
+            </a:r>
+            <a:r>
+              <a:rPr lang="en-US" baseline="0" dirty="0" err="1" smtClean="0"/>
+              <a:t>Pires</a:t>
+            </a:r>
             <a:r>
               <a:rPr lang="en-US" baseline="0" dirty="0" smtClean="0"/>
-              <a:t>Important information, like a message received, from </a:t>
-            </a:r>
-            <a:r>
-              <a:rPr lang="en-US" baseline="0" dirty="0" err="1" smtClean="0"/>
-              <a:t>whatsupp</a:t>
-            </a:r>
-            <a:r>
-              <a:rPr lang="en-US" baseline="0" dirty="0" smtClean="0"/>
-              <a:t>, </a:t>
-            </a:r>
-            <a:r>
-              <a:rPr lang="en-US" baseline="0" dirty="0" err="1" smtClean="0"/>
-              <a:t>facebook</a:t>
-            </a:r>
-            <a:r>
-              <a:rPr lang="en-US" baseline="0" dirty="0" smtClean="0"/>
-              <a:t> </a:t>
-            </a:r>
-            <a:r>
-              <a:rPr lang="en-US" baseline="0" dirty="0" err="1" smtClean="0"/>
-              <a:t>messeger</a:t>
-            </a:r>
-            <a:r>
-              <a:rPr lang="en-US" baseline="0" dirty="0" smtClean="0"/>
-              <a:t> or hangouts</a:t>
-            </a:r>
-            <a:endParaRPr lang="en-US" dirty="0" smtClean="0"/>
+              <a:t>, and we are going to make a presentation about Android Auto</a:t>
+            </a:r>
+            <a:endParaRPr lang="en-US" dirty="0"/>
           </a:p>
         </p:txBody>
       </p:sp>
@@ -915,7 +887,7 @@
             <a:fld id="{1B06CD8F-B7ED-4A05-9FB1-A01CC0EF02CC}" type="slidenum">
               <a:rPr lang="fr-FR" smtClean="0"/>
               <a:pPr/>
-              <a:t>7</a:t>
+              <a:t>1</a:t>
             </a:fld>
             <a:endParaRPr lang="fr-FR" dirty="0"/>
           </a:p>
@@ -924,7 +896,264 @@
     </p:spTree>
     <p:extLst>
       <p:ext uri="{BB962C8B-B14F-4D97-AF65-F5344CB8AC3E}">
-        <p14:creationId xmlns:p14="http://schemas.microsoft.com/office/powerpoint/2010/main" val="1564263606"/>
+        <p14:creationId xmlns:p14="http://schemas.microsoft.com/office/powerpoint/2010/main" val="3813278572"/>
+      </p:ext>
+    </p:extLst>
+  </p:cSld>
+  <p:clrMapOvr>
+    <a:masterClrMapping/>
+  </p:clrMapOvr>
+</p:notes>
+</file>
+
+<file path=ppt/notesSlides/notesSlide10.xml><?xml version="1.0" encoding="utf-8"?>
+<p:notes xmlns:a="http://schemas.openxmlformats.org/drawingml/2006/main" xmlns:r="http://schemas.openxmlformats.org/officeDocument/2006/relationships" xmlns:p="http://schemas.openxmlformats.org/presentationml/2006/main">
+  <p:cSld>
+    <p:spTree>
+      <p:nvGrpSpPr>
+        <p:cNvPr id="1" name=""/>
+        <p:cNvGrpSpPr/>
+        <p:nvPr/>
+      </p:nvGrpSpPr>
+      <p:grpSpPr>
+        <a:xfrm>
+          <a:off x="0" y="0"/>
+          <a:ext cx="0" cy="0"/>
+          <a:chOff x="0" y="0"/>
+          <a:chExt cx="0" cy="0"/>
+        </a:xfrm>
+      </p:grpSpPr>
+      <p:sp>
+        <p:nvSpPr>
+          <p:cNvPr id="2" name="Slide Image Placeholder 1"/>
+          <p:cNvSpPr>
+            <a:spLocks noGrp="1" noRot="1" noChangeAspect="1"/>
+          </p:cNvSpPr>
+          <p:nvPr>
+            <p:ph type="sldImg"/>
+          </p:nvPr>
+        </p:nvSpPr>
+        <p:spPr/>
+      </p:sp>
+      <p:sp>
+        <p:nvSpPr>
+          <p:cNvPr id="3" name="Notes Placeholder 2"/>
+          <p:cNvSpPr>
+            <a:spLocks noGrp="1"/>
+          </p:cNvSpPr>
+          <p:nvPr>
+            <p:ph type="body" idx="1"/>
+          </p:nvPr>
+        </p:nvSpPr>
+        <p:spPr/>
+        <p:txBody>
+          <a:bodyPr/>
+          <a:lstStyle/>
+          <a:p>
+            <a:endParaRPr lang="en-GB" dirty="0"/>
+          </a:p>
+        </p:txBody>
+      </p:sp>
+      <p:sp>
+        <p:nvSpPr>
+          <p:cNvPr id="4" name="Slide Number Placeholder 3"/>
+          <p:cNvSpPr>
+            <a:spLocks noGrp="1"/>
+          </p:cNvSpPr>
+          <p:nvPr>
+            <p:ph type="sldNum" sz="quarter" idx="10"/>
+          </p:nvPr>
+        </p:nvSpPr>
+        <p:spPr/>
+        <p:txBody>
+          <a:bodyPr/>
+          <a:lstStyle/>
+          <a:p>
+            <a:fld id="{A5FE6474-0819-4CAC-A677-1ACC1221F957}" type="slidenum">
+              <a:rPr lang="en-GB" smtClean="0"/>
+              <a:t>16</a:t>
+            </a:fld>
+            <a:endParaRPr lang="en-GB"/>
+          </a:p>
+        </p:txBody>
+      </p:sp>
+    </p:spTree>
+    <p:extLst>
+      <p:ext uri="{BB962C8B-B14F-4D97-AF65-F5344CB8AC3E}">
+        <p14:creationId xmlns:p14="http://schemas.microsoft.com/office/powerpoint/2010/main" val="3694532524"/>
+      </p:ext>
+    </p:extLst>
+  </p:cSld>
+  <p:clrMapOvr>
+    <a:masterClrMapping/>
+  </p:clrMapOvr>
+</p:notes>
+</file>
+
+<file path=ppt/notesSlides/notesSlide11.xml><?xml version="1.0" encoding="utf-8"?>
+<p:notes xmlns:a="http://schemas.openxmlformats.org/drawingml/2006/main" xmlns:r="http://schemas.openxmlformats.org/officeDocument/2006/relationships" xmlns:p="http://schemas.openxmlformats.org/presentationml/2006/main">
+  <p:cSld>
+    <p:spTree>
+      <p:nvGrpSpPr>
+        <p:cNvPr id="1" name=""/>
+        <p:cNvGrpSpPr/>
+        <p:nvPr/>
+      </p:nvGrpSpPr>
+      <p:grpSpPr>
+        <a:xfrm>
+          <a:off x="0" y="0"/>
+          <a:ext cx="0" cy="0"/>
+          <a:chOff x="0" y="0"/>
+          <a:chExt cx="0" cy="0"/>
+        </a:xfrm>
+      </p:grpSpPr>
+      <p:sp>
+        <p:nvSpPr>
+          <p:cNvPr id="2" name="Slide Image Placeholder 1"/>
+          <p:cNvSpPr>
+            <a:spLocks noGrp="1" noRot="1" noChangeAspect="1"/>
+          </p:cNvSpPr>
+          <p:nvPr>
+            <p:ph type="sldImg"/>
+          </p:nvPr>
+        </p:nvSpPr>
+        <p:spPr/>
+      </p:sp>
+      <p:sp>
+        <p:nvSpPr>
+          <p:cNvPr id="3" name="Notes Placeholder 2"/>
+          <p:cNvSpPr>
+            <a:spLocks noGrp="1"/>
+          </p:cNvSpPr>
+          <p:nvPr>
+            <p:ph type="body" idx="1"/>
+          </p:nvPr>
+        </p:nvSpPr>
+        <p:spPr/>
+        <p:txBody>
+          <a:bodyPr/>
+          <a:lstStyle/>
+          <a:p>
+            <a:r>
+              <a:rPr lang="en-GB" dirty="0" smtClean="0"/>
+              <a:t>https://developer.android.com/distribute/best-practices/launch/distribute-auto.html#how_to_participate</a:t>
+            </a:r>
+            <a:endParaRPr lang="en-GB" dirty="0"/>
+          </a:p>
+        </p:txBody>
+      </p:sp>
+      <p:sp>
+        <p:nvSpPr>
+          <p:cNvPr id="4" name="Slide Number Placeholder 3"/>
+          <p:cNvSpPr>
+            <a:spLocks noGrp="1"/>
+          </p:cNvSpPr>
+          <p:nvPr>
+            <p:ph type="sldNum" sz="quarter" idx="10"/>
+          </p:nvPr>
+        </p:nvSpPr>
+        <p:spPr/>
+        <p:txBody>
+          <a:bodyPr/>
+          <a:lstStyle/>
+          <a:p>
+            <a:fld id="{A5FE6474-0819-4CAC-A677-1ACC1221F957}" type="slidenum">
+              <a:rPr lang="en-GB" smtClean="0"/>
+              <a:t>18</a:t>
+            </a:fld>
+            <a:endParaRPr lang="en-GB"/>
+          </a:p>
+        </p:txBody>
+      </p:sp>
+    </p:spTree>
+    <p:extLst>
+      <p:ext uri="{BB962C8B-B14F-4D97-AF65-F5344CB8AC3E}">
+        <p14:creationId xmlns:p14="http://schemas.microsoft.com/office/powerpoint/2010/main" val="3504536707"/>
+      </p:ext>
+    </p:extLst>
+  </p:cSld>
+  <p:clrMapOvr>
+    <a:masterClrMapping/>
+  </p:clrMapOvr>
+</p:notes>
+</file>
+
+<file path=ppt/notesSlides/notesSlide12.xml><?xml version="1.0" encoding="utf-8"?>
+<p:notes xmlns:a="http://schemas.openxmlformats.org/drawingml/2006/main" xmlns:r="http://schemas.openxmlformats.org/officeDocument/2006/relationships" xmlns:p="http://schemas.openxmlformats.org/presentationml/2006/main">
+  <p:cSld>
+    <p:spTree>
+      <p:nvGrpSpPr>
+        <p:cNvPr id="1" name=""/>
+        <p:cNvGrpSpPr/>
+        <p:nvPr/>
+      </p:nvGrpSpPr>
+      <p:grpSpPr>
+        <a:xfrm>
+          <a:off x="0" y="0"/>
+          <a:ext cx="0" cy="0"/>
+          <a:chOff x="0" y="0"/>
+          <a:chExt cx="0" cy="0"/>
+        </a:xfrm>
+      </p:grpSpPr>
+      <p:sp>
+        <p:nvSpPr>
+          <p:cNvPr id="2" name="Slide Image Placeholder 1"/>
+          <p:cNvSpPr>
+            <a:spLocks noGrp="1" noRot="1" noChangeAspect="1"/>
+          </p:cNvSpPr>
+          <p:nvPr>
+            <p:ph type="sldImg"/>
+          </p:nvPr>
+        </p:nvSpPr>
+        <p:spPr/>
+      </p:sp>
+      <p:sp>
+        <p:nvSpPr>
+          <p:cNvPr id="3" name="Notes Placeholder 2"/>
+          <p:cNvSpPr>
+            <a:spLocks noGrp="1"/>
+          </p:cNvSpPr>
+          <p:nvPr>
+            <p:ph type="body" idx="1"/>
+          </p:nvPr>
+        </p:nvSpPr>
+        <p:spPr/>
+        <p:txBody>
+          <a:bodyPr/>
+          <a:lstStyle/>
+          <a:p>
+            <a:endParaRPr lang="en-US" dirty="0"/>
+          </a:p>
+        </p:txBody>
+      </p:sp>
+      <p:sp>
+        <p:nvSpPr>
+          <p:cNvPr id="4" name="Slide Number Placeholder 3"/>
+          <p:cNvSpPr>
+            <a:spLocks noGrp="1"/>
+          </p:cNvSpPr>
+          <p:nvPr>
+            <p:ph type="sldNum" sz="quarter" idx="10"/>
+          </p:nvPr>
+        </p:nvSpPr>
+        <p:spPr/>
+        <p:txBody>
+          <a:bodyPr/>
+          <a:lstStyle/>
+          <a:p>
+            <a:fld id="{1B06CD8F-B7ED-4A05-9FB1-A01CC0EF02CC}" type="slidenum">
+              <a:rPr lang="fr-FR" smtClean="0"/>
+              <a:pPr/>
+              <a:t>22</a:t>
+            </a:fld>
+            <a:endParaRPr lang="fr-FR" dirty="0"/>
+          </a:p>
+        </p:txBody>
+      </p:sp>
+    </p:spTree>
+    <p:extLst>
+      <p:ext uri="{BB962C8B-B14F-4D97-AF65-F5344CB8AC3E}">
+        <p14:creationId xmlns:p14="http://schemas.microsoft.com/office/powerpoint/2010/main" val="991357884"/>
       </p:ext>
     </p:extLst>
   </p:cSld>
@@ -980,78 +1209,20 @@
           <a:p>
             <a:r>
               <a:rPr lang="en-US" dirty="0" smtClean="0"/>
-              <a:t>Like said before, the car sound system is connected</a:t>
+              <a:t>We</a:t>
             </a:r>
             <a:r>
               <a:rPr lang="en-US" baseline="0" dirty="0" smtClean="0"/>
-              <a:t> via </a:t>
+              <a:t> divide the presentation in 5 sections, in the first we will give you an overview about Android Auto, after that we are going to explain how it works. In the third section we are going to explain how to build an app for Auto and some </a:t>
             </a:r>
             <a:r>
               <a:rPr lang="en-US" baseline="0" dirty="0" err="1" smtClean="0"/>
-              <a:t>bluethoot</a:t>
+              <a:t>resterictions</a:t>
             </a:r>
             <a:r>
               <a:rPr lang="en-US" baseline="0" dirty="0" smtClean="0"/>
-              <a:t>.</a:t>
-            </a:r>
-          </a:p>
-          <a:p>
-            <a:r>
-              <a:rPr lang="en-US" baseline="0" dirty="0" smtClean="0"/>
-              <a:t>We have a lot of options to start a voice command, for example if we use the “OK Google”, we don’t need to touch the screen, and keep the eyes on the road at the same time we are doing something else.</a:t>
-            </a:r>
-          </a:p>
-          <a:p>
-            <a:r>
-              <a:rPr lang="en-US" baseline="0" dirty="0" smtClean="0"/>
-              <a:t>A example to set the destination we can say “OK Google, set directions to …” and we say the address.</a:t>
-            </a:r>
-          </a:p>
-          <a:p>
-            <a:r>
-              <a:rPr lang="en-US" baseline="0" dirty="0" smtClean="0"/>
-              <a:t>We can also ask for a </a:t>
-            </a:r>
-            <a:r>
-              <a:rPr lang="en-US" sz="1200" b="0" i="0" kern="1200" dirty="0" smtClean="0">
-                <a:solidFill>
-                  <a:schemeClr val="tx1"/>
-                </a:solidFill>
-                <a:effectLst/>
-                <a:latin typeface="Arial" pitchFamily="34" charset="0"/>
-                <a:ea typeface="+mn-ea"/>
-                <a:cs typeface="+mn-cs"/>
-              </a:rPr>
-              <a:t>specific</a:t>
-            </a:r>
-            <a:r>
-              <a:rPr lang="en-US" baseline="0" dirty="0" smtClean="0"/>
-              <a:t> song in a </a:t>
-            </a:r>
-            <a:r>
-              <a:rPr lang="en-US" sz="1200" b="0" i="0" kern="1200" dirty="0" smtClean="0">
-                <a:solidFill>
-                  <a:schemeClr val="tx1"/>
-                </a:solidFill>
-                <a:effectLst/>
-                <a:latin typeface="Arial" pitchFamily="34" charset="0"/>
-                <a:ea typeface="+mn-ea"/>
-                <a:cs typeface="+mn-cs"/>
-              </a:rPr>
-              <a:t>specific</a:t>
-            </a:r>
-            <a:r>
-              <a:rPr lang="en-US" baseline="0" dirty="0" smtClean="0"/>
-              <a:t> app</a:t>
-            </a:r>
-          </a:p>
-          <a:p>
-            <a:r>
-              <a:rPr lang="en-US" baseline="0" dirty="0" smtClean="0"/>
-              <a:t>Basically, We can use every OK Google command available for android system</a:t>
-            </a:r>
-          </a:p>
-          <a:p>
+              <a:t> associated in the building process. In the forth section we will present some car and aftermarket displays, that have already implemented Android Auto, and also some countries which the application is available. Finally we are going to talk about Embedded Android Auto, which was presented in google I/O 2017</a:t>
+            </a:r>
             <a:endParaRPr lang="en-US" dirty="0"/>
           </a:p>
         </p:txBody>
@@ -1074,7 +1245,7 @@
             <a:fld id="{1B06CD8F-B7ED-4A05-9FB1-A01CC0EF02CC}" type="slidenum">
               <a:rPr lang="fr-FR" smtClean="0"/>
               <a:pPr/>
-              <a:t>8</a:t>
+              <a:t>2</a:t>
             </a:fld>
             <a:endParaRPr lang="fr-FR" dirty="0"/>
           </a:p>
@@ -1083,7 +1254,7 @@
     </p:spTree>
     <p:extLst>
       <p:ext uri="{BB962C8B-B14F-4D97-AF65-F5344CB8AC3E}">
-        <p14:creationId xmlns:p14="http://schemas.microsoft.com/office/powerpoint/2010/main" val="4291574160"/>
+        <p14:creationId xmlns:p14="http://schemas.microsoft.com/office/powerpoint/2010/main" val="3043622959"/>
       </p:ext>
     </p:extLst>
   </p:cSld>
@@ -1139,19 +1310,59 @@
           <a:p>
             <a:r>
               <a:rPr lang="en-US" dirty="0" smtClean="0"/>
-              <a:t>Here is shown the phone screen and the car dash screen,</a:t>
+              <a:t>Need to be android 5.0 plus</a:t>
+            </a:r>
+          </a:p>
+          <a:p>
+            <a:r>
+              <a:rPr lang="en-US" dirty="0" smtClean="0"/>
+              <a:t>5 panels -&gt; navigation,</a:t>
             </a:r>
             <a:r>
               <a:rPr lang="en-US" baseline="0" dirty="0" smtClean="0"/>
-              <a:t> and the blue markers show the panel with 5 or 4 buttons</a:t>
+              <a:t> phone log, home, media, car diagnosis</a:t>
             </a:r>
           </a:p>
           <a:p>
             <a:r>
               <a:rPr lang="en-US" baseline="0" dirty="0" smtClean="0"/>
-              <a:t>For car diagnosis the app called Torque is the one that is used</a:t>
-            </a:r>
-            <a:endParaRPr lang="en-US" dirty="0"/>
+              <a:t>Important information, like a message received, from </a:t>
+            </a:r>
+            <a:r>
+              <a:rPr lang="en-US" baseline="0" dirty="0" err="1" smtClean="0"/>
+              <a:t>whatsupp</a:t>
+            </a:r>
+            <a:r>
+              <a:rPr lang="en-US" baseline="0" dirty="0" smtClean="0"/>
+              <a:t>, </a:t>
+            </a:r>
+            <a:r>
+              <a:rPr lang="en-US" baseline="0" dirty="0" err="1" smtClean="0"/>
+              <a:t>facebook</a:t>
+            </a:r>
+            <a:r>
+              <a:rPr lang="en-US" baseline="0" dirty="0" smtClean="0"/>
+              <a:t> </a:t>
+            </a:r>
+            <a:r>
+              <a:rPr lang="en-US" baseline="0" dirty="0" err="1" smtClean="0"/>
+              <a:t>messeger</a:t>
+            </a:r>
+            <a:r>
+              <a:rPr lang="en-US" baseline="0" dirty="0" smtClean="0"/>
+              <a:t> or </a:t>
+            </a:r>
+            <a:r>
+              <a:rPr lang="en-US" baseline="0" dirty="0" smtClean="0"/>
+              <a:t>hangouts</a:t>
+            </a:r>
+          </a:p>
+          <a:p>
+            <a:r>
+              <a:rPr lang="en-US" baseline="0" dirty="0" smtClean="0"/>
+              <a:t>A phone call incoming</a:t>
+            </a:r>
+            <a:endParaRPr lang="en-US" dirty="0" smtClean="0"/>
           </a:p>
         </p:txBody>
       </p:sp>
@@ -1173,7 +1384,7 @@
             <a:fld id="{1B06CD8F-B7ED-4A05-9FB1-A01CC0EF02CC}" type="slidenum">
               <a:rPr lang="fr-FR" smtClean="0"/>
               <a:pPr/>
-              <a:t>9</a:t>
+              <a:t>7</a:t>
             </a:fld>
             <a:endParaRPr lang="fr-FR" dirty="0"/>
           </a:p>
@@ -1182,7 +1393,7 @@
     </p:spTree>
     <p:extLst>
       <p:ext uri="{BB962C8B-B14F-4D97-AF65-F5344CB8AC3E}">
-        <p14:creationId xmlns:p14="http://schemas.microsoft.com/office/powerpoint/2010/main" val="3316341565"/>
+        <p14:creationId xmlns:p14="http://schemas.microsoft.com/office/powerpoint/2010/main" val="1564263606"/>
       </p:ext>
     </p:extLst>
   </p:cSld>
@@ -1238,16 +1449,78 @@
           <a:p>
             <a:r>
               <a:rPr lang="en-US" dirty="0" smtClean="0"/>
-              <a:t>Here</a:t>
+              <a:t>Like said before, the car sound system is connected</a:t>
             </a:r>
             <a:r>
               <a:rPr lang="en-US" baseline="0" dirty="0" smtClean="0"/>
-              <a:t> is shown some examples of the home menu, where we see the relevant information, in the case of the phone we see the current destination, the actual music and a received message, in the car dash is shown a received message, a coming appointment and the current </a:t>
+              <a:t> via </a:t>
             </a:r>
             <a:r>
               <a:rPr lang="en-US" baseline="0" dirty="0" err="1" smtClean="0"/>
-              <a:t>wheather</a:t>
-            </a:r>
+              <a:t>bluethoot</a:t>
+            </a:r>
+            <a:r>
+              <a:rPr lang="en-US" baseline="0" dirty="0" smtClean="0"/>
+              <a:t>.</a:t>
+            </a:r>
+          </a:p>
+          <a:p>
+            <a:r>
+              <a:rPr lang="en-US" baseline="0" dirty="0" smtClean="0"/>
+              <a:t>We have a lot of options to start a voice command, for example if we use the “OK Google”, we don’t need to touch the screen, and keep the eyes on the road at the same time we are doing something else.</a:t>
+            </a:r>
+          </a:p>
+          <a:p>
+            <a:r>
+              <a:rPr lang="en-US" baseline="0" dirty="0" smtClean="0"/>
+              <a:t>A example to set the destination we can say “OK Google, set directions to …” and we say the address.</a:t>
+            </a:r>
+          </a:p>
+          <a:p>
+            <a:r>
+              <a:rPr lang="en-US" baseline="0" dirty="0" smtClean="0"/>
+              <a:t>We can also ask for a </a:t>
+            </a:r>
+            <a:r>
+              <a:rPr lang="en-US" sz="1200" b="0" i="0" kern="1200" dirty="0" smtClean="0">
+                <a:solidFill>
+                  <a:schemeClr val="tx1"/>
+                </a:solidFill>
+                <a:effectLst/>
+                <a:latin typeface="Arial" pitchFamily="34" charset="0"/>
+                <a:ea typeface="+mn-ea"/>
+                <a:cs typeface="+mn-cs"/>
+              </a:rPr>
+              <a:t>specific</a:t>
+            </a:r>
+            <a:r>
+              <a:rPr lang="en-US" baseline="0" dirty="0" smtClean="0"/>
+              <a:t> song in a </a:t>
+            </a:r>
+            <a:r>
+              <a:rPr lang="en-US" sz="1200" b="0" i="0" kern="1200" dirty="0" smtClean="0">
+                <a:solidFill>
+                  <a:schemeClr val="tx1"/>
+                </a:solidFill>
+                <a:effectLst/>
+                <a:latin typeface="Arial" pitchFamily="34" charset="0"/>
+                <a:ea typeface="+mn-ea"/>
+                <a:cs typeface="+mn-cs"/>
+              </a:rPr>
+              <a:t>specific</a:t>
+            </a:r>
+            <a:r>
+              <a:rPr lang="en-US" baseline="0" dirty="0" smtClean="0"/>
+              <a:t> app</a:t>
+            </a:r>
+          </a:p>
+          <a:p>
+            <a:r>
+              <a:rPr lang="en-US" baseline="0" dirty="0" smtClean="0"/>
+              <a:t>Basically, We can use every OK Google command available for android system</a:t>
+            </a:r>
+          </a:p>
+          <a:p>
             <a:endParaRPr lang="en-US" dirty="0"/>
           </a:p>
         </p:txBody>
@@ -1270,7 +1543,7 @@
             <a:fld id="{1B06CD8F-B7ED-4A05-9FB1-A01CC0EF02CC}" type="slidenum">
               <a:rPr lang="fr-FR" smtClean="0"/>
               <a:pPr/>
-              <a:t>10</a:t>
+              <a:t>8</a:t>
             </a:fld>
             <a:endParaRPr lang="fr-FR" dirty="0"/>
           </a:p>
@@ -1279,7 +1552,7 @@
     </p:spTree>
     <p:extLst>
       <p:ext uri="{BB962C8B-B14F-4D97-AF65-F5344CB8AC3E}">
-        <p14:creationId xmlns:p14="http://schemas.microsoft.com/office/powerpoint/2010/main" val="1596670375"/>
+        <p14:creationId xmlns:p14="http://schemas.microsoft.com/office/powerpoint/2010/main" val="4291574160"/>
       </p:ext>
     </p:extLst>
   </p:cSld>
@@ -1334,12 +1607,20 @@
           <a:lstStyle/>
           <a:p>
             <a:r>
-              <a:rPr lang="en-GB" dirty="0" smtClean="0"/>
-              <a:t>https://developer.android.com/training/auto/start/index.html#dev-project</a:t>
-            </a:r>
-          </a:p>
-          <a:p>
-            <a:endParaRPr lang="en-GB" dirty="0"/>
+              <a:rPr lang="en-US" dirty="0" smtClean="0"/>
+              <a:t>Here is shown the phone screen and the car dash screen,</a:t>
+            </a:r>
+            <a:r>
+              <a:rPr lang="en-US" baseline="0" dirty="0" smtClean="0"/>
+              <a:t> and the blue markers show the panel with 5 or 4 buttons</a:t>
+            </a:r>
+          </a:p>
+          <a:p>
+            <a:r>
+              <a:rPr lang="en-US" baseline="0" dirty="0" smtClean="0"/>
+              <a:t>For car diagnosis the app called Torque is the one that is used</a:t>
+            </a:r>
+            <a:endParaRPr lang="en-US" dirty="0"/>
           </a:p>
         </p:txBody>
       </p:sp>
@@ -1358,18 +1639,19 @@
           <a:bodyPr/>
           <a:lstStyle/>
           <a:p>
-            <a:fld id="{A5FE6474-0819-4CAC-A677-1ACC1221F957}" type="slidenum">
-              <a:rPr lang="en-GB" smtClean="0"/>
-              <a:t>13</a:t>
+            <a:fld id="{1B06CD8F-B7ED-4A05-9FB1-A01CC0EF02CC}" type="slidenum">
+              <a:rPr lang="fr-FR" smtClean="0"/>
+              <a:pPr/>
+              <a:t>9</a:t>
             </a:fld>
-            <a:endParaRPr lang="en-GB"/>
+            <a:endParaRPr lang="fr-FR" dirty="0"/>
           </a:p>
         </p:txBody>
       </p:sp>
     </p:spTree>
     <p:extLst>
       <p:ext uri="{BB962C8B-B14F-4D97-AF65-F5344CB8AC3E}">
-        <p14:creationId xmlns:p14="http://schemas.microsoft.com/office/powerpoint/2010/main" val="4288258623"/>
+        <p14:creationId xmlns:p14="http://schemas.microsoft.com/office/powerpoint/2010/main" val="3316341565"/>
       </p:ext>
     </p:extLst>
   </p:cSld>
@@ -1423,27 +1705,19 @@
           <a:bodyPr/>
           <a:lstStyle/>
           <a:p>
-            <a:pPr marL="0" marR="0" lvl="0" indent="0" algn="l" defTabSz="914400" rtl="0" eaLnBrk="1" fontAlgn="auto" latinLnBrk="0" hangingPunct="1">
-              <a:lnSpc>
-                <a:spcPct val="100000"/>
-              </a:lnSpc>
-              <a:spcBef>
-                <a:spcPts val="0"/>
-              </a:spcBef>
-              <a:spcAft>
-                <a:spcPts val="0"/>
-              </a:spcAft>
-              <a:buClrTx/>
-              <a:buSzTx/>
-              <a:buFontTx/>
-              <a:buNone/>
-              <a:tabLst/>
-              <a:defRPr/>
-            </a:pPr>
             <a:r>
               <a:rPr lang="en-US" dirty="0" smtClean="0"/>
-              <a:t>Android Auto can contact your service to do the following:</a:t>
-            </a:r>
+              <a:t>Here</a:t>
+            </a:r>
+            <a:r>
+              <a:rPr lang="en-US" baseline="0" dirty="0" smtClean="0"/>
+              <a:t> is shown some examples of the home menu, where we see the relevant information, in the case of the phone we see the current destination, the actual music and a received message, in the car dash is shown a received message, a coming appointment and the current </a:t>
+            </a:r>
+            <a:r>
+              <a:rPr lang="en-US" baseline="0" dirty="0" err="1" smtClean="0"/>
+              <a:t>wheather</a:t>
+            </a:r>
+            <a:endParaRPr lang="en-US" dirty="0"/>
           </a:p>
         </p:txBody>
       </p:sp>
@@ -1462,18 +1736,19 @@
           <a:bodyPr/>
           <a:lstStyle/>
           <a:p>
-            <a:fld id="{A5FE6474-0819-4CAC-A677-1ACC1221F957}" type="slidenum">
-              <a:rPr lang="en-GB" smtClean="0"/>
-              <a:t>14</a:t>
+            <a:fld id="{1B06CD8F-B7ED-4A05-9FB1-A01CC0EF02CC}" type="slidenum">
+              <a:rPr lang="fr-FR" smtClean="0"/>
+              <a:pPr/>
+              <a:t>10</a:t>
             </a:fld>
-            <a:endParaRPr lang="en-GB"/>
+            <a:endParaRPr lang="fr-FR" dirty="0"/>
           </a:p>
         </p:txBody>
       </p:sp>
     </p:spTree>
     <p:extLst>
       <p:ext uri="{BB962C8B-B14F-4D97-AF65-F5344CB8AC3E}">
-        <p14:creationId xmlns:p14="http://schemas.microsoft.com/office/powerpoint/2010/main" val="1749210354"/>
+        <p14:creationId xmlns:p14="http://schemas.microsoft.com/office/powerpoint/2010/main" val="1596670375"/>
       </p:ext>
     </p:extLst>
   </p:cSld>
@@ -1527,7 +1802,7 @@
           <a:bodyPr/>
           <a:lstStyle/>
           <a:p>
-            <a:endParaRPr lang="en-GB" dirty="0"/>
+            <a:endParaRPr lang="en-US"/>
           </a:p>
         </p:txBody>
       </p:sp>
@@ -1546,18 +1821,19 @@
           <a:bodyPr/>
           <a:lstStyle/>
           <a:p>
-            <a:fld id="{A5FE6474-0819-4CAC-A677-1ACC1221F957}" type="slidenum">
-              <a:rPr lang="en-GB" smtClean="0"/>
-              <a:t>16</a:t>
+            <a:fld id="{1B06CD8F-B7ED-4A05-9FB1-A01CC0EF02CC}" type="slidenum">
+              <a:rPr lang="fr-FR" smtClean="0"/>
+              <a:pPr/>
+              <a:t>11</a:t>
             </a:fld>
-            <a:endParaRPr lang="en-GB"/>
+            <a:endParaRPr lang="fr-FR" dirty="0"/>
           </a:p>
         </p:txBody>
       </p:sp>
     </p:spTree>
     <p:extLst>
       <p:ext uri="{BB962C8B-B14F-4D97-AF65-F5344CB8AC3E}">
-        <p14:creationId xmlns:p14="http://schemas.microsoft.com/office/powerpoint/2010/main" val="3694532524"/>
+        <p14:creationId xmlns:p14="http://schemas.microsoft.com/office/powerpoint/2010/main" val="4260471285"/>
       </p:ext>
     </p:extLst>
   </p:cSld>
@@ -1613,8 +1889,10 @@
           <a:p>
             <a:r>
               <a:rPr lang="en-GB" dirty="0" smtClean="0"/>
-              <a:t>https://developer.android.com/distribute/best-practices/launch/distribute-auto.html#how_to_participate</a:t>
-            </a:r>
+              <a:t>https://developer.android.com/training/auto/start/index.html#dev-project</a:t>
+            </a:r>
+          </a:p>
+          <a:p>
             <a:endParaRPr lang="en-GB" dirty="0"/>
           </a:p>
         </p:txBody>
@@ -1636,7 +1914,7 @@
           <a:p>
             <a:fld id="{A5FE6474-0819-4CAC-A677-1ACC1221F957}" type="slidenum">
               <a:rPr lang="en-GB" smtClean="0"/>
-              <a:t>18</a:t>
+              <a:t>13</a:t>
             </a:fld>
             <a:endParaRPr lang="en-GB"/>
           </a:p>
@@ -1645,7 +1923,7 @@
     </p:spTree>
     <p:extLst>
       <p:ext uri="{BB962C8B-B14F-4D97-AF65-F5344CB8AC3E}">
-        <p14:creationId xmlns:p14="http://schemas.microsoft.com/office/powerpoint/2010/main" val="3504536707"/>
+        <p14:creationId xmlns:p14="http://schemas.microsoft.com/office/powerpoint/2010/main" val="4288258623"/>
       </p:ext>
     </p:extLst>
   </p:cSld>
@@ -1699,7 +1977,27 @@
           <a:bodyPr/>
           <a:lstStyle/>
           <a:p>
-            <a:endParaRPr lang="en-US" dirty="0"/>
+            <a:pPr marL="0" marR="0" lvl="0" indent="0" algn="l" defTabSz="914400" rtl="0" eaLnBrk="1" fontAlgn="auto" latinLnBrk="0" hangingPunct="1">
+              <a:lnSpc>
+                <a:spcPct val="100000"/>
+              </a:lnSpc>
+              <a:spcBef>
+                <a:spcPts val="0"/>
+              </a:spcBef>
+              <a:spcAft>
+                <a:spcPts val="0"/>
+              </a:spcAft>
+              <a:buClrTx/>
+              <a:buSzTx/>
+              <a:buFontTx/>
+              <a:buNone/>
+              <a:tabLst/>
+              <a:defRPr/>
+            </a:pPr>
+            <a:r>
+              <a:rPr lang="en-US" dirty="0" smtClean="0"/>
+              <a:t>Android Auto can contact your service to do the following:</a:t>
+            </a:r>
           </a:p>
         </p:txBody>
       </p:sp>
@@ -1718,19 +2016,18 @@
           <a:bodyPr/>
           <a:lstStyle/>
           <a:p>
-            <a:fld id="{1B06CD8F-B7ED-4A05-9FB1-A01CC0EF02CC}" type="slidenum">
-              <a:rPr lang="fr-FR" smtClean="0"/>
-              <a:pPr/>
-              <a:t>22</a:t>
+            <a:fld id="{A5FE6474-0819-4CAC-A677-1ACC1221F957}" type="slidenum">
+              <a:rPr lang="en-GB" smtClean="0"/>
+              <a:t>14</a:t>
             </a:fld>
-            <a:endParaRPr lang="fr-FR" dirty="0"/>
+            <a:endParaRPr lang="en-GB"/>
           </a:p>
         </p:txBody>
       </p:sp>
     </p:spTree>
     <p:extLst>
       <p:ext uri="{BB962C8B-B14F-4D97-AF65-F5344CB8AC3E}">
-        <p14:creationId xmlns:p14="http://schemas.microsoft.com/office/powerpoint/2010/main" val="991357884"/>
+        <p14:creationId xmlns:p14="http://schemas.microsoft.com/office/powerpoint/2010/main" val="1749210354"/>
       </p:ext>
     </p:extLst>
   </p:cSld>
@@ -12616,7 +12913,7 @@
           <p:nvPr/>
         </p:nvPicPr>
         <p:blipFill>
-          <a:blip r:embed="rId2">
+          <a:blip r:embed="rId3">
             <a:extLst>
               <a:ext uri="{28A0092B-C50C-407E-A947-70E740481C1C}">
                 <a14:useLocalDpi xmlns:a14="http://schemas.microsoft.com/office/drawing/2010/main" val="0"/>
@@ -12928,12 +13225,12 @@
       </p:grpSpPr>
       <p:sp>
         <p:nvSpPr>
-          <p:cNvPr id="4" name="Date Placeholder 3"/>
-          <p:cNvSpPr>
-            <a:spLocks noGrp="1"/>
-          </p:cNvSpPr>
-          <p:nvPr>
-            <p:ph type="dt" sz="half" idx="10"/>
+          <p:cNvPr id="5" name="Footer Placeholder 4"/>
+          <p:cNvSpPr>
+            <a:spLocks noGrp="1"/>
+          </p:cNvSpPr>
+          <p:nvPr>
+            <p:ph type="ftr" sz="quarter" idx="11"/>
           </p:nvPr>
         </p:nvSpPr>
         <p:spPr/>
@@ -12942,31 +13239,8 @@
           <a:lstStyle/>
           <a:p>
             <a:r>
-              <a:rPr lang="fr-FR" noProof="0" smtClean="0"/>
-              <a:t>Date</a:t>
-            </a:r>
-            <a:endParaRPr lang="en-US" noProof="0" dirty="0"/>
-          </a:p>
-        </p:txBody>
-      </p:sp>
-      <p:sp>
-        <p:nvSpPr>
-          <p:cNvPr id="5" name="Footer Placeholder 4"/>
-          <p:cNvSpPr>
-            <a:spLocks noGrp="1"/>
-          </p:cNvSpPr>
-          <p:nvPr>
-            <p:ph type="ftr" sz="quarter" idx="11"/>
-          </p:nvPr>
-        </p:nvSpPr>
-        <p:spPr/>
-        <p:txBody>
-          <a:bodyPr/>
-          <a:lstStyle/>
-          <a:p>
-            <a:r>
               <a:rPr lang="en-US" noProof="0" smtClean="0"/>
-              <a:t>Presentation title</a:t>
+              <a:t>Android Auto</a:t>
             </a:r>
             <a:endParaRPr lang="en-US" noProof="0" dirty="0"/>
           </a:p>
@@ -13052,7 +13326,7 @@
           <p:nvPr/>
         </p:nvPicPr>
         <p:blipFill>
-          <a:blip r:embed="rId2">
+          <a:blip r:embed="rId3">
             <a:extLst>
               <a:ext uri="{28A0092B-C50C-407E-A947-70E740481C1C}">
                 <a14:useLocalDpi xmlns:a14="http://schemas.microsoft.com/office/drawing/2010/main" val="0"/>
@@ -13565,7 +13839,6 @@
               <a:rPr lang="en-US" dirty="0" smtClean="0"/>
               <a:t>higher</a:t>
             </a:r>
-            <a:endParaRPr lang="en-US" dirty="0" smtClean="0"/>
           </a:p>
           <a:p>
             <a:pPr marL="214313" indent="-214313">
@@ -13675,7 +13948,6 @@
               <a:rPr lang="en-US" dirty="0" smtClean="0"/>
               <a:t>file</a:t>
             </a:r>
-            <a:endParaRPr lang="en-US" dirty="0" smtClean="0"/>
           </a:p>
           <a:p>
             <a:pPr marL="214313" indent="-214313">
@@ -13729,7 +14001,6 @@
               <a:rPr lang="en-US" dirty="0" smtClean="0"/>
               <a:t>created</a:t>
             </a:r>
-            <a:endParaRPr lang="en-US" dirty="0" smtClean="0"/>
           </a:p>
           <a:p>
             <a:pPr marL="214313" indent="-214313">
@@ -14012,13 +14283,8 @@
             </a:r>
             <a:r>
               <a:rPr lang="en-US" dirty="0" smtClean="0"/>
-              <a:t> </a:t>
-            </a:r>
-            <a:r>
-              <a:rPr lang="en-US" dirty="0" smtClean="0"/>
-              <a:t>class</a:t>
-            </a:r>
-            <a:endParaRPr lang="en-US" dirty="0" smtClean="0"/>
+              <a:t> class</a:t>
+            </a:r>
           </a:p>
           <a:p>
             <a:pPr marL="214313" indent="-214313">
@@ -14160,7 +14426,6 @@
               <a:rPr lang="en-US" dirty="0" smtClean="0"/>
               <a:t>requests</a:t>
             </a:r>
-            <a:endParaRPr lang="en-US" dirty="0" smtClean="0"/>
           </a:p>
           <a:p>
             <a:pPr marL="214313" indent="-214313">
@@ -15264,7 +15529,6 @@
               <a:rPr lang="en-US" dirty="0" smtClean="0"/>
               <a:t>apps</a:t>
             </a:r>
-            <a:endParaRPr lang="en-US" dirty="0" smtClean="0"/>
           </a:p>
           <a:p>
             <a:r>
@@ -15361,7 +15625,6 @@
               <a:rPr lang="en-US" dirty="0" smtClean="0"/>
               <a:t>hosts</a:t>
             </a:r>
-            <a:endParaRPr lang="en-US" dirty="0" smtClean="0"/>
           </a:p>
           <a:p>
             <a:pPr marL="214313" indent="-214313">
@@ -15991,20 +16254,16 @@
           <a:lstStyle/>
           <a:p>
             <a:r>
-              <a:rPr lang="pt-PT" dirty="0" err="1"/>
+              <a:rPr lang="en-US" dirty="0" smtClean="0"/>
               <a:t>Distribute</a:t>
             </a:r>
             <a:r>
+              <a:rPr lang="pt-PT" dirty="0" smtClean="0"/>
+              <a:t> </a:t>
+            </a:r>
+            <a:r>
               <a:rPr lang="pt-PT" dirty="0"/>
-              <a:t> to </a:t>
-            </a:r>
-            <a:r>
-              <a:rPr lang="pt-PT" dirty="0" err="1"/>
-              <a:t>Android</a:t>
-            </a:r>
-            <a:r>
-              <a:rPr lang="pt-PT" dirty="0"/>
-              <a:t> Auto</a:t>
+              <a:t>to Android Auto</a:t>
             </a:r>
             <a:r>
               <a:rPr lang="pt-PT" b="0" dirty="0"/>
@@ -16168,7 +16427,6 @@
               <a:rPr lang="en-US" dirty="0" smtClean="0"/>
               <a:t>apps</a:t>
             </a:r>
-            <a:endParaRPr lang="en-US" dirty="0" smtClean="0"/>
           </a:p>
           <a:p>
             <a:endParaRPr lang="en-US" dirty="0"/>
@@ -17110,13 +17368,8 @@
             </a:pPr>
             <a:r>
               <a:rPr lang="en-US" dirty="0" smtClean="0"/>
-              <a:t>There are 37 brands of cars that have already implemented Android auto in some models, such as: Audi, Chevrolet, Lamborghini and </a:t>
-            </a:r>
-            <a:r>
-              <a:rPr lang="en-US" dirty="0" smtClean="0"/>
-              <a:t>Volvo</a:t>
-            </a:r>
-            <a:endParaRPr lang="en-US" dirty="0" smtClean="0"/>
+              <a:t>There are 37 brands of cars that have already implemented Android auto in some models, such as: Audi, Chevrolet, Lamborghini and Volvo</a:t>
+            </a:r>
           </a:p>
           <a:p>
             <a:pPr marL="171450" indent="-171450">
@@ -17139,11 +17392,7 @@
             </a:pPr>
             <a:r>
               <a:rPr lang="en-US" dirty="0" smtClean="0"/>
-              <a:t>In the near future the Android Auto will be implemented in 16 more </a:t>
-            </a:r>
-            <a:r>
-              <a:rPr lang="en-US" dirty="0" smtClean="0"/>
-              <a:t>brands</a:t>
+              <a:t>In the near future the Android Auto will be implemented in 16 more brands</a:t>
             </a:r>
             <a:endParaRPr lang="en-US" dirty="0"/>
           </a:p>
@@ -17248,21 +17497,8 @@
             </a:pPr>
             <a:r>
               <a:rPr lang="en-US" dirty="0" smtClean="0"/>
-              <a:t>Android Auto is only </a:t>
-            </a:r>
-            <a:r>
-              <a:rPr lang="en-US" dirty="0" smtClean="0"/>
-              <a:t>available </a:t>
-            </a:r>
-            <a:r>
-              <a:rPr lang="en-US" dirty="0" smtClean="0"/>
-              <a:t>in 31 </a:t>
-            </a:r>
-            <a:r>
-              <a:rPr lang="en-US" dirty="0" smtClean="0"/>
-              <a:t>countries</a:t>
-            </a:r>
-            <a:endParaRPr lang="en-US" dirty="0" smtClean="0"/>
+              <a:t>Android Auto is only available in 31 countries</a:t>
+            </a:r>
           </a:p>
           <a:p>
             <a:pPr marL="171450" indent="-171450">
@@ -17299,19 +17535,7 @@
             </a:pPr>
             <a:r>
               <a:rPr lang="en-US" dirty="0" smtClean="0"/>
-              <a:t>For Portugal, there isn’t a official release date that, however the </a:t>
-            </a:r>
-            <a:r>
-              <a:rPr lang="en-US" dirty="0" smtClean="0"/>
-              <a:t>APK </a:t>
-            </a:r>
-            <a:r>
-              <a:rPr lang="en-US" dirty="0" smtClean="0"/>
-              <a:t>can be downloaded, and use some </a:t>
-            </a:r>
-            <a:r>
-              <a:rPr lang="en-US" dirty="0" smtClean="0"/>
-              <a:t>functionalities</a:t>
+              <a:t>For Portugal, there isn’t a official release date that, however the APK can be downloaded, and use some functionalities</a:t>
             </a:r>
             <a:endParaRPr lang="en-US" dirty="0"/>
           </a:p>
@@ -17592,13 +17816,8 @@
             <a:pPr marL="280988" lvl="1" indent="-171450" algn="l"/>
             <a:r>
               <a:rPr lang="en-US" dirty="0" smtClean="0"/>
-              <a:t>Can control various sensors and </a:t>
-            </a:r>
-            <a:r>
-              <a:rPr lang="en-US" dirty="0" smtClean="0"/>
-              <a:t>switches</a:t>
-            </a:r>
-            <a:endParaRPr lang="en-US" dirty="0" smtClean="0"/>
+              <a:t>Can control various sensors and switches</a:t>
+            </a:r>
           </a:p>
           <a:p>
             <a:pPr lvl="1" indent="0" algn="l">
@@ -17791,13 +18010,8 @@
             </a:pPr>
             <a:r>
               <a:rPr lang="en-US" dirty="0" smtClean="0"/>
-              <a:t>Similar to Android </a:t>
-            </a:r>
-            <a:r>
-              <a:rPr lang="en-US" dirty="0" smtClean="0"/>
-              <a:t>Auto</a:t>
-            </a:r>
-            <a:endParaRPr lang="en-US" dirty="0" smtClean="0"/>
+              <a:t>Similar to Android Auto</a:t>
+            </a:r>
           </a:p>
           <a:p>
             <a:pPr marL="171450" indent="-171450" algn="l">
@@ -17827,13 +18041,8 @@
             </a:pPr>
             <a:r>
               <a:rPr lang="en-US" dirty="0" smtClean="0"/>
-              <a:t>UI elements and built-in apps differ from OEM to </a:t>
-            </a:r>
-            <a:r>
-              <a:rPr lang="en-US" dirty="0" smtClean="0"/>
-              <a:t>OEM</a:t>
-            </a:r>
-            <a:endParaRPr lang="en-US" dirty="0" smtClean="0"/>
+              <a:t>UI elements and built-in apps differ from OEM to OEM</a:t>
+            </a:r>
           </a:p>
           <a:p>
             <a:pPr marL="171450" indent="-171450" algn="l">
@@ -17884,11 +18093,7 @@
             <a:pPr marL="280988" lvl="1" indent="-171450" algn="l"/>
             <a:r>
               <a:rPr lang="en-US" dirty="0" smtClean="0"/>
-              <a:t>Different display </a:t>
-            </a:r>
-            <a:r>
-              <a:rPr lang="en-US" dirty="0" smtClean="0"/>
-              <a:t>types</a:t>
+              <a:t>Different display types</a:t>
             </a:r>
             <a:endParaRPr lang="en-US" dirty="0"/>
           </a:p>
@@ -18571,7 +18776,6 @@
               <a:rPr lang="en-US" dirty="0" smtClean="0"/>
               <a:t>2015</a:t>
             </a:r>
-            <a:endParaRPr lang="en-US" dirty="0" smtClean="0"/>
           </a:p>
           <a:p>
             <a:pPr marL="171450" indent="-171450" algn="l">
@@ -18587,17 +18791,8 @@
             </a:pPr>
             <a:r>
               <a:rPr lang="en-US" dirty="0" smtClean="0"/>
-              <a:t>Android Application for smartphone that allows a connection with the car using a </a:t>
-            </a:r>
-            <a:r>
-              <a:rPr lang="en-US" dirty="0" smtClean="0"/>
-              <a:t>USB</a:t>
-            </a:r>
-            <a:r>
-              <a:rPr lang="en-US" dirty="0" smtClean="0"/>
-              <a:t> cable</a:t>
-            </a:r>
-            <a:endParaRPr lang="en-US" dirty="0" smtClean="0"/>
+              <a:t>Android Application for smartphone that allows a connection with the car using a USB cable</a:t>
+            </a:r>
           </a:p>
           <a:p>
             <a:pPr marL="171450" indent="-171450" algn="l">
@@ -18613,13 +18808,8 @@
             </a:pPr>
             <a:r>
               <a:rPr lang="en-US" dirty="0" smtClean="0"/>
-              <a:t>Android Auto connects via Bluetooth, in order to connect with the car sound </a:t>
-            </a:r>
-            <a:r>
-              <a:rPr lang="en-US" dirty="0" smtClean="0"/>
-              <a:t>system</a:t>
-            </a:r>
-            <a:endParaRPr lang="en-US" dirty="0" smtClean="0"/>
+              <a:t>Android Auto connects via Bluetooth, in order to connect with the car sound system</a:t>
+            </a:r>
           </a:p>
           <a:p>
             <a:pPr algn="l"/>
@@ -18675,11 +18865,7 @@
             <a:pPr marL="387450" lvl="4" indent="-171450"/>
             <a:r>
               <a:rPr lang="en-US" dirty="0" smtClean="0"/>
-              <a:t>Similar menu </a:t>
-            </a:r>
-            <a:r>
-              <a:rPr lang="en-US" dirty="0" smtClean="0"/>
-              <a:t>structures</a:t>
+              <a:t>Similar menu structures</a:t>
             </a:r>
             <a:endParaRPr lang="en-US" dirty="0"/>
           </a:p>
@@ -18850,13 +19036,8 @@
             <a:pPr marL="280988" lvl="1" indent="-171450" algn="l"/>
             <a:r>
               <a:rPr lang="en-US" dirty="0" smtClean="0"/>
-              <a:t>Google maps is the more precise and user friendly application for GPS </a:t>
-            </a:r>
-            <a:r>
-              <a:rPr lang="en-US" dirty="0" smtClean="0"/>
-              <a:t>Navigation</a:t>
-            </a:r>
-            <a:endParaRPr lang="en-US" dirty="0" smtClean="0"/>
+              <a:t>Google maps is the more precise and user friendly application for GPS Navigation</a:t>
+            </a:r>
           </a:p>
           <a:p>
             <a:pPr marL="171450" indent="-171450" algn="l">
@@ -18886,11 +19067,7 @@
             <a:pPr marL="280988" lvl="1" indent="-171450" algn="l"/>
             <a:r>
               <a:rPr lang="en-US" dirty="0" smtClean="0"/>
-              <a:t>Speech recognition from Google is more refined, and his able to interpret more </a:t>
-            </a:r>
-            <a:r>
-              <a:rPr lang="en-US" dirty="0" smtClean="0"/>
-              <a:t>commands</a:t>
+              <a:t>Speech recognition from Google is more refined, and his able to interpret more commands</a:t>
             </a:r>
             <a:endParaRPr lang="en-US" dirty="0"/>
           </a:p>
@@ -18919,13 +19096,8 @@
             <a:pPr marL="280988" lvl="1" indent="-171450" algn="l"/>
             <a:r>
               <a:rPr lang="en-US" dirty="0" smtClean="0"/>
-              <a:t>Android Auto has the ability to work in the </a:t>
-            </a:r>
-            <a:r>
-              <a:rPr lang="en-US" dirty="0" smtClean="0"/>
-              <a:t>phone</a:t>
-            </a:r>
-            <a:endParaRPr lang="en-US" dirty="0" smtClean="0"/>
+              <a:t>Android Auto has the ability to work in the phone</a:t>
+            </a:r>
           </a:p>
           <a:p>
             <a:pPr marL="171450" indent="-171450" algn="l">
@@ -19263,13 +19435,8 @@
             </a:pPr>
             <a:r>
               <a:rPr lang="en-US" dirty="0" smtClean="0"/>
-              <a:t>If connected to the car the phone stays </a:t>
-            </a:r>
-            <a:r>
-              <a:rPr lang="en-US" dirty="0" smtClean="0"/>
-              <a:t>unusable</a:t>
-            </a:r>
-            <a:endParaRPr lang="en-US" dirty="0" smtClean="0"/>
+              <a:t>If connected to the car the phone stays unusable</a:t>
+            </a:r>
           </a:p>
           <a:p>
             <a:pPr marL="171450" indent="-171450" algn="l">
@@ -19285,13 +19452,8 @@
             </a:pPr>
             <a:r>
               <a:rPr lang="en-US" dirty="0" smtClean="0"/>
-              <a:t>There are 5 panels available, if connected with the car dash </a:t>
-            </a:r>
-            <a:r>
-              <a:rPr lang="en-US" dirty="0" smtClean="0"/>
-              <a:t>screen</a:t>
-            </a:r>
-            <a:endParaRPr lang="en-US" dirty="0" smtClean="0"/>
+              <a:t>There are 5 panels available, if connected with the car dash screen</a:t>
+            </a:r>
           </a:p>
           <a:p>
             <a:pPr marL="280988" lvl="1" indent="-171450" algn="l"/>
@@ -19311,13 +19473,8 @@
             </a:pPr>
             <a:r>
               <a:rPr lang="en-US" dirty="0" smtClean="0"/>
-              <a:t>Home menu has information such as the weather, current song, current destination and upcoming </a:t>
-            </a:r>
-            <a:r>
-              <a:rPr lang="en-US" dirty="0" smtClean="0"/>
-              <a:t>appointments</a:t>
-            </a:r>
-            <a:endParaRPr lang="en-US" dirty="0" smtClean="0"/>
+              <a:t>Home menu has information such as the weather, current song, current destination and upcoming appointments</a:t>
+            </a:r>
           </a:p>
           <a:p>
             <a:pPr marL="171450" lvl="2" indent="-171450">
@@ -19340,11 +19497,7 @@
             <a:pPr marL="279450" lvl="3" indent="-171450"/>
             <a:r>
               <a:rPr lang="en-US" dirty="0" smtClean="0"/>
-              <a:t>Notifications such as alerts from Email, Facebook or Twitter, will not show in the notifications </a:t>
-            </a:r>
-            <a:r>
-              <a:rPr lang="en-US" dirty="0" smtClean="0"/>
-              <a:t>log</a:t>
+              <a:t>Notifications such as alerts from Email, Facebook or Twitter, will not show in the notifications log</a:t>
             </a:r>
             <a:endParaRPr lang="en-US" dirty="0"/>
           </a:p>
@@ -19598,13 +19751,8 @@
             <a:pPr marL="280988" lvl="1" indent="-171450" algn="l"/>
             <a:r>
               <a:rPr lang="en-US" dirty="0" smtClean="0"/>
-              <a:t>Access to any </a:t>
-            </a:r>
-            <a:r>
-              <a:rPr lang="en-US" dirty="0" smtClean="0"/>
-              <a:t>menu</a:t>
-            </a:r>
-            <a:endParaRPr lang="en-US" dirty="0" smtClean="0"/>
+              <a:t>Access to any menu</a:t>
+            </a:r>
           </a:p>
           <a:p>
             <a:pPr marL="280988" lvl="1" indent="-171450" algn="l"/>
@@ -19651,8 +19799,8 @@
           <a:lstStyle/>
           <a:p>
             <a:r>
-              <a:rPr lang="en-US" noProof="0" smtClean="0"/>
-              <a:t>Presentation title</a:t>
+              <a:rPr lang="en-US" noProof="0" dirty="0" smtClean="0"/>
+              <a:t>Android Auto</a:t>
             </a:r>
             <a:endParaRPr lang="en-US" noProof="0" dirty="0"/>
           </a:p>
@@ -20748,15 +20896,6 @@
 </file>
 
 <file path=customXml/item1.xml><?xml version="1.0" encoding="utf-8"?>
-<?mso-contentType ?>
-<FormTemplates xmlns="http://schemas.microsoft.com/sharepoint/v3/contenttype/forms">
-  <Display>DocumentLibraryForm</Display>
-  <Edit>DocumentLibraryForm</Edit>
-  <New>DocumentLibraryForm</New>
-</FormTemplates>
-</file>
-
-<file path=customXml/item2.xml><?xml version="1.0" encoding="utf-8"?>
 <ct:contentTypeSchema xmlns:ct="http://schemas.microsoft.com/office/2006/metadata/contentType" xmlns:ma="http://schemas.microsoft.com/office/2006/metadata/properties/metaAttributes" ct:_="" ma:_="" ma:contentTypeName="Document" ma:contentTypeID="0x0101001F419E1A6EA81A4789CC2A27D54FE063" ma:contentTypeVersion="2" ma:contentTypeDescription="Create a new document." ma:contentTypeScope="" ma:versionID="6e5cb36ff88c0f99687fc20d43474a84">
   <xsd:schema xmlns:xsd="http://www.w3.org/2001/XMLSchema" xmlns:xs="http://www.w3.org/2001/XMLSchema" xmlns:p="http://schemas.microsoft.com/office/2006/metadata/properties" targetNamespace="http://schemas.microsoft.com/office/2006/metadata/properties" ma:root="true" ma:fieldsID="0d665e38e66d01d06a7f476fcfe73af8">
     <xsd:element name="properties">
@@ -20870,6 +21009,15 @@
 </ct:contentTypeSchema>
 </file>
 
+<file path=customXml/item2.xml><?xml version="1.0" encoding="utf-8"?>
+<?mso-contentType ?>
+<FormTemplates xmlns="http://schemas.microsoft.com/sharepoint/v3/contenttype/forms">
+  <Display>DocumentLibraryForm</Display>
+  <Edit>DocumentLibraryForm</Edit>
+  <New>DocumentLibraryForm</New>
+</FormTemplates>
+</file>
+
 <file path=customXml/item3.xml><?xml version="1.0" encoding="utf-8"?>
 <p:properties xmlns:p="http://schemas.microsoft.com/office/2006/metadata/properties" xmlns:xsi="http://www.w3.org/2001/XMLSchema-instance" xmlns:pc="http://schemas.microsoft.com/office/infopath/2007/PartnerControls">
   <documentManagement/>
@@ -20877,14 +21025,6 @@
 </file>
 
 <file path=customXml/itemProps1.xml><?xml version="1.0" encoding="utf-8"?>
-<ds:datastoreItem xmlns:ds="http://schemas.openxmlformats.org/officeDocument/2006/customXml" ds:itemID="{74695D99-3EAE-4F55-A2B4-F38051B8FE0A}">
-  <ds:schemaRefs>
-    <ds:schemaRef ds:uri="http://schemas.microsoft.com/sharepoint/v3/contenttype/forms"/>
-  </ds:schemaRefs>
-</ds:datastoreItem>
-</file>
-
-<file path=customXml/itemProps2.xml><?xml version="1.0" encoding="utf-8"?>
 <ds:datastoreItem xmlns:ds="http://schemas.openxmlformats.org/officeDocument/2006/customXml" ds:itemID="{71BEF1E5-09DF-46B0-9968-4DC05085673B}">
   <ds:schemaRefs>
     <ds:schemaRef ds:uri="http://schemas.microsoft.com/office/2006/metadata/contentType"/>
@@ -20900,17 +21040,25 @@
 </ds:datastoreItem>
 </file>
 
+<file path=customXml/itemProps2.xml><?xml version="1.0" encoding="utf-8"?>
+<ds:datastoreItem xmlns:ds="http://schemas.openxmlformats.org/officeDocument/2006/customXml" ds:itemID="{74695D99-3EAE-4F55-A2B4-F38051B8FE0A}">
+  <ds:schemaRefs>
+    <ds:schemaRef ds:uri="http://schemas.microsoft.com/sharepoint/v3/contenttype/forms"/>
+  </ds:schemaRefs>
+</ds:datastoreItem>
+</file>
+
 <file path=customXml/itemProps3.xml><?xml version="1.0" encoding="utf-8"?>
 <ds:datastoreItem xmlns:ds="http://schemas.openxmlformats.org/officeDocument/2006/customXml" ds:itemID="{65F64EBE-3065-4A3D-B86E-F21B0406FD66}">
   <ds:schemaRefs>
+    <ds:schemaRef ds:uri="http://purl.org/dc/dcmitype/"/>
     <ds:schemaRef ds:uri="http://www.w3.org/XML/1998/namespace"/>
-    <ds:schemaRef ds:uri="http://schemas.openxmlformats.org/package/2006/metadata/core-properties"/>
-    <ds:schemaRef ds:uri="http://schemas.microsoft.com/office/2006/documentManagement/types"/>
     <ds:schemaRef ds:uri="http://purl.org/dc/elements/1.1/"/>
     <ds:schemaRef ds:uri="http://schemas.microsoft.com/office/infopath/2007/PartnerControls"/>
+    <ds:schemaRef ds:uri="http://purl.org/dc/terms/"/>
+    <ds:schemaRef ds:uri="http://schemas.microsoft.com/office/2006/documentManagement/types"/>
+    <ds:schemaRef ds:uri="http://schemas.openxmlformats.org/package/2006/metadata/core-properties"/>
     <ds:schemaRef ds:uri="http://schemas.microsoft.com/office/2006/metadata/properties"/>
-    <ds:schemaRef ds:uri="http://purl.org/dc/dcmitype/"/>
-    <ds:schemaRef ds:uri="http://purl.org/dc/terms/"/>
   </ds:schemaRefs>
 </ds:datastoreItem>
 </file>
--- a/PowerPoint Final/Presentation_Joao_Mauro.pptx
+++ b/PowerPoint Final/Presentation_Joao_Mauro.pptx
@@ -950,7 +950,27 @@
           <a:bodyPr/>
           <a:lstStyle/>
           <a:p>
-            <a:endParaRPr lang="en-GB" dirty="0"/>
+            <a:pPr marL="0" marR="0" lvl="0" indent="0" algn="l" defTabSz="914400" rtl="0" eaLnBrk="1" fontAlgn="auto" latinLnBrk="0" hangingPunct="1">
+              <a:lnSpc>
+                <a:spcPct val="100000"/>
+              </a:lnSpc>
+              <a:spcBef>
+                <a:spcPts val="0"/>
+              </a:spcBef>
+              <a:spcAft>
+                <a:spcPts val="0"/>
+              </a:spcAft>
+              <a:buClrTx/>
+              <a:buSzTx/>
+              <a:buFontTx/>
+              <a:buNone/>
+              <a:tabLst/>
+              <a:defRPr/>
+            </a:pPr>
+            <a:r>
+              <a:rPr lang="en-US" dirty="0" smtClean="0"/>
+              <a:t>Android Auto can contact your service to do the following:</a:t>
+            </a:r>
           </a:p>
         </p:txBody>
       </p:sp>
@@ -971,7 +991,7 @@
           <a:p>
             <a:fld id="{A5FE6474-0819-4CAC-A677-1ACC1221F957}" type="slidenum">
               <a:rPr lang="en-GB" smtClean="0"/>
-              <a:t>16</a:t>
+              <a:t>14</a:t>
             </a:fld>
             <a:endParaRPr lang="en-GB"/>
           </a:p>
@@ -980,7 +1000,7 @@
     </p:spTree>
     <p:extLst>
       <p:ext uri="{BB962C8B-B14F-4D97-AF65-F5344CB8AC3E}">
-        <p14:creationId xmlns:p14="http://schemas.microsoft.com/office/powerpoint/2010/main" val="3694532524"/>
+        <p14:creationId xmlns:p14="http://schemas.microsoft.com/office/powerpoint/2010/main" val="1749210354"/>
       </p:ext>
     </p:extLst>
   </p:cSld>
@@ -1034,6 +1054,90 @@
           <a:bodyPr/>
           <a:lstStyle/>
           <a:p>
+            <a:endParaRPr lang="en-GB" dirty="0"/>
+          </a:p>
+        </p:txBody>
+      </p:sp>
+      <p:sp>
+        <p:nvSpPr>
+          <p:cNvPr id="4" name="Slide Number Placeholder 3"/>
+          <p:cNvSpPr>
+            <a:spLocks noGrp="1"/>
+          </p:cNvSpPr>
+          <p:nvPr>
+            <p:ph type="sldNum" sz="quarter" idx="10"/>
+          </p:nvPr>
+        </p:nvSpPr>
+        <p:spPr/>
+        <p:txBody>
+          <a:bodyPr/>
+          <a:lstStyle/>
+          <a:p>
+            <a:fld id="{A5FE6474-0819-4CAC-A677-1ACC1221F957}" type="slidenum">
+              <a:rPr lang="en-GB" smtClean="0"/>
+              <a:t>16</a:t>
+            </a:fld>
+            <a:endParaRPr lang="en-GB"/>
+          </a:p>
+        </p:txBody>
+      </p:sp>
+    </p:spTree>
+    <p:extLst>
+      <p:ext uri="{BB962C8B-B14F-4D97-AF65-F5344CB8AC3E}">
+        <p14:creationId xmlns:p14="http://schemas.microsoft.com/office/powerpoint/2010/main" val="3694532524"/>
+      </p:ext>
+    </p:extLst>
+  </p:cSld>
+  <p:clrMapOvr>
+    <a:masterClrMapping/>
+  </p:clrMapOvr>
+</p:notes>
+</file>
+
+<file path=ppt/notesSlides/notesSlide12.xml><?xml version="1.0" encoding="utf-8"?>
+<p:notes xmlns:a="http://schemas.openxmlformats.org/drawingml/2006/main" xmlns:r="http://schemas.openxmlformats.org/officeDocument/2006/relationships" xmlns:p="http://schemas.openxmlformats.org/presentationml/2006/main">
+  <p:cSld>
+    <p:spTree>
+      <p:nvGrpSpPr>
+        <p:cNvPr id="1" name=""/>
+        <p:cNvGrpSpPr/>
+        <p:nvPr/>
+      </p:nvGrpSpPr>
+      <p:grpSpPr>
+        <a:xfrm>
+          <a:off x="0" y="0"/>
+          <a:ext cx="0" cy="0"/>
+          <a:chOff x="0" y="0"/>
+          <a:chExt cx="0" cy="0"/>
+        </a:xfrm>
+      </p:grpSpPr>
+      <p:sp>
+        <p:nvSpPr>
+          <p:cNvPr id="2" name="Slide Image Placeholder 1"/>
+          <p:cNvSpPr>
+            <a:spLocks noGrp="1" noRot="1" noChangeAspect="1"/>
+          </p:cNvSpPr>
+          <p:nvPr>
+            <p:ph type="sldImg"/>
+          </p:nvPr>
+        </p:nvSpPr>
+        <p:spPr/>
+      </p:sp>
+      <p:sp>
+        <p:nvSpPr>
+          <p:cNvPr id="3" name="Notes Placeholder 2"/>
+          <p:cNvSpPr>
+            <a:spLocks noGrp="1"/>
+          </p:cNvSpPr>
+          <p:nvPr>
+            <p:ph type="body" idx="1"/>
+          </p:nvPr>
+        </p:nvSpPr>
+        <p:spPr/>
+        <p:txBody>
+          <a:bodyPr/>
+          <a:lstStyle/>
+          <a:p>
             <a:r>
               <a:rPr lang="en-GB" dirty="0" smtClean="0"/>
               <a:t>https://developer.android.com/distribute/best-practices/launch/distribute-auto.html#how_to_participate</a:t>
@@ -1078,7 +1182,7 @@
 </p:notes>
 </file>
 
-<file path=ppt/notesSlides/notesSlide12.xml><?xml version="1.0" encoding="utf-8"?>
+<file path=ppt/notesSlides/notesSlide13.xml><?xml version="1.0" encoding="utf-8"?>
 <p:notes xmlns:a="http://schemas.openxmlformats.org/drawingml/2006/main" xmlns:r="http://schemas.openxmlformats.org/officeDocument/2006/relationships" xmlns:p="http://schemas.openxmlformats.org/presentationml/2006/main">
   <p:cSld>
     <p:spTree>
@@ -1310,59 +1414,31 @@
           <a:p>
             <a:r>
               <a:rPr lang="en-US" dirty="0" smtClean="0"/>
-              <a:t>Need to be android 5.0 plus</a:t>
-            </a:r>
-          </a:p>
-          <a:p>
-            <a:r>
-              <a:rPr lang="en-US" dirty="0" smtClean="0"/>
-              <a:t>5 panels -&gt; navigation,</a:t>
+              <a:t>The biggest advantage to use Android</a:t>
             </a:r>
             <a:r>
               <a:rPr lang="en-US" baseline="0" dirty="0" smtClean="0"/>
-              <a:t> phone log, home, media, car diagnosis</a:t>
+              <a:t> Auto instead of the implemented IVI (in vehicle infotainment) of a brand, is that using android Auto we get updates from google, however in a implemented IVI, once is done is done, there are no updates.</a:t>
             </a:r>
           </a:p>
           <a:p>
             <a:r>
               <a:rPr lang="en-US" baseline="0" dirty="0" smtClean="0"/>
-              <a:t>Important information, like a message received, from </a:t>
-            </a:r>
-            <a:r>
-              <a:rPr lang="en-US" baseline="0" dirty="0" err="1" smtClean="0"/>
-              <a:t>whatsupp</a:t>
-            </a:r>
+              <a:t>We know there are people who prefer using other apps for GPS Navigation, but in most of the videos and reviews we saw, they say that Google Maps is the best for being more precise and user friendly, than the others</a:t>
+            </a:r>
+          </a:p>
+          <a:p>
             <a:r>
               <a:rPr lang="en-US" baseline="0" dirty="0" smtClean="0"/>
-              <a:t>, </a:t>
-            </a:r>
-            <a:r>
-              <a:rPr lang="en-US" baseline="0" dirty="0" err="1" smtClean="0"/>
-              <a:t>facebook</a:t>
-            </a:r>
+              <a:t>We saw the comparison between voice control system between google and Apple, and the google voice control performs better, in the interpretation of what a person wants to say.</a:t>
+            </a:r>
+          </a:p>
+          <a:p>
             <a:r>
               <a:rPr lang="en-US" baseline="0" dirty="0" smtClean="0"/>
-              <a:t> </a:t>
-            </a:r>
-            <a:r>
-              <a:rPr lang="en-US" baseline="0" dirty="0" err="1" smtClean="0"/>
-              <a:t>messeger</a:t>
-            </a:r>
-            <a:r>
-              <a:rPr lang="en-US" baseline="0" dirty="0" smtClean="0"/>
-              <a:t> or </a:t>
-            </a:r>
-            <a:r>
-              <a:rPr lang="en-US" baseline="0" dirty="0" smtClean="0"/>
-              <a:t>hangouts</a:t>
-            </a:r>
-          </a:p>
-          <a:p>
-            <a:r>
-              <a:rPr lang="en-US" baseline="0" dirty="0" smtClean="0"/>
-              <a:t>A phone call incoming</a:t>
-            </a:r>
-            <a:endParaRPr lang="en-US" dirty="0" smtClean="0"/>
+              <a:t>We also don’t need to buy a new car or spend 700€ in a aftermarket display, we can simply use our phone to do the work.</a:t>
+            </a:r>
+            <a:endParaRPr lang="en-US" dirty="0"/>
           </a:p>
         </p:txBody>
       </p:sp>
@@ -1384,7 +1460,7 @@
             <a:fld id="{1B06CD8F-B7ED-4A05-9FB1-A01CC0EF02CC}" type="slidenum">
               <a:rPr lang="fr-FR" smtClean="0"/>
               <a:pPr/>
-              <a:t>7</a:t>
+              <a:t>5</a:t>
             </a:fld>
             <a:endParaRPr lang="fr-FR" dirty="0"/>
           </a:p>
@@ -1393,7 +1469,7 @@
     </p:spTree>
     <p:extLst>
       <p:ext uri="{BB962C8B-B14F-4D97-AF65-F5344CB8AC3E}">
-        <p14:creationId xmlns:p14="http://schemas.microsoft.com/office/powerpoint/2010/main" val="1564263606"/>
+        <p14:creationId xmlns:p14="http://schemas.microsoft.com/office/powerpoint/2010/main" val="3973816794"/>
       </p:ext>
     </p:extLst>
   </p:cSld>
@@ -1449,79 +1525,55 @@
           <a:p>
             <a:r>
               <a:rPr lang="en-US" dirty="0" smtClean="0"/>
-              <a:t>Like said before, the car sound system is connected</a:t>
+              <a:t>Need to be android 5.0 plus</a:t>
+            </a:r>
+          </a:p>
+          <a:p>
+            <a:r>
+              <a:rPr lang="en-US" dirty="0" smtClean="0"/>
+              <a:t>5 panels -&gt; navigation,</a:t>
             </a:r>
             <a:r>
               <a:rPr lang="en-US" baseline="0" dirty="0" smtClean="0"/>
-              <a:t> via </a:t>
+              <a:t> phone log, home, media, car diagnosis</a:t>
+            </a:r>
+          </a:p>
+          <a:p>
+            <a:r>
+              <a:rPr lang="en-US" baseline="0" dirty="0" smtClean="0"/>
+              <a:t>Important information, like a message received, from </a:t>
             </a:r>
             <a:r>
               <a:rPr lang="en-US" baseline="0" dirty="0" err="1" smtClean="0"/>
-              <a:t>bluethoot</a:t>
+              <a:t>whatsupp</a:t>
             </a:r>
             <a:r>
               <a:rPr lang="en-US" baseline="0" dirty="0" smtClean="0"/>
-              <a:t>.</a:t>
-            </a:r>
-          </a:p>
-          <a:p>
+              <a:t>, </a:t>
+            </a:r>
+            <a:r>
+              <a:rPr lang="en-US" baseline="0" dirty="0" err="1" smtClean="0"/>
+              <a:t>facebook</a:t>
+            </a:r>
             <a:r>
               <a:rPr lang="en-US" baseline="0" dirty="0" smtClean="0"/>
-              <a:t>We have a lot of options to start a voice command, for example if we use the “OK Google”, we don’t need to touch the screen, and keep the eyes on the road at the same time we are doing something else.</a:t>
-            </a:r>
-          </a:p>
-          <a:p>
+              <a:t> </a:t>
+            </a:r>
+            <a:r>
+              <a:rPr lang="en-US" baseline="0" dirty="0" err="1" smtClean="0"/>
+              <a:t>messeger</a:t>
+            </a:r>
             <a:r>
               <a:rPr lang="en-US" baseline="0" dirty="0" smtClean="0"/>
-              <a:t>A example to set the destination we can say “OK Google, set directions to …” and we say the address.</a:t>
+              <a:t> or hangouts</a:t>
             </a:r>
           </a:p>
           <a:p>
             <a:r>
               <a:rPr lang="en-US" baseline="0" dirty="0" smtClean="0"/>
-              <a:t>We can also ask for a </a:t>
-            </a:r>
-            <a:r>
-              <a:rPr lang="en-US" sz="1200" b="0" i="0" kern="1200" dirty="0" smtClean="0">
-                <a:solidFill>
-                  <a:schemeClr val="tx1"/>
-                </a:solidFill>
-                <a:effectLst/>
-                <a:latin typeface="Arial" pitchFamily="34" charset="0"/>
-                <a:ea typeface="+mn-ea"/>
-                <a:cs typeface="+mn-cs"/>
-              </a:rPr>
-              <a:t>specific</a:t>
-            </a:r>
-            <a:r>
-              <a:rPr lang="en-US" baseline="0" dirty="0" smtClean="0"/>
-              <a:t> song in a </a:t>
-            </a:r>
-            <a:r>
-              <a:rPr lang="en-US" sz="1200" b="0" i="0" kern="1200" dirty="0" smtClean="0">
-                <a:solidFill>
-                  <a:schemeClr val="tx1"/>
-                </a:solidFill>
-                <a:effectLst/>
-                <a:latin typeface="Arial" pitchFamily="34" charset="0"/>
-                <a:ea typeface="+mn-ea"/>
-                <a:cs typeface="+mn-cs"/>
-              </a:rPr>
-              <a:t>specific</a:t>
-            </a:r>
-            <a:r>
-              <a:rPr lang="en-US" baseline="0" dirty="0" smtClean="0"/>
-              <a:t> app</a:t>
-            </a:r>
-          </a:p>
-          <a:p>
-            <a:r>
-              <a:rPr lang="en-US" baseline="0" dirty="0" smtClean="0"/>
-              <a:t>Basically, We can use every OK Google command available for android system</a:t>
-            </a:r>
-          </a:p>
-          <a:p>
-            <a:endParaRPr lang="en-US" dirty="0"/>
+              <a:t>A phone call incoming</a:t>
+            </a:r>
+            <a:endParaRPr lang="en-US" dirty="0" smtClean="0"/>
           </a:p>
         </p:txBody>
       </p:sp>
@@ -1543,7 +1595,7 @@
             <a:fld id="{1B06CD8F-B7ED-4A05-9FB1-A01CC0EF02CC}" type="slidenum">
               <a:rPr lang="fr-FR" smtClean="0"/>
               <a:pPr/>
-              <a:t>8</a:t>
+              <a:t>7</a:t>
             </a:fld>
             <a:endParaRPr lang="fr-FR" dirty="0"/>
           </a:p>
@@ -1552,7 +1604,7 @@
     </p:spTree>
     <p:extLst>
       <p:ext uri="{BB962C8B-B14F-4D97-AF65-F5344CB8AC3E}">
-        <p14:creationId xmlns:p14="http://schemas.microsoft.com/office/powerpoint/2010/main" val="4291574160"/>
+        <p14:creationId xmlns:p14="http://schemas.microsoft.com/office/powerpoint/2010/main" val="1564263606"/>
       </p:ext>
     </p:extLst>
   </p:cSld>
@@ -1608,18 +1660,78 @@
           <a:p>
             <a:r>
               <a:rPr lang="en-US" dirty="0" smtClean="0"/>
-              <a:t>Here is shown the phone screen and the car dash screen,</a:t>
+              <a:t>Like said before, the car sound system is connected</a:t>
             </a:r>
             <a:r>
               <a:rPr lang="en-US" baseline="0" dirty="0" smtClean="0"/>
-              <a:t> and the blue markers show the panel with 5 or 4 buttons</a:t>
-            </a:r>
-          </a:p>
-          <a:p>
+              <a:t> via </a:t>
+            </a:r>
+            <a:r>
+              <a:rPr lang="en-US" baseline="0" dirty="0" err="1" smtClean="0"/>
+              <a:t>bluethoot</a:t>
+            </a:r>
             <a:r>
               <a:rPr lang="en-US" baseline="0" dirty="0" smtClean="0"/>
-              <a:t>For car diagnosis the app called Torque is the one that is used</a:t>
-            </a:r>
+              <a:t>.</a:t>
+            </a:r>
+          </a:p>
+          <a:p>
+            <a:r>
+              <a:rPr lang="en-US" baseline="0" dirty="0" smtClean="0"/>
+              <a:t>We have a lot of options to start a voice command, for example if we use the “OK Google”, we don’t need to touch the screen, and keep the eyes on the road at the same time we are doing something else.</a:t>
+            </a:r>
+          </a:p>
+          <a:p>
+            <a:r>
+              <a:rPr lang="en-US" baseline="0" dirty="0" smtClean="0"/>
+              <a:t>A example to set the destination we can say “OK Google, set directions to …” and we say the address.</a:t>
+            </a:r>
+          </a:p>
+          <a:p>
+            <a:r>
+              <a:rPr lang="en-US" baseline="0" dirty="0" smtClean="0"/>
+              <a:t>We can also ask for a </a:t>
+            </a:r>
+            <a:r>
+              <a:rPr lang="en-US" sz="1200" b="0" i="0" kern="1200" dirty="0" smtClean="0">
+                <a:solidFill>
+                  <a:schemeClr val="tx1"/>
+                </a:solidFill>
+                <a:effectLst/>
+                <a:latin typeface="Arial" pitchFamily="34" charset="0"/>
+                <a:ea typeface="+mn-ea"/>
+                <a:cs typeface="+mn-cs"/>
+              </a:rPr>
+              <a:t>specific</a:t>
+            </a:r>
+            <a:r>
+              <a:rPr lang="en-US" baseline="0" dirty="0" smtClean="0"/>
+              <a:t> song in a </a:t>
+            </a:r>
+            <a:r>
+              <a:rPr lang="en-US" sz="1200" b="0" i="0" kern="1200" dirty="0" smtClean="0">
+                <a:solidFill>
+                  <a:schemeClr val="tx1"/>
+                </a:solidFill>
+                <a:effectLst/>
+                <a:latin typeface="Arial" pitchFamily="34" charset="0"/>
+                <a:ea typeface="+mn-ea"/>
+                <a:cs typeface="+mn-cs"/>
+              </a:rPr>
+              <a:t>specific</a:t>
+            </a:r>
+            <a:r>
+              <a:rPr lang="en-US" baseline="0" dirty="0" smtClean="0"/>
+              <a:t> app</a:t>
+            </a:r>
+          </a:p>
+          <a:p>
+            <a:r>
+              <a:rPr lang="en-US" baseline="0" dirty="0" smtClean="0"/>
+              <a:t>Basically, We can use every OK Google command available for android system</a:t>
+            </a:r>
+          </a:p>
+          <a:p>
             <a:endParaRPr lang="en-US" dirty="0"/>
           </a:p>
         </p:txBody>
@@ -1642,7 +1754,7 @@
             <a:fld id="{1B06CD8F-B7ED-4A05-9FB1-A01CC0EF02CC}" type="slidenum">
               <a:rPr lang="fr-FR" smtClean="0"/>
               <a:pPr/>
-              <a:t>9</a:t>
+              <a:t>8</a:t>
             </a:fld>
             <a:endParaRPr lang="fr-FR" dirty="0"/>
           </a:p>
@@ -1651,7 +1763,7 @@
     </p:spTree>
     <p:extLst>
       <p:ext uri="{BB962C8B-B14F-4D97-AF65-F5344CB8AC3E}">
-        <p14:creationId xmlns:p14="http://schemas.microsoft.com/office/powerpoint/2010/main" val="3316341565"/>
+        <p14:creationId xmlns:p14="http://schemas.microsoft.com/office/powerpoint/2010/main" val="4291574160"/>
       </p:ext>
     </p:extLst>
   </p:cSld>
@@ -1707,15 +1819,17 @@
           <a:p>
             <a:r>
               <a:rPr lang="en-US" dirty="0" smtClean="0"/>
-              <a:t>Here</a:t>
+              <a:t>Here is shown the phone screen and the car dash screen,</a:t>
             </a:r>
             <a:r>
               <a:rPr lang="en-US" baseline="0" dirty="0" smtClean="0"/>
-              <a:t> is shown some examples of the home menu, where we see the relevant information, in the case of the phone we see the current destination, the actual music and a received message, in the car dash is shown a received message, a coming appointment and the current </a:t>
-            </a:r>
-            <a:r>
-              <a:rPr lang="en-US" baseline="0" dirty="0" err="1" smtClean="0"/>
-              <a:t>wheather</a:t>
+              <a:t> and the blue markers show the panel with 5 or 4 buttons</a:t>
+            </a:r>
+          </a:p>
+          <a:p>
+            <a:r>
+              <a:rPr lang="en-US" baseline="0" dirty="0" smtClean="0"/>
+              <a:t>For car diagnosis the app called Torque is the one that is used</a:t>
             </a:r>
             <a:endParaRPr lang="en-US" dirty="0"/>
           </a:p>
@@ -1739,7 +1853,7 @@
             <a:fld id="{1B06CD8F-B7ED-4A05-9FB1-A01CC0EF02CC}" type="slidenum">
               <a:rPr lang="fr-FR" smtClean="0"/>
               <a:pPr/>
-              <a:t>10</a:t>
+              <a:t>9</a:t>
             </a:fld>
             <a:endParaRPr lang="fr-FR" dirty="0"/>
           </a:p>
@@ -1748,7 +1862,7 @@
     </p:spTree>
     <p:extLst>
       <p:ext uri="{BB962C8B-B14F-4D97-AF65-F5344CB8AC3E}">
-        <p14:creationId xmlns:p14="http://schemas.microsoft.com/office/powerpoint/2010/main" val="1596670375"/>
+        <p14:creationId xmlns:p14="http://schemas.microsoft.com/office/powerpoint/2010/main" val="3316341565"/>
       </p:ext>
     </p:extLst>
   </p:cSld>
@@ -1802,7 +1916,19 @@
           <a:bodyPr/>
           <a:lstStyle/>
           <a:p>
-            <a:endParaRPr lang="en-US"/>
+            <a:r>
+              <a:rPr lang="en-US" dirty="0" smtClean="0"/>
+              <a:t>Here</a:t>
+            </a:r>
+            <a:r>
+              <a:rPr lang="en-US" baseline="0" dirty="0" smtClean="0"/>
+              <a:t> is shown some examples of the home menu, where we see the relevant information, in the case of the phone we see the current destination, the actual music and a received message, in the car dash is shown a received message, a coming appointment and the current </a:t>
+            </a:r>
+            <a:r>
+              <a:rPr lang="en-US" baseline="0" dirty="0" err="1" smtClean="0"/>
+              <a:t>wheather</a:t>
+            </a:r>
+            <a:endParaRPr lang="en-US" dirty="0"/>
           </a:p>
         </p:txBody>
       </p:sp>
@@ -1824,7 +1950,7 @@
             <a:fld id="{1B06CD8F-B7ED-4A05-9FB1-A01CC0EF02CC}" type="slidenum">
               <a:rPr lang="fr-FR" smtClean="0"/>
               <a:pPr/>
-              <a:t>11</a:t>
+              <a:t>10</a:t>
             </a:fld>
             <a:endParaRPr lang="fr-FR" dirty="0"/>
           </a:p>
@@ -1833,7 +1959,7 @@
     </p:spTree>
     <p:extLst>
       <p:ext uri="{BB962C8B-B14F-4D97-AF65-F5344CB8AC3E}">
-        <p14:creationId xmlns:p14="http://schemas.microsoft.com/office/powerpoint/2010/main" val="4260471285"/>
+        <p14:creationId xmlns:p14="http://schemas.microsoft.com/office/powerpoint/2010/main" val="1596670375"/>
       </p:ext>
     </p:extLst>
   </p:cSld>
@@ -1887,13 +2013,7 @@
           <a:bodyPr/>
           <a:lstStyle/>
           <a:p>
-            <a:r>
-              <a:rPr lang="en-GB" dirty="0" smtClean="0"/>
-              <a:t>https://developer.android.com/training/auto/start/index.html#dev-project</a:t>
-            </a:r>
-          </a:p>
-          <a:p>
-            <a:endParaRPr lang="en-GB" dirty="0"/>
+            <a:endParaRPr lang="en-US"/>
           </a:p>
         </p:txBody>
       </p:sp>
@@ -1912,18 +2032,19 @@
           <a:bodyPr/>
           <a:lstStyle/>
           <a:p>
-            <a:fld id="{A5FE6474-0819-4CAC-A677-1ACC1221F957}" type="slidenum">
-              <a:rPr lang="en-GB" smtClean="0"/>
-              <a:t>13</a:t>
+            <a:fld id="{1B06CD8F-B7ED-4A05-9FB1-A01CC0EF02CC}" type="slidenum">
+              <a:rPr lang="fr-FR" smtClean="0"/>
+              <a:pPr/>
+              <a:t>11</a:t>
             </a:fld>
-            <a:endParaRPr lang="en-GB"/>
+            <a:endParaRPr lang="fr-FR" dirty="0"/>
           </a:p>
         </p:txBody>
       </p:sp>
     </p:spTree>
     <p:extLst>
       <p:ext uri="{BB962C8B-B14F-4D97-AF65-F5344CB8AC3E}">
-        <p14:creationId xmlns:p14="http://schemas.microsoft.com/office/powerpoint/2010/main" val="4288258623"/>
+        <p14:creationId xmlns:p14="http://schemas.microsoft.com/office/powerpoint/2010/main" val="4260471285"/>
       </p:ext>
     </p:extLst>
   </p:cSld>
@@ -1977,27 +2098,13 @@
           <a:bodyPr/>
           <a:lstStyle/>
           <a:p>
-            <a:pPr marL="0" marR="0" lvl="0" indent="0" algn="l" defTabSz="914400" rtl="0" eaLnBrk="1" fontAlgn="auto" latinLnBrk="0" hangingPunct="1">
-              <a:lnSpc>
-                <a:spcPct val="100000"/>
-              </a:lnSpc>
-              <a:spcBef>
-                <a:spcPts val="0"/>
-              </a:spcBef>
-              <a:spcAft>
-                <a:spcPts val="0"/>
-              </a:spcAft>
-              <a:buClrTx/>
-              <a:buSzTx/>
-              <a:buFontTx/>
-              <a:buNone/>
-              <a:tabLst/>
-              <a:defRPr/>
-            </a:pPr>
-            <a:r>
-              <a:rPr lang="en-US" dirty="0" smtClean="0"/>
-              <a:t>Android Auto can contact your service to do the following:</a:t>
-            </a:r>
+            <a:r>
+              <a:rPr lang="en-GB" dirty="0" smtClean="0"/>
+              <a:t>https://developer.android.com/training/auto/start/index.html#dev-project</a:t>
+            </a:r>
+          </a:p>
+          <a:p>
+            <a:endParaRPr lang="en-GB" dirty="0"/>
           </a:p>
         </p:txBody>
       </p:sp>
@@ -2018,7 +2125,7 @@
           <a:p>
             <a:fld id="{A5FE6474-0819-4CAC-A677-1ACC1221F957}" type="slidenum">
               <a:rPr lang="en-GB" smtClean="0"/>
-              <a:t>14</a:t>
+              <a:t>13</a:t>
             </a:fld>
             <a:endParaRPr lang="en-GB"/>
           </a:p>
@@ -2027,7 +2134,7 @@
     </p:spTree>
     <p:extLst>
       <p:ext uri="{BB962C8B-B14F-4D97-AF65-F5344CB8AC3E}">
-        <p14:creationId xmlns:p14="http://schemas.microsoft.com/office/powerpoint/2010/main" val="1749210354"/>
+        <p14:creationId xmlns:p14="http://schemas.microsoft.com/office/powerpoint/2010/main" val="4288258623"/>
       </p:ext>
     </p:extLst>
   </p:cSld>
@@ -20896,6 +21003,15 @@
 </file>
 
 <file path=customXml/item1.xml><?xml version="1.0" encoding="utf-8"?>
+<?mso-contentType ?>
+<FormTemplates xmlns="http://schemas.microsoft.com/sharepoint/v3/contenttype/forms">
+  <Display>DocumentLibraryForm</Display>
+  <Edit>DocumentLibraryForm</Edit>
+  <New>DocumentLibraryForm</New>
+</FormTemplates>
+</file>
+
+<file path=customXml/item2.xml><?xml version="1.0" encoding="utf-8"?>
 <ct:contentTypeSchema xmlns:ct="http://schemas.microsoft.com/office/2006/metadata/contentType" xmlns:ma="http://schemas.microsoft.com/office/2006/metadata/properties/metaAttributes" ct:_="" ma:_="" ma:contentTypeName="Document" ma:contentTypeID="0x0101001F419E1A6EA81A4789CC2A27D54FE063" ma:contentTypeVersion="2" ma:contentTypeDescription="Create a new document." ma:contentTypeScope="" ma:versionID="6e5cb36ff88c0f99687fc20d43474a84">
   <xsd:schema xmlns:xsd="http://www.w3.org/2001/XMLSchema" xmlns:xs="http://www.w3.org/2001/XMLSchema" xmlns:p="http://schemas.microsoft.com/office/2006/metadata/properties" targetNamespace="http://schemas.microsoft.com/office/2006/metadata/properties" ma:root="true" ma:fieldsID="0d665e38e66d01d06a7f476fcfe73af8">
     <xsd:element name="properties">
@@ -21009,15 +21125,6 @@
 </ct:contentTypeSchema>
 </file>
 
-<file path=customXml/item2.xml><?xml version="1.0" encoding="utf-8"?>
-<?mso-contentType ?>
-<FormTemplates xmlns="http://schemas.microsoft.com/sharepoint/v3/contenttype/forms">
-  <Display>DocumentLibraryForm</Display>
-  <Edit>DocumentLibraryForm</Edit>
-  <New>DocumentLibraryForm</New>
-</FormTemplates>
-</file>
-
 <file path=customXml/item3.xml><?xml version="1.0" encoding="utf-8"?>
 <p:properties xmlns:p="http://schemas.microsoft.com/office/2006/metadata/properties" xmlns:xsi="http://www.w3.org/2001/XMLSchema-instance" xmlns:pc="http://schemas.microsoft.com/office/infopath/2007/PartnerControls">
   <documentManagement/>
@@ -21025,6 +21132,14 @@
 </file>
 
 <file path=customXml/itemProps1.xml><?xml version="1.0" encoding="utf-8"?>
+<ds:datastoreItem xmlns:ds="http://schemas.openxmlformats.org/officeDocument/2006/customXml" ds:itemID="{74695D99-3EAE-4F55-A2B4-F38051B8FE0A}">
+  <ds:schemaRefs>
+    <ds:schemaRef ds:uri="http://schemas.microsoft.com/sharepoint/v3/contenttype/forms"/>
+  </ds:schemaRefs>
+</ds:datastoreItem>
+</file>
+
+<file path=customXml/itemProps2.xml><?xml version="1.0" encoding="utf-8"?>
 <ds:datastoreItem xmlns:ds="http://schemas.openxmlformats.org/officeDocument/2006/customXml" ds:itemID="{71BEF1E5-09DF-46B0-9968-4DC05085673B}">
   <ds:schemaRefs>
     <ds:schemaRef ds:uri="http://schemas.microsoft.com/office/2006/metadata/contentType"/>
@@ -21036,14 +21151,6 @@
     <ds:schemaRef ds:uri="http://purl.org/dc/terms/"/>
     <ds:schemaRef ds:uri="http://schemas.microsoft.com/internal/obd"/>
     <ds:schemaRef ds:uri="http://schemas.microsoft.com/office/infopath/2007/PartnerControls"/>
-  </ds:schemaRefs>
-</ds:datastoreItem>
-</file>
-
-<file path=customXml/itemProps2.xml><?xml version="1.0" encoding="utf-8"?>
-<ds:datastoreItem xmlns:ds="http://schemas.openxmlformats.org/officeDocument/2006/customXml" ds:itemID="{74695D99-3EAE-4F55-A2B4-F38051B8FE0A}">
-  <ds:schemaRefs>
-    <ds:schemaRef ds:uri="http://schemas.microsoft.com/sharepoint/v3/contenttype/forms"/>
   </ds:schemaRefs>
 </ds:datastoreItem>
 </file>

--- a/PowerPoint Final/Presentation_Joao_Mauro.pptx
+++ b/PowerPoint Final/Presentation_Joao_Mauro.pptx
@@ -1226,6 +1226,211 @@
           <a:bodyPr/>
           <a:lstStyle/>
           <a:p>
+            <a:r>
+              <a:rPr lang="en-US" dirty="0" smtClean="0"/>
+              <a:t>They implemented the Android source code by reconfiguring it into a car OS, without involving Google</a:t>
+            </a:r>
+          </a:p>
+          <a:p>
+            <a:endParaRPr lang="en-US" dirty="0" smtClean="0"/>
+          </a:p>
+          <a:p>
+            <a:r>
+              <a:rPr lang="en-US" dirty="0" smtClean="0"/>
+              <a:t>This attempt, unfortunately, has failed because by the time the product reached the market (after a long development process), the version of Android launched was older and it cannot be updated</a:t>
+            </a:r>
+          </a:p>
+          <a:p>
+            <a:endParaRPr lang="en-US" dirty="0" smtClean="0"/>
+          </a:p>
+          <a:p>
+            <a:r>
+              <a:rPr lang="en-US" dirty="0" smtClean="0"/>
+              <a:t>Though the anticipation that Google will produce a Play Store for the car OS is still not been confirmed. But the latest OS promises the control for Heating, ventilation and air conditioning (HVAC) unit and radio as well.</a:t>
+            </a:r>
+          </a:p>
+          <a:p>
+            <a:endParaRPr lang="en-GB" dirty="0"/>
+          </a:p>
+        </p:txBody>
+      </p:sp>
+      <p:sp>
+        <p:nvSpPr>
+          <p:cNvPr id="4" name="Slide Number Placeholder 3"/>
+          <p:cNvSpPr>
+            <a:spLocks noGrp="1"/>
+          </p:cNvSpPr>
+          <p:nvPr>
+            <p:ph type="sldNum" sz="quarter" idx="10"/>
+          </p:nvPr>
+        </p:nvSpPr>
+        <p:spPr/>
+        <p:txBody>
+          <a:bodyPr/>
+          <a:lstStyle/>
+          <a:p>
+            <a:fld id="{1B06CD8F-B7ED-4A05-9FB1-A01CC0EF02CC}" type="slidenum">
+              <a:rPr lang="fr-FR" smtClean="0"/>
+              <a:pPr/>
+              <a:t>21</a:t>
+            </a:fld>
+            <a:endParaRPr lang="fr-FR" dirty="0"/>
+          </a:p>
+        </p:txBody>
+      </p:sp>
+    </p:spTree>
+    <p:extLst>
+      <p:ext uri="{BB962C8B-B14F-4D97-AF65-F5344CB8AC3E}">
+        <p14:creationId xmlns:p14="http://schemas.microsoft.com/office/powerpoint/2010/main" val="1471383405"/>
+      </p:ext>
+    </p:extLst>
+  </p:cSld>
+  <p:clrMapOvr>
+    <a:masterClrMapping/>
+  </p:clrMapOvr>
+</p:notes>
+</file>
+
+<file path=ppt/notesSlides/notesSlide14.xml><?xml version="1.0" encoding="utf-8"?>
+<p:notes xmlns:a="http://schemas.openxmlformats.org/drawingml/2006/main" xmlns:r="http://schemas.openxmlformats.org/officeDocument/2006/relationships" xmlns:p="http://schemas.openxmlformats.org/presentationml/2006/main">
+  <p:cSld>
+    <p:spTree>
+      <p:nvGrpSpPr>
+        <p:cNvPr id="1" name=""/>
+        <p:cNvGrpSpPr/>
+        <p:nvPr/>
+      </p:nvGrpSpPr>
+      <p:grpSpPr>
+        <a:xfrm>
+          <a:off x="0" y="0"/>
+          <a:ext cx="0" cy="0"/>
+          <a:chOff x="0" y="0"/>
+          <a:chExt cx="0" cy="0"/>
+        </a:xfrm>
+      </p:grpSpPr>
+      <p:sp>
+        <p:nvSpPr>
+          <p:cNvPr id="2" name="Slide Image Placeholder 1"/>
+          <p:cNvSpPr>
+            <a:spLocks noGrp="1" noRot="1" noChangeAspect="1"/>
+          </p:cNvSpPr>
+          <p:nvPr>
+            <p:ph type="sldImg"/>
+          </p:nvPr>
+        </p:nvSpPr>
+        <p:spPr/>
+      </p:sp>
+      <p:sp>
+        <p:nvSpPr>
+          <p:cNvPr id="3" name="Notes Placeholder 2"/>
+          <p:cNvSpPr>
+            <a:spLocks noGrp="1"/>
+          </p:cNvSpPr>
+          <p:nvPr>
+            <p:ph type="body" idx="1"/>
+          </p:nvPr>
+        </p:nvSpPr>
+        <p:spPr/>
+        <p:txBody>
+          <a:bodyPr/>
+          <a:lstStyle/>
+          <a:p>
+            <a:pPr marL="0" marR="0" lvl="0" indent="0" algn="l" defTabSz="914400" rtl="0" eaLnBrk="1" fontAlgn="auto" latinLnBrk="0" hangingPunct="1">
+              <a:lnSpc>
+                <a:spcPct val="100000"/>
+              </a:lnSpc>
+              <a:spcBef>
+                <a:spcPts val="0"/>
+              </a:spcBef>
+              <a:spcAft>
+                <a:spcPts val="0"/>
+              </a:spcAft>
+              <a:buClrTx/>
+              <a:buSzTx/>
+              <a:buFontTx/>
+              <a:buNone/>
+              <a:tabLst/>
+              <a:defRPr/>
+            </a:pPr>
+            <a:r>
+              <a:rPr lang="en-GB" sz="1200" kern="1200" dirty="0" smtClean="0">
+                <a:solidFill>
+                  <a:schemeClr val="tx1"/>
+                </a:solidFill>
+                <a:effectLst/>
+                <a:latin typeface="Arial" pitchFamily="34" charset="0"/>
+                <a:ea typeface="+mn-ea"/>
+                <a:cs typeface="+mn-cs"/>
+              </a:rPr>
+              <a:t> is an actual Android-based operating system designed for vehicles, different from Android Auto.</a:t>
+            </a:r>
+            <a:endParaRPr lang="en-GB" sz="1200" dirty="0" smtClean="0">
+              <a:effectLst/>
+              <a:latin typeface="Calibri" panose="020F0502020204030204" pitchFamily="34" charset="0"/>
+              <a:ea typeface="Calibri" panose="020F0502020204030204" pitchFamily="34" charset="0"/>
+              <a:cs typeface="Times New Roman" panose="02020603050405020304" pitchFamily="18" charset="0"/>
+            </a:endParaRPr>
+          </a:p>
+          <a:p>
+            <a:pPr marL="0" marR="0" lvl="0" indent="0" algn="l" defTabSz="914400" rtl="0" eaLnBrk="1" fontAlgn="auto" latinLnBrk="0" hangingPunct="1">
+              <a:lnSpc>
+                <a:spcPct val="100000"/>
+              </a:lnSpc>
+              <a:spcBef>
+                <a:spcPts val="0"/>
+              </a:spcBef>
+              <a:spcAft>
+                <a:spcPts val="0"/>
+              </a:spcAft>
+              <a:buClrTx/>
+              <a:buSzTx/>
+              <a:buFontTx/>
+              <a:buNone/>
+              <a:tabLst/>
+              <a:defRPr/>
+            </a:pPr>
+            <a:endParaRPr lang="en-GB" sz="1200" dirty="0" smtClean="0">
+              <a:effectLst/>
+              <a:latin typeface="Calibri" panose="020F0502020204030204" pitchFamily="34" charset="0"/>
+              <a:ea typeface="Calibri" panose="020F0502020204030204" pitchFamily="34" charset="0"/>
+              <a:cs typeface="Times New Roman" panose="02020603050405020304" pitchFamily="18" charset="0"/>
+            </a:endParaRPr>
+          </a:p>
+          <a:p>
+            <a:pPr marL="0" marR="0" lvl="0" indent="0" algn="l" defTabSz="914400" rtl="0" eaLnBrk="1" fontAlgn="auto" latinLnBrk="0" hangingPunct="1">
+              <a:lnSpc>
+                <a:spcPct val="100000"/>
+              </a:lnSpc>
+              <a:spcBef>
+                <a:spcPts val="0"/>
+              </a:spcBef>
+              <a:spcAft>
+                <a:spcPts val="0"/>
+              </a:spcAft>
+              <a:buClrTx/>
+              <a:buSzTx/>
+              <a:buFontTx/>
+              <a:buNone/>
+              <a:tabLst/>
+              <a:defRPr/>
+            </a:pPr>
+            <a:r>
+              <a:rPr lang="en-GB" sz="1200" dirty="0" smtClean="0">
+                <a:effectLst/>
+                <a:latin typeface="Calibri" panose="020F0502020204030204" pitchFamily="34" charset="0"/>
+                <a:ea typeface="Calibri" panose="020F0502020204030204" pitchFamily="34" charset="0"/>
+                <a:cs typeface="Times New Roman" panose="02020603050405020304" pitchFamily="18" charset="0"/>
+              </a:rPr>
+              <a:t>Full customization is important for adoption, because many automakers have made it clear that they want to own and control the core experience, which they consider an extension of the car brand itself.</a:t>
+            </a:r>
+            <a:endParaRPr lang="pt-PT" sz="1200" dirty="0" smtClean="0">
+              <a:effectLst/>
+              <a:latin typeface="Calibri" panose="020F0502020204030204" pitchFamily="34" charset="0"/>
+              <a:ea typeface="Calibri" panose="020F0502020204030204" pitchFamily="34" charset="0"/>
+              <a:cs typeface="Times New Roman" panose="02020603050405020304" pitchFamily="18" charset="0"/>
+            </a:endParaRPr>
+          </a:p>
+          <a:p>
             <a:endParaRPr lang="en-US" dirty="0"/>
           </a:p>
         </p:txBody>
@@ -1258,6 +1463,106 @@
     <p:extLst>
       <p:ext uri="{BB962C8B-B14F-4D97-AF65-F5344CB8AC3E}">
         <p14:creationId xmlns:p14="http://schemas.microsoft.com/office/powerpoint/2010/main" val="991357884"/>
+      </p:ext>
+    </p:extLst>
+  </p:cSld>
+  <p:clrMapOvr>
+    <a:masterClrMapping/>
+  </p:clrMapOvr>
+</p:notes>
+</file>
+
+<file path=ppt/notesSlides/notesSlide15.xml><?xml version="1.0" encoding="utf-8"?>
+<p:notes xmlns:a="http://schemas.openxmlformats.org/drawingml/2006/main" xmlns:r="http://schemas.openxmlformats.org/officeDocument/2006/relationships" xmlns:p="http://schemas.openxmlformats.org/presentationml/2006/main">
+  <p:cSld>
+    <p:spTree>
+      <p:nvGrpSpPr>
+        <p:cNvPr id="1" name=""/>
+        <p:cNvGrpSpPr/>
+        <p:nvPr/>
+      </p:nvGrpSpPr>
+      <p:grpSpPr>
+        <a:xfrm>
+          <a:off x="0" y="0"/>
+          <a:ext cx="0" cy="0"/>
+          <a:chOff x="0" y="0"/>
+          <a:chExt cx="0" cy="0"/>
+        </a:xfrm>
+      </p:grpSpPr>
+      <p:sp>
+        <p:nvSpPr>
+          <p:cNvPr id="2" name="Slide Image Placeholder 1"/>
+          <p:cNvSpPr>
+            <a:spLocks noGrp="1" noRot="1" noChangeAspect="1"/>
+          </p:cNvSpPr>
+          <p:nvPr>
+            <p:ph type="sldImg"/>
+          </p:nvPr>
+        </p:nvSpPr>
+        <p:spPr/>
+      </p:sp>
+      <p:sp>
+        <p:nvSpPr>
+          <p:cNvPr id="3" name="Notes Placeholder 2"/>
+          <p:cNvSpPr>
+            <a:spLocks noGrp="1"/>
+          </p:cNvSpPr>
+          <p:nvPr>
+            <p:ph type="body" idx="1"/>
+          </p:nvPr>
+        </p:nvSpPr>
+        <p:spPr/>
+        <p:txBody>
+          <a:bodyPr/>
+          <a:lstStyle/>
+          <a:p>
+            <a:r>
+              <a:rPr lang="en-US" dirty="0" smtClean="0"/>
+              <a:t>A big part of Google's approach with Android in the car is to allow manufacturers to tailor the experience. For Audi, that means using Nokia's Here Maps in addition to Google Maps, and a design that's true to the Audi aesthetic. </a:t>
+            </a:r>
+          </a:p>
+          <a:p>
+            <a:endParaRPr lang="en-US" dirty="0" smtClean="0"/>
+          </a:p>
+          <a:p>
+            <a:r>
+              <a:rPr lang="en-US" dirty="0" smtClean="0"/>
+              <a:t>For Volvo, the company can keep the four-tile screen layout that customers are familiar with, yet still rely on Android to run the vehicle's connected components.</a:t>
+            </a:r>
+          </a:p>
+          <a:p>
+            <a:endParaRPr lang="en-GB" dirty="0"/>
+          </a:p>
+        </p:txBody>
+      </p:sp>
+      <p:sp>
+        <p:nvSpPr>
+          <p:cNvPr id="4" name="Slide Number Placeholder 3"/>
+          <p:cNvSpPr>
+            <a:spLocks noGrp="1"/>
+          </p:cNvSpPr>
+          <p:nvPr>
+            <p:ph type="sldNum" sz="quarter" idx="10"/>
+          </p:nvPr>
+        </p:nvSpPr>
+        <p:spPr/>
+        <p:txBody>
+          <a:bodyPr/>
+          <a:lstStyle/>
+          <a:p>
+            <a:fld id="{1B06CD8F-B7ED-4A05-9FB1-A01CC0EF02CC}" type="slidenum">
+              <a:rPr lang="fr-FR" smtClean="0"/>
+              <a:pPr/>
+              <a:t>24</a:t>
+            </a:fld>
+            <a:endParaRPr lang="fr-FR" dirty="0"/>
+          </a:p>
+        </p:txBody>
+      </p:sp>
+    </p:spTree>
+    <p:extLst>
+      <p:ext uri="{BB962C8B-B14F-4D97-AF65-F5344CB8AC3E}">
+        <p14:creationId xmlns:p14="http://schemas.microsoft.com/office/powerpoint/2010/main" val="3990286277"/>
       </p:ext>
     </p:extLst>
   </p:cSld>
@@ -17319,8 +17624,9 @@
           <a:p>
             <a:r>
               <a:rPr lang="fr-FR" dirty="0"/>
-              <a:t>Embedded Android Auto</a:t>
-            </a:r>
+              <a:t>Embedded Android for Automotive</a:t>
+            </a:r>
+            <a:endParaRPr lang="fr-FR" dirty="0"/>
           </a:p>
         </p:txBody>
       </p:sp>
@@ -17794,8 +18100,8 @@
           <a:lstStyle/>
           <a:p>
             <a:r>
-              <a:rPr lang="fr-FR" dirty="0" smtClean="0"/>
-              <a:t>Embedded Android Auto</a:t>
+              <a:rPr lang="fr-FR" dirty="0"/>
+              <a:t>Embedded Android for Automotive</a:t>
             </a:r>
             <a:endParaRPr lang="fr-FR" dirty="0"/>
           </a:p>
@@ -17855,7 +18161,11 @@
           <a:p>
             <a:r>
               <a:rPr lang="en-US" dirty="0" smtClean="0"/>
-              <a:t>Overview – Embedded Android Auto</a:t>
+              <a:t>Overview – </a:t>
+            </a:r>
+            <a:r>
+              <a:rPr lang="en-US" dirty="0"/>
+              <a:t>Embedded Android for Automotive</a:t>
             </a:r>
             <a:endParaRPr lang="en-US" dirty="0"/>
           </a:p>
@@ -18477,7 +18787,7 @@
           <p:nvPr/>
         </p:nvPicPr>
         <p:blipFill>
-          <a:blip r:embed="rId2" cstate="print">
+          <a:blip r:embed="rId3" cstate="print">
             <a:extLst>
               <a:ext uri="{28A0092B-C50C-407E-A947-70E740481C1C}">
                 <a14:useLocalDpi xmlns:a14="http://schemas.microsoft.com/office/drawing/2010/main" val="0"/>
@@ -18507,7 +18817,7 @@
           <p:nvPr/>
         </p:nvPicPr>
         <p:blipFill>
-          <a:blip r:embed="rId3" cstate="print">
+          <a:blip r:embed="rId4" cstate="print">
             <a:extLst>
               <a:ext uri="{28A0092B-C50C-407E-A947-70E740481C1C}">
                 <a14:useLocalDpi xmlns:a14="http://schemas.microsoft.com/office/drawing/2010/main" val="0"/>
@@ -21003,15 +21313,6 @@
 </file>
 
 <file path=customXml/item1.xml><?xml version="1.0" encoding="utf-8"?>
-<?mso-contentType ?>
-<FormTemplates xmlns="http://schemas.microsoft.com/sharepoint/v3/contenttype/forms">
-  <Display>DocumentLibraryForm</Display>
-  <Edit>DocumentLibraryForm</Edit>
-  <New>DocumentLibraryForm</New>
-</FormTemplates>
-</file>
-
-<file path=customXml/item2.xml><?xml version="1.0" encoding="utf-8"?>
 <ct:contentTypeSchema xmlns:ct="http://schemas.microsoft.com/office/2006/metadata/contentType" xmlns:ma="http://schemas.microsoft.com/office/2006/metadata/properties/metaAttributes" ct:_="" ma:_="" ma:contentTypeName="Document" ma:contentTypeID="0x0101001F419E1A6EA81A4789CC2A27D54FE063" ma:contentTypeVersion="2" ma:contentTypeDescription="Create a new document." ma:contentTypeScope="" ma:versionID="6e5cb36ff88c0f99687fc20d43474a84">
   <xsd:schema xmlns:xsd="http://www.w3.org/2001/XMLSchema" xmlns:xs="http://www.w3.org/2001/XMLSchema" xmlns:p="http://schemas.microsoft.com/office/2006/metadata/properties" targetNamespace="http://schemas.microsoft.com/office/2006/metadata/properties" ma:root="true" ma:fieldsID="0d665e38e66d01d06a7f476fcfe73af8">
     <xsd:element name="properties">
@@ -21125,6 +21426,15 @@
 </ct:contentTypeSchema>
 </file>
 
+<file path=customXml/item2.xml><?xml version="1.0" encoding="utf-8"?>
+<?mso-contentType ?>
+<FormTemplates xmlns="http://schemas.microsoft.com/sharepoint/v3/contenttype/forms">
+  <Display>DocumentLibraryForm</Display>
+  <Edit>DocumentLibraryForm</Edit>
+  <New>DocumentLibraryForm</New>
+</FormTemplates>
+</file>
+
 <file path=customXml/item3.xml><?xml version="1.0" encoding="utf-8"?>
 <p:properties xmlns:p="http://schemas.microsoft.com/office/2006/metadata/properties" xmlns:xsi="http://www.w3.org/2001/XMLSchema-instance" xmlns:pc="http://schemas.microsoft.com/office/infopath/2007/PartnerControls">
   <documentManagement/>
@@ -21132,14 +21442,6 @@
 </file>
 
 <file path=customXml/itemProps1.xml><?xml version="1.0" encoding="utf-8"?>
-<ds:datastoreItem xmlns:ds="http://schemas.openxmlformats.org/officeDocument/2006/customXml" ds:itemID="{74695D99-3EAE-4F55-A2B4-F38051B8FE0A}">
-  <ds:schemaRefs>
-    <ds:schemaRef ds:uri="http://schemas.microsoft.com/sharepoint/v3/contenttype/forms"/>
-  </ds:schemaRefs>
-</ds:datastoreItem>
-</file>
-
-<file path=customXml/itemProps2.xml><?xml version="1.0" encoding="utf-8"?>
 <ds:datastoreItem xmlns:ds="http://schemas.openxmlformats.org/officeDocument/2006/customXml" ds:itemID="{71BEF1E5-09DF-46B0-9968-4DC05085673B}">
   <ds:schemaRefs>
     <ds:schemaRef ds:uri="http://schemas.microsoft.com/office/2006/metadata/contentType"/>
@@ -21151,6 +21453,14 @@
     <ds:schemaRef ds:uri="http://purl.org/dc/terms/"/>
     <ds:schemaRef ds:uri="http://schemas.microsoft.com/internal/obd"/>
     <ds:schemaRef ds:uri="http://schemas.microsoft.com/office/infopath/2007/PartnerControls"/>
+  </ds:schemaRefs>
+</ds:datastoreItem>
+</file>
+
+<file path=customXml/itemProps2.xml><?xml version="1.0" encoding="utf-8"?>
+<ds:datastoreItem xmlns:ds="http://schemas.openxmlformats.org/officeDocument/2006/customXml" ds:itemID="{74695D99-3EAE-4F55-A2B4-F38051B8FE0A}">
+  <ds:schemaRefs>
+    <ds:schemaRef ds:uri="http://schemas.microsoft.com/sharepoint/v3/contenttype/forms"/>
   </ds:schemaRefs>
 </ds:datastoreItem>
 </file>

--- a/PowerPoint Final/Presentation_Joao_Mauro.pptx
+++ b/PowerPoint Final/Presentation_Joao_Mauro.pptx
@@ -950,27 +950,13 @@
           <a:bodyPr/>
           <a:lstStyle/>
           <a:p>
-            <a:pPr marL="0" marR="0" lvl="0" indent="0" algn="l" defTabSz="914400" rtl="0" eaLnBrk="1" fontAlgn="auto" latinLnBrk="0" hangingPunct="1">
-              <a:lnSpc>
-                <a:spcPct val="100000"/>
-              </a:lnSpc>
-              <a:spcBef>
-                <a:spcPts val="0"/>
-              </a:spcBef>
-              <a:spcAft>
-                <a:spcPts val="0"/>
-              </a:spcAft>
-              <a:buClrTx/>
-              <a:buSzTx/>
-              <a:buFontTx/>
-              <a:buNone/>
-              <a:tabLst/>
-              <a:defRPr/>
-            </a:pPr>
-            <a:r>
-              <a:rPr lang="en-US" dirty="0" smtClean="0"/>
-              <a:t>Android Auto can contact your service to do the following:</a:t>
-            </a:r>
+            <a:r>
+              <a:rPr lang="en-GB" dirty="0" smtClean="0"/>
+              <a:t>https://developer.android.com/training/auto/start/index.html#dev-project</a:t>
+            </a:r>
+          </a:p>
+          <a:p>
+            <a:endParaRPr lang="en-GB" dirty="0"/>
           </a:p>
         </p:txBody>
       </p:sp>
@@ -991,7 +977,7 @@
           <a:p>
             <a:fld id="{A5FE6474-0819-4CAC-A677-1ACC1221F957}" type="slidenum">
               <a:rPr lang="en-GB" smtClean="0"/>
-              <a:t>14</a:t>
+              <a:t>13</a:t>
             </a:fld>
             <a:endParaRPr lang="en-GB"/>
           </a:p>
@@ -1000,7 +986,7 @@
     </p:spTree>
     <p:extLst>
       <p:ext uri="{BB962C8B-B14F-4D97-AF65-F5344CB8AC3E}">
-        <p14:creationId xmlns:p14="http://schemas.microsoft.com/office/powerpoint/2010/main" val="1749210354"/>
+        <p14:creationId xmlns:p14="http://schemas.microsoft.com/office/powerpoint/2010/main" val="4288258623"/>
       </p:ext>
     </p:extLst>
   </p:cSld>
@@ -1054,7 +1040,27 @@
           <a:bodyPr/>
           <a:lstStyle/>
           <a:p>
-            <a:endParaRPr lang="en-GB" dirty="0"/>
+            <a:pPr marL="0" marR="0" lvl="0" indent="0" algn="l" defTabSz="914400" rtl="0" eaLnBrk="1" fontAlgn="auto" latinLnBrk="0" hangingPunct="1">
+              <a:lnSpc>
+                <a:spcPct val="100000"/>
+              </a:lnSpc>
+              <a:spcBef>
+                <a:spcPts val="0"/>
+              </a:spcBef>
+              <a:spcAft>
+                <a:spcPts val="0"/>
+              </a:spcAft>
+              <a:buClrTx/>
+              <a:buSzTx/>
+              <a:buFontTx/>
+              <a:buNone/>
+              <a:tabLst/>
+              <a:defRPr/>
+            </a:pPr>
+            <a:r>
+              <a:rPr lang="en-US" dirty="0" smtClean="0"/>
+              <a:t>Android Auto can contact your service to do the following:</a:t>
+            </a:r>
           </a:p>
         </p:txBody>
       </p:sp>
@@ -1075,7 +1081,7 @@
           <a:p>
             <a:fld id="{A5FE6474-0819-4CAC-A677-1ACC1221F957}" type="slidenum">
               <a:rPr lang="en-GB" smtClean="0"/>
-              <a:t>16</a:t>
+              <a:t>14</a:t>
             </a:fld>
             <a:endParaRPr lang="en-GB"/>
           </a:p>
@@ -1084,7 +1090,7 @@
     </p:spTree>
     <p:extLst>
       <p:ext uri="{BB962C8B-B14F-4D97-AF65-F5344CB8AC3E}">
-        <p14:creationId xmlns:p14="http://schemas.microsoft.com/office/powerpoint/2010/main" val="3694532524"/>
+        <p14:creationId xmlns:p14="http://schemas.microsoft.com/office/powerpoint/2010/main" val="1749210354"/>
       </p:ext>
     </p:extLst>
   </p:cSld>
@@ -1138,6 +1144,90 @@
           <a:bodyPr/>
           <a:lstStyle/>
           <a:p>
+            <a:endParaRPr lang="en-GB" dirty="0"/>
+          </a:p>
+        </p:txBody>
+      </p:sp>
+      <p:sp>
+        <p:nvSpPr>
+          <p:cNvPr id="4" name="Slide Number Placeholder 3"/>
+          <p:cNvSpPr>
+            <a:spLocks noGrp="1"/>
+          </p:cNvSpPr>
+          <p:nvPr>
+            <p:ph type="sldNum" sz="quarter" idx="10"/>
+          </p:nvPr>
+        </p:nvSpPr>
+        <p:spPr/>
+        <p:txBody>
+          <a:bodyPr/>
+          <a:lstStyle/>
+          <a:p>
+            <a:fld id="{A5FE6474-0819-4CAC-A677-1ACC1221F957}" type="slidenum">
+              <a:rPr lang="en-GB" smtClean="0"/>
+              <a:t>16</a:t>
+            </a:fld>
+            <a:endParaRPr lang="en-GB"/>
+          </a:p>
+        </p:txBody>
+      </p:sp>
+    </p:spTree>
+    <p:extLst>
+      <p:ext uri="{BB962C8B-B14F-4D97-AF65-F5344CB8AC3E}">
+        <p14:creationId xmlns:p14="http://schemas.microsoft.com/office/powerpoint/2010/main" val="3694532524"/>
+      </p:ext>
+    </p:extLst>
+  </p:cSld>
+  <p:clrMapOvr>
+    <a:masterClrMapping/>
+  </p:clrMapOvr>
+</p:notes>
+</file>
+
+<file path=ppt/notesSlides/notesSlide13.xml><?xml version="1.0" encoding="utf-8"?>
+<p:notes xmlns:a="http://schemas.openxmlformats.org/drawingml/2006/main" xmlns:r="http://schemas.openxmlformats.org/officeDocument/2006/relationships" xmlns:p="http://schemas.openxmlformats.org/presentationml/2006/main">
+  <p:cSld>
+    <p:spTree>
+      <p:nvGrpSpPr>
+        <p:cNvPr id="1" name=""/>
+        <p:cNvGrpSpPr/>
+        <p:nvPr/>
+      </p:nvGrpSpPr>
+      <p:grpSpPr>
+        <a:xfrm>
+          <a:off x="0" y="0"/>
+          <a:ext cx="0" cy="0"/>
+          <a:chOff x="0" y="0"/>
+          <a:chExt cx="0" cy="0"/>
+        </a:xfrm>
+      </p:grpSpPr>
+      <p:sp>
+        <p:nvSpPr>
+          <p:cNvPr id="2" name="Slide Image Placeholder 1"/>
+          <p:cNvSpPr>
+            <a:spLocks noGrp="1" noRot="1" noChangeAspect="1"/>
+          </p:cNvSpPr>
+          <p:nvPr>
+            <p:ph type="sldImg"/>
+          </p:nvPr>
+        </p:nvSpPr>
+        <p:spPr/>
+      </p:sp>
+      <p:sp>
+        <p:nvSpPr>
+          <p:cNvPr id="3" name="Notes Placeholder 2"/>
+          <p:cNvSpPr>
+            <a:spLocks noGrp="1"/>
+          </p:cNvSpPr>
+          <p:nvPr>
+            <p:ph type="body" idx="1"/>
+          </p:nvPr>
+        </p:nvSpPr>
+        <p:spPr/>
+        <p:txBody>
+          <a:bodyPr/>
+          <a:lstStyle/>
+          <a:p>
             <a:r>
               <a:rPr lang="en-GB" dirty="0" smtClean="0"/>
               <a:t>https://developer.android.com/distribute/best-practices/launch/distribute-auto.html#how_to_participate</a:t>
@@ -1182,7 +1272,7 @@
 </p:notes>
 </file>
 
-<file path=ppt/notesSlides/notesSlide13.xml><?xml version="1.0" encoding="utf-8"?>
+<file path=ppt/notesSlides/notesSlide14.xml><?xml version="1.0" encoding="utf-8"?>
 <p:notes xmlns:a="http://schemas.openxmlformats.org/drawingml/2006/main" xmlns:r="http://schemas.openxmlformats.org/officeDocument/2006/relationships" xmlns:p="http://schemas.openxmlformats.org/presentationml/2006/main">
   <p:cSld>
     <p:spTree>
@@ -1413,30 +1503,165 @@
           <a:lstStyle/>
           <a:p>
             <a:r>
-              <a:rPr lang="en-US" dirty="0" smtClean="0"/>
-              <a:t>The biggest advantage to use Android</a:t>
-            </a:r>
-            <a:r>
-              <a:rPr lang="en-US" baseline="0" dirty="0" smtClean="0"/>
-              <a:t> Auto instead of the implemented IVI (in vehicle infotainment) of a brand, is that using android Auto we get updates from google, however in a implemented IVI, once is done is done, there are no updates.</a:t>
-            </a:r>
-          </a:p>
-          <a:p>
-            <a:r>
-              <a:rPr lang="en-US" baseline="0" dirty="0" smtClean="0"/>
-              <a:t>We know there are people who prefer using other apps for GPS Navigation, but in most of the videos and reviews we saw, they say that Google Maps is the best for being more precise and user friendly, than the others</a:t>
-            </a:r>
-          </a:p>
-          <a:p>
-            <a:r>
-              <a:rPr lang="en-US" baseline="0" dirty="0" smtClean="0"/>
-              <a:t>We saw the comparison between voice control system between google and Apple, and the google voice control performs better, in the interpretation of what a person wants to say.</a:t>
-            </a:r>
-          </a:p>
-          <a:p>
-            <a:r>
-              <a:rPr lang="en-US" baseline="0" dirty="0" smtClean="0"/>
-              <a:t>We also don’t need to buy a new car or spend 700€ in a aftermarket display, we can simply use our phone to do the work.</a:t>
+              <a:rPr lang="en-US" sz="1200" b="0" i="0" kern="1200" dirty="0" smtClean="0">
+                <a:solidFill>
+                  <a:schemeClr val="tx1"/>
+                </a:solidFill>
+                <a:effectLst/>
+                <a:latin typeface="Arial" pitchFamily="34" charset="0"/>
+                <a:ea typeface="+mn-ea"/>
+                <a:cs typeface="+mn-cs"/>
+              </a:rPr>
+              <a:t>Android Auto works by projecting Android apps onto </a:t>
+            </a:r>
+            <a:r>
+              <a:rPr lang="en-US" sz="1200" b="0" i="0" kern="1200" dirty="0" err="1" smtClean="0">
+                <a:solidFill>
+                  <a:schemeClr val="tx1"/>
+                </a:solidFill>
+                <a:effectLst/>
+                <a:latin typeface="Arial" pitchFamily="34" charset="0"/>
+                <a:ea typeface="+mn-ea"/>
+                <a:cs typeface="+mn-cs"/>
+              </a:rPr>
+              <a:t>onto</a:t>
+            </a:r>
+            <a:r>
+              <a:rPr lang="en-US" sz="1200" b="0" i="0" kern="1200" dirty="0" smtClean="0">
+                <a:solidFill>
+                  <a:schemeClr val="tx1"/>
+                </a:solidFill>
+                <a:effectLst/>
+                <a:latin typeface="Arial" pitchFamily="34" charset="0"/>
+                <a:ea typeface="+mn-ea"/>
+                <a:cs typeface="+mn-cs"/>
+              </a:rPr>
+              <a:t> the in-car display after the phone has been plugged in to the car via USB</a:t>
+            </a:r>
+          </a:p>
+          <a:p>
+            <a:r>
+              <a:rPr lang="en-US" sz="1200" b="0" i="0" kern="1200" dirty="0" smtClean="0">
+                <a:solidFill>
+                  <a:schemeClr val="tx1"/>
+                </a:solidFill>
+                <a:effectLst/>
+                <a:latin typeface="Arial" pitchFamily="34" charset="0"/>
+                <a:ea typeface="+mn-ea"/>
+                <a:cs typeface="+mn-cs"/>
+              </a:rPr>
+              <a:t>Phone calls </a:t>
+            </a:r>
+            <a:r>
+              <a:rPr lang="en-US" sz="1200" b="0" i="0" kern="1200" smtClean="0">
+                <a:solidFill>
+                  <a:schemeClr val="tx1"/>
+                </a:solidFill>
+                <a:effectLst/>
+                <a:latin typeface="Arial" pitchFamily="34" charset="0"/>
+                <a:ea typeface="+mn-ea"/>
+                <a:cs typeface="+mn-cs"/>
+              </a:rPr>
+              <a:t>are going to be </a:t>
+            </a:r>
+            <a:r>
+              <a:rPr lang="en-US" sz="1200" b="0" i="0" kern="1200" dirty="0" smtClean="0">
+                <a:solidFill>
+                  <a:schemeClr val="tx1"/>
+                </a:solidFill>
+                <a:effectLst/>
+                <a:latin typeface="Arial" pitchFamily="34" charset="0"/>
+                <a:ea typeface="+mn-ea"/>
+                <a:cs typeface="+mn-cs"/>
+              </a:rPr>
+              <a:t>handled over Bluetooth</a:t>
+            </a:r>
+          </a:p>
+          <a:p>
+            <a:r>
+              <a:rPr lang="en-US" sz="1200" b="0" i="0" kern="1200" dirty="0" smtClean="0">
+                <a:solidFill>
+                  <a:schemeClr val="tx1"/>
+                </a:solidFill>
+                <a:effectLst/>
+                <a:latin typeface="Arial" pitchFamily="34" charset="0"/>
+                <a:ea typeface="+mn-ea"/>
+                <a:cs typeface="+mn-cs"/>
+              </a:rPr>
+              <a:t>Useful information</a:t>
+            </a:r>
+            <a:r>
+              <a:rPr lang="en-US" sz="1200" b="0" i="0" kern="1200" baseline="0" dirty="0" smtClean="0">
+                <a:solidFill>
+                  <a:schemeClr val="tx1"/>
+                </a:solidFill>
+                <a:effectLst/>
+                <a:latin typeface="Arial" pitchFamily="34" charset="0"/>
+                <a:ea typeface="+mn-ea"/>
+                <a:cs typeface="+mn-cs"/>
+              </a:rPr>
+              <a:t> such as text messages, a coming call.</a:t>
+            </a:r>
+          </a:p>
+          <a:p>
+            <a:r>
+              <a:rPr lang="en-US" sz="1200" b="0" i="0" kern="1200" baseline="0" dirty="0" smtClean="0">
+                <a:solidFill>
+                  <a:schemeClr val="tx1"/>
+                </a:solidFill>
+                <a:effectLst/>
+                <a:latin typeface="Arial" pitchFamily="34" charset="0"/>
+                <a:ea typeface="+mn-ea"/>
+                <a:cs typeface="+mn-cs"/>
+              </a:rPr>
+              <a:t>Simple cards which presents all the relevant information, in a </a:t>
+            </a:r>
+            <a:r>
+              <a:rPr lang="en-US" sz="1200" b="0" i="0" kern="1200" baseline="0" dirty="0" err="1" smtClean="0">
+                <a:solidFill>
+                  <a:schemeClr val="tx1"/>
+                </a:solidFill>
+                <a:effectLst/>
+                <a:latin typeface="Arial" pitchFamily="34" charset="0"/>
+                <a:ea typeface="+mn-ea"/>
+                <a:cs typeface="+mn-cs"/>
+              </a:rPr>
+              <a:t>intuive</a:t>
+            </a:r>
+            <a:r>
+              <a:rPr lang="en-US" sz="1200" b="0" i="0" kern="1200" baseline="0" dirty="0" smtClean="0">
+                <a:solidFill>
+                  <a:schemeClr val="tx1"/>
+                </a:solidFill>
+                <a:effectLst/>
+                <a:latin typeface="Arial" pitchFamily="34" charset="0"/>
+                <a:ea typeface="+mn-ea"/>
+                <a:cs typeface="+mn-cs"/>
+              </a:rPr>
+              <a:t> way.</a:t>
+            </a:r>
+            <a:endParaRPr lang="en-US" sz="1200" b="0" i="0" kern="1200" dirty="0" smtClean="0">
+              <a:solidFill>
+                <a:schemeClr val="tx1"/>
+              </a:solidFill>
+              <a:effectLst/>
+              <a:latin typeface="Arial" pitchFamily="34" charset="0"/>
+              <a:ea typeface="+mn-ea"/>
+              <a:cs typeface="+mn-cs"/>
+            </a:endParaRPr>
+          </a:p>
+          <a:p>
+            <a:r>
+              <a:rPr lang="en-US" sz="1200" b="0" i="0" kern="1200" dirty="0" smtClean="0">
+                <a:solidFill>
+                  <a:schemeClr val="tx1"/>
+                </a:solidFill>
+                <a:effectLst/>
+                <a:latin typeface="Arial" pitchFamily="34" charset="0"/>
+                <a:ea typeface="+mn-ea"/>
+                <a:cs typeface="+mn-cs"/>
+              </a:rPr>
+              <a:t>Android Auto apps have a consistent design, with large, round buttons for easy touch points, and similar menu structures. The idea is that apps won't be any more distracting than they need to be (which is why user interface elements look the same from one app to another), and generally don't need more than a quick glance to be put to work.</a:t>
             </a:r>
             <a:endParaRPr lang="en-US" dirty="0"/>
           </a:p>
@@ -1460,7 +1685,7 @@
             <a:fld id="{1B06CD8F-B7ED-4A05-9FB1-A01CC0EF02CC}" type="slidenum">
               <a:rPr lang="fr-FR" smtClean="0"/>
               <a:pPr/>
-              <a:t>5</a:t>
+              <a:t>4</a:t>
             </a:fld>
             <a:endParaRPr lang="fr-FR" dirty="0"/>
           </a:p>
@@ -1469,7 +1694,7 @@
     </p:spTree>
     <p:extLst>
       <p:ext uri="{BB962C8B-B14F-4D97-AF65-F5344CB8AC3E}">
-        <p14:creationId xmlns:p14="http://schemas.microsoft.com/office/powerpoint/2010/main" val="3973816794"/>
+        <p14:creationId xmlns:p14="http://schemas.microsoft.com/office/powerpoint/2010/main" val="1830031258"/>
       </p:ext>
     </p:extLst>
   </p:cSld>
@@ -1525,55 +1750,31 @@
           <a:p>
             <a:r>
               <a:rPr lang="en-US" dirty="0" smtClean="0"/>
-              <a:t>Need to be android 5.0 plus</a:t>
-            </a:r>
-          </a:p>
-          <a:p>
-            <a:r>
-              <a:rPr lang="en-US" dirty="0" smtClean="0"/>
-              <a:t>5 panels -&gt; navigation,</a:t>
+              <a:t>The biggest advantage to use Android</a:t>
             </a:r>
             <a:r>
               <a:rPr lang="en-US" baseline="0" dirty="0" smtClean="0"/>
-              <a:t> phone log, home, media, car diagnosis</a:t>
+              <a:t> Auto instead of the implemented IVI (in vehicle infotainment) of a brand, is that using android Auto we get updates from google, however in a implemented IVI, once is done is done, there are no updates.</a:t>
             </a:r>
           </a:p>
           <a:p>
             <a:r>
               <a:rPr lang="en-US" baseline="0" dirty="0" smtClean="0"/>
-              <a:t>Important information, like a message received, from </a:t>
-            </a:r>
-            <a:r>
-              <a:rPr lang="en-US" baseline="0" dirty="0" err="1" smtClean="0"/>
-              <a:t>whatsupp</a:t>
-            </a:r>
+              <a:t>We know there are people who prefer using other apps for GPS Navigation, but in most of the videos and reviews we saw, they say that Google Maps is the best for being more precise and user friendly, than the others</a:t>
+            </a:r>
+          </a:p>
+          <a:p>
             <a:r>
               <a:rPr lang="en-US" baseline="0" dirty="0" smtClean="0"/>
-              <a:t>, </a:t>
-            </a:r>
-            <a:r>
-              <a:rPr lang="en-US" baseline="0" dirty="0" err="1" smtClean="0"/>
-              <a:t>facebook</a:t>
-            </a:r>
+              <a:t>We saw the comparison between voice control system between google and Apple, and the google voice control performs better, in the interpretation of what a person wants to say.</a:t>
+            </a:r>
+          </a:p>
+          <a:p>
             <a:r>
               <a:rPr lang="en-US" baseline="0" dirty="0" smtClean="0"/>
-              <a:t> </a:t>
-            </a:r>
-            <a:r>
-              <a:rPr lang="en-US" baseline="0" dirty="0" err="1" smtClean="0"/>
-              <a:t>messeger</a:t>
-            </a:r>
-            <a:r>
-              <a:rPr lang="en-US" baseline="0" dirty="0" smtClean="0"/>
-              <a:t> or hangouts</a:t>
-            </a:r>
-          </a:p>
-          <a:p>
-            <a:r>
-              <a:rPr lang="en-US" baseline="0" dirty="0" smtClean="0"/>
-              <a:t>A phone call incoming</a:t>
-            </a:r>
-            <a:endParaRPr lang="en-US" dirty="0" smtClean="0"/>
+              <a:t>We also don’t need to buy a new car or spend 700€ in a aftermarket display, we can simply use our phone to do the work.</a:t>
+            </a:r>
+            <a:endParaRPr lang="en-US" dirty="0"/>
           </a:p>
         </p:txBody>
       </p:sp>
@@ -1595,7 +1796,7 @@
             <a:fld id="{1B06CD8F-B7ED-4A05-9FB1-A01CC0EF02CC}" type="slidenum">
               <a:rPr lang="fr-FR" smtClean="0"/>
               <a:pPr/>
-              <a:t>7</a:t>
+              <a:t>5</a:t>
             </a:fld>
             <a:endParaRPr lang="fr-FR" dirty="0"/>
           </a:p>
@@ -1604,7 +1805,7 @@
     </p:spTree>
     <p:extLst>
       <p:ext uri="{BB962C8B-B14F-4D97-AF65-F5344CB8AC3E}">
-        <p14:creationId xmlns:p14="http://schemas.microsoft.com/office/powerpoint/2010/main" val="1564263606"/>
+        <p14:creationId xmlns:p14="http://schemas.microsoft.com/office/powerpoint/2010/main" val="3973816794"/>
       </p:ext>
     </p:extLst>
   </p:cSld>
@@ -1660,79 +1861,70 @@
           <a:p>
             <a:r>
               <a:rPr lang="en-US" dirty="0" smtClean="0"/>
-              <a:t>Like said before, the car sound system is connected</a:t>
+              <a:t>Need to be android 5.0 plus</a:t>
+            </a:r>
+          </a:p>
+          <a:p>
+            <a:r>
+              <a:rPr lang="en-US" dirty="0" smtClean="0"/>
+              <a:t>5 panels -&gt; navigation,</a:t>
             </a:r>
             <a:r>
               <a:rPr lang="en-US" baseline="0" dirty="0" smtClean="0"/>
-              <a:t> via </a:t>
+              <a:t> phone log, home, media, car </a:t>
+            </a:r>
+            <a:r>
+              <a:rPr lang="en-US" baseline="0" dirty="0" smtClean="0"/>
+              <a:t>diagnosis</a:t>
+            </a:r>
+          </a:p>
+          <a:p>
+            <a:r>
+              <a:rPr lang="en-US" baseline="0" dirty="0" smtClean="0"/>
+              <a:t>Home menu is organized in order to show some info like the weather current song, current destination and upcoming </a:t>
             </a:r>
             <a:r>
               <a:rPr lang="en-US" baseline="0" dirty="0" err="1" smtClean="0"/>
-              <a:t>bluethoot</a:t>
-            </a:r>
+              <a:t>appoitments</a:t>
+            </a:r>
+            <a:endParaRPr lang="en-US" baseline="0" dirty="0" smtClean="0"/>
+          </a:p>
+          <a:p>
             <a:r>
               <a:rPr lang="en-US" baseline="0" dirty="0" smtClean="0"/>
-              <a:t>.</a:t>
-            </a:r>
-          </a:p>
-          <a:p>
+              <a:t>Important information, like a message received, from </a:t>
+            </a:r>
+            <a:r>
+              <a:rPr lang="en-US" baseline="0" dirty="0" err="1" smtClean="0"/>
+              <a:t>whatsupp</a:t>
+            </a:r>
             <a:r>
               <a:rPr lang="en-US" baseline="0" dirty="0" smtClean="0"/>
-              <a:t>We have a lot of options to start a voice command, for example if we use the “OK Google”, we don’t need to touch the screen, and keep the eyes on the road at the same time we are doing something else.</a:t>
-            </a:r>
-          </a:p>
-          <a:p>
+              <a:t>, </a:t>
+            </a:r>
+            <a:r>
+              <a:rPr lang="en-US" baseline="0" dirty="0" err="1" smtClean="0"/>
+              <a:t>facebook</a:t>
+            </a:r>
             <a:r>
               <a:rPr lang="en-US" baseline="0" dirty="0" smtClean="0"/>
-              <a:t>A example to set the destination we can say “OK Google, set directions to …” and we say the address.</a:t>
-            </a:r>
-          </a:p>
-          <a:p>
+              <a:t> </a:t>
+            </a:r>
+            <a:r>
+              <a:rPr lang="en-US" baseline="0" dirty="0" err="1" smtClean="0"/>
+              <a:t>messeger</a:t>
+            </a:r>
             <a:r>
               <a:rPr lang="en-US" baseline="0" dirty="0" smtClean="0"/>
-              <a:t>We can also ask for a </a:t>
-            </a:r>
-            <a:r>
-              <a:rPr lang="en-US" sz="1200" b="0" i="0" kern="1200" dirty="0" smtClean="0">
-                <a:solidFill>
-                  <a:schemeClr val="tx1"/>
-                </a:solidFill>
-                <a:effectLst/>
-                <a:latin typeface="Arial" pitchFamily="34" charset="0"/>
-                <a:ea typeface="+mn-ea"/>
-                <a:cs typeface="+mn-cs"/>
-              </a:rPr>
-              <a:t>specific</a:t>
-            </a:r>
+              <a:t> or hangouts</a:t>
+            </a:r>
+          </a:p>
+          <a:p>
             <a:r>
               <a:rPr lang="en-US" baseline="0" dirty="0" smtClean="0"/>
-              <a:t> song in a </a:t>
-            </a:r>
-            <a:r>
-              <a:rPr lang="en-US" sz="1200" b="0" i="0" kern="1200" dirty="0" smtClean="0">
-                <a:solidFill>
-                  <a:schemeClr val="tx1"/>
-                </a:solidFill>
-                <a:effectLst/>
-                <a:latin typeface="Arial" pitchFamily="34" charset="0"/>
-                <a:ea typeface="+mn-ea"/>
-                <a:cs typeface="+mn-cs"/>
-              </a:rPr>
-              <a:t>specific</a:t>
-            </a:r>
-            <a:r>
-              <a:rPr lang="en-US" baseline="0" dirty="0" smtClean="0"/>
-              <a:t> app</a:t>
-            </a:r>
-          </a:p>
-          <a:p>
-            <a:r>
-              <a:rPr lang="en-US" baseline="0" dirty="0" smtClean="0"/>
-              <a:t>Basically, We can use every OK Google command available for android system</a:t>
-            </a:r>
-          </a:p>
-          <a:p>
-            <a:endParaRPr lang="en-US" dirty="0"/>
+              <a:t>A phone call incoming</a:t>
+            </a:r>
+            <a:endParaRPr lang="en-US" dirty="0" smtClean="0"/>
           </a:p>
         </p:txBody>
       </p:sp>
@@ -1754,7 +1946,7 @@
             <a:fld id="{1B06CD8F-B7ED-4A05-9FB1-A01CC0EF02CC}" type="slidenum">
               <a:rPr lang="fr-FR" smtClean="0"/>
               <a:pPr/>
-              <a:t>8</a:t>
+              <a:t>7</a:t>
             </a:fld>
             <a:endParaRPr lang="fr-FR" dirty="0"/>
           </a:p>
@@ -1763,7 +1955,7 @@
     </p:spTree>
     <p:extLst>
       <p:ext uri="{BB962C8B-B14F-4D97-AF65-F5344CB8AC3E}">
-        <p14:creationId xmlns:p14="http://schemas.microsoft.com/office/powerpoint/2010/main" val="4291574160"/>
+        <p14:creationId xmlns:p14="http://schemas.microsoft.com/office/powerpoint/2010/main" val="1564263606"/>
       </p:ext>
     </p:extLst>
   </p:cSld>
@@ -1819,18 +2011,78 @@
           <a:p>
             <a:r>
               <a:rPr lang="en-US" dirty="0" smtClean="0"/>
-              <a:t>Here is shown the phone screen and the car dash screen,</a:t>
+              <a:t>Like said before, the car sound system is connected</a:t>
             </a:r>
             <a:r>
               <a:rPr lang="en-US" baseline="0" dirty="0" smtClean="0"/>
-              <a:t> and the blue markers show the panel with 5 or 4 buttons</a:t>
-            </a:r>
-          </a:p>
-          <a:p>
+              <a:t> via </a:t>
+            </a:r>
+            <a:r>
+              <a:rPr lang="en-US" baseline="0" dirty="0" err="1" smtClean="0"/>
+              <a:t>bluethoot</a:t>
+            </a:r>
             <a:r>
               <a:rPr lang="en-US" baseline="0" dirty="0" smtClean="0"/>
-              <a:t>For car diagnosis the app called Torque is the one that is used</a:t>
-            </a:r>
+              <a:t>.</a:t>
+            </a:r>
+          </a:p>
+          <a:p>
+            <a:r>
+              <a:rPr lang="en-US" baseline="0" dirty="0" smtClean="0"/>
+              <a:t>We have a lot of options to start a voice command, for example if we use the “OK Google”, we don’t need to touch the screen, and keep the eyes on the road at the same time we are doing something else.</a:t>
+            </a:r>
+          </a:p>
+          <a:p>
+            <a:r>
+              <a:rPr lang="en-US" baseline="0" dirty="0" smtClean="0"/>
+              <a:t>A example to set the destination we can say “OK Google, set directions to …” and we say the address.</a:t>
+            </a:r>
+          </a:p>
+          <a:p>
+            <a:r>
+              <a:rPr lang="en-US" baseline="0" dirty="0" smtClean="0"/>
+              <a:t>We can also ask for a </a:t>
+            </a:r>
+            <a:r>
+              <a:rPr lang="en-US" sz="1200" b="0" i="0" kern="1200" dirty="0" smtClean="0">
+                <a:solidFill>
+                  <a:schemeClr val="tx1"/>
+                </a:solidFill>
+                <a:effectLst/>
+                <a:latin typeface="Arial" pitchFamily="34" charset="0"/>
+                <a:ea typeface="+mn-ea"/>
+                <a:cs typeface="+mn-cs"/>
+              </a:rPr>
+              <a:t>specific</a:t>
+            </a:r>
+            <a:r>
+              <a:rPr lang="en-US" baseline="0" dirty="0" smtClean="0"/>
+              <a:t> song in a </a:t>
+            </a:r>
+            <a:r>
+              <a:rPr lang="en-US" sz="1200" b="0" i="0" kern="1200" dirty="0" smtClean="0">
+                <a:solidFill>
+                  <a:schemeClr val="tx1"/>
+                </a:solidFill>
+                <a:effectLst/>
+                <a:latin typeface="Arial" pitchFamily="34" charset="0"/>
+                <a:ea typeface="+mn-ea"/>
+                <a:cs typeface="+mn-cs"/>
+              </a:rPr>
+              <a:t>specific</a:t>
+            </a:r>
+            <a:r>
+              <a:rPr lang="en-US" baseline="0" dirty="0" smtClean="0"/>
+              <a:t> app</a:t>
+            </a:r>
+          </a:p>
+          <a:p>
+            <a:r>
+              <a:rPr lang="en-US" baseline="0" dirty="0" smtClean="0"/>
+              <a:t>Basically, We can use every OK Google command available for android system</a:t>
+            </a:r>
+          </a:p>
+          <a:p>
             <a:endParaRPr lang="en-US" dirty="0"/>
           </a:p>
         </p:txBody>
@@ -1853,7 +2105,7 @@
             <a:fld id="{1B06CD8F-B7ED-4A05-9FB1-A01CC0EF02CC}" type="slidenum">
               <a:rPr lang="fr-FR" smtClean="0"/>
               <a:pPr/>
-              <a:t>9</a:t>
+              <a:t>8</a:t>
             </a:fld>
             <a:endParaRPr lang="fr-FR" dirty="0"/>
           </a:p>
@@ -1862,7 +2114,7 @@
     </p:spTree>
     <p:extLst>
       <p:ext uri="{BB962C8B-B14F-4D97-AF65-F5344CB8AC3E}">
-        <p14:creationId xmlns:p14="http://schemas.microsoft.com/office/powerpoint/2010/main" val="3316341565"/>
+        <p14:creationId xmlns:p14="http://schemas.microsoft.com/office/powerpoint/2010/main" val="4291574160"/>
       </p:ext>
     </p:extLst>
   </p:cSld>
@@ -1918,15 +2170,17 @@
           <a:p>
             <a:r>
               <a:rPr lang="en-US" dirty="0" smtClean="0"/>
-              <a:t>Here</a:t>
+              <a:t>Here is shown the phone screen and the car dash screen,</a:t>
             </a:r>
             <a:r>
               <a:rPr lang="en-US" baseline="0" dirty="0" smtClean="0"/>
-              <a:t> is shown some examples of the home menu, where we see the relevant information, in the case of the phone we see the current destination, the actual music and a received message, in the car dash is shown a received message, a coming appointment and the current </a:t>
-            </a:r>
-            <a:r>
-              <a:rPr lang="en-US" baseline="0" dirty="0" err="1" smtClean="0"/>
-              <a:t>wheather</a:t>
+              <a:t> and the blue markers show the panel with 5 or 4 buttons</a:t>
+            </a:r>
+          </a:p>
+          <a:p>
+            <a:r>
+              <a:rPr lang="en-US" baseline="0" dirty="0" smtClean="0"/>
+              <a:t>For car diagnosis the app called Torque is the one that is used</a:t>
             </a:r>
             <a:endParaRPr lang="en-US" dirty="0"/>
           </a:p>
@@ -1950,7 +2204,7 @@
             <a:fld id="{1B06CD8F-B7ED-4A05-9FB1-A01CC0EF02CC}" type="slidenum">
               <a:rPr lang="fr-FR" smtClean="0"/>
               <a:pPr/>
-              <a:t>10</a:t>
+              <a:t>9</a:t>
             </a:fld>
             <a:endParaRPr lang="fr-FR" dirty="0"/>
           </a:p>
@@ -1959,7 +2213,7 @@
     </p:spTree>
     <p:extLst>
       <p:ext uri="{BB962C8B-B14F-4D97-AF65-F5344CB8AC3E}">
-        <p14:creationId xmlns:p14="http://schemas.microsoft.com/office/powerpoint/2010/main" val="1596670375"/>
+        <p14:creationId xmlns:p14="http://schemas.microsoft.com/office/powerpoint/2010/main" val="3316341565"/>
       </p:ext>
     </p:extLst>
   </p:cSld>
@@ -2013,7 +2267,19 @@
           <a:bodyPr/>
           <a:lstStyle/>
           <a:p>
-            <a:endParaRPr lang="en-US"/>
+            <a:r>
+              <a:rPr lang="en-US" dirty="0" smtClean="0"/>
+              <a:t>Here</a:t>
+            </a:r>
+            <a:r>
+              <a:rPr lang="en-US" baseline="0" dirty="0" smtClean="0"/>
+              <a:t> is shown some examples of the home menu, where we see the relevant information, in the case of the phone we see the current destination, the actual music and a received message, in the car dash is shown a received message, a coming appointment and the current </a:t>
+            </a:r>
+            <a:r>
+              <a:rPr lang="en-US" baseline="0" dirty="0" err="1" smtClean="0"/>
+              <a:t>wheather</a:t>
+            </a:r>
+            <a:endParaRPr lang="en-US" dirty="0"/>
           </a:p>
         </p:txBody>
       </p:sp>
@@ -2035,7 +2301,7 @@
             <a:fld id="{1B06CD8F-B7ED-4A05-9FB1-A01CC0EF02CC}" type="slidenum">
               <a:rPr lang="fr-FR" smtClean="0"/>
               <a:pPr/>
-              <a:t>11</a:t>
+              <a:t>10</a:t>
             </a:fld>
             <a:endParaRPr lang="fr-FR" dirty="0"/>
           </a:p>
@@ -2044,7 +2310,7 @@
     </p:spTree>
     <p:extLst>
       <p:ext uri="{BB962C8B-B14F-4D97-AF65-F5344CB8AC3E}">
-        <p14:creationId xmlns:p14="http://schemas.microsoft.com/office/powerpoint/2010/main" val="4260471285"/>
+        <p14:creationId xmlns:p14="http://schemas.microsoft.com/office/powerpoint/2010/main" val="1596670375"/>
       </p:ext>
     </p:extLst>
   </p:cSld>
@@ -2098,13 +2364,7 @@
           <a:bodyPr/>
           <a:lstStyle/>
           <a:p>
-            <a:r>
-              <a:rPr lang="en-GB" dirty="0" smtClean="0"/>
-              <a:t>https://developer.android.com/training/auto/start/index.html#dev-project</a:t>
-            </a:r>
-          </a:p>
-          <a:p>
-            <a:endParaRPr lang="en-GB" dirty="0"/>
+            <a:endParaRPr lang="en-US"/>
           </a:p>
         </p:txBody>
       </p:sp>
@@ -2123,18 +2383,19 @@
           <a:bodyPr/>
           <a:lstStyle/>
           <a:p>
-            <a:fld id="{A5FE6474-0819-4CAC-A677-1ACC1221F957}" type="slidenum">
-              <a:rPr lang="en-GB" smtClean="0"/>
-              <a:t>13</a:t>
+            <a:fld id="{1B06CD8F-B7ED-4A05-9FB1-A01CC0EF02CC}" type="slidenum">
+              <a:rPr lang="fr-FR" smtClean="0"/>
+              <a:pPr/>
+              <a:t>11</a:t>
             </a:fld>
-            <a:endParaRPr lang="en-GB"/>
+            <a:endParaRPr lang="fr-FR" dirty="0"/>
           </a:p>
         </p:txBody>
       </p:sp>
     </p:spTree>
     <p:extLst>
       <p:ext uri="{BB962C8B-B14F-4D97-AF65-F5344CB8AC3E}">
-        <p14:creationId xmlns:p14="http://schemas.microsoft.com/office/powerpoint/2010/main" val="4288258623"/>
+        <p14:creationId xmlns:p14="http://schemas.microsoft.com/office/powerpoint/2010/main" val="4260471285"/>
       </p:ext>
     </p:extLst>
   </p:cSld>
@@ -17475,7 +17736,15 @@
             </a:pPr>
             <a:r>
               <a:rPr lang="en-US" dirty="0" smtClean="0"/>
-              <a:t>There are 37 brands of cars that have already implemented Android auto in some models, such as: Audi, Chevrolet, Lamborghini and Volvo</a:t>
+              <a:t>There are 37 brands of cars that have </a:t>
+            </a:r>
+            <a:r>
+              <a:rPr lang="en-US" dirty="0" smtClean="0"/>
+              <a:t>already </a:t>
+            </a:r>
+            <a:r>
+              <a:rPr lang="en-US" dirty="0" smtClean="0"/>
+              <a:t>implemented Android auto in some models, such as: Audi, Chevrolet, Lamborghini and Volvo</a:t>
             </a:r>
           </a:p>
           <a:p>
@@ -18898,7 +19167,15 @@
             </a:pPr>
             <a:r>
               <a:rPr lang="en-US" dirty="0" smtClean="0"/>
-              <a:t>Android Application for smartphone that allows a connection with the car using a USB cable</a:t>
+              <a:t>Android Application for smartphone that allows a connection with the </a:t>
+            </a:r>
+            <a:r>
+              <a:rPr lang="en-US" dirty="0" smtClean="0"/>
+              <a:t>car dash display </a:t>
+            </a:r>
+            <a:r>
+              <a:rPr lang="en-US" dirty="0" smtClean="0"/>
+              <a:t>using a USB cable</a:t>
             </a:r>
           </a:p>
           <a:p>
@@ -19160,8 +19437,9 @@
             </a:pPr>
             <a:r>
               <a:rPr lang="en-US" dirty="0" smtClean="0"/>
-              <a:t>Voice Control </a:t>
-            </a:r>
+              <a:t>Voice Command </a:t>
+            </a:r>
+            <a:endParaRPr lang="en-US" dirty="0" smtClean="0"/>
           </a:p>
           <a:p>
             <a:pPr marL="171450" indent="-171450" algn="l">
@@ -19174,7 +19452,15 @@
             <a:pPr marL="280988" lvl="1" indent="-171450" algn="l"/>
             <a:r>
               <a:rPr lang="en-US" dirty="0" smtClean="0"/>
-              <a:t>Speech recognition from Google is more refined, and his able to interpret more commands</a:t>
+              <a:t>Speech recognition from </a:t>
+            </a:r>
+            <a:r>
+              <a:rPr lang="en-US" dirty="0" smtClean="0"/>
+              <a:t>Google </a:t>
+            </a:r>
+            <a:r>
+              <a:rPr lang="en-US" dirty="0" smtClean="0"/>
+              <a:t>is more refined, and his able to interpret more commands</a:t>
             </a:r>
             <a:endParaRPr lang="en-US" dirty="0"/>
           </a:p>
@@ -19734,7 +20020,7 @@
           <a:p>
             <a:r>
               <a:rPr lang="en-US" dirty="0" smtClean="0"/>
-              <a:t>Voice Command</a:t>
+              <a:t>Google Assistant</a:t>
             </a:r>
             <a:endParaRPr lang="en-US" dirty="0"/>
           </a:p>
@@ -19761,7 +20047,15 @@
             </a:pPr>
             <a:r>
               <a:rPr lang="en-US" dirty="0" smtClean="0"/>
-              <a:t>To start Voice Command we can use:</a:t>
+              <a:t>To start </a:t>
+            </a:r>
+            <a:r>
+              <a:rPr lang="en-US" dirty="0" smtClean="0"/>
+              <a:t>Google Assistant we </a:t>
+            </a:r>
+            <a:r>
+              <a:rPr lang="en-US" dirty="0" smtClean="0"/>
+              <a:t>can use:</a:t>
             </a:r>
           </a:p>
           <a:p>
@@ -19823,7 +20117,15 @@
             </a:pPr>
             <a:r>
               <a:rPr lang="en-US" dirty="0" smtClean="0"/>
-              <a:t>Using Voice Command we can:</a:t>
+              <a:t>Using </a:t>
+            </a:r>
+            <a:r>
+              <a:rPr lang="en-US" dirty="0" smtClean="0"/>
+              <a:t>Google Assistant we </a:t>
+            </a:r>
+            <a:r>
+              <a:rPr lang="en-US" dirty="0" smtClean="0"/>
+              <a:t>can:</a:t>
             </a:r>
           </a:p>
           <a:p>
@@ -21003,15 +21305,6 @@
 </file>
 
 <file path=customXml/item1.xml><?xml version="1.0" encoding="utf-8"?>
-<?mso-contentType ?>
-<FormTemplates xmlns="http://schemas.microsoft.com/sharepoint/v3/contenttype/forms">
-  <Display>DocumentLibraryForm</Display>
-  <Edit>DocumentLibraryForm</Edit>
-  <New>DocumentLibraryForm</New>
-</FormTemplates>
-</file>
-
-<file path=customXml/item2.xml><?xml version="1.0" encoding="utf-8"?>
 <ct:contentTypeSchema xmlns:ct="http://schemas.microsoft.com/office/2006/metadata/contentType" xmlns:ma="http://schemas.microsoft.com/office/2006/metadata/properties/metaAttributes" ct:_="" ma:_="" ma:contentTypeName="Document" ma:contentTypeID="0x0101001F419E1A6EA81A4789CC2A27D54FE063" ma:contentTypeVersion="2" ma:contentTypeDescription="Create a new document." ma:contentTypeScope="" ma:versionID="6e5cb36ff88c0f99687fc20d43474a84">
   <xsd:schema xmlns:xsd="http://www.w3.org/2001/XMLSchema" xmlns:xs="http://www.w3.org/2001/XMLSchema" xmlns:p="http://schemas.microsoft.com/office/2006/metadata/properties" targetNamespace="http://schemas.microsoft.com/office/2006/metadata/properties" ma:root="true" ma:fieldsID="0d665e38e66d01d06a7f476fcfe73af8">
     <xsd:element name="properties">
@@ -21125,6 +21418,15 @@
 </ct:contentTypeSchema>
 </file>
 
+<file path=customXml/item2.xml><?xml version="1.0" encoding="utf-8"?>
+<?mso-contentType ?>
+<FormTemplates xmlns="http://schemas.microsoft.com/sharepoint/v3/contenttype/forms">
+  <Display>DocumentLibraryForm</Display>
+  <Edit>DocumentLibraryForm</Edit>
+  <New>DocumentLibraryForm</New>
+</FormTemplates>
+</file>
+
 <file path=customXml/item3.xml><?xml version="1.0" encoding="utf-8"?>
 <p:properties xmlns:p="http://schemas.microsoft.com/office/2006/metadata/properties" xmlns:xsi="http://www.w3.org/2001/XMLSchema-instance" xmlns:pc="http://schemas.microsoft.com/office/infopath/2007/PartnerControls">
   <documentManagement/>
@@ -21132,14 +21434,6 @@
 </file>
 
 <file path=customXml/itemProps1.xml><?xml version="1.0" encoding="utf-8"?>
-<ds:datastoreItem xmlns:ds="http://schemas.openxmlformats.org/officeDocument/2006/customXml" ds:itemID="{74695D99-3EAE-4F55-A2B4-F38051B8FE0A}">
-  <ds:schemaRefs>
-    <ds:schemaRef ds:uri="http://schemas.microsoft.com/sharepoint/v3/contenttype/forms"/>
-  </ds:schemaRefs>
-</ds:datastoreItem>
-</file>
-
-<file path=customXml/itemProps2.xml><?xml version="1.0" encoding="utf-8"?>
 <ds:datastoreItem xmlns:ds="http://schemas.openxmlformats.org/officeDocument/2006/customXml" ds:itemID="{71BEF1E5-09DF-46B0-9968-4DC05085673B}">
   <ds:schemaRefs>
     <ds:schemaRef ds:uri="http://schemas.microsoft.com/office/2006/metadata/contentType"/>
@@ -21155,17 +21449,25 @@
 </ds:datastoreItem>
 </file>
 
+<file path=customXml/itemProps2.xml><?xml version="1.0" encoding="utf-8"?>
+<ds:datastoreItem xmlns:ds="http://schemas.openxmlformats.org/officeDocument/2006/customXml" ds:itemID="{74695D99-3EAE-4F55-A2B4-F38051B8FE0A}">
+  <ds:schemaRefs>
+    <ds:schemaRef ds:uri="http://schemas.microsoft.com/sharepoint/v3/contenttype/forms"/>
+  </ds:schemaRefs>
+</ds:datastoreItem>
+</file>
+
 <file path=customXml/itemProps3.xml><?xml version="1.0" encoding="utf-8"?>
 <ds:datastoreItem xmlns:ds="http://schemas.openxmlformats.org/officeDocument/2006/customXml" ds:itemID="{65F64EBE-3065-4A3D-B86E-F21B0406FD66}">
   <ds:schemaRefs>
-    <ds:schemaRef ds:uri="http://purl.org/dc/dcmitype/"/>
+    <ds:schemaRef ds:uri="http://schemas.microsoft.com/office/2006/metadata/properties"/>
+    <ds:schemaRef ds:uri="http://schemas.microsoft.com/office/2006/documentManagement/types"/>
     <ds:schemaRef ds:uri="http://www.w3.org/XML/1998/namespace"/>
     <ds:schemaRef ds:uri="http://purl.org/dc/elements/1.1/"/>
+    <ds:schemaRef ds:uri="http://schemas.openxmlformats.org/package/2006/metadata/core-properties"/>
     <ds:schemaRef ds:uri="http://schemas.microsoft.com/office/infopath/2007/PartnerControls"/>
+    <ds:schemaRef ds:uri="http://purl.org/dc/dcmitype/"/>
     <ds:schemaRef ds:uri="http://purl.org/dc/terms/"/>
-    <ds:schemaRef ds:uri="http://schemas.microsoft.com/office/2006/documentManagement/types"/>
-    <ds:schemaRef ds:uri="http://schemas.openxmlformats.org/package/2006/metadata/core-properties"/>
-    <ds:schemaRef ds:uri="http://schemas.microsoft.com/office/2006/metadata/properties"/>
   </ds:schemaRefs>
 </ds:datastoreItem>
 </file>
--- a/PowerPoint Final/Presentation_Joao_Mauro.pptx
+++ b/PowerPoint Final/Presentation_Joao_Mauro.pptx
@@ -950,13 +950,27 @@
           <a:bodyPr/>
           <a:lstStyle/>
           <a:p>
-            <a:r>
-              <a:rPr lang="en-GB" dirty="0" smtClean="0"/>
-              <a:t>https://developer.android.com/training/auto/start/index.html#dev-project</a:t>
-            </a:r>
-          </a:p>
-          <a:p>
-            <a:endParaRPr lang="en-GB" dirty="0"/>
+            <a:pPr marL="0" marR="0" lvl="0" indent="0" algn="l" defTabSz="914400" rtl="0" eaLnBrk="1" fontAlgn="auto" latinLnBrk="0" hangingPunct="1">
+              <a:lnSpc>
+                <a:spcPct val="100000"/>
+              </a:lnSpc>
+              <a:spcBef>
+                <a:spcPts val="0"/>
+              </a:spcBef>
+              <a:spcAft>
+                <a:spcPts val="0"/>
+              </a:spcAft>
+              <a:buClrTx/>
+              <a:buSzTx/>
+              <a:buFontTx/>
+              <a:buNone/>
+              <a:tabLst/>
+              <a:defRPr/>
+            </a:pPr>
+            <a:r>
+              <a:rPr lang="en-US" dirty="0" smtClean="0"/>
+              <a:t>Android Auto can contact your service to do the following:</a:t>
+            </a:r>
           </a:p>
         </p:txBody>
       </p:sp>
@@ -977,7 +991,7 @@
           <a:p>
             <a:fld id="{A5FE6474-0819-4CAC-A677-1ACC1221F957}" type="slidenum">
               <a:rPr lang="en-GB" smtClean="0"/>
-              <a:t>13</a:t>
+              <a:t>14</a:t>
             </a:fld>
             <a:endParaRPr lang="en-GB"/>
           </a:p>
@@ -986,7 +1000,7 @@
     </p:spTree>
     <p:extLst>
       <p:ext uri="{BB962C8B-B14F-4D97-AF65-F5344CB8AC3E}">
-        <p14:creationId xmlns:p14="http://schemas.microsoft.com/office/powerpoint/2010/main" val="4288258623"/>
+        <p14:creationId xmlns:p14="http://schemas.microsoft.com/office/powerpoint/2010/main" val="1749210354"/>
       </p:ext>
     </p:extLst>
   </p:cSld>
@@ -1040,27 +1054,7 @@
           <a:bodyPr/>
           <a:lstStyle/>
           <a:p>
-            <a:pPr marL="0" marR="0" lvl="0" indent="0" algn="l" defTabSz="914400" rtl="0" eaLnBrk="1" fontAlgn="auto" latinLnBrk="0" hangingPunct="1">
-              <a:lnSpc>
-                <a:spcPct val="100000"/>
-              </a:lnSpc>
-              <a:spcBef>
-                <a:spcPts val="0"/>
-              </a:spcBef>
-              <a:spcAft>
-                <a:spcPts val="0"/>
-              </a:spcAft>
-              <a:buClrTx/>
-              <a:buSzTx/>
-              <a:buFontTx/>
-              <a:buNone/>
-              <a:tabLst/>
-              <a:defRPr/>
-            </a:pPr>
-            <a:r>
-              <a:rPr lang="en-US" dirty="0" smtClean="0"/>
-              <a:t>Android Auto can contact your service to do the following:</a:t>
-            </a:r>
+            <a:endParaRPr lang="en-GB" dirty="0"/>
           </a:p>
         </p:txBody>
       </p:sp>
@@ -1081,7 +1075,7 @@
           <a:p>
             <a:fld id="{A5FE6474-0819-4CAC-A677-1ACC1221F957}" type="slidenum">
               <a:rPr lang="en-GB" smtClean="0"/>
-              <a:t>14</a:t>
+              <a:t>16</a:t>
             </a:fld>
             <a:endParaRPr lang="en-GB"/>
           </a:p>
@@ -1090,7 +1084,7 @@
     </p:spTree>
     <p:extLst>
       <p:ext uri="{BB962C8B-B14F-4D97-AF65-F5344CB8AC3E}">
-        <p14:creationId xmlns:p14="http://schemas.microsoft.com/office/powerpoint/2010/main" val="1749210354"/>
+        <p14:creationId xmlns:p14="http://schemas.microsoft.com/office/powerpoint/2010/main" val="3694532524"/>
       </p:ext>
     </p:extLst>
   </p:cSld>
@@ -1144,6 +1138,10 @@
           <a:bodyPr/>
           <a:lstStyle/>
           <a:p>
+            <a:r>
+              <a:rPr lang="en-GB" dirty="0" smtClean="0"/>
+              <a:t>https://developer.android.com/distribute/best-practices/launch/distribute-auto.html#how_to_participate</a:t>
+            </a:r>
             <a:endParaRPr lang="en-GB" dirty="0"/>
           </a:p>
         </p:txBody>
@@ -1165,7 +1163,7 @@
           <a:p>
             <a:fld id="{A5FE6474-0819-4CAC-A677-1ACC1221F957}" type="slidenum">
               <a:rPr lang="en-GB" smtClean="0"/>
-              <a:t>16</a:t>
+              <a:t>18</a:t>
             </a:fld>
             <a:endParaRPr lang="en-GB"/>
           </a:p>
@@ -1174,7 +1172,7 @@
     </p:spTree>
     <p:extLst>
       <p:ext uri="{BB962C8B-B14F-4D97-AF65-F5344CB8AC3E}">
-        <p14:creationId xmlns:p14="http://schemas.microsoft.com/office/powerpoint/2010/main" val="3694532524"/>
+        <p14:creationId xmlns:p14="http://schemas.microsoft.com/office/powerpoint/2010/main" val="3504536707"/>
       </p:ext>
     </p:extLst>
   </p:cSld>
@@ -1229,9 +1227,29 @@
           <a:lstStyle/>
           <a:p>
             <a:r>
-              <a:rPr lang="en-GB" dirty="0" smtClean="0"/>
-              <a:t>https://developer.android.com/distribute/best-practices/launch/distribute-auto.html#how_to_participate</a:t>
-            </a:r>
+              <a:rPr lang="en-US" dirty="0" smtClean="0"/>
+              <a:t>They implemented the Android source code by reconfiguring it into a car OS, without involving Google</a:t>
+            </a:r>
+          </a:p>
+          <a:p>
+            <a:endParaRPr lang="en-US" dirty="0" smtClean="0"/>
+          </a:p>
+          <a:p>
+            <a:r>
+              <a:rPr lang="en-US" dirty="0" smtClean="0"/>
+              <a:t>This attempt, unfortunately, has failed because by the time the product reached the market (after a long development process), the version of Android launched was older and it cannot be updated</a:t>
+            </a:r>
+          </a:p>
+          <a:p>
+            <a:endParaRPr lang="en-US" dirty="0" smtClean="0"/>
+          </a:p>
+          <a:p>
+            <a:r>
+              <a:rPr lang="en-US" dirty="0" smtClean="0"/>
+              <a:t>Though the anticipation that Google will produce a Play Store for the car OS is still not been confirmed. But the latest OS promises the control for Heating, ventilation and air conditioning (HVAC) unit and radio as well.</a:t>
+            </a:r>
+          </a:p>
+          <a:p>
             <a:endParaRPr lang="en-GB" dirty="0"/>
           </a:p>
         </p:txBody>
@@ -1251,18 +1269,19 @@
           <a:bodyPr/>
           <a:lstStyle/>
           <a:p>
-            <a:fld id="{A5FE6474-0819-4CAC-A677-1ACC1221F957}" type="slidenum">
-              <a:rPr lang="en-GB" smtClean="0"/>
-              <a:t>18</a:t>
+            <a:fld id="{1B06CD8F-B7ED-4A05-9FB1-A01CC0EF02CC}" type="slidenum">
+              <a:rPr lang="fr-FR" smtClean="0"/>
+              <a:pPr/>
+              <a:t>21</a:t>
             </a:fld>
-            <a:endParaRPr lang="en-GB"/>
+            <a:endParaRPr lang="fr-FR" dirty="0"/>
           </a:p>
         </p:txBody>
       </p:sp>
     </p:spTree>
     <p:extLst>
       <p:ext uri="{BB962C8B-B14F-4D97-AF65-F5344CB8AC3E}">
-        <p14:creationId xmlns:p14="http://schemas.microsoft.com/office/powerpoint/2010/main" val="3504536707"/>
+        <p14:creationId xmlns:p14="http://schemas.microsoft.com/office/powerpoint/2010/main" val="1471383405"/>
       </p:ext>
     </p:extLst>
   </p:cSld>
@@ -1316,6 +1335,102 @@
           <a:bodyPr/>
           <a:lstStyle/>
           <a:p>
+            <a:pPr marL="0" marR="0" lvl="0" indent="0" algn="l" defTabSz="914400" rtl="0" eaLnBrk="1" fontAlgn="auto" latinLnBrk="0" hangingPunct="1">
+              <a:lnSpc>
+                <a:spcPct val="100000"/>
+              </a:lnSpc>
+              <a:spcBef>
+                <a:spcPts val="0"/>
+              </a:spcBef>
+              <a:spcAft>
+                <a:spcPts val="0"/>
+              </a:spcAft>
+              <a:buClrTx/>
+              <a:buSzTx/>
+              <a:buFontTx/>
+              <a:buNone/>
+              <a:tabLst/>
+              <a:defRPr/>
+            </a:pPr>
+            <a:r>
+              <a:rPr lang="en-GB" sz="1200" kern="1200" dirty="0" smtClean="0">
+                <a:solidFill>
+                  <a:schemeClr val="tx1"/>
+                </a:solidFill>
+                <a:effectLst/>
+                <a:latin typeface="Arial" pitchFamily="34" charset="0"/>
+                <a:ea typeface="+mn-ea"/>
+                <a:cs typeface="+mn-cs"/>
+              </a:rPr>
+              <a:t> is an actual Android-based operating system designed for vehicles, different from Android Auto.</a:t>
+            </a:r>
+            <a:endParaRPr lang="en-GB" sz="1200" dirty="0" smtClean="0">
+              <a:effectLst/>
+              <a:latin typeface="Calibri" panose="020F0502020204030204" pitchFamily="34" charset="0"/>
+              <a:ea typeface="Calibri" panose="020F0502020204030204" pitchFamily="34" charset="0"/>
+              <a:cs typeface="Times New Roman" panose="02020603050405020304" pitchFamily="18" charset="0"/>
+            </a:endParaRPr>
+          </a:p>
+          <a:p>
+            <a:pPr marL="0" marR="0" lvl="0" indent="0" algn="l" defTabSz="914400" rtl="0" eaLnBrk="1" fontAlgn="auto" latinLnBrk="0" hangingPunct="1">
+              <a:lnSpc>
+                <a:spcPct val="100000"/>
+              </a:lnSpc>
+              <a:spcBef>
+                <a:spcPts val="0"/>
+              </a:spcBef>
+              <a:spcAft>
+                <a:spcPts val="0"/>
+              </a:spcAft>
+              <a:buClrTx/>
+              <a:buSzTx/>
+              <a:buFontTx/>
+              <a:buNone/>
+              <a:tabLst/>
+              <a:defRPr/>
+            </a:pPr>
+            <a:endParaRPr lang="en-GB" sz="1200" dirty="0" smtClean="0">
+              <a:effectLst/>
+              <a:latin typeface="Calibri" panose="020F0502020204030204" pitchFamily="34" charset="0"/>
+              <a:ea typeface="Calibri" panose="020F0502020204030204" pitchFamily="34" charset="0"/>
+              <a:cs typeface="Times New Roman" panose="02020603050405020304" pitchFamily="18" charset="0"/>
+            </a:endParaRPr>
+          </a:p>
+          <a:p>
+            <a:pPr marL="0" marR="0" lvl="0" indent="0" algn="l" defTabSz="914400" rtl="0" eaLnBrk="1" fontAlgn="auto" latinLnBrk="0" hangingPunct="1">
+              <a:lnSpc>
+                <a:spcPct val="100000"/>
+              </a:lnSpc>
+              <a:spcBef>
+                <a:spcPts val="0"/>
+              </a:spcBef>
+              <a:spcAft>
+                <a:spcPts val="0"/>
+              </a:spcAft>
+              <a:buClrTx/>
+              <a:buSzTx/>
+              <a:buFontTx/>
+              <a:buNone/>
+              <a:tabLst/>
+              <a:defRPr/>
+            </a:pPr>
+            <a:r>
+              <a:rPr lang="en-GB" sz="1200" dirty="0" smtClean="0">
+                <a:effectLst/>
+                <a:latin typeface="Calibri" panose="020F0502020204030204" pitchFamily="34" charset="0"/>
+                <a:ea typeface="Calibri" panose="020F0502020204030204" pitchFamily="34" charset="0"/>
+                <a:cs typeface="Times New Roman" panose="02020603050405020304" pitchFamily="18" charset="0"/>
+              </a:rPr>
+              <a:t>Full customization is important for adoption, because many automakers have made it clear that they want to own and control the core experience, which they consider an extension of the car brand itself.</a:t>
+            </a:r>
+            <a:endParaRPr lang="pt-PT" sz="1200" dirty="0" smtClean="0">
+              <a:effectLst/>
+              <a:latin typeface="Calibri" panose="020F0502020204030204" pitchFamily="34" charset="0"/>
+              <a:ea typeface="Calibri" panose="020F0502020204030204" pitchFamily="34" charset="0"/>
+              <a:cs typeface="Times New Roman" panose="02020603050405020304" pitchFamily="18" charset="0"/>
+            </a:endParaRPr>
+          </a:p>
+          <a:p>
             <a:endParaRPr lang="en-US" dirty="0"/>
           </a:p>
         </p:txBody>
@@ -1348,6 +1463,106 @@
     <p:extLst>
       <p:ext uri="{BB962C8B-B14F-4D97-AF65-F5344CB8AC3E}">
         <p14:creationId xmlns:p14="http://schemas.microsoft.com/office/powerpoint/2010/main" val="991357884"/>
+      </p:ext>
+    </p:extLst>
+  </p:cSld>
+  <p:clrMapOvr>
+    <a:masterClrMapping/>
+  </p:clrMapOvr>
+</p:notes>
+</file>
+
+<file path=ppt/notesSlides/notesSlide15.xml><?xml version="1.0" encoding="utf-8"?>
+<p:notes xmlns:a="http://schemas.openxmlformats.org/drawingml/2006/main" xmlns:r="http://schemas.openxmlformats.org/officeDocument/2006/relationships" xmlns:p="http://schemas.openxmlformats.org/presentationml/2006/main">
+  <p:cSld>
+    <p:spTree>
+      <p:nvGrpSpPr>
+        <p:cNvPr id="1" name=""/>
+        <p:cNvGrpSpPr/>
+        <p:nvPr/>
+      </p:nvGrpSpPr>
+      <p:grpSpPr>
+        <a:xfrm>
+          <a:off x="0" y="0"/>
+          <a:ext cx="0" cy="0"/>
+          <a:chOff x="0" y="0"/>
+          <a:chExt cx="0" cy="0"/>
+        </a:xfrm>
+      </p:grpSpPr>
+      <p:sp>
+        <p:nvSpPr>
+          <p:cNvPr id="2" name="Slide Image Placeholder 1"/>
+          <p:cNvSpPr>
+            <a:spLocks noGrp="1" noRot="1" noChangeAspect="1"/>
+          </p:cNvSpPr>
+          <p:nvPr>
+            <p:ph type="sldImg"/>
+          </p:nvPr>
+        </p:nvSpPr>
+        <p:spPr/>
+      </p:sp>
+      <p:sp>
+        <p:nvSpPr>
+          <p:cNvPr id="3" name="Notes Placeholder 2"/>
+          <p:cNvSpPr>
+            <a:spLocks noGrp="1"/>
+          </p:cNvSpPr>
+          <p:nvPr>
+            <p:ph type="body" idx="1"/>
+          </p:nvPr>
+        </p:nvSpPr>
+        <p:spPr/>
+        <p:txBody>
+          <a:bodyPr/>
+          <a:lstStyle/>
+          <a:p>
+            <a:r>
+              <a:rPr lang="en-US" dirty="0" smtClean="0"/>
+              <a:t>A big part of Google's approach with Android in the car is to allow manufacturers to tailor the experience. For Audi, that means using Nokia's Here Maps in addition to Google Maps, and a design that's true to the Audi aesthetic. </a:t>
+            </a:r>
+          </a:p>
+          <a:p>
+            <a:endParaRPr lang="en-US" dirty="0" smtClean="0"/>
+          </a:p>
+          <a:p>
+            <a:r>
+              <a:rPr lang="en-US" dirty="0" smtClean="0"/>
+              <a:t>For Volvo, the company can keep the four-tile screen layout that customers are familiar with, yet still rely on Android to run the vehicle's connected components.</a:t>
+            </a:r>
+          </a:p>
+          <a:p>
+            <a:endParaRPr lang="en-GB" dirty="0"/>
+          </a:p>
+        </p:txBody>
+      </p:sp>
+      <p:sp>
+        <p:nvSpPr>
+          <p:cNvPr id="4" name="Slide Number Placeholder 3"/>
+          <p:cNvSpPr>
+            <a:spLocks noGrp="1"/>
+          </p:cNvSpPr>
+          <p:nvPr>
+            <p:ph type="sldNum" sz="quarter" idx="10"/>
+          </p:nvPr>
+        </p:nvSpPr>
+        <p:spPr/>
+        <p:txBody>
+          <a:bodyPr/>
+          <a:lstStyle/>
+          <a:p>
+            <a:fld id="{1B06CD8F-B7ED-4A05-9FB1-A01CC0EF02CC}" type="slidenum">
+              <a:rPr lang="fr-FR" smtClean="0"/>
+              <a:pPr/>
+              <a:t>24</a:t>
+            </a:fld>
+            <a:endParaRPr lang="fr-FR" dirty="0"/>
+          </a:p>
+        </p:txBody>
+      </p:sp>
+    </p:spTree>
+    <p:extLst>
+      <p:ext uri="{BB962C8B-B14F-4D97-AF65-F5344CB8AC3E}">
+        <p14:creationId xmlns:p14="http://schemas.microsoft.com/office/powerpoint/2010/main" val="3990286277"/>
       </p:ext>
     </p:extLst>
   </p:cSld>
@@ -1503,165 +1718,30 @@
           <a:lstStyle/>
           <a:p>
             <a:r>
-              <a:rPr lang="en-US" sz="1200" b="0" i="0" kern="1200" dirty="0" smtClean="0">
-                <a:solidFill>
-                  <a:schemeClr val="tx1"/>
-                </a:solidFill>
-                <a:effectLst/>
-                <a:latin typeface="Arial" pitchFamily="34" charset="0"/>
-                <a:ea typeface="+mn-ea"/>
-                <a:cs typeface="+mn-cs"/>
-              </a:rPr>
-              <a:t>Android Auto works by projecting Android apps onto </a:t>
-            </a:r>
-            <a:r>
-              <a:rPr lang="en-US" sz="1200" b="0" i="0" kern="1200" dirty="0" err="1" smtClean="0">
-                <a:solidFill>
-                  <a:schemeClr val="tx1"/>
-                </a:solidFill>
-                <a:effectLst/>
-                <a:latin typeface="Arial" pitchFamily="34" charset="0"/>
-                <a:ea typeface="+mn-ea"/>
-                <a:cs typeface="+mn-cs"/>
-              </a:rPr>
-              <a:t>onto</a:t>
-            </a:r>
-            <a:r>
-              <a:rPr lang="en-US" sz="1200" b="0" i="0" kern="1200" dirty="0" smtClean="0">
-                <a:solidFill>
-                  <a:schemeClr val="tx1"/>
-                </a:solidFill>
-                <a:effectLst/>
-                <a:latin typeface="Arial" pitchFamily="34" charset="0"/>
-                <a:ea typeface="+mn-ea"/>
-                <a:cs typeface="+mn-cs"/>
-              </a:rPr>
-              <a:t> the in-car display after the phone has been plugged in to the car via USB</a:t>
-            </a:r>
-          </a:p>
-          <a:p>
-            <a:r>
-              <a:rPr lang="en-US" sz="1200" b="0" i="0" kern="1200" dirty="0" smtClean="0">
-                <a:solidFill>
-                  <a:schemeClr val="tx1"/>
-                </a:solidFill>
-                <a:effectLst/>
-                <a:latin typeface="Arial" pitchFamily="34" charset="0"/>
-                <a:ea typeface="+mn-ea"/>
-                <a:cs typeface="+mn-cs"/>
-              </a:rPr>
-              <a:t>Phone calls </a:t>
-            </a:r>
-            <a:r>
-              <a:rPr lang="en-US" sz="1200" b="0" i="0" kern="1200" smtClean="0">
-                <a:solidFill>
-                  <a:schemeClr val="tx1"/>
-                </a:solidFill>
-                <a:effectLst/>
-                <a:latin typeface="Arial" pitchFamily="34" charset="0"/>
-                <a:ea typeface="+mn-ea"/>
-                <a:cs typeface="+mn-cs"/>
-              </a:rPr>
-              <a:t>are going to be </a:t>
-            </a:r>
-            <a:r>
-              <a:rPr lang="en-US" sz="1200" b="0" i="0" kern="1200" dirty="0" smtClean="0">
-                <a:solidFill>
-                  <a:schemeClr val="tx1"/>
-                </a:solidFill>
-                <a:effectLst/>
-                <a:latin typeface="Arial" pitchFamily="34" charset="0"/>
-                <a:ea typeface="+mn-ea"/>
-                <a:cs typeface="+mn-cs"/>
-              </a:rPr>
-              <a:t>handled over Bluetooth</a:t>
-            </a:r>
-          </a:p>
-          <a:p>
-            <a:r>
-              <a:rPr lang="en-US" sz="1200" b="0" i="0" kern="1200" dirty="0" smtClean="0">
-                <a:solidFill>
-                  <a:schemeClr val="tx1"/>
-                </a:solidFill>
-                <a:effectLst/>
-                <a:latin typeface="Arial" pitchFamily="34" charset="0"/>
-                <a:ea typeface="+mn-ea"/>
-                <a:cs typeface="+mn-cs"/>
-              </a:rPr>
-              <a:t>Useful information</a:t>
-            </a:r>
-            <a:r>
-              <a:rPr lang="en-US" sz="1200" b="0" i="0" kern="1200" baseline="0" dirty="0" smtClean="0">
-                <a:solidFill>
-                  <a:schemeClr val="tx1"/>
-                </a:solidFill>
-                <a:effectLst/>
-                <a:latin typeface="Arial" pitchFamily="34" charset="0"/>
-                <a:ea typeface="+mn-ea"/>
-                <a:cs typeface="+mn-cs"/>
-              </a:rPr>
-              <a:t> such as text messages, a coming call.</a:t>
-            </a:r>
-          </a:p>
-          <a:p>
-            <a:r>
-              <a:rPr lang="en-US" sz="1200" b="0" i="0" kern="1200" baseline="0" dirty="0" smtClean="0">
-                <a:solidFill>
-                  <a:schemeClr val="tx1"/>
-                </a:solidFill>
-                <a:effectLst/>
-                <a:latin typeface="Arial" pitchFamily="34" charset="0"/>
-                <a:ea typeface="+mn-ea"/>
-                <a:cs typeface="+mn-cs"/>
-              </a:rPr>
-              <a:t>Simple cards which presents all the relevant information, in a </a:t>
-            </a:r>
-            <a:r>
-              <a:rPr lang="en-US" sz="1200" b="0" i="0" kern="1200" baseline="0" dirty="0" err="1" smtClean="0">
-                <a:solidFill>
-                  <a:schemeClr val="tx1"/>
-                </a:solidFill>
-                <a:effectLst/>
-                <a:latin typeface="Arial" pitchFamily="34" charset="0"/>
-                <a:ea typeface="+mn-ea"/>
-                <a:cs typeface="+mn-cs"/>
-              </a:rPr>
-              <a:t>intuive</a:t>
-            </a:r>
-            <a:r>
-              <a:rPr lang="en-US" sz="1200" b="0" i="0" kern="1200" baseline="0" dirty="0" smtClean="0">
-                <a:solidFill>
-                  <a:schemeClr val="tx1"/>
-                </a:solidFill>
-                <a:effectLst/>
-                <a:latin typeface="Arial" pitchFamily="34" charset="0"/>
-                <a:ea typeface="+mn-ea"/>
-                <a:cs typeface="+mn-cs"/>
-              </a:rPr>
-              <a:t> way.</a:t>
-            </a:r>
-            <a:endParaRPr lang="en-US" sz="1200" b="0" i="0" kern="1200" dirty="0" smtClean="0">
-              <a:solidFill>
-                <a:schemeClr val="tx1"/>
-              </a:solidFill>
-              <a:effectLst/>
-              <a:latin typeface="Arial" pitchFamily="34" charset="0"/>
-              <a:ea typeface="+mn-ea"/>
-              <a:cs typeface="+mn-cs"/>
-            </a:endParaRPr>
-          </a:p>
-          <a:p>
-            <a:r>
-              <a:rPr lang="en-US" sz="1200" b="0" i="0" kern="1200" dirty="0" smtClean="0">
-                <a:solidFill>
-                  <a:schemeClr val="tx1"/>
-                </a:solidFill>
-                <a:effectLst/>
-                <a:latin typeface="Arial" pitchFamily="34" charset="0"/>
-                <a:ea typeface="+mn-ea"/>
-                <a:cs typeface="+mn-cs"/>
-              </a:rPr>
-              <a:t>Android Auto apps have a consistent design, with large, round buttons for easy touch points, and similar menu structures. The idea is that apps won't be any more distracting than they need to be (which is why user interface elements look the same from one app to another), and generally don't need more than a quick glance to be put to work.</a:t>
+              <a:rPr lang="en-US" dirty="0" smtClean="0"/>
+              <a:t>The biggest advantage to use Android</a:t>
+            </a:r>
+            <a:r>
+              <a:rPr lang="en-US" baseline="0" dirty="0" smtClean="0"/>
+              <a:t> Auto instead of the implemented IVI (in vehicle infotainment) of a brand, is that using android Auto we get updates from google, however in a implemented IVI, once is done is done, there are no updates.</a:t>
+            </a:r>
+          </a:p>
+          <a:p>
+            <a:r>
+              <a:rPr lang="en-US" baseline="0" dirty="0" smtClean="0"/>
+              <a:t>We know there are people who prefer using other apps for GPS Navigation, but in most of the videos and reviews we saw, they say that Google Maps is the best for being more precise and user friendly, than the others</a:t>
+            </a:r>
+          </a:p>
+          <a:p>
+            <a:r>
+              <a:rPr lang="en-US" baseline="0" dirty="0" smtClean="0"/>
+              <a:t>We saw the comparison between voice control system between google and Apple, and the google voice control performs better, in the interpretation of what a person wants to say.</a:t>
+            </a:r>
+          </a:p>
+          <a:p>
+            <a:r>
+              <a:rPr lang="en-US" baseline="0" dirty="0" smtClean="0"/>
+              <a:t>We also don’t need to buy a new car or spend 700€ in a aftermarket display, we can simply use our phone to do the work.</a:t>
             </a:r>
             <a:endParaRPr lang="en-US" dirty="0"/>
           </a:p>
@@ -1685,7 +1765,7 @@
             <a:fld id="{1B06CD8F-B7ED-4A05-9FB1-A01CC0EF02CC}" type="slidenum">
               <a:rPr lang="fr-FR" smtClean="0"/>
               <a:pPr/>
-              <a:t>4</a:t>
+              <a:t>5</a:t>
             </a:fld>
             <a:endParaRPr lang="fr-FR" dirty="0"/>
           </a:p>
@@ -1694,7 +1774,7 @@
     </p:spTree>
     <p:extLst>
       <p:ext uri="{BB962C8B-B14F-4D97-AF65-F5344CB8AC3E}">
-        <p14:creationId xmlns:p14="http://schemas.microsoft.com/office/powerpoint/2010/main" val="1830031258"/>
+        <p14:creationId xmlns:p14="http://schemas.microsoft.com/office/powerpoint/2010/main" val="3973816794"/>
       </p:ext>
     </p:extLst>
   </p:cSld>
@@ -1750,31 +1830,55 @@
           <a:p>
             <a:r>
               <a:rPr lang="en-US" dirty="0" smtClean="0"/>
-              <a:t>The biggest advantage to use Android</a:t>
+              <a:t>Need to be android 5.0 plus</a:t>
+            </a:r>
+          </a:p>
+          <a:p>
+            <a:r>
+              <a:rPr lang="en-US" dirty="0" smtClean="0"/>
+              <a:t>5 panels -&gt; navigation,</a:t>
             </a:r>
             <a:r>
               <a:rPr lang="en-US" baseline="0" dirty="0" smtClean="0"/>
-              <a:t> Auto instead of the implemented IVI (in vehicle infotainment) of a brand, is that using android Auto we get updates from google, however in a implemented IVI, once is done is done, there are no updates.</a:t>
+              <a:t> phone log, home, media, car diagnosis</a:t>
             </a:r>
           </a:p>
           <a:p>
             <a:r>
               <a:rPr lang="en-US" baseline="0" dirty="0" smtClean="0"/>
-              <a:t>We know there are people who prefer using other apps for GPS Navigation, but in most of the videos and reviews we saw, they say that Google Maps is the best for being more precise and user friendly, than the others</a:t>
-            </a:r>
-          </a:p>
-          <a:p>
+              <a:t>Important information, like a message received, from </a:t>
+            </a:r>
+            <a:r>
+              <a:rPr lang="en-US" baseline="0" dirty="0" err="1" smtClean="0"/>
+              <a:t>whatsupp</a:t>
+            </a:r>
             <a:r>
               <a:rPr lang="en-US" baseline="0" dirty="0" smtClean="0"/>
-              <a:t>We saw the comparison between voice control system between google and Apple, and the google voice control performs better, in the interpretation of what a person wants to say.</a:t>
-            </a:r>
-          </a:p>
-          <a:p>
+              <a:t>, </a:t>
+            </a:r>
+            <a:r>
+              <a:rPr lang="en-US" baseline="0" dirty="0" err="1" smtClean="0"/>
+              <a:t>facebook</a:t>
+            </a:r>
             <a:r>
               <a:rPr lang="en-US" baseline="0" dirty="0" smtClean="0"/>
-              <a:t>We also don’t need to buy a new car or spend 700€ in a aftermarket display, we can simply use our phone to do the work.</a:t>
-            </a:r>
-            <a:endParaRPr lang="en-US" dirty="0"/>
+              <a:t> </a:t>
+            </a:r>
+            <a:r>
+              <a:rPr lang="en-US" baseline="0" dirty="0" err="1" smtClean="0"/>
+              <a:t>messeger</a:t>
+            </a:r>
+            <a:r>
+              <a:rPr lang="en-US" baseline="0" dirty="0" smtClean="0"/>
+              <a:t> or hangouts</a:t>
+            </a:r>
+          </a:p>
+          <a:p>
+            <a:r>
+              <a:rPr lang="en-US" baseline="0" dirty="0" smtClean="0"/>
+              <a:t>A phone call incoming</a:t>
+            </a:r>
+            <a:endParaRPr lang="en-US" dirty="0" smtClean="0"/>
           </a:p>
         </p:txBody>
       </p:sp>
@@ -1796,7 +1900,7 @@
             <a:fld id="{1B06CD8F-B7ED-4A05-9FB1-A01CC0EF02CC}" type="slidenum">
               <a:rPr lang="fr-FR" smtClean="0"/>
               <a:pPr/>
-              <a:t>5</a:t>
+              <a:t>7</a:t>
             </a:fld>
             <a:endParaRPr lang="fr-FR" dirty="0"/>
           </a:p>
@@ -1805,7 +1909,7 @@
     </p:spTree>
     <p:extLst>
       <p:ext uri="{BB962C8B-B14F-4D97-AF65-F5344CB8AC3E}">
-        <p14:creationId xmlns:p14="http://schemas.microsoft.com/office/powerpoint/2010/main" val="3973816794"/>
+        <p14:creationId xmlns:p14="http://schemas.microsoft.com/office/powerpoint/2010/main" val="1564263606"/>
       </p:ext>
     </p:extLst>
   </p:cSld>
@@ -1861,70 +1965,79 @@
           <a:p>
             <a:r>
               <a:rPr lang="en-US" dirty="0" smtClean="0"/>
-              <a:t>Need to be android 5.0 plus</a:t>
-            </a:r>
-          </a:p>
-          <a:p>
-            <a:r>
-              <a:rPr lang="en-US" dirty="0" smtClean="0"/>
-              <a:t>5 panels -&gt; navigation,</a:t>
+              <a:t>Like said before, the car sound system is connected</a:t>
             </a:r>
             <a:r>
               <a:rPr lang="en-US" baseline="0" dirty="0" smtClean="0"/>
-              <a:t> phone log, home, media, car </a:t>
+              <a:t> via </a:t>
+            </a:r>
+            <a:r>
+              <a:rPr lang="en-US" baseline="0" dirty="0" err="1" smtClean="0"/>
+              <a:t>bluethoot</a:t>
             </a:r>
             <a:r>
               <a:rPr lang="en-US" baseline="0" dirty="0" smtClean="0"/>
-              <a:t>diagnosis</a:t>
+              <a:t>.</a:t>
             </a:r>
           </a:p>
           <a:p>
             <a:r>
               <a:rPr lang="en-US" baseline="0" dirty="0" smtClean="0"/>
-              <a:t>Home menu is organized in order to show some info like the weather current song, current destination and upcoming </a:t>
-            </a:r>
-            <a:r>
-              <a:rPr lang="en-US" baseline="0" dirty="0" err="1" smtClean="0"/>
-              <a:t>appoitments</a:t>
-            </a:r>
-            <a:endParaRPr lang="en-US" baseline="0" dirty="0" smtClean="0"/>
+              <a:t>We have a lot of options to start a voice command, for example if we use the “OK Google”, we don’t need to touch the screen, and keep the eyes on the road at the same time we are doing something else.</a:t>
+            </a:r>
           </a:p>
           <a:p>
             <a:r>
               <a:rPr lang="en-US" baseline="0" dirty="0" smtClean="0"/>
-              <a:t>Important information, like a message received, from </a:t>
-            </a:r>
-            <a:r>
-              <a:rPr lang="en-US" baseline="0" dirty="0" err="1" smtClean="0"/>
-              <a:t>whatsupp</a:t>
-            </a:r>
+              <a:t>A example to set the destination we can say “OK Google, set directions to …” and we say the address.</a:t>
+            </a:r>
+          </a:p>
+          <a:p>
             <a:r>
               <a:rPr lang="en-US" baseline="0" dirty="0" smtClean="0"/>
-              <a:t>, </a:t>
-            </a:r>
-            <a:r>
-              <a:rPr lang="en-US" baseline="0" dirty="0" err="1" smtClean="0"/>
-              <a:t>facebook</a:t>
+              <a:t>We can also ask for a </a:t>
+            </a:r>
+            <a:r>
+              <a:rPr lang="en-US" sz="1200" b="0" i="0" kern="1200" dirty="0" smtClean="0">
+                <a:solidFill>
+                  <a:schemeClr val="tx1"/>
+                </a:solidFill>
+                <a:effectLst/>
+                <a:latin typeface="Arial" pitchFamily="34" charset="0"/>
+                <a:ea typeface="+mn-ea"/>
+                <a:cs typeface="+mn-cs"/>
+              </a:rPr>
+              <a:t>specific</a:t>
             </a:r>
             <a:r>
               <a:rPr lang="en-US" baseline="0" dirty="0" smtClean="0"/>
-              <a:t> </a:t>
-            </a:r>
-            <a:r>
-              <a:rPr lang="en-US" baseline="0" dirty="0" err="1" smtClean="0"/>
-              <a:t>messeger</a:t>
+              <a:t> song in a </a:t>
+            </a:r>
+            <a:r>
+              <a:rPr lang="en-US" sz="1200" b="0" i="0" kern="1200" dirty="0" smtClean="0">
+                <a:solidFill>
+                  <a:schemeClr val="tx1"/>
+                </a:solidFill>
+                <a:effectLst/>
+                <a:latin typeface="Arial" pitchFamily="34" charset="0"/>
+                <a:ea typeface="+mn-ea"/>
+                <a:cs typeface="+mn-cs"/>
+              </a:rPr>
+              <a:t>specific</a:t>
             </a:r>
             <a:r>
               <a:rPr lang="en-US" baseline="0" dirty="0" smtClean="0"/>
-              <a:t> or hangouts</a:t>
+              <a:t> app</a:t>
             </a:r>
           </a:p>
           <a:p>
             <a:r>
               <a:rPr lang="en-US" baseline="0" dirty="0" smtClean="0"/>
-              <a:t>A phone call incoming</a:t>
-            </a:r>
-            <a:endParaRPr lang="en-US" dirty="0" smtClean="0"/>
+              <a:t>Basically, We can use every OK Google command available for android system</a:t>
+            </a:r>
+          </a:p>
+          <a:p>
+            <a:endParaRPr lang="en-US" dirty="0"/>
           </a:p>
         </p:txBody>
       </p:sp>
@@ -1946,7 +2059,7 @@
             <a:fld id="{1B06CD8F-B7ED-4A05-9FB1-A01CC0EF02CC}" type="slidenum">
               <a:rPr lang="fr-FR" smtClean="0"/>
               <a:pPr/>
-              <a:t>7</a:t>
+              <a:t>8</a:t>
             </a:fld>
             <a:endParaRPr lang="fr-FR" dirty="0"/>
           </a:p>
@@ -1955,7 +2068,7 @@
     </p:spTree>
     <p:extLst>
       <p:ext uri="{BB962C8B-B14F-4D97-AF65-F5344CB8AC3E}">
-        <p14:creationId xmlns:p14="http://schemas.microsoft.com/office/powerpoint/2010/main" val="1564263606"/>
+        <p14:creationId xmlns:p14="http://schemas.microsoft.com/office/powerpoint/2010/main" val="4291574160"/>
       </p:ext>
     </p:extLst>
   </p:cSld>
@@ -2011,78 +2124,18 @@
           <a:p>
             <a:r>
               <a:rPr lang="en-US" dirty="0" smtClean="0"/>
-              <a:t>Like said before, the car sound system is connected</a:t>
+              <a:t>Here is shown the phone screen and the car dash screen,</a:t>
             </a:r>
             <a:r>
               <a:rPr lang="en-US" baseline="0" dirty="0" smtClean="0"/>
-              <a:t> via </a:t>
-            </a:r>
-            <a:r>
-              <a:rPr lang="en-US" baseline="0" dirty="0" err="1" smtClean="0"/>
-              <a:t>bluethoot</a:t>
-            </a:r>
+              <a:t> and the blue markers show the panel with 5 or 4 buttons</a:t>
+            </a:r>
+          </a:p>
+          <a:p>
             <a:r>
               <a:rPr lang="en-US" baseline="0" dirty="0" smtClean="0"/>
-              <a:t>.</a:t>
-            </a:r>
-          </a:p>
-          <a:p>
-            <a:r>
-              <a:rPr lang="en-US" baseline="0" dirty="0" smtClean="0"/>
-              <a:t>We have a lot of options to start a voice command, for example if we use the “OK Google”, we don’t need to touch the screen, and keep the eyes on the road at the same time we are doing something else.</a:t>
-            </a:r>
-          </a:p>
-          <a:p>
-            <a:r>
-              <a:rPr lang="en-US" baseline="0" dirty="0" smtClean="0"/>
-              <a:t>A example to set the destination we can say “OK Google, set directions to …” and we say the address.</a:t>
-            </a:r>
-          </a:p>
-          <a:p>
-            <a:r>
-              <a:rPr lang="en-US" baseline="0" dirty="0" smtClean="0"/>
-              <a:t>We can also ask for a </a:t>
-            </a:r>
-            <a:r>
-              <a:rPr lang="en-US" sz="1200" b="0" i="0" kern="1200" dirty="0" smtClean="0">
-                <a:solidFill>
-                  <a:schemeClr val="tx1"/>
-                </a:solidFill>
-                <a:effectLst/>
-                <a:latin typeface="Arial" pitchFamily="34" charset="0"/>
-                <a:ea typeface="+mn-ea"/>
-                <a:cs typeface="+mn-cs"/>
-              </a:rPr>
-              <a:t>specific</a:t>
-            </a:r>
-            <a:r>
-              <a:rPr lang="en-US" baseline="0" dirty="0" smtClean="0"/>
-              <a:t> song in a </a:t>
-            </a:r>
-            <a:r>
-              <a:rPr lang="en-US" sz="1200" b="0" i="0" kern="1200" dirty="0" smtClean="0">
-                <a:solidFill>
-                  <a:schemeClr val="tx1"/>
-                </a:solidFill>
-                <a:effectLst/>
-                <a:latin typeface="Arial" pitchFamily="34" charset="0"/>
-                <a:ea typeface="+mn-ea"/>
-                <a:cs typeface="+mn-cs"/>
-              </a:rPr>
-              <a:t>specific</a:t>
-            </a:r>
-            <a:r>
-              <a:rPr lang="en-US" baseline="0" dirty="0" smtClean="0"/>
-              <a:t> app</a:t>
-            </a:r>
-          </a:p>
-          <a:p>
-            <a:r>
-              <a:rPr lang="en-US" baseline="0" dirty="0" smtClean="0"/>
-              <a:t>Basically, We can use every OK Google command available for android system</a:t>
-            </a:r>
-          </a:p>
-          <a:p>
+              <a:t>For car diagnosis the app called Torque is the one that is used</a:t>
+            </a:r>
             <a:endParaRPr lang="en-US" dirty="0"/>
           </a:p>
         </p:txBody>
@@ -2105,7 +2158,7 @@
             <a:fld id="{1B06CD8F-B7ED-4A05-9FB1-A01CC0EF02CC}" type="slidenum">
               <a:rPr lang="fr-FR" smtClean="0"/>
               <a:pPr/>
-              <a:t>8</a:t>
+              <a:t>9</a:t>
             </a:fld>
             <a:endParaRPr lang="fr-FR" dirty="0"/>
           </a:p>
@@ -2114,7 +2167,7 @@
     </p:spTree>
     <p:extLst>
       <p:ext uri="{BB962C8B-B14F-4D97-AF65-F5344CB8AC3E}">
-        <p14:creationId xmlns:p14="http://schemas.microsoft.com/office/powerpoint/2010/main" val="4291574160"/>
+        <p14:creationId xmlns:p14="http://schemas.microsoft.com/office/powerpoint/2010/main" val="3316341565"/>
       </p:ext>
     </p:extLst>
   </p:cSld>
@@ -2170,17 +2223,15 @@
           <a:p>
             <a:r>
               <a:rPr lang="en-US" dirty="0" smtClean="0"/>
-              <a:t>Here is shown the phone screen and the car dash screen,</a:t>
+              <a:t>Here</a:t>
             </a:r>
             <a:r>
               <a:rPr lang="en-US" baseline="0" dirty="0" smtClean="0"/>
-              <a:t> and the blue markers show the panel with 5 or 4 buttons</a:t>
-            </a:r>
-          </a:p>
-          <a:p>
-            <a:r>
-              <a:rPr lang="en-US" baseline="0" dirty="0" smtClean="0"/>
-              <a:t>For car diagnosis the app called Torque is the one that is used</a:t>
+              <a:t> is shown some examples of the home menu, where we see the relevant information, in the case of the phone we see the current destination, the actual music and a received message, in the car dash is shown a received message, a coming appointment and the current </a:t>
+            </a:r>
+            <a:r>
+              <a:rPr lang="en-US" baseline="0" dirty="0" err="1" smtClean="0"/>
+              <a:t>wheather</a:t>
             </a:r>
             <a:endParaRPr lang="en-US" dirty="0"/>
           </a:p>
@@ -2204,7 +2255,7 @@
             <a:fld id="{1B06CD8F-B7ED-4A05-9FB1-A01CC0EF02CC}" type="slidenum">
               <a:rPr lang="fr-FR" smtClean="0"/>
               <a:pPr/>
-              <a:t>9</a:t>
+              <a:t>10</a:t>
             </a:fld>
             <a:endParaRPr lang="fr-FR" dirty="0"/>
           </a:p>
@@ -2213,7 +2264,7 @@
     </p:spTree>
     <p:extLst>
       <p:ext uri="{BB962C8B-B14F-4D97-AF65-F5344CB8AC3E}">
-        <p14:creationId xmlns:p14="http://schemas.microsoft.com/office/powerpoint/2010/main" val="3316341565"/>
+        <p14:creationId xmlns:p14="http://schemas.microsoft.com/office/powerpoint/2010/main" val="1596670375"/>
       </p:ext>
     </p:extLst>
   </p:cSld>
@@ -2267,19 +2318,7 @@
           <a:bodyPr/>
           <a:lstStyle/>
           <a:p>
-            <a:r>
-              <a:rPr lang="en-US" dirty="0" smtClean="0"/>
-              <a:t>Here</a:t>
-            </a:r>
-            <a:r>
-              <a:rPr lang="en-US" baseline="0" dirty="0" smtClean="0"/>
-              <a:t> is shown some examples of the home menu, where we see the relevant information, in the case of the phone we see the current destination, the actual music and a received message, in the car dash is shown a received message, a coming appointment and the current </a:t>
-            </a:r>
-            <a:r>
-              <a:rPr lang="en-US" baseline="0" dirty="0" err="1" smtClean="0"/>
-              <a:t>wheather</a:t>
-            </a:r>
-            <a:endParaRPr lang="en-US" dirty="0"/>
+            <a:endParaRPr lang="en-US"/>
           </a:p>
         </p:txBody>
       </p:sp>
@@ -2301,7 +2340,7 @@
             <a:fld id="{1B06CD8F-B7ED-4A05-9FB1-A01CC0EF02CC}" type="slidenum">
               <a:rPr lang="fr-FR" smtClean="0"/>
               <a:pPr/>
-              <a:t>10</a:t>
+              <a:t>11</a:t>
             </a:fld>
             <a:endParaRPr lang="fr-FR" dirty="0"/>
           </a:p>
@@ -2310,7 +2349,7 @@
     </p:spTree>
     <p:extLst>
       <p:ext uri="{BB962C8B-B14F-4D97-AF65-F5344CB8AC3E}">
-        <p14:creationId xmlns:p14="http://schemas.microsoft.com/office/powerpoint/2010/main" val="1596670375"/>
+        <p14:creationId xmlns:p14="http://schemas.microsoft.com/office/powerpoint/2010/main" val="4260471285"/>
       </p:ext>
     </p:extLst>
   </p:cSld>
@@ -2364,7 +2403,13 @@
           <a:bodyPr/>
           <a:lstStyle/>
           <a:p>
-            <a:endParaRPr lang="en-US"/>
+            <a:r>
+              <a:rPr lang="en-GB" dirty="0" smtClean="0"/>
+              <a:t>https://developer.android.com/training/auto/start/index.html#dev-project</a:t>
+            </a:r>
+          </a:p>
+          <a:p>
+            <a:endParaRPr lang="en-GB" dirty="0"/>
           </a:p>
         </p:txBody>
       </p:sp>
@@ -2383,19 +2428,18 @@
           <a:bodyPr/>
           <a:lstStyle/>
           <a:p>
-            <a:fld id="{1B06CD8F-B7ED-4A05-9FB1-A01CC0EF02CC}" type="slidenum">
-              <a:rPr lang="fr-FR" smtClean="0"/>
-              <a:pPr/>
-              <a:t>11</a:t>
+            <a:fld id="{A5FE6474-0819-4CAC-A677-1ACC1221F957}" type="slidenum">
+              <a:rPr lang="en-GB" smtClean="0"/>
+              <a:t>13</a:t>
             </a:fld>
-            <a:endParaRPr lang="fr-FR" dirty="0"/>
+            <a:endParaRPr lang="en-GB"/>
           </a:p>
         </p:txBody>
       </p:sp>
     </p:spTree>
     <p:extLst>
       <p:ext uri="{BB962C8B-B14F-4D97-AF65-F5344CB8AC3E}">
-        <p14:creationId xmlns:p14="http://schemas.microsoft.com/office/powerpoint/2010/main" val="4260471285"/>
+        <p14:creationId xmlns:p14="http://schemas.microsoft.com/office/powerpoint/2010/main" val="4288258623"/>
       </p:ext>
     </p:extLst>
   </p:cSld>
@@ -17580,8 +17624,9 @@
           <a:p>
             <a:r>
               <a:rPr lang="fr-FR" dirty="0"/>
-              <a:t>Embedded Android Auto</a:t>
-            </a:r>
+              <a:t>Embedded Android for Automotive</a:t>
+            </a:r>
+            <a:endParaRPr lang="fr-FR" dirty="0"/>
           </a:p>
         </p:txBody>
       </p:sp>
@@ -17736,15 +17781,7 @@
             </a:pPr>
             <a:r>
               <a:rPr lang="en-US" dirty="0" smtClean="0"/>
-              <a:t>There are 37 brands of cars that have </a:t>
-            </a:r>
-            <a:r>
-              <a:rPr lang="en-US" dirty="0" smtClean="0"/>
-              <a:t>already </a:t>
-            </a:r>
-            <a:r>
-              <a:rPr lang="en-US" dirty="0" smtClean="0"/>
-              <a:t>implemented Android auto in some models, such as: Audi, Chevrolet, Lamborghini and Volvo</a:t>
+              <a:t>There are 37 brands of cars that have already implemented Android auto in some models, such as: Audi, Chevrolet, Lamborghini and Volvo</a:t>
             </a:r>
           </a:p>
           <a:p>
@@ -18063,8 +18100,8 @@
           <a:lstStyle/>
           <a:p>
             <a:r>
-              <a:rPr lang="fr-FR" dirty="0" smtClean="0"/>
-              <a:t>Embedded Android Auto</a:t>
+              <a:rPr lang="fr-FR" dirty="0"/>
+              <a:t>Embedded Android for Automotive</a:t>
             </a:r>
             <a:endParaRPr lang="fr-FR" dirty="0"/>
           </a:p>
@@ -18124,7 +18161,11 @@
           <a:p>
             <a:r>
               <a:rPr lang="en-US" dirty="0" smtClean="0"/>
-              <a:t>Overview – Embedded Android Auto</a:t>
+              <a:t>Overview – </a:t>
+            </a:r>
+            <a:r>
+              <a:rPr lang="en-US" dirty="0"/>
+              <a:t>Embedded Android for Automotive</a:t>
             </a:r>
             <a:endParaRPr lang="en-US" dirty="0"/>
           </a:p>
@@ -18746,7 +18787,7 @@
           <p:nvPr/>
         </p:nvPicPr>
         <p:blipFill>
-          <a:blip r:embed="rId2" cstate="print">
+          <a:blip r:embed="rId3" cstate="print">
             <a:extLst>
               <a:ext uri="{28A0092B-C50C-407E-A947-70E740481C1C}">
                 <a14:useLocalDpi xmlns:a14="http://schemas.microsoft.com/office/drawing/2010/main" val="0"/>
@@ -18776,7 +18817,7 @@
           <p:nvPr/>
         </p:nvPicPr>
         <p:blipFill>
-          <a:blip r:embed="rId3" cstate="print">
+          <a:blip r:embed="rId4" cstate="print">
             <a:extLst>
               <a:ext uri="{28A0092B-C50C-407E-A947-70E740481C1C}">
                 <a14:useLocalDpi xmlns:a14="http://schemas.microsoft.com/office/drawing/2010/main" val="0"/>
@@ -19167,15 +19208,7 @@
             </a:pPr>
             <a:r>
               <a:rPr lang="en-US" dirty="0" smtClean="0"/>
-              <a:t>Android Application for smartphone that allows a connection with the </a:t>
-            </a:r>
-            <a:r>
-              <a:rPr lang="en-US" dirty="0" smtClean="0"/>
-              <a:t>car dash display </a:t>
-            </a:r>
-            <a:r>
-              <a:rPr lang="en-US" dirty="0" smtClean="0"/>
-              <a:t>using a USB cable</a:t>
+              <a:t>Android Application for smartphone that allows a connection with the car using a USB cable</a:t>
             </a:r>
           </a:p>
           <a:p>
@@ -19437,9 +19470,8 @@
             </a:pPr>
             <a:r>
               <a:rPr lang="en-US" dirty="0" smtClean="0"/>
-              <a:t>Voice Command </a:t>
-            </a:r>
-            <a:endParaRPr lang="en-US" dirty="0" smtClean="0"/>
+              <a:t>Voice Control </a:t>
+            </a:r>
           </a:p>
           <a:p>
             <a:pPr marL="171450" indent="-171450" algn="l">
@@ -19452,15 +19484,7 @@
             <a:pPr marL="280988" lvl="1" indent="-171450" algn="l"/>
             <a:r>
               <a:rPr lang="en-US" dirty="0" smtClean="0"/>
-              <a:t>Speech recognition from </a:t>
-            </a:r>
-            <a:r>
-              <a:rPr lang="en-US" dirty="0" smtClean="0"/>
-              <a:t>Google </a:t>
-            </a:r>
-            <a:r>
-              <a:rPr lang="en-US" dirty="0" smtClean="0"/>
-              <a:t>is more refined, and his able to interpret more commands</a:t>
+              <a:t>Speech recognition from Google is more refined, and his able to interpret more commands</a:t>
             </a:r>
             <a:endParaRPr lang="en-US" dirty="0"/>
           </a:p>
@@ -20020,7 +20044,7 @@
           <a:p>
             <a:r>
               <a:rPr lang="en-US" dirty="0" smtClean="0"/>
-              <a:t>Google Assistant</a:t>
+              <a:t>Voice Command</a:t>
             </a:r>
             <a:endParaRPr lang="en-US" dirty="0"/>
           </a:p>
@@ -20047,15 +20071,7 @@
             </a:pPr>
             <a:r>
               <a:rPr lang="en-US" dirty="0" smtClean="0"/>
-              <a:t>To start </a:t>
-            </a:r>
-            <a:r>
-              <a:rPr lang="en-US" dirty="0" smtClean="0"/>
-              <a:t>Google Assistant we </a:t>
-            </a:r>
-            <a:r>
-              <a:rPr lang="en-US" dirty="0" smtClean="0"/>
-              <a:t>can use:</a:t>
+              <a:t>To start Voice Command we can use:</a:t>
             </a:r>
           </a:p>
           <a:p>
@@ -20117,15 +20133,7 @@
             </a:pPr>
             <a:r>
               <a:rPr lang="en-US" dirty="0" smtClean="0"/>
-              <a:t>Using </a:t>
-            </a:r>
-            <a:r>
-              <a:rPr lang="en-US" dirty="0" smtClean="0"/>
-              <a:t>Google Assistant we </a:t>
-            </a:r>
-            <a:r>
-              <a:rPr lang="en-US" dirty="0" smtClean="0"/>
-              <a:t>can:</a:t>
+              <a:t>Using Voice Command we can:</a:t>
             </a:r>
           </a:p>
           <a:p>
@@ -21460,14 +21468,14 @@
 <file path=customXml/itemProps3.xml><?xml version="1.0" encoding="utf-8"?>
 <ds:datastoreItem xmlns:ds="http://schemas.openxmlformats.org/officeDocument/2006/customXml" ds:itemID="{65F64EBE-3065-4A3D-B86E-F21B0406FD66}">
   <ds:schemaRefs>
+    <ds:schemaRef ds:uri="http://purl.org/dc/dcmitype/"/>
+    <ds:schemaRef ds:uri="http://www.w3.org/XML/1998/namespace"/>
     <ds:schemaRef ds:uri="http://purl.org/dc/elements/1.1/"/>
+    <ds:schemaRef ds:uri="http://schemas.microsoft.com/office/infopath/2007/PartnerControls"/>
     <ds:schemaRef ds:uri="http://purl.org/dc/terms/"/>
+    <ds:schemaRef ds:uri="http://schemas.microsoft.com/office/2006/documentManagement/types"/>
     <ds:schemaRef ds:uri="http://schemas.openxmlformats.org/package/2006/metadata/core-properties"/>
-    <ds:schemaRef ds:uri="http://purl.org/dc/dcmitype/"/>
-    <ds:schemaRef ds:uri="http://schemas.microsoft.com/office/2006/documentManagement/types"/>
-    <ds:schemaRef ds:uri="http://schemas.microsoft.com/office/infopath/2007/PartnerControls"/>
     <ds:schemaRef ds:uri="http://schemas.microsoft.com/office/2006/metadata/properties"/>
-    <ds:schemaRef ds:uri="http://www.w3.org/XML/1998/namespace"/>
   </ds:schemaRefs>
 </ds:datastoreItem>
 </file>
--- a/PowerPoint Final/Presentation_Joao_Mauro.pptx
+++ b/PowerPoint Final/Presentation_Joao_Mauro.pptx
@@ -950,27 +950,13 @@
           <a:bodyPr/>
           <a:lstStyle/>
           <a:p>
-            <a:pPr marL="0" marR="0" lvl="0" indent="0" algn="l" defTabSz="914400" rtl="0" eaLnBrk="1" fontAlgn="auto" latinLnBrk="0" hangingPunct="1">
-              <a:lnSpc>
-                <a:spcPct val="100000"/>
-              </a:lnSpc>
-              <a:spcBef>
-                <a:spcPts val="0"/>
-              </a:spcBef>
-              <a:spcAft>
-                <a:spcPts val="0"/>
-              </a:spcAft>
-              <a:buClrTx/>
-              <a:buSzTx/>
-              <a:buFontTx/>
-              <a:buNone/>
-              <a:tabLst/>
-              <a:defRPr/>
-            </a:pPr>
-            <a:r>
-              <a:rPr lang="en-US" dirty="0" smtClean="0"/>
-              <a:t>Android Auto can contact your service to do the following:</a:t>
-            </a:r>
+            <a:r>
+              <a:rPr lang="en-GB" dirty="0" smtClean="0"/>
+              <a:t>https://developer.android.com/training/auto/start/index.html#dev-project</a:t>
+            </a:r>
+          </a:p>
+          <a:p>
+            <a:endParaRPr lang="en-GB" dirty="0"/>
           </a:p>
         </p:txBody>
       </p:sp>
@@ -991,7 +977,7 @@
           <a:p>
             <a:fld id="{A5FE6474-0819-4CAC-A677-1ACC1221F957}" type="slidenum">
               <a:rPr lang="en-GB" smtClean="0"/>
-              <a:t>14</a:t>
+              <a:t>13</a:t>
             </a:fld>
             <a:endParaRPr lang="en-GB"/>
           </a:p>
@@ -1000,7 +986,7 @@
     </p:spTree>
     <p:extLst>
       <p:ext uri="{BB962C8B-B14F-4D97-AF65-F5344CB8AC3E}">
-        <p14:creationId xmlns:p14="http://schemas.microsoft.com/office/powerpoint/2010/main" val="1749210354"/>
+        <p14:creationId xmlns:p14="http://schemas.microsoft.com/office/powerpoint/2010/main" val="4288258623"/>
       </p:ext>
     </p:extLst>
   </p:cSld>
@@ -1054,7 +1040,27 @@
           <a:bodyPr/>
           <a:lstStyle/>
           <a:p>
-            <a:endParaRPr lang="en-GB" dirty="0"/>
+            <a:pPr marL="0" marR="0" lvl="0" indent="0" algn="l" defTabSz="914400" rtl="0" eaLnBrk="1" fontAlgn="auto" latinLnBrk="0" hangingPunct="1">
+              <a:lnSpc>
+                <a:spcPct val="100000"/>
+              </a:lnSpc>
+              <a:spcBef>
+                <a:spcPts val="0"/>
+              </a:spcBef>
+              <a:spcAft>
+                <a:spcPts val="0"/>
+              </a:spcAft>
+              <a:buClrTx/>
+              <a:buSzTx/>
+              <a:buFontTx/>
+              <a:buNone/>
+              <a:tabLst/>
+              <a:defRPr/>
+            </a:pPr>
+            <a:r>
+              <a:rPr lang="en-US" dirty="0" smtClean="0"/>
+              <a:t>Android Auto can contact your service to do the following:</a:t>
+            </a:r>
           </a:p>
         </p:txBody>
       </p:sp>
@@ -1075,7 +1081,7 @@
           <a:p>
             <a:fld id="{A5FE6474-0819-4CAC-A677-1ACC1221F957}" type="slidenum">
               <a:rPr lang="en-GB" smtClean="0"/>
-              <a:t>16</a:t>
+              <a:t>14</a:t>
             </a:fld>
             <a:endParaRPr lang="en-GB"/>
           </a:p>
@@ -1084,7 +1090,7 @@
     </p:spTree>
     <p:extLst>
       <p:ext uri="{BB962C8B-B14F-4D97-AF65-F5344CB8AC3E}">
-        <p14:creationId xmlns:p14="http://schemas.microsoft.com/office/powerpoint/2010/main" val="3694532524"/>
+        <p14:creationId xmlns:p14="http://schemas.microsoft.com/office/powerpoint/2010/main" val="1749210354"/>
       </p:ext>
     </p:extLst>
   </p:cSld>
@@ -1138,10 +1144,6 @@
           <a:bodyPr/>
           <a:lstStyle/>
           <a:p>
-            <a:r>
-              <a:rPr lang="en-GB" dirty="0" smtClean="0"/>
-              <a:t>https://developer.android.com/distribute/best-practices/launch/distribute-auto.html#how_to_participate</a:t>
-            </a:r>
             <a:endParaRPr lang="en-GB" dirty="0"/>
           </a:p>
         </p:txBody>
@@ -1163,7 +1165,7 @@
           <a:p>
             <a:fld id="{A5FE6474-0819-4CAC-A677-1ACC1221F957}" type="slidenum">
               <a:rPr lang="en-GB" smtClean="0"/>
-              <a:t>18</a:t>
+              <a:t>16</a:t>
             </a:fld>
             <a:endParaRPr lang="en-GB"/>
           </a:p>
@@ -1172,7 +1174,7 @@
     </p:spTree>
     <p:extLst>
       <p:ext uri="{BB962C8B-B14F-4D97-AF65-F5344CB8AC3E}">
-        <p14:creationId xmlns:p14="http://schemas.microsoft.com/office/powerpoint/2010/main" val="3504536707"/>
+        <p14:creationId xmlns:p14="http://schemas.microsoft.com/office/powerpoint/2010/main" val="3694532524"/>
       </p:ext>
     </p:extLst>
   </p:cSld>
@@ -1227,29 +1229,9 @@
           <a:lstStyle/>
           <a:p>
             <a:r>
-              <a:rPr lang="en-US" dirty="0" smtClean="0"/>
-              <a:t>They implemented the Android source code by reconfiguring it into a car OS, without involving Google</a:t>
-            </a:r>
-          </a:p>
-          <a:p>
-            <a:endParaRPr lang="en-US" dirty="0" smtClean="0"/>
-          </a:p>
-          <a:p>
-            <a:r>
-              <a:rPr lang="en-US" dirty="0" smtClean="0"/>
-              <a:t>This attempt, unfortunately, has failed because by the time the product reached the market (after a long development process), the version of Android launched was older and it cannot be updated</a:t>
-            </a:r>
-          </a:p>
-          <a:p>
-            <a:endParaRPr lang="en-US" dirty="0" smtClean="0"/>
-          </a:p>
-          <a:p>
-            <a:r>
-              <a:rPr lang="en-US" dirty="0" smtClean="0"/>
-              <a:t>Though the anticipation that Google will produce a Play Store for the car OS is still not been confirmed. But the latest OS promises the control for Heating, ventilation and air conditioning (HVAC) unit and radio as well.</a:t>
-            </a:r>
-          </a:p>
-          <a:p>
+              <a:rPr lang="en-GB" dirty="0" smtClean="0"/>
+              <a:t>https://developer.android.com/distribute/best-practices/launch/distribute-auto.html#how_to_participate</a:t>
+            </a:r>
             <a:endParaRPr lang="en-GB" dirty="0"/>
           </a:p>
         </p:txBody>
@@ -1269,19 +1251,18 @@
           <a:bodyPr/>
           <a:lstStyle/>
           <a:p>
-            <a:fld id="{1B06CD8F-B7ED-4A05-9FB1-A01CC0EF02CC}" type="slidenum">
-              <a:rPr lang="fr-FR" smtClean="0"/>
-              <a:pPr/>
-              <a:t>21</a:t>
+            <a:fld id="{A5FE6474-0819-4CAC-A677-1ACC1221F957}" type="slidenum">
+              <a:rPr lang="en-GB" smtClean="0"/>
+              <a:t>18</a:t>
             </a:fld>
-            <a:endParaRPr lang="fr-FR" dirty="0"/>
+            <a:endParaRPr lang="en-GB"/>
           </a:p>
         </p:txBody>
       </p:sp>
     </p:spTree>
     <p:extLst>
       <p:ext uri="{BB962C8B-B14F-4D97-AF65-F5344CB8AC3E}">
-        <p14:creationId xmlns:p14="http://schemas.microsoft.com/office/powerpoint/2010/main" val="1471383405"/>
+        <p14:creationId xmlns:p14="http://schemas.microsoft.com/office/powerpoint/2010/main" val="3504536707"/>
       </p:ext>
     </p:extLst>
   </p:cSld>
@@ -1335,6 +1316,115 @@
           <a:bodyPr/>
           <a:lstStyle/>
           <a:p>
+            <a:r>
+              <a:rPr lang="en-US" dirty="0" smtClean="0"/>
+              <a:t>They implemented the Android source code by reconfiguring it into a car OS, without involving Google</a:t>
+            </a:r>
+          </a:p>
+          <a:p>
+            <a:endParaRPr lang="en-US" dirty="0" smtClean="0"/>
+          </a:p>
+          <a:p>
+            <a:r>
+              <a:rPr lang="en-US" dirty="0" smtClean="0"/>
+              <a:t>This attempt, unfortunately, has failed because by the time the product reached the market (after a long development process), the version of Android launched was older and it cannot be updated</a:t>
+            </a:r>
+          </a:p>
+          <a:p>
+            <a:endParaRPr lang="en-US" dirty="0" smtClean="0"/>
+          </a:p>
+          <a:p>
+            <a:r>
+              <a:rPr lang="en-US" dirty="0" smtClean="0"/>
+              <a:t>Though the anticipation that Google will produce a Play Store for the car OS is still not been confirmed. But the latest OS promises the control for Heating, ventilation and air conditioning (HVAC) unit and radio as well.</a:t>
+            </a:r>
+          </a:p>
+          <a:p>
+            <a:endParaRPr lang="en-GB" dirty="0"/>
+          </a:p>
+        </p:txBody>
+      </p:sp>
+      <p:sp>
+        <p:nvSpPr>
+          <p:cNvPr id="4" name="Slide Number Placeholder 3"/>
+          <p:cNvSpPr>
+            <a:spLocks noGrp="1"/>
+          </p:cNvSpPr>
+          <p:nvPr>
+            <p:ph type="sldNum" sz="quarter" idx="10"/>
+          </p:nvPr>
+        </p:nvSpPr>
+        <p:spPr/>
+        <p:txBody>
+          <a:bodyPr/>
+          <a:lstStyle/>
+          <a:p>
+            <a:fld id="{1B06CD8F-B7ED-4A05-9FB1-A01CC0EF02CC}" type="slidenum">
+              <a:rPr lang="fr-FR" smtClean="0"/>
+              <a:pPr/>
+              <a:t>21</a:t>
+            </a:fld>
+            <a:endParaRPr lang="fr-FR" dirty="0"/>
+          </a:p>
+        </p:txBody>
+      </p:sp>
+    </p:spTree>
+    <p:extLst>
+      <p:ext uri="{BB962C8B-B14F-4D97-AF65-F5344CB8AC3E}">
+        <p14:creationId xmlns:p14="http://schemas.microsoft.com/office/powerpoint/2010/main" val="1471383405"/>
+      </p:ext>
+    </p:extLst>
+  </p:cSld>
+  <p:clrMapOvr>
+    <a:masterClrMapping/>
+  </p:clrMapOvr>
+</p:notes>
+</file>
+
+<file path=ppt/notesSlides/notesSlide15.xml><?xml version="1.0" encoding="utf-8"?>
+<p:notes xmlns:a="http://schemas.openxmlformats.org/drawingml/2006/main" xmlns:r="http://schemas.openxmlformats.org/officeDocument/2006/relationships" xmlns:p="http://schemas.openxmlformats.org/presentationml/2006/main">
+  <p:cSld>
+    <p:spTree>
+      <p:nvGrpSpPr>
+        <p:cNvPr id="1" name=""/>
+        <p:cNvGrpSpPr/>
+        <p:nvPr/>
+      </p:nvGrpSpPr>
+      <p:grpSpPr>
+        <a:xfrm>
+          <a:off x="0" y="0"/>
+          <a:ext cx="0" cy="0"/>
+          <a:chOff x="0" y="0"/>
+          <a:chExt cx="0" cy="0"/>
+        </a:xfrm>
+      </p:grpSpPr>
+      <p:sp>
+        <p:nvSpPr>
+          <p:cNvPr id="2" name="Slide Image Placeholder 1"/>
+          <p:cNvSpPr>
+            <a:spLocks noGrp="1" noRot="1" noChangeAspect="1"/>
+          </p:cNvSpPr>
+          <p:nvPr>
+            <p:ph type="sldImg"/>
+          </p:nvPr>
+        </p:nvSpPr>
+        <p:spPr/>
+      </p:sp>
+      <p:sp>
+        <p:nvSpPr>
+          <p:cNvPr id="3" name="Notes Placeholder 2"/>
+          <p:cNvSpPr>
+            <a:spLocks noGrp="1"/>
+          </p:cNvSpPr>
+          <p:nvPr>
+            <p:ph type="body" idx="1"/>
+          </p:nvPr>
+        </p:nvSpPr>
+        <p:spPr/>
+        <p:txBody>
+          <a:bodyPr/>
+          <a:lstStyle/>
+          <a:p>
             <a:pPr marL="0" marR="0" lvl="0" indent="0" algn="l" defTabSz="914400" rtl="0" eaLnBrk="1" fontAlgn="auto" latinLnBrk="0" hangingPunct="1">
               <a:lnSpc>
                 <a:spcPct val="100000"/>
@@ -1472,7 +1562,7 @@
 </p:notes>
 </file>
 
-<file path=ppt/notesSlides/notesSlide15.xml><?xml version="1.0" encoding="utf-8"?>
+<file path=ppt/notesSlides/notesSlide16.xml><?xml version="1.0" encoding="utf-8"?>
 <p:notes xmlns:a="http://schemas.openxmlformats.org/drawingml/2006/main" xmlns:r="http://schemas.openxmlformats.org/officeDocument/2006/relationships" xmlns:p="http://schemas.openxmlformats.org/presentationml/2006/main">
   <p:cSld>
     <p:spTree>
@@ -1718,31 +1808,145 @@
           <a:lstStyle/>
           <a:p>
             <a:r>
-              <a:rPr lang="en-US" dirty="0" smtClean="0"/>
-              <a:t>The biggest advantage to use Android</a:t>
-            </a:r>
-            <a:r>
-              <a:rPr lang="en-US" baseline="0" dirty="0" smtClean="0"/>
-              <a:t> Auto instead of the implemented IVI (in vehicle infotainment) of a brand, is that using android Auto we get updates from google, however in a implemented IVI, once is done is done, there are no updates.</a:t>
-            </a:r>
-          </a:p>
-          <a:p>
-            <a:r>
-              <a:rPr lang="en-US" baseline="0" dirty="0" smtClean="0"/>
-              <a:t>We know there are people who prefer using other apps for GPS Navigation, but in most of the videos and reviews we saw, they say that Google Maps is the best for being more precise and user friendly, than the others</a:t>
-            </a:r>
-          </a:p>
-          <a:p>
-            <a:r>
-              <a:rPr lang="en-US" baseline="0" dirty="0" smtClean="0"/>
-              <a:t>We saw the comparison between voice control system between google and Apple, and the google voice control performs better, in the interpretation of what a person wants to say.</a:t>
-            </a:r>
-          </a:p>
-          <a:p>
-            <a:r>
-              <a:rPr lang="en-US" baseline="0" dirty="0" smtClean="0"/>
-              <a:t>We also don’t need to buy a new car or spend 700€ in a aftermarket display, we can simply use our phone to do the work.</a:t>
-            </a:r>
+              <a:rPr lang="en-US" sz="1200" b="0" i="0" kern="1200" dirty="0" smtClean="0">
+                <a:solidFill>
+                  <a:schemeClr val="tx1"/>
+                </a:solidFill>
+                <a:effectLst/>
+                <a:latin typeface="Arial" pitchFamily="34" charset="0"/>
+                <a:ea typeface="+mn-ea"/>
+                <a:cs typeface="+mn-cs"/>
+              </a:rPr>
+              <a:t>Android Auto works by projecting Android apps onto </a:t>
+            </a:r>
+            <a:r>
+              <a:rPr lang="en-US" sz="1200" b="0" i="0" kern="1200" dirty="0" err="1" smtClean="0">
+                <a:solidFill>
+                  <a:schemeClr val="tx1"/>
+                </a:solidFill>
+                <a:effectLst/>
+                <a:latin typeface="Arial" pitchFamily="34" charset="0"/>
+                <a:ea typeface="+mn-ea"/>
+                <a:cs typeface="+mn-cs"/>
+              </a:rPr>
+              <a:t>onto</a:t>
+            </a:r>
+            <a:r>
+              <a:rPr lang="en-US" sz="1200" b="0" i="0" kern="1200" dirty="0" smtClean="0">
+                <a:solidFill>
+                  <a:schemeClr val="tx1"/>
+                </a:solidFill>
+                <a:effectLst/>
+                <a:latin typeface="Arial" pitchFamily="34" charset="0"/>
+                <a:ea typeface="+mn-ea"/>
+                <a:cs typeface="+mn-cs"/>
+              </a:rPr>
+              <a:t> the in-car display after the phone has been plugged in to the car via USB</a:t>
+            </a:r>
+          </a:p>
+          <a:p>
+            <a:r>
+              <a:rPr lang="en-US" sz="1200" b="0" i="0" kern="1200" dirty="0" smtClean="0">
+                <a:solidFill>
+                  <a:schemeClr val="tx1"/>
+                </a:solidFill>
+                <a:effectLst/>
+                <a:latin typeface="Arial" pitchFamily="34" charset="0"/>
+                <a:ea typeface="+mn-ea"/>
+                <a:cs typeface="+mn-cs"/>
+              </a:rPr>
+              <a:t>Phone calls are going to be handled over Bluetooth</a:t>
+            </a:r>
+          </a:p>
+          <a:p>
+            <a:r>
+              <a:rPr lang="en-US" sz="1200" b="0" i="0" kern="1200" dirty="0" smtClean="0">
+                <a:solidFill>
+                  <a:schemeClr val="tx1"/>
+                </a:solidFill>
+                <a:effectLst/>
+                <a:latin typeface="Arial" pitchFamily="34" charset="0"/>
+                <a:ea typeface="+mn-ea"/>
+                <a:cs typeface="+mn-cs"/>
+              </a:rPr>
+              <a:t>Useful information</a:t>
+            </a:r>
+            <a:r>
+              <a:rPr lang="en-US" sz="1200" b="0" i="0" kern="1200" baseline="0" dirty="0" smtClean="0">
+                <a:solidFill>
+                  <a:schemeClr val="tx1"/>
+                </a:solidFill>
+                <a:effectLst/>
+                <a:latin typeface="Arial" pitchFamily="34" charset="0"/>
+                <a:ea typeface="+mn-ea"/>
+                <a:cs typeface="+mn-cs"/>
+              </a:rPr>
+              <a:t> such as text messages, a coming call.</a:t>
+            </a:r>
+          </a:p>
+          <a:p>
+            <a:r>
+              <a:rPr lang="en-US" sz="1200" b="0" i="0" kern="1200" baseline="0" dirty="0" smtClean="0">
+                <a:solidFill>
+                  <a:schemeClr val="tx1"/>
+                </a:solidFill>
+                <a:effectLst/>
+                <a:latin typeface="Arial" pitchFamily="34" charset="0"/>
+                <a:ea typeface="+mn-ea"/>
+                <a:cs typeface="+mn-cs"/>
+              </a:rPr>
+              <a:t>Simple cards which presents all the relevant information, in a </a:t>
+            </a:r>
+            <a:r>
+              <a:rPr lang="en-US" sz="1200" b="0" i="0" kern="1200" baseline="0" dirty="0" err="1" smtClean="0">
+                <a:solidFill>
+                  <a:schemeClr val="tx1"/>
+                </a:solidFill>
+                <a:effectLst/>
+                <a:latin typeface="Arial" pitchFamily="34" charset="0"/>
+                <a:ea typeface="+mn-ea"/>
+                <a:cs typeface="+mn-cs"/>
+              </a:rPr>
+              <a:t>intuive</a:t>
+            </a:r>
+            <a:r>
+              <a:rPr lang="en-US" sz="1200" b="0" i="0" kern="1200" baseline="0" dirty="0" smtClean="0">
+                <a:solidFill>
+                  <a:schemeClr val="tx1"/>
+                </a:solidFill>
+                <a:effectLst/>
+                <a:latin typeface="Arial" pitchFamily="34" charset="0"/>
+                <a:ea typeface="+mn-ea"/>
+                <a:cs typeface="+mn-cs"/>
+              </a:rPr>
+              <a:t> way.</a:t>
+            </a:r>
+            <a:endParaRPr lang="en-US" sz="1200" b="0" i="0" kern="1200" dirty="0" smtClean="0">
+              <a:solidFill>
+                <a:schemeClr val="tx1"/>
+              </a:solidFill>
+              <a:effectLst/>
+              <a:latin typeface="Arial" pitchFamily="34" charset="0"/>
+              <a:ea typeface="+mn-ea"/>
+              <a:cs typeface="+mn-cs"/>
+            </a:endParaRPr>
+          </a:p>
+          <a:p>
+            <a:r>
+              <a:rPr lang="en-US" sz="1200" b="0" i="0" kern="1200" dirty="0" smtClean="0">
+                <a:solidFill>
+                  <a:schemeClr val="tx1"/>
+                </a:solidFill>
+                <a:effectLst/>
+                <a:latin typeface="Arial" pitchFamily="34" charset="0"/>
+                <a:ea typeface="+mn-ea"/>
+                <a:cs typeface="+mn-cs"/>
+              </a:rPr>
+              <a:t>Android Auto apps have a consistent design, with large, round buttons for easy touch points, and similar menu structures. The idea is that apps won't be any more distracting than they need to be (which is why user interface elements look the same from one app to another), and generally don't need more than a quick glance to be put to work.</a:t>
+            </a:r>
+            <a:endParaRPr lang="en-US" dirty="0" smtClean="0"/>
+          </a:p>
+          <a:p>
             <a:endParaRPr lang="en-US" dirty="0"/>
           </a:p>
         </p:txBody>
@@ -1765,7 +1969,7 @@
             <a:fld id="{1B06CD8F-B7ED-4A05-9FB1-A01CC0EF02CC}" type="slidenum">
               <a:rPr lang="fr-FR" smtClean="0"/>
               <a:pPr/>
-              <a:t>5</a:t>
+              <a:t>4</a:t>
             </a:fld>
             <a:endParaRPr lang="fr-FR" dirty="0"/>
           </a:p>
@@ -1774,7 +1978,7 @@
     </p:spTree>
     <p:extLst>
       <p:ext uri="{BB962C8B-B14F-4D97-AF65-F5344CB8AC3E}">
-        <p14:creationId xmlns:p14="http://schemas.microsoft.com/office/powerpoint/2010/main" val="3973816794"/>
+        <p14:creationId xmlns:p14="http://schemas.microsoft.com/office/powerpoint/2010/main" val="1021029615"/>
       </p:ext>
     </p:extLst>
   </p:cSld>
@@ -1830,55 +2034,31 @@
           <a:p>
             <a:r>
               <a:rPr lang="en-US" dirty="0" smtClean="0"/>
-              <a:t>Need to be android 5.0 plus</a:t>
-            </a:r>
-          </a:p>
-          <a:p>
-            <a:r>
-              <a:rPr lang="en-US" dirty="0" smtClean="0"/>
-              <a:t>5 panels -&gt; navigation,</a:t>
+              <a:t>The biggest advantage to use Android</a:t>
             </a:r>
             <a:r>
               <a:rPr lang="en-US" baseline="0" dirty="0" smtClean="0"/>
-              <a:t> phone log, home, media, car diagnosis</a:t>
+              <a:t> Auto instead of the implemented IVI (in vehicle infotainment) of a brand, is that using android Auto we get updates from google, however in a implemented IVI, once is done is done, there are no updates.</a:t>
             </a:r>
           </a:p>
           <a:p>
             <a:r>
               <a:rPr lang="en-US" baseline="0" dirty="0" smtClean="0"/>
-              <a:t>Important information, like a message received, from </a:t>
-            </a:r>
-            <a:r>
-              <a:rPr lang="en-US" baseline="0" dirty="0" err="1" smtClean="0"/>
-              <a:t>whatsupp</a:t>
-            </a:r>
+              <a:t>We know there are people who prefer using other apps for GPS Navigation, but in most of the videos and reviews we saw, they say that Google Maps is the best for being more precise and user friendly, than the others</a:t>
+            </a:r>
+          </a:p>
+          <a:p>
             <a:r>
               <a:rPr lang="en-US" baseline="0" dirty="0" smtClean="0"/>
-              <a:t>, </a:t>
-            </a:r>
-            <a:r>
-              <a:rPr lang="en-US" baseline="0" dirty="0" err="1" smtClean="0"/>
-              <a:t>facebook</a:t>
-            </a:r>
+              <a:t>We saw the comparison between voice control system between google and Apple, and the google voice control performs better, in the interpretation of what a person wants to say.</a:t>
+            </a:r>
+          </a:p>
+          <a:p>
             <a:r>
               <a:rPr lang="en-US" baseline="0" dirty="0" smtClean="0"/>
-              <a:t> </a:t>
-            </a:r>
-            <a:r>
-              <a:rPr lang="en-US" baseline="0" dirty="0" err="1" smtClean="0"/>
-              <a:t>messeger</a:t>
-            </a:r>
-            <a:r>
-              <a:rPr lang="en-US" baseline="0" dirty="0" smtClean="0"/>
-              <a:t> or hangouts</a:t>
-            </a:r>
-          </a:p>
-          <a:p>
-            <a:r>
-              <a:rPr lang="en-US" baseline="0" dirty="0" smtClean="0"/>
-              <a:t>A phone call incoming</a:t>
-            </a:r>
-            <a:endParaRPr lang="en-US" dirty="0" smtClean="0"/>
+              <a:t>We also don’t need to buy a new car or spend 700€ in a aftermarket display, we can simply use our phone to do the work.</a:t>
+            </a:r>
+            <a:endParaRPr lang="en-US" dirty="0"/>
           </a:p>
         </p:txBody>
       </p:sp>
@@ -1900,7 +2080,7 @@
             <a:fld id="{1B06CD8F-B7ED-4A05-9FB1-A01CC0EF02CC}" type="slidenum">
               <a:rPr lang="fr-FR" smtClean="0"/>
               <a:pPr/>
-              <a:t>7</a:t>
+              <a:t>5</a:t>
             </a:fld>
             <a:endParaRPr lang="fr-FR" dirty="0"/>
           </a:p>
@@ -1909,7 +2089,7 @@
     </p:spTree>
     <p:extLst>
       <p:ext uri="{BB962C8B-B14F-4D97-AF65-F5344CB8AC3E}">
-        <p14:creationId xmlns:p14="http://schemas.microsoft.com/office/powerpoint/2010/main" val="1564263606"/>
+        <p14:creationId xmlns:p14="http://schemas.microsoft.com/office/powerpoint/2010/main" val="3973816794"/>
       </p:ext>
     </p:extLst>
   </p:cSld>
@@ -1965,79 +2145,66 @@
           <a:p>
             <a:r>
               <a:rPr lang="en-US" dirty="0" smtClean="0"/>
-              <a:t>Like said before, the car sound system is connected</a:t>
+              <a:t>Need to be android 5.0 plus</a:t>
+            </a:r>
+          </a:p>
+          <a:p>
+            <a:r>
+              <a:rPr lang="en-US" dirty="0" smtClean="0"/>
+              <a:t>5 panels -&gt; navigation,</a:t>
             </a:r>
             <a:r>
               <a:rPr lang="en-US" baseline="0" dirty="0" smtClean="0"/>
-              <a:t> via </a:t>
+              <a:t> phone log, home, media, car diagnosis</a:t>
+            </a:r>
+          </a:p>
+          <a:p>
+            <a:r>
+              <a:rPr lang="en-US" baseline="0" dirty="0" smtClean="0"/>
+              <a:t>Home menu is organized in order to show some info like the weather current song, current destination and upcoming </a:t>
             </a:r>
             <a:r>
               <a:rPr lang="en-US" baseline="0" dirty="0" err="1" smtClean="0"/>
-              <a:t>bluethoot</a:t>
-            </a:r>
+              <a:t>appoitments</a:t>
+            </a:r>
+            <a:endParaRPr lang="en-US" baseline="0" dirty="0" smtClean="0"/>
+          </a:p>
+          <a:p>
             <a:r>
               <a:rPr lang="en-US" baseline="0" dirty="0" smtClean="0"/>
-              <a:t>.</a:t>
-            </a:r>
-          </a:p>
-          <a:p>
+              <a:t>Important information, like a message received, from </a:t>
+            </a:r>
+            <a:r>
+              <a:rPr lang="en-US" baseline="0" dirty="0" err="1" smtClean="0"/>
+              <a:t>whatsupp</a:t>
+            </a:r>
             <a:r>
               <a:rPr lang="en-US" baseline="0" dirty="0" smtClean="0"/>
-              <a:t>We have a lot of options to start a voice command, for example if we use the “OK Google”, we don’t need to touch the screen, and keep the eyes on the road at the same time we are doing something else.</a:t>
-            </a:r>
-          </a:p>
-          <a:p>
+              <a:t>, </a:t>
+            </a:r>
+            <a:r>
+              <a:rPr lang="en-US" baseline="0" dirty="0" err="1" smtClean="0"/>
+              <a:t>facebook</a:t>
+            </a:r>
             <a:r>
               <a:rPr lang="en-US" baseline="0" dirty="0" smtClean="0"/>
-              <a:t>A example to set the destination we can say “OK Google, set directions to …” and we say the address.</a:t>
-            </a:r>
-          </a:p>
-          <a:p>
+              <a:t> </a:t>
+            </a:r>
+            <a:r>
+              <a:rPr lang="en-US" baseline="0" dirty="0" err="1" smtClean="0"/>
+              <a:t>messeger</a:t>
+            </a:r>
             <a:r>
               <a:rPr lang="en-US" baseline="0" dirty="0" smtClean="0"/>
-              <a:t>We can also ask for a </a:t>
-            </a:r>
-            <a:r>
-              <a:rPr lang="en-US" sz="1200" b="0" i="0" kern="1200" dirty="0" smtClean="0">
-                <a:solidFill>
-                  <a:schemeClr val="tx1"/>
-                </a:solidFill>
-                <a:effectLst/>
-                <a:latin typeface="Arial" pitchFamily="34" charset="0"/>
-                <a:ea typeface="+mn-ea"/>
-                <a:cs typeface="+mn-cs"/>
-              </a:rPr>
-              <a:t>specific</a:t>
-            </a:r>
+              <a:t> or hangouts</a:t>
+            </a:r>
+          </a:p>
+          <a:p>
             <a:r>
               <a:rPr lang="en-US" baseline="0" dirty="0" smtClean="0"/>
-              <a:t> song in a </a:t>
-            </a:r>
-            <a:r>
-              <a:rPr lang="en-US" sz="1200" b="0" i="0" kern="1200" dirty="0" smtClean="0">
-                <a:solidFill>
-                  <a:schemeClr val="tx1"/>
-                </a:solidFill>
-                <a:effectLst/>
-                <a:latin typeface="Arial" pitchFamily="34" charset="0"/>
-                <a:ea typeface="+mn-ea"/>
-                <a:cs typeface="+mn-cs"/>
-              </a:rPr>
-              <a:t>specific</a:t>
-            </a:r>
-            <a:r>
-              <a:rPr lang="en-US" baseline="0" dirty="0" smtClean="0"/>
-              <a:t> app</a:t>
-            </a:r>
-          </a:p>
-          <a:p>
-            <a:r>
-              <a:rPr lang="en-US" baseline="0" dirty="0" smtClean="0"/>
-              <a:t>Basically, We can use every OK Google command available for android system</a:t>
-            </a:r>
-          </a:p>
-          <a:p>
-            <a:endParaRPr lang="en-US" dirty="0"/>
+              <a:t>A phone call incoming</a:t>
+            </a:r>
+            <a:endParaRPr lang="en-US" dirty="0" smtClean="0"/>
           </a:p>
         </p:txBody>
       </p:sp>
@@ -2059,7 +2226,7 @@
             <a:fld id="{1B06CD8F-B7ED-4A05-9FB1-A01CC0EF02CC}" type="slidenum">
               <a:rPr lang="fr-FR" smtClean="0"/>
               <a:pPr/>
-              <a:t>8</a:t>
+              <a:t>7</a:t>
             </a:fld>
             <a:endParaRPr lang="fr-FR" dirty="0"/>
           </a:p>
@@ -2068,7 +2235,7 @@
     </p:spTree>
     <p:extLst>
       <p:ext uri="{BB962C8B-B14F-4D97-AF65-F5344CB8AC3E}">
-        <p14:creationId xmlns:p14="http://schemas.microsoft.com/office/powerpoint/2010/main" val="4291574160"/>
+        <p14:creationId xmlns:p14="http://schemas.microsoft.com/office/powerpoint/2010/main" val="1564263606"/>
       </p:ext>
     </p:extLst>
   </p:cSld>
@@ -2124,18 +2291,78 @@
           <a:p>
             <a:r>
               <a:rPr lang="en-US" dirty="0" smtClean="0"/>
-              <a:t>Here is shown the phone screen and the car dash screen,</a:t>
+              <a:t>Like said before, the car sound system is connected</a:t>
             </a:r>
             <a:r>
               <a:rPr lang="en-US" baseline="0" dirty="0" smtClean="0"/>
-              <a:t> and the blue markers show the panel with 5 or 4 buttons</a:t>
-            </a:r>
-          </a:p>
-          <a:p>
+              <a:t> via </a:t>
+            </a:r>
+            <a:r>
+              <a:rPr lang="en-US" baseline="0" dirty="0" err="1" smtClean="0"/>
+              <a:t>bluethoot</a:t>
+            </a:r>
             <a:r>
               <a:rPr lang="en-US" baseline="0" dirty="0" smtClean="0"/>
-              <a:t>For car diagnosis the app called Torque is the one that is used</a:t>
-            </a:r>
+              <a:t>.</a:t>
+            </a:r>
+          </a:p>
+          <a:p>
+            <a:r>
+              <a:rPr lang="en-US" baseline="0" dirty="0" smtClean="0"/>
+              <a:t>We have a lot of options to start a voice command, for example if we use the “OK Google”, we don’t need to touch the screen, and keep the eyes on the road at the same time we are doing something else.</a:t>
+            </a:r>
+          </a:p>
+          <a:p>
+            <a:r>
+              <a:rPr lang="en-US" baseline="0" dirty="0" smtClean="0"/>
+              <a:t>A example to set the destination we can say “OK Google, set directions to …” and we say the address.</a:t>
+            </a:r>
+          </a:p>
+          <a:p>
+            <a:r>
+              <a:rPr lang="en-US" baseline="0" dirty="0" smtClean="0"/>
+              <a:t>We can also ask for a </a:t>
+            </a:r>
+            <a:r>
+              <a:rPr lang="en-US" sz="1200" b="0" i="0" kern="1200" dirty="0" smtClean="0">
+                <a:solidFill>
+                  <a:schemeClr val="tx1"/>
+                </a:solidFill>
+                <a:effectLst/>
+                <a:latin typeface="Arial" pitchFamily="34" charset="0"/>
+                <a:ea typeface="+mn-ea"/>
+                <a:cs typeface="+mn-cs"/>
+              </a:rPr>
+              <a:t>specific</a:t>
+            </a:r>
+            <a:r>
+              <a:rPr lang="en-US" baseline="0" dirty="0" smtClean="0"/>
+              <a:t> song in a </a:t>
+            </a:r>
+            <a:r>
+              <a:rPr lang="en-US" sz="1200" b="0" i="0" kern="1200" dirty="0" smtClean="0">
+                <a:solidFill>
+                  <a:schemeClr val="tx1"/>
+                </a:solidFill>
+                <a:effectLst/>
+                <a:latin typeface="Arial" pitchFamily="34" charset="0"/>
+                <a:ea typeface="+mn-ea"/>
+                <a:cs typeface="+mn-cs"/>
+              </a:rPr>
+              <a:t>specific</a:t>
+            </a:r>
+            <a:r>
+              <a:rPr lang="en-US" baseline="0" dirty="0" smtClean="0"/>
+              <a:t> app</a:t>
+            </a:r>
+          </a:p>
+          <a:p>
+            <a:r>
+              <a:rPr lang="en-US" baseline="0" dirty="0" smtClean="0"/>
+              <a:t>Basically, We can use every OK Google command available for android system</a:t>
+            </a:r>
+          </a:p>
+          <a:p>
             <a:endParaRPr lang="en-US" dirty="0"/>
           </a:p>
         </p:txBody>
@@ -2158,7 +2385,7 @@
             <a:fld id="{1B06CD8F-B7ED-4A05-9FB1-A01CC0EF02CC}" type="slidenum">
               <a:rPr lang="fr-FR" smtClean="0"/>
               <a:pPr/>
-              <a:t>9</a:t>
+              <a:t>8</a:t>
             </a:fld>
             <a:endParaRPr lang="fr-FR" dirty="0"/>
           </a:p>
@@ -2167,7 +2394,7 @@
     </p:spTree>
     <p:extLst>
       <p:ext uri="{BB962C8B-B14F-4D97-AF65-F5344CB8AC3E}">
-        <p14:creationId xmlns:p14="http://schemas.microsoft.com/office/powerpoint/2010/main" val="3316341565"/>
+        <p14:creationId xmlns:p14="http://schemas.microsoft.com/office/powerpoint/2010/main" val="4291574160"/>
       </p:ext>
     </p:extLst>
   </p:cSld>
@@ -2223,15 +2450,17 @@
           <a:p>
             <a:r>
               <a:rPr lang="en-US" dirty="0" smtClean="0"/>
-              <a:t>Here</a:t>
+              <a:t>Here is shown the phone screen and the car dash screen,</a:t>
             </a:r>
             <a:r>
               <a:rPr lang="en-US" baseline="0" dirty="0" smtClean="0"/>
-              <a:t> is shown some examples of the home menu, where we see the relevant information, in the case of the phone we see the current destination, the actual music and a received message, in the car dash is shown a received message, a coming appointment and the current </a:t>
-            </a:r>
-            <a:r>
-              <a:rPr lang="en-US" baseline="0" dirty="0" err="1" smtClean="0"/>
-              <a:t>wheather</a:t>
+              <a:t> and the blue markers show the panel with 5 or 4 buttons</a:t>
+            </a:r>
+          </a:p>
+          <a:p>
+            <a:r>
+              <a:rPr lang="en-US" baseline="0" dirty="0" smtClean="0"/>
+              <a:t>For car diagnosis the app called Torque is the one that is used</a:t>
             </a:r>
             <a:endParaRPr lang="en-US" dirty="0"/>
           </a:p>
@@ -2255,7 +2484,7 @@
             <a:fld id="{1B06CD8F-B7ED-4A05-9FB1-A01CC0EF02CC}" type="slidenum">
               <a:rPr lang="fr-FR" smtClean="0"/>
               <a:pPr/>
-              <a:t>10</a:t>
+              <a:t>9</a:t>
             </a:fld>
             <a:endParaRPr lang="fr-FR" dirty="0"/>
           </a:p>
@@ -2264,7 +2493,7 @@
     </p:spTree>
     <p:extLst>
       <p:ext uri="{BB962C8B-B14F-4D97-AF65-F5344CB8AC3E}">
-        <p14:creationId xmlns:p14="http://schemas.microsoft.com/office/powerpoint/2010/main" val="1596670375"/>
+        <p14:creationId xmlns:p14="http://schemas.microsoft.com/office/powerpoint/2010/main" val="3316341565"/>
       </p:ext>
     </p:extLst>
   </p:cSld>
@@ -2318,7 +2547,19 @@
           <a:bodyPr/>
           <a:lstStyle/>
           <a:p>
-            <a:endParaRPr lang="en-US"/>
+            <a:r>
+              <a:rPr lang="en-US" dirty="0" smtClean="0"/>
+              <a:t>Here</a:t>
+            </a:r>
+            <a:r>
+              <a:rPr lang="en-US" baseline="0" dirty="0" smtClean="0"/>
+              <a:t> is shown some examples of the home menu, where we see the relevant information, in the case of the phone we see the current destination, the actual music and a received message, in the car dash is shown a received message, a coming appointment and the current </a:t>
+            </a:r>
+            <a:r>
+              <a:rPr lang="en-US" baseline="0" dirty="0" err="1" smtClean="0"/>
+              <a:t>wheather</a:t>
+            </a:r>
+            <a:endParaRPr lang="en-US" dirty="0"/>
           </a:p>
         </p:txBody>
       </p:sp>
@@ -2340,7 +2581,7 @@
             <a:fld id="{1B06CD8F-B7ED-4A05-9FB1-A01CC0EF02CC}" type="slidenum">
               <a:rPr lang="fr-FR" smtClean="0"/>
               <a:pPr/>
-              <a:t>11</a:t>
+              <a:t>10</a:t>
             </a:fld>
             <a:endParaRPr lang="fr-FR" dirty="0"/>
           </a:p>
@@ -2349,7 +2590,7 @@
     </p:spTree>
     <p:extLst>
       <p:ext uri="{BB962C8B-B14F-4D97-AF65-F5344CB8AC3E}">
-        <p14:creationId xmlns:p14="http://schemas.microsoft.com/office/powerpoint/2010/main" val="4260471285"/>
+        <p14:creationId xmlns:p14="http://schemas.microsoft.com/office/powerpoint/2010/main" val="1596670375"/>
       </p:ext>
     </p:extLst>
   </p:cSld>
@@ -2403,13 +2644,7 @@
           <a:bodyPr/>
           <a:lstStyle/>
           <a:p>
-            <a:r>
-              <a:rPr lang="en-GB" dirty="0" smtClean="0"/>
-              <a:t>https://developer.android.com/training/auto/start/index.html#dev-project</a:t>
-            </a:r>
-          </a:p>
-          <a:p>
-            <a:endParaRPr lang="en-GB" dirty="0"/>
+            <a:endParaRPr lang="en-US"/>
           </a:p>
         </p:txBody>
       </p:sp>
@@ -2428,18 +2663,19 @@
           <a:bodyPr/>
           <a:lstStyle/>
           <a:p>
-            <a:fld id="{A5FE6474-0819-4CAC-A677-1ACC1221F957}" type="slidenum">
-              <a:rPr lang="en-GB" smtClean="0"/>
-              <a:t>13</a:t>
+            <a:fld id="{1B06CD8F-B7ED-4A05-9FB1-A01CC0EF02CC}" type="slidenum">
+              <a:rPr lang="fr-FR" smtClean="0"/>
+              <a:pPr/>
+              <a:t>11</a:t>
             </a:fld>
-            <a:endParaRPr lang="en-GB"/>
+            <a:endParaRPr lang="fr-FR" dirty="0"/>
           </a:p>
         </p:txBody>
       </p:sp>
     </p:spTree>
     <p:extLst>
       <p:ext uri="{BB962C8B-B14F-4D97-AF65-F5344CB8AC3E}">
-        <p14:creationId xmlns:p14="http://schemas.microsoft.com/office/powerpoint/2010/main" val="4288258623"/>
+        <p14:creationId xmlns:p14="http://schemas.microsoft.com/office/powerpoint/2010/main" val="4260471285"/>
       </p:ext>
     </p:extLst>
   </p:cSld>
@@ -17626,7 +17862,6 @@
               <a:rPr lang="fr-FR" dirty="0"/>
               <a:t>Embedded Android for Automotive</a:t>
             </a:r>
-            <a:endParaRPr lang="fr-FR" dirty="0"/>
           </a:p>
         </p:txBody>
       </p:sp>
@@ -18103,7 +18338,6 @@
               <a:rPr lang="fr-FR" dirty="0"/>
               <a:t>Embedded Android for Automotive</a:t>
             </a:r>
-            <a:endParaRPr lang="fr-FR" dirty="0"/>
           </a:p>
         </p:txBody>
       </p:sp>
@@ -18167,7 +18401,6 @@
               <a:rPr lang="en-US" dirty="0"/>
               <a:t>Embedded Android for Automotive</a:t>
             </a:r>
-            <a:endParaRPr lang="en-US" dirty="0"/>
           </a:p>
         </p:txBody>
       </p:sp>
@@ -21427,18 +21660,18 @@
 </file>
 
 <file path=customXml/item2.xml><?xml version="1.0" encoding="utf-8"?>
+<p:properties xmlns:p="http://schemas.microsoft.com/office/2006/metadata/properties" xmlns:xsi="http://www.w3.org/2001/XMLSchema-instance" xmlns:pc="http://schemas.microsoft.com/office/infopath/2007/PartnerControls">
+  <documentManagement/>
+</p:properties>
+</file>
+
+<file path=customXml/item3.xml><?xml version="1.0" encoding="utf-8"?>
 <?mso-contentType ?>
 <FormTemplates xmlns="http://schemas.microsoft.com/sharepoint/v3/contenttype/forms">
   <Display>DocumentLibraryForm</Display>
   <Edit>DocumentLibraryForm</Edit>
   <New>DocumentLibraryForm</New>
 </FormTemplates>
-</file>
-
-<file path=customXml/item3.xml><?xml version="1.0" encoding="utf-8"?>
-<p:properties xmlns:p="http://schemas.microsoft.com/office/2006/metadata/properties" xmlns:xsi="http://www.w3.org/2001/XMLSchema-instance" xmlns:pc="http://schemas.microsoft.com/office/infopath/2007/PartnerControls">
-  <documentManagement/>
-</p:properties>
 </file>
 
 <file path=customXml/itemProps1.xml><?xml version="1.0" encoding="utf-8"?>
@@ -21458,14 +21691,6 @@
 </file>
 
 <file path=customXml/itemProps2.xml><?xml version="1.0" encoding="utf-8"?>
-<ds:datastoreItem xmlns:ds="http://schemas.openxmlformats.org/officeDocument/2006/customXml" ds:itemID="{74695D99-3EAE-4F55-A2B4-F38051B8FE0A}">
-  <ds:schemaRefs>
-    <ds:schemaRef ds:uri="http://schemas.microsoft.com/sharepoint/v3/contenttype/forms"/>
-  </ds:schemaRefs>
-</ds:datastoreItem>
-</file>
-
-<file path=customXml/itemProps3.xml><?xml version="1.0" encoding="utf-8"?>
 <ds:datastoreItem xmlns:ds="http://schemas.openxmlformats.org/officeDocument/2006/customXml" ds:itemID="{65F64EBE-3065-4A3D-B86E-F21B0406FD66}">
   <ds:schemaRefs>
     <ds:schemaRef ds:uri="http://purl.org/dc/dcmitype/"/>
@@ -21478,4 +21703,12 @@
     <ds:schemaRef ds:uri="http://schemas.microsoft.com/office/2006/metadata/properties"/>
   </ds:schemaRefs>
 </ds:datastoreItem>
+</file>
+
+<file path=customXml/itemProps3.xml><?xml version="1.0" encoding="utf-8"?>
+<ds:datastoreItem xmlns:ds="http://schemas.openxmlformats.org/officeDocument/2006/customXml" ds:itemID="{74695D99-3EAE-4F55-A2B4-F38051B8FE0A}">
+  <ds:schemaRefs>
+    <ds:schemaRef ds:uri="http://schemas.microsoft.com/sharepoint/v3/contenttype/forms"/>
+  </ds:schemaRefs>
+</ds:datastoreItem>
 </file>
--- a/PowerPoint Final/Presentation_Joao_Mauro.pptx
+++ b/PowerPoint Final/Presentation_Joao_Mauro.pptx
@@ -360,7 +360,7 @@
           <a:p>
             <a:fld id="{63772A03-8192-4C8E-851E-DA871DEC8922}" type="datetimeFigureOut">
               <a:rPr lang="fr-FR" smtClean="0"/>
-              <a:t>06/10/2017</a:t>
+              <a:t>09/10/2017</a:t>
             </a:fld>
             <a:endParaRPr lang="fr-FR"/>
           </a:p>
@@ -530,7 +530,7 @@
             <a:fld id="{D680E798-53FF-4C51-A981-953463752515}" type="datetimeFigureOut">
               <a:rPr lang="fr-FR" smtClean="0"/>
               <a:pPr/>
-              <a:t>06/10/2017</a:t>
+              <a:t>09/10/2017</a:t>
             </a:fld>
             <a:endParaRPr lang="fr-FR" dirty="0"/>
           </a:p>
@@ -950,13 +950,32 @@
           <a:bodyPr/>
           <a:lstStyle/>
           <a:p>
-            <a:r>
-              <a:rPr lang="en-GB" dirty="0" smtClean="0"/>
-              <a:t>https://developer.android.com/training/auto/start/index.html#dev-project</a:t>
-            </a:r>
-          </a:p>
-          <a:p>
-            <a:endParaRPr lang="en-GB" dirty="0"/>
+            <a:pPr marL="0" marR="0" lvl="0" indent="0" algn="l" defTabSz="914400" rtl="0" eaLnBrk="1" fontAlgn="auto" latinLnBrk="0" hangingPunct="1">
+              <a:lnSpc>
+                <a:spcPct val="100000"/>
+              </a:lnSpc>
+              <a:spcBef>
+                <a:spcPts val="0"/>
+              </a:spcBef>
+              <a:spcAft>
+                <a:spcPts val="0"/>
+              </a:spcAft>
+              <a:buClrTx/>
+              <a:buSzTx/>
+              <a:buFontTx/>
+              <a:buNone/>
+              <a:tabLst/>
+              <a:defRPr/>
+            </a:pPr>
+            <a:r>
+              <a:rPr lang="en-US" dirty="0" smtClean="0"/>
+              <a:t>Configure</a:t>
+            </a:r>
+            <a:r>
+              <a:rPr lang="en-US" baseline="0" dirty="0" smtClean="0"/>
+              <a:t> your application with this settings and implement a service for accessing music. This enables Android Auto to discover your app and provide a browse and playback interface for your application </a:t>
+            </a:r>
+            <a:endParaRPr lang="en-US" dirty="0" smtClean="0"/>
           </a:p>
         </p:txBody>
       </p:sp>
@@ -977,7 +996,7 @@
           <a:p>
             <a:fld id="{A5FE6474-0819-4CAC-A677-1ACC1221F957}" type="slidenum">
               <a:rPr lang="en-GB" smtClean="0"/>
-              <a:t>13</a:t>
+              <a:t>14</a:t>
             </a:fld>
             <a:endParaRPr lang="en-GB"/>
           </a:p>
@@ -986,7 +1005,7 @@
     </p:spTree>
     <p:extLst>
       <p:ext uri="{BB962C8B-B14F-4D97-AF65-F5344CB8AC3E}">
-        <p14:creationId xmlns:p14="http://schemas.microsoft.com/office/powerpoint/2010/main" val="4288258623"/>
+        <p14:creationId xmlns:p14="http://schemas.microsoft.com/office/powerpoint/2010/main" val="1749210354"/>
       </p:ext>
     </p:extLst>
   </p:cSld>
@@ -1040,27 +1059,34 @@
           <a:bodyPr/>
           <a:lstStyle/>
           <a:p>
-            <a:pPr marL="0" marR="0" lvl="0" indent="0" algn="l" defTabSz="914400" rtl="0" eaLnBrk="1" fontAlgn="auto" latinLnBrk="0" hangingPunct="1">
-              <a:lnSpc>
-                <a:spcPct val="100000"/>
-              </a:lnSpc>
-              <a:spcBef>
-                <a:spcPts val="0"/>
-              </a:spcBef>
-              <a:spcAft>
-                <a:spcPts val="0"/>
-              </a:spcAft>
-              <a:buClrTx/>
-              <a:buSzTx/>
-              <a:buFontTx/>
-              <a:buNone/>
-              <a:tabLst/>
-              <a:defRPr/>
-            </a:pPr>
-            <a:r>
-              <a:rPr lang="en-US" dirty="0" smtClean="0"/>
-              <a:t>Android Auto can contact your service to do the following:</a:t>
-            </a:r>
+            <a:r>
+              <a:rPr lang="en-GB" dirty="0" smtClean="0"/>
+              <a:t>For application that support messaging you</a:t>
+            </a:r>
+            <a:r>
+              <a:rPr lang="en-GB" baseline="0" dirty="0" smtClean="0"/>
+              <a:t> need to extend their messaging notification to allow Android Auto to display them and for users to read and </a:t>
+            </a:r>
+            <a:r>
+              <a:rPr lang="en-GB" baseline="0" dirty="0" err="1" smtClean="0"/>
+              <a:t>responde</a:t>
+            </a:r>
+            <a:r>
+              <a:rPr lang="en-GB" baseline="0" dirty="0" smtClean="0"/>
+              <a:t> to them.  </a:t>
+            </a:r>
+          </a:p>
+          <a:p>
+            <a:r>
+              <a:rPr lang="en-GB" baseline="0" dirty="0" smtClean="0"/>
+              <a:t>With a consistent and low distraction ( Google Assistant) </a:t>
+            </a:r>
+          </a:p>
+          <a:p>
+            <a:endParaRPr lang="en-GB" baseline="0" dirty="0" smtClean="0"/>
+          </a:p>
+          <a:p>
+            <a:endParaRPr lang="en-GB" dirty="0"/>
           </a:p>
         </p:txBody>
       </p:sp>
@@ -1079,18 +1105,19 @@
           <a:bodyPr/>
           <a:lstStyle/>
           <a:p>
-            <a:fld id="{A5FE6474-0819-4CAC-A677-1ACC1221F957}" type="slidenum">
-              <a:rPr lang="en-GB" smtClean="0"/>
-              <a:t>14</a:t>
+            <a:fld id="{1B06CD8F-B7ED-4A05-9FB1-A01CC0EF02CC}" type="slidenum">
+              <a:rPr lang="fr-FR" smtClean="0"/>
+              <a:pPr/>
+              <a:t>15</a:t>
             </a:fld>
-            <a:endParaRPr lang="en-GB"/>
+            <a:endParaRPr lang="fr-FR" dirty="0"/>
           </a:p>
         </p:txBody>
       </p:sp>
     </p:spTree>
     <p:extLst>
       <p:ext uri="{BB962C8B-B14F-4D97-AF65-F5344CB8AC3E}">
-        <p14:creationId xmlns:p14="http://schemas.microsoft.com/office/powerpoint/2010/main" val="1749210354"/>
+        <p14:creationId xmlns:p14="http://schemas.microsoft.com/office/powerpoint/2010/main" val="2349112016"/>
       </p:ext>
     </p:extLst>
   </p:cSld>
@@ -1143,6 +1170,34 @@
         <p:txBody>
           <a:bodyPr/>
           <a:lstStyle/>
+          <a:p>
+            <a:r>
+              <a:rPr lang="en-GB" dirty="0" smtClean="0"/>
+              <a:t>Testing</a:t>
+            </a:r>
+            <a:r>
+              <a:rPr lang="en-GB" baseline="0" dirty="0" smtClean="0"/>
+              <a:t> apps is important for ensuring that the user doesn’t encounter unexpected results or a poor User Experience </a:t>
+            </a:r>
+          </a:p>
+          <a:p>
+            <a:endParaRPr lang="en-GB" baseline="0" dirty="0" smtClean="0"/>
+          </a:p>
+          <a:p>
+            <a:r>
+              <a:rPr lang="en-GB" baseline="0" dirty="0" smtClean="0"/>
+              <a:t>There 2 ways of testing: </a:t>
+            </a:r>
+          </a:p>
+          <a:p>
+            <a:endParaRPr lang="en-GB" baseline="0" dirty="0" smtClean="0"/>
+          </a:p>
+          <a:p>
+            <a:r>
+              <a:rPr lang="en-GB" baseline="0" dirty="0" smtClean="0"/>
+              <a:t>DHU –&gt; software that emulates a Car Head Unit </a:t>
+            </a:r>
+          </a:p>
           <a:p>
             <a:endParaRPr lang="en-GB" dirty="0"/>
           </a:p>
@@ -1230,8 +1285,47 @@
           <a:p>
             <a:r>
               <a:rPr lang="en-GB" dirty="0" smtClean="0"/>
-              <a:t>https://developer.android.com/distribute/best-practices/launch/distribute-auto.html#how_to_participate</a:t>
-            </a:r>
+              <a:t>When designing support for</a:t>
+            </a:r>
+            <a:r>
+              <a:rPr lang="en-GB" baseline="0" dirty="0" smtClean="0"/>
+              <a:t> Android Auto in your app the main goal is to avoid driver distraction, apps should use a simple visual design and use voice commands.</a:t>
+            </a:r>
+          </a:p>
+          <a:p>
+            <a:r>
+              <a:rPr lang="en-GB" baseline="0" dirty="0" smtClean="0"/>
+              <a:t>Apps should be predictable and use simple patterns for common tasks. </a:t>
+            </a:r>
+          </a:p>
+          <a:p>
+            <a:endParaRPr lang="en-GB" baseline="0" dirty="0" smtClean="0"/>
+          </a:p>
+          <a:p>
+            <a:r>
+              <a:rPr lang="en-GB" baseline="0" dirty="0" smtClean="0"/>
+              <a:t>Core app quality – in addiction to Auto specific criteria , Android Auto apps should meet all the relevant core app quality criteria for the Android platform </a:t>
+            </a:r>
+          </a:p>
+          <a:p>
+            <a:endParaRPr lang="en-GB" baseline="0" dirty="0" smtClean="0"/>
+          </a:p>
+          <a:p>
+            <a:r>
+              <a:rPr lang="en-GB" baseline="0" dirty="0" smtClean="0"/>
+              <a:t>Visual design – these criteria ensure that your app follows a design and interaction patterns that offer a consistent and intuitive user experience. </a:t>
+            </a:r>
+          </a:p>
+          <a:p>
+            <a:endParaRPr lang="en-GB" baseline="0" dirty="0" smtClean="0"/>
+          </a:p>
+          <a:p>
+            <a:r>
+              <a:rPr lang="en-GB" baseline="0" dirty="0" smtClean="0"/>
+              <a:t>Functionality  - These criteria ensures that your app is configured and provides the expected functional behaviour </a:t>
+            </a:r>
+          </a:p>
+          <a:p>
             <a:endParaRPr lang="en-GB" dirty="0"/>
           </a:p>
         </p:txBody>
@@ -1251,18 +1345,19 @@
           <a:bodyPr/>
           <a:lstStyle/>
           <a:p>
-            <a:fld id="{A5FE6474-0819-4CAC-A677-1ACC1221F957}" type="slidenum">
-              <a:rPr lang="en-GB" smtClean="0"/>
-              <a:t>18</a:t>
+            <a:fld id="{1B06CD8F-B7ED-4A05-9FB1-A01CC0EF02CC}" type="slidenum">
+              <a:rPr lang="fr-FR" smtClean="0"/>
+              <a:pPr/>
+              <a:t>17</a:t>
             </a:fld>
-            <a:endParaRPr lang="en-GB"/>
+            <a:endParaRPr lang="fr-FR" dirty="0"/>
           </a:p>
         </p:txBody>
       </p:sp>
     </p:spTree>
     <p:extLst>
       <p:ext uri="{BB962C8B-B14F-4D97-AF65-F5344CB8AC3E}">
-        <p14:creationId xmlns:p14="http://schemas.microsoft.com/office/powerpoint/2010/main" val="3504536707"/>
+        <p14:creationId xmlns:p14="http://schemas.microsoft.com/office/powerpoint/2010/main" val="3349636162"/>
       </p:ext>
     </p:extLst>
   </p:cSld>
@@ -1317,29 +1412,22 @@
           <a:lstStyle/>
           <a:p>
             <a:r>
-              <a:rPr lang="en-US" dirty="0" smtClean="0"/>
-              <a:t>They implemented the Android source code by reconfiguring it into a car OS, without involving Google</a:t>
-            </a:r>
-          </a:p>
-          <a:p>
-            <a:endParaRPr lang="en-US" dirty="0" smtClean="0"/>
-          </a:p>
-          <a:p>
-            <a:r>
-              <a:rPr lang="en-US" dirty="0" smtClean="0"/>
-              <a:t>This attempt, unfortunately, has failed because by the time the product reached the market (after a long development process), the version of Android launched was older and it cannot be updated</a:t>
-            </a:r>
-          </a:p>
-          <a:p>
-            <a:endParaRPr lang="en-US" dirty="0" smtClean="0"/>
-          </a:p>
-          <a:p>
-            <a:r>
-              <a:rPr lang="en-US" dirty="0" smtClean="0"/>
-              <a:t>Though the anticipation that Google will produce a Play Store for the car OS is still not been confirmed. But the latest OS promises the control for Heating, ventilation and air conditioning (HVAC) unit and radio as well.</a:t>
-            </a:r>
-          </a:p>
-          <a:p>
+              <a:rPr lang="en-GB" dirty="0" smtClean="0"/>
+              <a:t>Review</a:t>
+            </a:r>
+            <a:r>
+              <a:rPr lang="en-GB" baseline="0" dirty="0" smtClean="0"/>
+              <a:t> – Detailed review process may take more time than a normal app</a:t>
+            </a:r>
+          </a:p>
+          <a:p>
+            <a:endParaRPr lang="en-GB" baseline="0" dirty="0" smtClean="0"/>
+          </a:p>
+          <a:p>
+            <a:r>
+              <a:rPr lang="en-GB" baseline="0" dirty="0" smtClean="0"/>
+              <a:t>If your app is not accepted, you will receive an email with a list of areas you need to address, after the necessary adjustments you can put your newer version to review </a:t>
+            </a:r>
             <a:endParaRPr lang="en-GB" dirty="0"/>
           </a:p>
         </p:txBody>
@@ -1359,19 +1447,18 @@
           <a:bodyPr/>
           <a:lstStyle/>
           <a:p>
-            <a:fld id="{1B06CD8F-B7ED-4A05-9FB1-A01CC0EF02CC}" type="slidenum">
-              <a:rPr lang="fr-FR" smtClean="0"/>
-              <a:pPr/>
-              <a:t>21</a:t>
+            <a:fld id="{A5FE6474-0819-4CAC-A677-1ACC1221F957}" type="slidenum">
+              <a:rPr lang="en-GB" smtClean="0"/>
+              <a:t>18</a:t>
             </a:fld>
-            <a:endParaRPr lang="fr-FR" dirty="0"/>
+            <a:endParaRPr lang="en-GB"/>
           </a:p>
         </p:txBody>
       </p:sp>
     </p:spTree>
     <p:extLst>
       <p:ext uri="{BB962C8B-B14F-4D97-AF65-F5344CB8AC3E}">
-        <p14:creationId xmlns:p14="http://schemas.microsoft.com/office/powerpoint/2010/main" val="1471383405"/>
+        <p14:creationId xmlns:p14="http://schemas.microsoft.com/office/powerpoint/2010/main" val="3504536707"/>
       </p:ext>
     </p:extLst>
   </p:cSld>
@@ -1425,103 +1512,31 @@
           <a:bodyPr/>
           <a:lstStyle/>
           <a:p>
-            <a:pPr marL="0" marR="0" lvl="0" indent="0" algn="l" defTabSz="914400" rtl="0" eaLnBrk="1" fontAlgn="auto" latinLnBrk="0" hangingPunct="1">
-              <a:lnSpc>
-                <a:spcPct val="100000"/>
-              </a:lnSpc>
-              <a:spcBef>
-                <a:spcPts val="0"/>
-              </a:spcBef>
-              <a:spcAft>
-                <a:spcPts val="0"/>
-              </a:spcAft>
-              <a:buClrTx/>
-              <a:buSzTx/>
-              <a:buFontTx/>
-              <a:buNone/>
-              <a:tabLst/>
-              <a:defRPr/>
-            </a:pPr>
-            <a:r>
-              <a:rPr lang="en-GB" sz="1200" kern="1200" dirty="0" smtClean="0">
-                <a:solidFill>
-                  <a:schemeClr val="tx1"/>
-                </a:solidFill>
-                <a:effectLst/>
-                <a:latin typeface="Arial" pitchFamily="34" charset="0"/>
-                <a:ea typeface="+mn-ea"/>
-                <a:cs typeface="+mn-cs"/>
-              </a:rPr>
-              <a:t> is an actual Android-based operating system designed for vehicles, different from Android Auto.</a:t>
-            </a:r>
-            <a:endParaRPr lang="en-GB" sz="1200" dirty="0" smtClean="0">
-              <a:effectLst/>
-              <a:latin typeface="Calibri" panose="020F0502020204030204" pitchFamily="34" charset="0"/>
-              <a:ea typeface="Calibri" panose="020F0502020204030204" pitchFamily="34" charset="0"/>
-              <a:cs typeface="Times New Roman" panose="02020603050405020304" pitchFamily="18" charset="0"/>
-            </a:endParaRPr>
-          </a:p>
-          <a:p>
-            <a:pPr marL="0" marR="0" lvl="0" indent="0" algn="l" defTabSz="914400" rtl="0" eaLnBrk="1" fontAlgn="auto" latinLnBrk="0" hangingPunct="1">
-              <a:lnSpc>
-                <a:spcPct val="100000"/>
-              </a:lnSpc>
-              <a:spcBef>
-                <a:spcPts val="0"/>
-              </a:spcBef>
-              <a:spcAft>
-                <a:spcPts val="0"/>
-              </a:spcAft>
-              <a:buClrTx/>
-              <a:buSzTx/>
-              <a:buFontTx/>
-              <a:buNone/>
-              <a:tabLst/>
-              <a:defRPr/>
-            </a:pPr>
-            <a:endParaRPr lang="en-GB" sz="1200" dirty="0" smtClean="0">
-              <a:effectLst/>
-              <a:latin typeface="Calibri" panose="020F0502020204030204" pitchFamily="34" charset="0"/>
-              <a:ea typeface="Calibri" panose="020F0502020204030204" pitchFamily="34" charset="0"/>
-              <a:cs typeface="Times New Roman" panose="02020603050405020304" pitchFamily="18" charset="0"/>
-            </a:endParaRPr>
-          </a:p>
-          <a:p>
-            <a:pPr marL="0" marR="0" lvl="0" indent="0" algn="l" defTabSz="914400" rtl="0" eaLnBrk="1" fontAlgn="auto" latinLnBrk="0" hangingPunct="1">
-              <a:lnSpc>
-                <a:spcPct val="100000"/>
-              </a:lnSpc>
-              <a:spcBef>
-                <a:spcPts val="0"/>
-              </a:spcBef>
-              <a:spcAft>
-                <a:spcPts val="0"/>
-              </a:spcAft>
-              <a:buClrTx/>
-              <a:buSzTx/>
-              <a:buFontTx/>
-              <a:buNone/>
-              <a:tabLst/>
-              <a:defRPr/>
-            </a:pPr>
-            <a:r>
-              <a:rPr lang="en-GB" sz="1200" dirty="0" smtClean="0">
-                <a:effectLst/>
-                <a:latin typeface="Calibri" panose="020F0502020204030204" pitchFamily="34" charset="0"/>
-                <a:ea typeface="Calibri" panose="020F0502020204030204" pitchFamily="34" charset="0"/>
-                <a:cs typeface="Times New Roman" panose="02020603050405020304" pitchFamily="18" charset="0"/>
-              </a:rPr>
-              <a:t>Full customization is important for adoption, because many automakers have made it clear that they want to own and control the core experience, which they consider an extension of the car brand itself.</a:t>
-            </a:r>
-            <a:endParaRPr lang="pt-PT" sz="1200" dirty="0" smtClean="0">
-              <a:effectLst/>
-              <a:latin typeface="Calibri" panose="020F0502020204030204" pitchFamily="34" charset="0"/>
-              <a:ea typeface="Calibri" panose="020F0502020204030204" pitchFamily="34" charset="0"/>
-              <a:cs typeface="Times New Roman" panose="02020603050405020304" pitchFamily="18" charset="0"/>
-            </a:endParaRPr>
-          </a:p>
-          <a:p>
-            <a:endParaRPr lang="en-US" dirty="0"/>
+            <a:r>
+              <a:rPr lang="en-US" dirty="0" smtClean="0"/>
+              <a:t>They implemented the Android source code by reconfiguring it into a car OS, without involving Google</a:t>
+            </a:r>
+          </a:p>
+          <a:p>
+            <a:endParaRPr lang="en-US" dirty="0" smtClean="0"/>
+          </a:p>
+          <a:p>
+            <a:r>
+              <a:rPr lang="en-US" dirty="0" smtClean="0"/>
+              <a:t>This attempt, unfortunately, has failed because by the time the product reached the market (after a long development process), the version of Android launched was older and it cannot be updated</a:t>
+            </a:r>
+          </a:p>
+          <a:p>
+            <a:endParaRPr lang="en-US" dirty="0" smtClean="0"/>
+          </a:p>
+          <a:p>
+            <a:r>
+              <a:rPr lang="en-US" dirty="0" smtClean="0"/>
+              <a:t>Though the anticipation that Google will produce a Play Store for the car OS is still not been confirmed. But the latest OS promises the control for Heating, ventilation and air conditioning (HVAC) unit and radio as well.</a:t>
+            </a:r>
+          </a:p>
+          <a:p>
+            <a:endParaRPr lang="en-GB" dirty="0"/>
           </a:p>
         </p:txBody>
       </p:sp>
@@ -1543,7 +1558,7 @@
             <a:fld id="{1B06CD8F-B7ED-4A05-9FB1-A01CC0EF02CC}" type="slidenum">
               <a:rPr lang="fr-FR" smtClean="0"/>
               <a:pPr/>
-              <a:t>22</a:t>
+              <a:t>21</a:t>
             </a:fld>
             <a:endParaRPr lang="fr-FR" dirty="0"/>
           </a:p>
@@ -1552,7 +1567,7 @@
     </p:spTree>
     <p:extLst>
       <p:ext uri="{BB962C8B-B14F-4D97-AF65-F5344CB8AC3E}">
-        <p14:creationId xmlns:p14="http://schemas.microsoft.com/office/powerpoint/2010/main" val="991357884"/>
+        <p14:creationId xmlns:p14="http://schemas.microsoft.com/office/powerpoint/2010/main" val="1471383405"/>
       </p:ext>
     </p:extLst>
   </p:cSld>
@@ -1606,22 +1621,382 @@
           <a:bodyPr/>
           <a:lstStyle/>
           <a:p>
-            <a:r>
-              <a:rPr lang="en-US" dirty="0" smtClean="0"/>
-              <a:t>A big part of Google's approach with Android in the car is to allow manufacturers to tailor the experience. For Audi, that means using Nokia's Here Maps in addition to Google Maps, and a design that's true to the Audi aesthetic. </a:t>
-            </a:r>
-          </a:p>
-          <a:p>
-            <a:endParaRPr lang="en-US" dirty="0" smtClean="0"/>
-          </a:p>
-          <a:p>
-            <a:r>
-              <a:rPr lang="en-US" dirty="0" smtClean="0"/>
-              <a:t>For Volvo, the company can keep the four-tile screen layout that customers are familiar with, yet still rely on Android to run the vehicle's connected components.</a:t>
+            <a:pPr marL="0" marR="0" lvl="0" indent="0" algn="l" defTabSz="914400" rtl="0" eaLnBrk="1" fontAlgn="auto" latinLnBrk="0" hangingPunct="1">
+              <a:lnSpc>
+                <a:spcPct val="100000"/>
+              </a:lnSpc>
+              <a:spcBef>
+                <a:spcPts val="0"/>
+              </a:spcBef>
+              <a:spcAft>
+                <a:spcPts val="0"/>
+              </a:spcAft>
+              <a:buClrTx/>
+              <a:buSzTx/>
+              <a:buFontTx/>
+              <a:buNone/>
+              <a:tabLst/>
+              <a:defRPr/>
+            </a:pPr>
+            <a:r>
+              <a:rPr lang="en-GB" sz="1200" kern="1200" dirty="0" smtClean="0">
+                <a:solidFill>
+                  <a:schemeClr val="tx1"/>
+                </a:solidFill>
+                <a:effectLst/>
+                <a:latin typeface="Arial" pitchFamily="34" charset="0"/>
+                <a:ea typeface="+mn-ea"/>
+                <a:cs typeface="+mn-cs"/>
+              </a:rPr>
+              <a:t>Embedded Android</a:t>
+            </a:r>
+            <a:r>
+              <a:rPr lang="en-GB" sz="1200" kern="1200" baseline="0" dirty="0" smtClean="0">
+                <a:solidFill>
+                  <a:schemeClr val="tx1"/>
+                </a:solidFill>
+                <a:effectLst/>
+                <a:latin typeface="Arial" pitchFamily="34" charset="0"/>
+                <a:ea typeface="+mn-ea"/>
+                <a:cs typeface="+mn-cs"/>
+              </a:rPr>
+              <a:t> for Automotive is an Android based operating system designed to run on vehicles </a:t>
+            </a:r>
+          </a:p>
+          <a:p>
+            <a:pPr marL="0" marR="0" lvl="0" indent="0" algn="l" defTabSz="914400" rtl="0" eaLnBrk="1" fontAlgn="auto" latinLnBrk="0" hangingPunct="1">
+              <a:lnSpc>
+                <a:spcPct val="100000"/>
+              </a:lnSpc>
+              <a:spcBef>
+                <a:spcPts val="0"/>
+              </a:spcBef>
+              <a:spcAft>
+                <a:spcPts val="0"/>
+              </a:spcAft>
+              <a:buClrTx/>
+              <a:buSzTx/>
+              <a:buFontTx/>
+              <a:buNone/>
+              <a:tabLst/>
+              <a:defRPr/>
+            </a:pPr>
+            <a:endParaRPr lang="en-GB" sz="1200" kern="1200" baseline="0" dirty="0" smtClean="0">
+              <a:solidFill>
+                <a:schemeClr val="tx1"/>
+              </a:solidFill>
+              <a:effectLst/>
+              <a:latin typeface="Arial" pitchFamily="34" charset="0"/>
+              <a:ea typeface="+mn-ea"/>
+              <a:cs typeface="+mn-cs"/>
+            </a:endParaRPr>
+          </a:p>
+          <a:p>
+            <a:pPr marL="0" marR="0" lvl="0" indent="0" algn="l" defTabSz="914400" rtl="0" eaLnBrk="1" fontAlgn="auto" latinLnBrk="0" hangingPunct="1">
+              <a:lnSpc>
+                <a:spcPct val="100000"/>
+              </a:lnSpc>
+              <a:spcBef>
+                <a:spcPts val="0"/>
+              </a:spcBef>
+              <a:spcAft>
+                <a:spcPts val="0"/>
+              </a:spcAft>
+              <a:buClrTx/>
+              <a:buSzTx/>
+              <a:buFontTx/>
+              <a:buNone/>
+              <a:tabLst/>
+              <a:defRPr/>
+            </a:pPr>
+            <a:r>
+              <a:rPr lang="en-GB" sz="1200" kern="1200" baseline="0" dirty="0" smtClean="0">
+                <a:solidFill>
+                  <a:schemeClr val="tx1"/>
+                </a:solidFill>
+                <a:effectLst/>
+                <a:latin typeface="Arial" pitchFamily="34" charset="0"/>
+                <a:ea typeface="+mn-ea"/>
+                <a:cs typeface="+mn-cs"/>
+              </a:rPr>
+              <a:t>With Googles help, car manufactures will ship a newer version of android </a:t>
+            </a:r>
+          </a:p>
+          <a:p>
+            <a:pPr marL="0" marR="0" lvl="0" indent="0" algn="l" defTabSz="914400" rtl="0" eaLnBrk="1" fontAlgn="auto" latinLnBrk="0" hangingPunct="1">
+              <a:lnSpc>
+                <a:spcPct val="100000"/>
+              </a:lnSpc>
+              <a:spcBef>
+                <a:spcPts val="0"/>
+              </a:spcBef>
+              <a:spcAft>
+                <a:spcPts val="0"/>
+              </a:spcAft>
+              <a:buClrTx/>
+              <a:buSzTx/>
+              <a:buFontTx/>
+              <a:buNone/>
+              <a:tabLst/>
+              <a:defRPr/>
+            </a:pPr>
+            <a:endParaRPr lang="en-GB" sz="1200" kern="1200" baseline="0" dirty="0" smtClean="0">
+              <a:solidFill>
+                <a:schemeClr val="tx1"/>
+              </a:solidFill>
+              <a:effectLst/>
+              <a:latin typeface="Arial" pitchFamily="34" charset="0"/>
+              <a:ea typeface="+mn-ea"/>
+              <a:cs typeface="+mn-cs"/>
+            </a:endParaRPr>
+          </a:p>
+          <a:p>
+            <a:pPr marL="0" marR="0" lvl="0" indent="0" algn="l" defTabSz="914400" rtl="0" eaLnBrk="1" fontAlgn="auto" latinLnBrk="0" hangingPunct="1">
+              <a:lnSpc>
+                <a:spcPct val="100000"/>
+              </a:lnSpc>
+              <a:spcBef>
+                <a:spcPts val="0"/>
+              </a:spcBef>
+              <a:spcAft>
+                <a:spcPts val="0"/>
+              </a:spcAft>
+              <a:buClrTx/>
+              <a:buSzTx/>
+              <a:buFontTx/>
+              <a:buNone/>
+              <a:tabLst/>
+              <a:defRPr/>
+            </a:pPr>
+            <a:r>
+              <a:rPr lang="en-GB" sz="1200" kern="1200" baseline="0" dirty="0" smtClean="0">
+                <a:solidFill>
+                  <a:schemeClr val="tx1"/>
+                </a:solidFill>
+                <a:effectLst/>
+                <a:latin typeface="Arial" pitchFamily="34" charset="0"/>
+                <a:ea typeface="+mn-ea"/>
+                <a:cs typeface="+mn-cs"/>
+              </a:rPr>
+              <a:t>The cars shown with this system were running Android 7 with the plan to be upgraded  to the next Android version once it becomes final </a:t>
+            </a:r>
+            <a:endParaRPr lang="pt-PT" sz="1200" dirty="0" smtClean="0">
+              <a:effectLst/>
+              <a:latin typeface="Calibri" panose="020F0502020204030204" pitchFamily="34" charset="0"/>
+              <a:ea typeface="Calibri" panose="020F0502020204030204" pitchFamily="34" charset="0"/>
+              <a:cs typeface="Times New Roman" panose="02020603050405020304" pitchFamily="18" charset="0"/>
+            </a:endParaRPr>
+          </a:p>
+          <a:p>
+            <a:endParaRPr lang="en-US" dirty="0"/>
+          </a:p>
+        </p:txBody>
+      </p:sp>
+      <p:sp>
+        <p:nvSpPr>
+          <p:cNvPr id="4" name="Slide Number Placeholder 3"/>
+          <p:cNvSpPr>
+            <a:spLocks noGrp="1"/>
+          </p:cNvSpPr>
+          <p:nvPr>
+            <p:ph type="sldNum" sz="quarter" idx="10"/>
+          </p:nvPr>
+        </p:nvSpPr>
+        <p:spPr/>
+        <p:txBody>
+          <a:bodyPr/>
+          <a:lstStyle/>
+          <a:p>
+            <a:fld id="{1B06CD8F-B7ED-4A05-9FB1-A01CC0EF02CC}" type="slidenum">
+              <a:rPr lang="fr-FR" smtClean="0"/>
+              <a:pPr/>
+              <a:t>22</a:t>
+            </a:fld>
+            <a:endParaRPr lang="fr-FR" dirty="0"/>
+          </a:p>
+        </p:txBody>
+      </p:sp>
+    </p:spTree>
+    <p:extLst>
+      <p:ext uri="{BB962C8B-B14F-4D97-AF65-F5344CB8AC3E}">
+        <p14:creationId xmlns:p14="http://schemas.microsoft.com/office/powerpoint/2010/main" val="991357884"/>
+      </p:ext>
+    </p:extLst>
+  </p:cSld>
+  <p:clrMapOvr>
+    <a:masterClrMapping/>
+  </p:clrMapOvr>
+</p:notes>
+</file>
+
+<file path=ppt/notesSlides/notesSlide17.xml><?xml version="1.0" encoding="utf-8"?>
+<p:notes xmlns:a="http://schemas.openxmlformats.org/drawingml/2006/main" xmlns:r="http://schemas.openxmlformats.org/officeDocument/2006/relationships" xmlns:p="http://schemas.openxmlformats.org/presentationml/2006/main">
+  <p:cSld>
+    <p:spTree>
+      <p:nvGrpSpPr>
+        <p:cNvPr id="1" name=""/>
+        <p:cNvGrpSpPr/>
+        <p:nvPr/>
+      </p:nvGrpSpPr>
+      <p:grpSpPr>
+        <a:xfrm>
+          <a:off x="0" y="0"/>
+          <a:ext cx="0" cy="0"/>
+          <a:chOff x="0" y="0"/>
+          <a:chExt cx="0" cy="0"/>
+        </a:xfrm>
+      </p:grpSpPr>
+      <p:sp>
+        <p:nvSpPr>
+          <p:cNvPr id="2" name="Slide Image Placeholder 1"/>
+          <p:cNvSpPr>
+            <a:spLocks noGrp="1" noRot="1" noChangeAspect="1"/>
+          </p:cNvSpPr>
+          <p:nvPr>
+            <p:ph type="sldImg"/>
+          </p:nvPr>
+        </p:nvSpPr>
+        <p:spPr/>
+      </p:sp>
+      <p:sp>
+        <p:nvSpPr>
+          <p:cNvPr id="3" name="Notes Placeholder 2"/>
+          <p:cNvSpPr>
+            <a:spLocks noGrp="1"/>
+          </p:cNvSpPr>
+          <p:nvPr>
+            <p:ph type="body" idx="1"/>
+          </p:nvPr>
+        </p:nvSpPr>
+        <p:spPr/>
+        <p:txBody>
+          <a:bodyPr/>
+          <a:lstStyle/>
+          <a:p>
+            <a:r>
+              <a:rPr lang="en-GB" dirty="0" smtClean="0"/>
+              <a:t>Google produces</a:t>
+            </a:r>
+            <a:r>
+              <a:rPr lang="en-GB" baseline="0" dirty="0" smtClean="0"/>
+              <a:t> the core software , OEMs rebrand the interface with their own UI</a:t>
+            </a:r>
+          </a:p>
+          <a:p>
+            <a:r>
+              <a:rPr lang="en-GB" baseline="0" dirty="0" smtClean="0"/>
+              <a:t>Google also provides apps like Google Maps and Google Music, and OEMs are free to add their own apps </a:t>
+            </a:r>
+          </a:p>
+          <a:p>
+            <a:r>
+              <a:rPr lang="en-GB" baseline="0" dirty="0" smtClean="0"/>
+              <a:t>For example Audi has its own navigation system in addition to Google Maps. </a:t>
             </a:r>
           </a:p>
           <a:p>
             <a:endParaRPr lang="en-GB" dirty="0"/>
+          </a:p>
+        </p:txBody>
+      </p:sp>
+      <p:sp>
+        <p:nvSpPr>
+          <p:cNvPr id="4" name="Slide Number Placeholder 3"/>
+          <p:cNvSpPr>
+            <a:spLocks noGrp="1"/>
+          </p:cNvSpPr>
+          <p:nvPr>
+            <p:ph type="sldNum" sz="quarter" idx="10"/>
+          </p:nvPr>
+        </p:nvSpPr>
+        <p:spPr/>
+        <p:txBody>
+          <a:bodyPr/>
+          <a:lstStyle/>
+          <a:p>
+            <a:fld id="{1B06CD8F-B7ED-4A05-9FB1-A01CC0EF02CC}" type="slidenum">
+              <a:rPr lang="fr-FR" smtClean="0"/>
+              <a:pPr/>
+              <a:t>23</a:t>
+            </a:fld>
+            <a:endParaRPr lang="fr-FR" dirty="0"/>
+          </a:p>
+        </p:txBody>
+      </p:sp>
+    </p:spTree>
+    <p:extLst>
+      <p:ext uri="{BB962C8B-B14F-4D97-AF65-F5344CB8AC3E}">
+        <p14:creationId xmlns:p14="http://schemas.microsoft.com/office/powerpoint/2010/main" val="695118903"/>
+      </p:ext>
+    </p:extLst>
+  </p:cSld>
+  <p:clrMapOvr>
+    <a:masterClrMapping/>
+  </p:clrMapOvr>
+</p:notes>
+</file>
+
+<file path=ppt/notesSlides/notesSlide18.xml><?xml version="1.0" encoding="utf-8"?>
+<p:notes xmlns:a="http://schemas.openxmlformats.org/drawingml/2006/main" xmlns:r="http://schemas.openxmlformats.org/officeDocument/2006/relationships" xmlns:p="http://schemas.openxmlformats.org/presentationml/2006/main">
+  <p:cSld>
+    <p:spTree>
+      <p:nvGrpSpPr>
+        <p:cNvPr id="1" name=""/>
+        <p:cNvGrpSpPr/>
+        <p:nvPr/>
+      </p:nvGrpSpPr>
+      <p:grpSpPr>
+        <a:xfrm>
+          <a:off x="0" y="0"/>
+          <a:ext cx="0" cy="0"/>
+          <a:chOff x="0" y="0"/>
+          <a:chExt cx="0" cy="0"/>
+        </a:xfrm>
+      </p:grpSpPr>
+      <p:sp>
+        <p:nvSpPr>
+          <p:cNvPr id="2" name="Slide Image Placeholder 1"/>
+          <p:cNvSpPr>
+            <a:spLocks noGrp="1" noRot="1" noChangeAspect="1"/>
+          </p:cNvSpPr>
+          <p:nvPr>
+            <p:ph type="sldImg"/>
+          </p:nvPr>
+        </p:nvSpPr>
+        <p:spPr/>
+      </p:sp>
+      <p:sp>
+        <p:nvSpPr>
+          <p:cNvPr id="3" name="Notes Placeholder 2"/>
+          <p:cNvSpPr>
+            <a:spLocks noGrp="1"/>
+          </p:cNvSpPr>
+          <p:nvPr>
+            <p:ph type="body" idx="1"/>
+          </p:nvPr>
+        </p:nvSpPr>
+        <p:spPr/>
+        <p:txBody>
+          <a:bodyPr/>
+          <a:lstStyle/>
+          <a:p>
+            <a:r>
+              <a:rPr lang="en-GB" dirty="0" smtClean="0"/>
+              <a:t>As</a:t>
+            </a:r>
+            <a:r>
+              <a:rPr lang="en-GB" baseline="0" dirty="0" smtClean="0"/>
+              <a:t> you can see the user interface is very different from the Android Auto UI. </a:t>
+            </a:r>
+          </a:p>
+          <a:p>
+            <a:endParaRPr lang="en-GB" baseline="0" dirty="0"/>
+          </a:p>
+          <a:p>
+            <a:r>
+              <a:rPr lang="en-GB" baseline="0" dirty="0" smtClean="0"/>
+              <a:t>Audi and Volvo can keep a design and layout that are familiar with their costumers </a:t>
+            </a:r>
           </a:p>
         </p:txBody>
       </p:sp>
@@ -1808,145 +2183,31 @@
           <a:lstStyle/>
           <a:p>
             <a:r>
-              <a:rPr lang="en-US" sz="1200" b="0" i="0" kern="1200" dirty="0" smtClean="0">
-                <a:solidFill>
-                  <a:schemeClr val="tx1"/>
-                </a:solidFill>
-                <a:effectLst/>
-                <a:latin typeface="Arial" pitchFamily="34" charset="0"/>
-                <a:ea typeface="+mn-ea"/>
-                <a:cs typeface="+mn-cs"/>
-              </a:rPr>
-              <a:t>Android Auto works by projecting Android apps onto </a:t>
-            </a:r>
-            <a:r>
-              <a:rPr lang="en-US" sz="1200" b="0" i="0" kern="1200" dirty="0" err="1" smtClean="0">
-                <a:solidFill>
-                  <a:schemeClr val="tx1"/>
-                </a:solidFill>
-                <a:effectLst/>
-                <a:latin typeface="Arial" pitchFamily="34" charset="0"/>
-                <a:ea typeface="+mn-ea"/>
-                <a:cs typeface="+mn-cs"/>
-              </a:rPr>
-              <a:t>onto</a:t>
-            </a:r>
-            <a:r>
-              <a:rPr lang="en-US" sz="1200" b="0" i="0" kern="1200" dirty="0" smtClean="0">
-                <a:solidFill>
-                  <a:schemeClr val="tx1"/>
-                </a:solidFill>
-                <a:effectLst/>
-                <a:latin typeface="Arial" pitchFamily="34" charset="0"/>
-                <a:ea typeface="+mn-ea"/>
-                <a:cs typeface="+mn-cs"/>
-              </a:rPr>
-              <a:t> the in-car display after the phone has been plugged in to the car via USB</a:t>
-            </a:r>
-          </a:p>
-          <a:p>
-            <a:r>
-              <a:rPr lang="en-US" sz="1200" b="0" i="0" kern="1200" dirty="0" smtClean="0">
-                <a:solidFill>
-                  <a:schemeClr val="tx1"/>
-                </a:solidFill>
-                <a:effectLst/>
-                <a:latin typeface="Arial" pitchFamily="34" charset="0"/>
-                <a:ea typeface="+mn-ea"/>
-                <a:cs typeface="+mn-cs"/>
-              </a:rPr>
-              <a:t>Phone calls are going to be handled over Bluetooth</a:t>
-            </a:r>
-          </a:p>
-          <a:p>
-            <a:r>
-              <a:rPr lang="en-US" sz="1200" b="0" i="0" kern="1200" dirty="0" smtClean="0">
-                <a:solidFill>
-                  <a:schemeClr val="tx1"/>
-                </a:solidFill>
-                <a:effectLst/>
-                <a:latin typeface="Arial" pitchFamily="34" charset="0"/>
-                <a:ea typeface="+mn-ea"/>
-                <a:cs typeface="+mn-cs"/>
-              </a:rPr>
-              <a:t>Useful information</a:t>
-            </a:r>
-            <a:r>
-              <a:rPr lang="en-US" sz="1200" b="0" i="0" kern="1200" baseline="0" dirty="0" smtClean="0">
-                <a:solidFill>
-                  <a:schemeClr val="tx1"/>
-                </a:solidFill>
-                <a:effectLst/>
-                <a:latin typeface="Arial" pitchFamily="34" charset="0"/>
-                <a:ea typeface="+mn-ea"/>
-                <a:cs typeface="+mn-cs"/>
-              </a:rPr>
-              <a:t> such as text messages, a coming call.</a:t>
-            </a:r>
-          </a:p>
-          <a:p>
-            <a:r>
-              <a:rPr lang="en-US" sz="1200" b="0" i="0" kern="1200" baseline="0" dirty="0" smtClean="0">
-                <a:solidFill>
-                  <a:schemeClr val="tx1"/>
-                </a:solidFill>
-                <a:effectLst/>
-                <a:latin typeface="Arial" pitchFamily="34" charset="0"/>
-                <a:ea typeface="+mn-ea"/>
-                <a:cs typeface="+mn-cs"/>
-              </a:rPr>
-              <a:t>Simple cards which presents all the relevant information, in a </a:t>
-            </a:r>
-            <a:r>
-              <a:rPr lang="en-US" sz="1200" b="0" i="0" kern="1200" baseline="0" dirty="0" err="1" smtClean="0">
-                <a:solidFill>
-                  <a:schemeClr val="tx1"/>
-                </a:solidFill>
-                <a:effectLst/>
-                <a:latin typeface="Arial" pitchFamily="34" charset="0"/>
-                <a:ea typeface="+mn-ea"/>
-                <a:cs typeface="+mn-cs"/>
-              </a:rPr>
-              <a:t>intuive</a:t>
-            </a:r>
-            <a:r>
-              <a:rPr lang="en-US" sz="1200" b="0" i="0" kern="1200" baseline="0" dirty="0" smtClean="0">
-                <a:solidFill>
-                  <a:schemeClr val="tx1"/>
-                </a:solidFill>
-                <a:effectLst/>
-                <a:latin typeface="Arial" pitchFamily="34" charset="0"/>
-                <a:ea typeface="+mn-ea"/>
-                <a:cs typeface="+mn-cs"/>
-              </a:rPr>
-              <a:t> way.</a:t>
-            </a:r>
-            <a:endParaRPr lang="en-US" sz="1200" b="0" i="0" kern="1200" dirty="0" smtClean="0">
-              <a:solidFill>
-                <a:schemeClr val="tx1"/>
-              </a:solidFill>
-              <a:effectLst/>
-              <a:latin typeface="Arial" pitchFamily="34" charset="0"/>
-              <a:ea typeface="+mn-ea"/>
-              <a:cs typeface="+mn-cs"/>
-            </a:endParaRPr>
-          </a:p>
-          <a:p>
-            <a:r>
-              <a:rPr lang="en-US" sz="1200" b="0" i="0" kern="1200" dirty="0" smtClean="0">
-                <a:solidFill>
-                  <a:schemeClr val="tx1"/>
-                </a:solidFill>
-                <a:effectLst/>
-                <a:latin typeface="Arial" pitchFamily="34" charset="0"/>
-                <a:ea typeface="+mn-ea"/>
-                <a:cs typeface="+mn-cs"/>
-              </a:rPr>
-              <a:t>Android Auto apps have a consistent design, with large, round buttons for easy touch points, and similar menu structures. The idea is that apps won't be any more distracting than they need to be (which is why user interface elements look the same from one app to another), and generally don't need more than a quick glance to be put to work.</a:t>
-            </a:r>
-            <a:endParaRPr lang="en-US" dirty="0" smtClean="0"/>
-          </a:p>
-          <a:p>
+              <a:rPr lang="en-US" dirty="0" smtClean="0"/>
+              <a:t>The biggest advantage to use Android</a:t>
+            </a:r>
+            <a:r>
+              <a:rPr lang="en-US" baseline="0" dirty="0" smtClean="0"/>
+              <a:t> Auto instead of the implemented IVI (in vehicle infotainment) of a brand, is that using android Auto we get updates from google, however in a implemented IVI, once is done is done, there are no updates.</a:t>
+            </a:r>
+          </a:p>
+          <a:p>
+            <a:r>
+              <a:rPr lang="en-US" baseline="0" dirty="0" smtClean="0"/>
+              <a:t>We know there are people who prefer using other apps for GPS Navigation, but in most of the videos and reviews we saw, they say that Google Maps is the best for being more precise and user friendly, than the others</a:t>
+            </a:r>
+          </a:p>
+          <a:p>
+            <a:r>
+              <a:rPr lang="en-US" baseline="0" dirty="0" smtClean="0"/>
+              <a:t>We saw the comparison between voice control system between google and Apple, and the google voice control performs better, in the interpretation of what a person wants to say.</a:t>
+            </a:r>
+          </a:p>
+          <a:p>
+            <a:r>
+              <a:rPr lang="en-US" baseline="0" dirty="0" smtClean="0"/>
+              <a:t>We also don’t need to buy a new car or spend 700€ in a aftermarket display, we can simply use our phone to do the work.</a:t>
+            </a:r>
             <a:endParaRPr lang="en-US" dirty="0"/>
           </a:p>
         </p:txBody>
@@ -1969,7 +2230,7 @@
             <a:fld id="{1B06CD8F-B7ED-4A05-9FB1-A01CC0EF02CC}" type="slidenum">
               <a:rPr lang="fr-FR" smtClean="0"/>
               <a:pPr/>
-              <a:t>4</a:t>
+              <a:t>5</a:t>
             </a:fld>
             <a:endParaRPr lang="fr-FR" dirty="0"/>
           </a:p>
@@ -1978,7 +2239,7 @@
     </p:spTree>
     <p:extLst>
       <p:ext uri="{BB962C8B-B14F-4D97-AF65-F5344CB8AC3E}">
-        <p14:creationId xmlns:p14="http://schemas.microsoft.com/office/powerpoint/2010/main" val="1021029615"/>
+        <p14:creationId xmlns:p14="http://schemas.microsoft.com/office/powerpoint/2010/main" val="3973816794"/>
       </p:ext>
     </p:extLst>
   </p:cSld>
@@ -2034,31 +2295,55 @@
           <a:p>
             <a:r>
               <a:rPr lang="en-US" dirty="0" smtClean="0"/>
-              <a:t>The biggest advantage to use Android</a:t>
+              <a:t>Need to be android 5.0 plus</a:t>
+            </a:r>
+          </a:p>
+          <a:p>
+            <a:r>
+              <a:rPr lang="en-US" dirty="0" smtClean="0"/>
+              <a:t>5 panels -&gt; navigation,</a:t>
             </a:r>
             <a:r>
               <a:rPr lang="en-US" baseline="0" dirty="0" smtClean="0"/>
-              <a:t> Auto instead of the implemented IVI (in vehicle infotainment) of a brand, is that using android Auto we get updates from google, however in a implemented IVI, once is done is done, there are no updates.</a:t>
+              <a:t> phone log, home, media, car diagnosis</a:t>
             </a:r>
           </a:p>
           <a:p>
             <a:r>
               <a:rPr lang="en-US" baseline="0" dirty="0" smtClean="0"/>
-              <a:t>We know there are people who prefer using other apps for GPS Navigation, but in most of the videos and reviews we saw, they say that Google Maps is the best for being more precise and user friendly, than the others</a:t>
-            </a:r>
-          </a:p>
-          <a:p>
+              <a:t>Important information, like a message received, from </a:t>
+            </a:r>
+            <a:r>
+              <a:rPr lang="en-US" baseline="0" dirty="0" err="1" smtClean="0"/>
+              <a:t>whatsupp</a:t>
+            </a:r>
             <a:r>
               <a:rPr lang="en-US" baseline="0" dirty="0" smtClean="0"/>
-              <a:t>We saw the comparison between voice control system between google and Apple, and the google voice control performs better, in the interpretation of what a person wants to say.</a:t>
-            </a:r>
-          </a:p>
-          <a:p>
+              <a:t>, </a:t>
+            </a:r>
+            <a:r>
+              <a:rPr lang="en-US" baseline="0" dirty="0" err="1" smtClean="0"/>
+              <a:t>facebook</a:t>
+            </a:r>
             <a:r>
               <a:rPr lang="en-US" baseline="0" dirty="0" smtClean="0"/>
-              <a:t>We also don’t need to buy a new car or spend 700€ in a aftermarket display, we can simply use our phone to do the work.</a:t>
-            </a:r>
-            <a:endParaRPr lang="en-US" dirty="0"/>
+              <a:t> </a:t>
+            </a:r>
+            <a:r>
+              <a:rPr lang="en-US" baseline="0" dirty="0" err="1" smtClean="0"/>
+              <a:t>messeger</a:t>
+            </a:r>
+            <a:r>
+              <a:rPr lang="en-US" baseline="0" dirty="0" smtClean="0"/>
+              <a:t> or hangouts</a:t>
+            </a:r>
+          </a:p>
+          <a:p>
+            <a:r>
+              <a:rPr lang="en-US" baseline="0" dirty="0" smtClean="0"/>
+              <a:t>A phone call incoming</a:t>
+            </a:r>
+            <a:endParaRPr lang="en-US" dirty="0" smtClean="0"/>
           </a:p>
         </p:txBody>
       </p:sp>
@@ -2080,7 +2365,7 @@
             <a:fld id="{1B06CD8F-B7ED-4A05-9FB1-A01CC0EF02CC}" type="slidenum">
               <a:rPr lang="fr-FR" smtClean="0"/>
               <a:pPr/>
-              <a:t>5</a:t>
+              <a:t>7</a:t>
             </a:fld>
             <a:endParaRPr lang="fr-FR" dirty="0"/>
           </a:p>
@@ -2089,7 +2374,7 @@
     </p:spTree>
     <p:extLst>
       <p:ext uri="{BB962C8B-B14F-4D97-AF65-F5344CB8AC3E}">
-        <p14:creationId xmlns:p14="http://schemas.microsoft.com/office/powerpoint/2010/main" val="3973816794"/>
+        <p14:creationId xmlns:p14="http://schemas.microsoft.com/office/powerpoint/2010/main" val="1564263606"/>
       </p:ext>
     </p:extLst>
   </p:cSld>
@@ -2145,66 +2430,79 @@
           <a:p>
             <a:r>
               <a:rPr lang="en-US" dirty="0" smtClean="0"/>
-              <a:t>Need to be android 5.0 plus</a:t>
-            </a:r>
-          </a:p>
-          <a:p>
-            <a:r>
-              <a:rPr lang="en-US" dirty="0" smtClean="0"/>
-              <a:t>5 panels -&gt; navigation,</a:t>
+              <a:t>Like said before, the car sound system is connected</a:t>
             </a:r>
             <a:r>
               <a:rPr lang="en-US" baseline="0" dirty="0" smtClean="0"/>
-              <a:t> phone log, home, media, car diagnosis</a:t>
-            </a:r>
-          </a:p>
-          <a:p>
+              <a:t> via </a:t>
+            </a:r>
+            <a:r>
+              <a:rPr lang="en-US" baseline="0" dirty="0" err="1" smtClean="0"/>
+              <a:t>bluethoot</a:t>
+            </a:r>
             <a:r>
               <a:rPr lang="en-US" baseline="0" dirty="0" smtClean="0"/>
-              <a:t>Home menu is organized in order to show some info like the weather current song, current destination and upcoming </a:t>
-            </a:r>
-            <a:r>
-              <a:rPr lang="en-US" baseline="0" dirty="0" err="1" smtClean="0"/>
-              <a:t>appoitments</a:t>
-            </a:r>
-            <a:endParaRPr lang="en-US" baseline="0" dirty="0" smtClean="0"/>
+              <a:t>.</a:t>
+            </a:r>
           </a:p>
           <a:p>
             <a:r>
               <a:rPr lang="en-US" baseline="0" dirty="0" smtClean="0"/>
-              <a:t>Important information, like a message received, from </a:t>
-            </a:r>
-            <a:r>
-              <a:rPr lang="en-US" baseline="0" dirty="0" err="1" smtClean="0"/>
-              <a:t>whatsupp</a:t>
-            </a:r>
+              <a:t>We have a lot of options to start a voice command, for example if we use the “OK Google”, we don’t need to touch the screen, and keep the eyes on the road at the same time we are doing something else.</a:t>
+            </a:r>
+          </a:p>
+          <a:p>
             <a:r>
               <a:rPr lang="en-US" baseline="0" dirty="0" smtClean="0"/>
-              <a:t>, </a:t>
-            </a:r>
-            <a:r>
-              <a:rPr lang="en-US" baseline="0" dirty="0" err="1" smtClean="0"/>
-              <a:t>facebook</a:t>
-            </a:r>
+              <a:t>A example to set the destination we can say “OK Google, set directions to …” and we say the address.</a:t>
+            </a:r>
+          </a:p>
+          <a:p>
             <a:r>
               <a:rPr lang="en-US" baseline="0" dirty="0" smtClean="0"/>
-              <a:t> </a:t>
-            </a:r>
-            <a:r>
-              <a:rPr lang="en-US" baseline="0" dirty="0" err="1" smtClean="0"/>
-              <a:t>messeger</a:t>
+              <a:t>We can also ask for a </a:t>
+            </a:r>
+            <a:r>
+              <a:rPr lang="en-US" sz="1200" b="0" i="0" kern="1200" dirty="0" smtClean="0">
+                <a:solidFill>
+                  <a:schemeClr val="tx1"/>
+                </a:solidFill>
+                <a:effectLst/>
+                <a:latin typeface="Arial" pitchFamily="34" charset="0"/>
+                <a:ea typeface="+mn-ea"/>
+                <a:cs typeface="+mn-cs"/>
+              </a:rPr>
+              <a:t>specific</a:t>
             </a:r>
             <a:r>
               <a:rPr lang="en-US" baseline="0" dirty="0" smtClean="0"/>
-              <a:t> or hangouts</a:t>
-            </a:r>
-          </a:p>
-          <a:p>
+              <a:t> song in a </a:t>
+            </a:r>
+            <a:r>
+              <a:rPr lang="en-US" sz="1200" b="0" i="0" kern="1200" dirty="0" smtClean="0">
+                <a:solidFill>
+                  <a:schemeClr val="tx1"/>
+                </a:solidFill>
+                <a:effectLst/>
+                <a:latin typeface="Arial" pitchFamily="34" charset="0"/>
+                <a:ea typeface="+mn-ea"/>
+                <a:cs typeface="+mn-cs"/>
+              </a:rPr>
+              <a:t>specific</a:t>
+            </a:r>
             <a:r>
               <a:rPr lang="en-US" baseline="0" dirty="0" smtClean="0"/>
-              <a:t>A phone call incoming</a:t>
-            </a:r>
-            <a:endParaRPr lang="en-US" dirty="0" smtClean="0"/>
+              <a:t> app</a:t>
+            </a:r>
+          </a:p>
+          <a:p>
+            <a:r>
+              <a:rPr lang="en-US" baseline="0" dirty="0" smtClean="0"/>
+              <a:t>Basically, We can use every OK Google command available for android system</a:t>
+            </a:r>
+          </a:p>
+          <a:p>
+            <a:endParaRPr lang="en-US" dirty="0"/>
           </a:p>
         </p:txBody>
       </p:sp>
@@ -2226,7 +2524,7 @@
             <a:fld id="{1B06CD8F-B7ED-4A05-9FB1-A01CC0EF02CC}" type="slidenum">
               <a:rPr lang="fr-FR" smtClean="0"/>
               <a:pPr/>
-              <a:t>7</a:t>
+              <a:t>8</a:t>
             </a:fld>
             <a:endParaRPr lang="fr-FR" dirty="0"/>
           </a:p>
@@ -2235,7 +2533,7 @@
     </p:spTree>
     <p:extLst>
       <p:ext uri="{BB962C8B-B14F-4D97-AF65-F5344CB8AC3E}">
-        <p14:creationId xmlns:p14="http://schemas.microsoft.com/office/powerpoint/2010/main" val="1564263606"/>
+        <p14:creationId xmlns:p14="http://schemas.microsoft.com/office/powerpoint/2010/main" val="4291574160"/>
       </p:ext>
     </p:extLst>
   </p:cSld>
@@ -2291,78 +2589,18 @@
           <a:p>
             <a:r>
               <a:rPr lang="en-US" dirty="0" smtClean="0"/>
-              <a:t>Like said before, the car sound system is connected</a:t>
+              <a:t>Here is shown the phone screen and the car dash screen,</a:t>
             </a:r>
             <a:r>
               <a:rPr lang="en-US" baseline="0" dirty="0" smtClean="0"/>
-              <a:t> via </a:t>
-            </a:r>
-            <a:r>
-              <a:rPr lang="en-US" baseline="0" dirty="0" err="1" smtClean="0"/>
-              <a:t>bluethoot</a:t>
-            </a:r>
+              <a:t> and the blue markers show the panel with 5 or 4 buttons</a:t>
+            </a:r>
+          </a:p>
+          <a:p>
             <a:r>
               <a:rPr lang="en-US" baseline="0" dirty="0" smtClean="0"/>
-              <a:t>.</a:t>
-            </a:r>
-          </a:p>
-          <a:p>
-            <a:r>
-              <a:rPr lang="en-US" baseline="0" dirty="0" smtClean="0"/>
-              <a:t>We have a lot of options to start a voice command, for example if we use the “OK Google”, we don’t need to touch the screen, and keep the eyes on the road at the same time we are doing something else.</a:t>
-            </a:r>
-          </a:p>
-          <a:p>
-            <a:r>
-              <a:rPr lang="en-US" baseline="0" dirty="0" smtClean="0"/>
-              <a:t>A example to set the destination we can say “OK Google, set directions to …” and we say the address.</a:t>
-            </a:r>
-          </a:p>
-          <a:p>
-            <a:r>
-              <a:rPr lang="en-US" baseline="0" dirty="0" smtClean="0"/>
-              <a:t>We can also ask for a </a:t>
-            </a:r>
-            <a:r>
-              <a:rPr lang="en-US" sz="1200" b="0" i="0" kern="1200" dirty="0" smtClean="0">
-                <a:solidFill>
-                  <a:schemeClr val="tx1"/>
-                </a:solidFill>
-                <a:effectLst/>
-                <a:latin typeface="Arial" pitchFamily="34" charset="0"/>
-                <a:ea typeface="+mn-ea"/>
-                <a:cs typeface="+mn-cs"/>
-              </a:rPr>
-              <a:t>specific</a:t>
-            </a:r>
-            <a:r>
-              <a:rPr lang="en-US" baseline="0" dirty="0" smtClean="0"/>
-              <a:t> song in a </a:t>
-            </a:r>
-            <a:r>
-              <a:rPr lang="en-US" sz="1200" b="0" i="0" kern="1200" dirty="0" smtClean="0">
-                <a:solidFill>
-                  <a:schemeClr val="tx1"/>
-                </a:solidFill>
-                <a:effectLst/>
-                <a:latin typeface="Arial" pitchFamily="34" charset="0"/>
-                <a:ea typeface="+mn-ea"/>
-                <a:cs typeface="+mn-cs"/>
-              </a:rPr>
-              <a:t>specific</a:t>
-            </a:r>
-            <a:r>
-              <a:rPr lang="en-US" baseline="0" dirty="0" smtClean="0"/>
-              <a:t> app</a:t>
-            </a:r>
-          </a:p>
-          <a:p>
-            <a:r>
-              <a:rPr lang="en-US" baseline="0" dirty="0" smtClean="0"/>
-              <a:t>Basically, We can use every OK Google command available for android system</a:t>
-            </a:r>
-          </a:p>
-          <a:p>
+              <a:t>For car diagnosis the app called Torque is the one that is used</a:t>
+            </a:r>
             <a:endParaRPr lang="en-US" dirty="0"/>
           </a:p>
         </p:txBody>
@@ -2385,7 +2623,7 @@
             <a:fld id="{1B06CD8F-B7ED-4A05-9FB1-A01CC0EF02CC}" type="slidenum">
               <a:rPr lang="fr-FR" smtClean="0"/>
               <a:pPr/>
-              <a:t>8</a:t>
+              <a:t>9</a:t>
             </a:fld>
             <a:endParaRPr lang="fr-FR" dirty="0"/>
           </a:p>
@@ -2394,7 +2632,7 @@
     </p:spTree>
     <p:extLst>
       <p:ext uri="{BB962C8B-B14F-4D97-AF65-F5344CB8AC3E}">
-        <p14:creationId xmlns:p14="http://schemas.microsoft.com/office/powerpoint/2010/main" val="4291574160"/>
+        <p14:creationId xmlns:p14="http://schemas.microsoft.com/office/powerpoint/2010/main" val="3316341565"/>
       </p:ext>
     </p:extLst>
   </p:cSld>
@@ -2450,17 +2688,15 @@
           <a:p>
             <a:r>
               <a:rPr lang="en-US" dirty="0" smtClean="0"/>
-              <a:t>Here is shown the phone screen and the car dash screen,</a:t>
+              <a:t>Here</a:t>
             </a:r>
             <a:r>
               <a:rPr lang="en-US" baseline="0" dirty="0" smtClean="0"/>
-              <a:t> and the blue markers show the panel with 5 or 4 buttons</a:t>
-            </a:r>
-          </a:p>
-          <a:p>
-            <a:r>
-              <a:rPr lang="en-US" baseline="0" dirty="0" smtClean="0"/>
-              <a:t>For car diagnosis the app called Torque is the one that is used</a:t>
+              <a:t> is shown some examples of the home menu, where we see the relevant information, in the case of the phone we see the current destination, the actual music and a received message, in the car dash is shown a received message, a coming appointment and the current </a:t>
+            </a:r>
+            <a:r>
+              <a:rPr lang="en-US" baseline="0" dirty="0" err="1" smtClean="0"/>
+              <a:t>wheather</a:t>
             </a:r>
             <a:endParaRPr lang="en-US" dirty="0"/>
           </a:p>
@@ -2484,7 +2720,7 @@
             <a:fld id="{1B06CD8F-B7ED-4A05-9FB1-A01CC0EF02CC}" type="slidenum">
               <a:rPr lang="fr-FR" smtClean="0"/>
               <a:pPr/>
-              <a:t>9</a:t>
+              <a:t>10</a:t>
             </a:fld>
             <a:endParaRPr lang="fr-FR" dirty="0"/>
           </a:p>
@@ -2493,7 +2729,7 @@
     </p:spTree>
     <p:extLst>
       <p:ext uri="{BB962C8B-B14F-4D97-AF65-F5344CB8AC3E}">
-        <p14:creationId xmlns:p14="http://schemas.microsoft.com/office/powerpoint/2010/main" val="3316341565"/>
+        <p14:creationId xmlns:p14="http://schemas.microsoft.com/office/powerpoint/2010/main" val="1596670375"/>
       </p:ext>
     </p:extLst>
   </p:cSld>
@@ -2547,19 +2783,7 @@
           <a:bodyPr/>
           <a:lstStyle/>
           <a:p>
-            <a:r>
-              <a:rPr lang="en-US" dirty="0" smtClean="0"/>
-              <a:t>Here</a:t>
-            </a:r>
-            <a:r>
-              <a:rPr lang="en-US" baseline="0" dirty="0" smtClean="0"/>
-              <a:t> is shown some examples of the home menu, where we see the relevant information, in the case of the phone we see the current destination, the actual music and a received message, in the car dash is shown a received message, a coming appointment and the current </a:t>
-            </a:r>
-            <a:r>
-              <a:rPr lang="en-US" baseline="0" dirty="0" err="1" smtClean="0"/>
-              <a:t>wheather</a:t>
-            </a:r>
-            <a:endParaRPr lang="en-US" dirty="0"/>
+            <a:endParaRPr lang="en-US"/>
           </a:p>
         </p:txBody>
       </p:sp>
@@ -2581,7 +2805,7 @@
             <a:fld id="{1B06CD8F-B7ED-4A05-9FB1-A01CC0EF02CC}" type="slidenum">
               <a:rPr lang="fr-FR" smtClean="0"/>
               <a:pPr/>
-              <a:t>10</a:t>
+              <a:t>11</a:t>
             </a:fld>
             <a:endParaRPr lang="fr-FR" dirty="0"/>
           </a:p>
@@ -2590,7 +2814,7 @@
     </p:spTree>
     <p:extLst>
       <p:ext uri="{BB962C8B-B14F-4D97-AF65-F5344CB8AC3E}">
-        <p14:creationId xmlns:p14="http://schemas.microsoft.com/office/powerpoint/2010/main" val="1596670375"/>
+        <p14:creationId xmlns:p14="http://schemas.microsoft.com/office/powerpoint/2010/main" val="4260471285"/>
       </p:ext>
     </p:extLst>
   </p:cSld>
@@ -2644,7 +2868,37 @@
           <a:bodyPr/>
           <a:lstStyle/>
           <a:p>
-            <a:endParaRPr lang="en-US"/>
+            <a:r>
+              <a:rPr lang="en-GB" dirty="0" smtClean="0"/>
+              <a:t>Android</a:t>
+            </a:r>
+            <a:r>
+              <a:rPr lang="en-GB" baseline="0" dirty="0" smtClean="0"/>
+              <a:t> Auto extends a new or existing application</a:t>
+            </a:r>
+          </a:p>
+          <a:p>
+            <a:endParaRPr lang="en-GB" baseline="0" dirty="0" smtClean="0"/>
+          </a:p>
+          <a:p>
+            <a:r>
+              <a:rPr lang="en-GB" baseline="0" dirty="0" smtClean="0"/>
+              <a:t>Developers don’t need to worry about vehicle specific hardware differences </a:t>
+            </a:r>
+          </a:p>
+          <a:p>
+            <a:endParaRPr lang="en-GB" baseline="0" dirty="0" smtClean="0"/>
+          </a:p>
+          <a:p>
+            <a:r>
+              <a:rPr lang="en-GB" dirty="0" smtClean="0"/>
+              <a:t>Android</a:t>
+            </a:r>
+            <a:r>
+              <a:rPr lang="en-GB" baseline="0" dirty="0" smtClean="0"/>
+              <a:t> must be 5.0 or higher</a:t>
+            </a:r>
+            <a:endParaRPr lang="en-GB" dirty="0"/>
           </a:p>
         </p:txBody>
       </p:sp>
@@ -2663,19 +2917,18 @@
           <a:bodyPr/>
           <a:lstStyle/>
           <a:p>
-            <a:fld id="{1B06CD8F-B7ED-4A05-9FB1-A01CC0EF02CC}" type="slidenum">
-              <a:rPr lang="fr-FR" smtClean="0"/>
-              <a:pPr/>
-              <a:t>11</a:t>
+            <a:fld id="{A5FE6474-0819-4CAC-A677-1ACC1221F957}" type="slidenum">
+              <a:rPr lang="en-GB" smtClean="0"/>
+              <a:t>13</a:t>
             </a:fld>
-            <a:endParaRPr lang="fr-FR" dirty="0"/>
+            <a:endParaRPr lang="en-GB"/>
           </a:p>
         </p:txBody>
       </p:sp>
     </p:spTree>
     <p:extLst>
       <p:ext uri="{BB962C8B-B14F-4D97-AF65-F5344CB8AC3E}">
-        <p14:creationId xmlns:p14="http://schemas.microsoft.com/office/powerpoint/2010/main" val="4260471285"/>
+        <p14:creationId xmlns:p14="http://schemas.microsoft.com/office/powerpoint/2010/main" val="4288258623"/>
       </p:ext>
     </p:extLst>
   </p:cSld>
@@ -15025,12 +15278,16 @@
           <a:lstStyle/>
           <a:p>
             <a:r>
-              <a:rPr lang="pt-PT" b="1" dirty="0" err="1"/>
+              <a:rPr lang="en-GB" b="1" dirty="0" smtClean="0"/>
               <a:t>Enable</a:t>
             </a:r>
             <a:r>
+              <a:rPr lang="pt-PT" b="1" dirty="0" smtClean="0"/>
+              <a:t> </a:t>
+            </a:r>
+            <a:r>
               <a:rPr lang="pt-PT" b="1" dirty="0"/>
-              <a:t> Playback </a:t>
+              <a:t>Playback </a:t>
             </a:r>
             <a:r>
               <a:rPr lang="pt-PT" b="1" dirty="0" err="1" smtClean="0"/>
@@ -21546,6 +21803,15 @@
 </file>
 
 <file path=customXml/item1.xml><?xml version="1.0" encoding="utf-8"?>
+<?mso-contentType ?>
+<FormTemplates xmlns="http://schemas.microsoft.com/sharepoint/v3/contenttype/forms">
+  <Display>DocumentLibraryForm</Display>
+  <Edit>DocumentLibraryForm</Edit>
+  <New>DocumentLibraryForm</New>
+</FormTemplates>
+</file>
+
+<file path=customXml/item2.xml><?xml version="1.0" encoding="utf-8"?>
 <ct:contentTypeSchema xmlns:ct="http://schemas.microsoft.com/office/2006/metadata/contentType" xmlns:ma="http://schemas.microsoft.com/office/2006/metadata/properties/metaAttributes" ct:_="" ma:_="" ma:contentTypeName="Document" ma:contentTypeID="0x0101001F419E1A6EA81A4789CC2A27D54FE063" ma:contentTypeVersion="2" ma:contentTypeDescription="Create a new document." ma:contentTypeScope="" ma:versionID="6e5cb36ff88c0f99687fc20d43474a84">
   <xsd:schema xmlns:xsd="http://www.w3.org/2001/XMLSchema" xmlns:xs="http://www.w3.org/2001/XMLSchema" xmlns:p="http://schemas.microsoft.com/office/2006/metadata/properties" targetNamespace="http://schemas.microsoft.com/office/2006/metadata/properties" ma:root="true" ma:fieldsID="0d665e38e66d01d06a7f476fcfe73af8">
     <xsd:element name="properties">
@@ -21659,22 +21925,21 @@
 </ct:contentTypeSchema>
 </file>
 
-<file path=customXml/item2.xml><?xml version="1.0" encoding="utf-8"?>
+<file path=customXml/item3.xml><?xml version="1.0" encoding="utf-8"?>
 <p:properties xmlns:p="http://schemas.microsoft.com/office/2006/metadata/properties" xmlns:xsi="http://www.w3.org/2001/XMLSchema-instance" xmlns:pc="http://schemas.microsoft.com/office/infopath/2007/PartnerControls">
   <documentManagement/>
 </p:properties>
 </file>
 
-<file path=customXml/item3.xml><?xml version="1.0" encoding="utf-8"?>
-<?mso-contentType ?>
-<FormTemplates xmlns="http://schemas.microsoft.com/sharepoint/v3/contenttype/forms">
-  <Display>DocumentLibraryForm</Display>
-  <Edit>DocumentLibraryForm</Edit>
-  <New>DocumentLibraryForm</New>
-</FormTemplates>
+<file path=customXml/itemProps1.xml><?xml version="1.0" encoding="utf-8"?>
+<ds:datastoreItem xmlns:ds="http://schemas.openxmlformats.org/officeDocument/2006/customXml" ds:itemID="{74695D99-3EAE-4F55-A2B4-F38051B8FE0A}">
+  <ds:schemaRefs>
+    <ds:schemaRef ds:uri="http://schemas.microsoft.com/sharepoint/v3/contenttype/forms"/>
+  </ds:schemaRefs>
+</ds:datastoreItem>
 </file>
 
-<file path=customXml/itemProps1.xml><?xml version="1.0" encoding="utf-8"?>
+<file path=customXml/itemProps2.xml><?xml version="1.0" encoding="utf-8"?>
 <ds:datastoreItem xmlns:ds="http://schemas.openxmlformats.org/officeDocument/2006/customXml" ds:itemID="{71BEF1E5-09DF-46B0-9968-4DC05085673B}">
   <ds:schemaRefs>
     <ds:schemaRef ds:uri="http://schemas.microsoft.com/office/2006/metadata/contentType"/>
@@ -21690,7 +21955,7 @@
 </ds:datastoreItem>
 </file>
 
-<file path=customXml/itemProps2.xml><?xml version="1.0" encoding="utf-8"?>
+<file path=customXml/itemProps3.xml><?xml version="1.0" encoding="utf-8"?>
 <ds:datastoreItem xmlns:ds="http://schemas.openxmlformats.org/officeDocument/2006/customXml" ds:itemID="{65F64EBE-3065-4A3D-B86E-F21B0406FD66}">
   <ds:schemaRefs>
     <ds:schemaRef ds:uri="http://purl.org/dc/dcmitype/"/>
@@ -21703,12 +21968,4 @@
     <ds:schemaRef ds:uri="http://schemas.microsoft.com/office/2006/metadata/properties"/>
   </ds:schemaRefs>
 </ds:datastoreItem>
-</file>
-
-<file path=customXml/itemProps3.xml><?xml version="1.0" encoding="utf-8"?>
-<ds:datastoreItem xmlns:ds="http://schemas.openxmlformats.org/officeDocument/2006/customXml" ds:itemID="{74695D99-3EAE-4F55-A2B4-F38051B8FE0A}">
-  <ds:schemaRefs>
-    <ds:schemaRef ds:uri="http://schemas.microsoft.com/sharepoint/v3/contenttype/forms"/>
-  </ds:schemaRefs>
-</ds:datastoreItem>
 </file>
--- a/PowerPoint Final/Presentation_Joao_Mauro.pptx
+++ b/PowerPoint Final/Presentation_Joao_Mauro.pptx
@@ -950,32 +950,37 @@
           <a:bodyPr/>
           <a:lstStyle/>
           <a:p>
-            <a:pPr marL="0" marR="0" lvl="0" indent="0" algn="l" defTabSz="914400" rtl="0" eaLnBrk="1" fontAlgn="auto" latinLnBrk="0" hangingPunct="1">
-              <a:lnSpc>
-                <a:spcPct val="100000"/>
-              </a:lnSpc>
-              <a:spcBef>
-                <a:spcPts val="0"/>
-              </a:spcBef>
-              <a:spcAft>
-                <a:spcPts val="0"/>
-              </a:spcAft>
-              <a:buClrTx/>
-              <a:buSzTx/>
-              <a:buFontTx/>
-              <a:buNone/>
-              <a:tabLst/>
-              <a:defRPr/>
-            </a:pPr>
-            <a:r>
-              <a:rPr lang="en-US" dirty="0" smtClean="0"/>
-              <a:t>Configure</a:t>
-            </a:r>
-            <a:r>
-              <a:rPr lang="en-US" baseline="0" dirty="0" smtClean="0"/>
-              <a:t> your application with this settings and implement a service for accessing music. This enables Android Auto to discover your app and provide a browse and playback interface for your application </a:t>
-            </a:r>
-            <a:endParaRPr lang="en-US" dirty="0" smtClean="0"/>
+            <a:r>
+              <a:rPr lang="en-GB" dirty="0" smtClean="0"/>
+              <a:t>Android</a:t>
+            </a:r>
+            <a:r>
+              <a:rPr lang="en-GB" baseline="0" dirty="0" smtClean="0"/>
+              <a:t> Auto extends a new or existing application</a:t>
+            </a:r>
+          </a:p>
+          <a:p>
+            <a:endParaRPr lang="en-GB" baseline="0" dirty="0" smtClean="0"/>
+          </a:p>
+          <a:p>
+            <a:r>
+              <a:rPr lang="en-GB" baseline="0" dirty="0" smtClean="0"/>
+              <a:t>Developers don’t need to worry about vehicle specific hardware differences </a:t>
+            </a:r>
+          </a:p>
+          <a:p>
+            <a:endParaRPr lang="en-GB" baseline="0" dirty="0" smtClean="0"/>
+          </a:p>
+          <a:p>
+            <a:r>
+              <a:rPr lang="en-GB" dirty="0" smtClean="0"/>
+              <a:t>Android</a:t>
+            </a:r>
+            <a:r>
+              <a:rPr lang="en-GB" baseline="0" dirty="0" smtClean="0"/>
+              <a:t> must be 5.0 or higher</a:t>
+            </a:r>
+            <a:endParaRPr lang="en-GB" dirty="0"/>
           </a:p>
         </p:txBody>
       </p:sp>
@@ -996,7 +1001,7 @@
           <a:p>
             <a:fld id="{A5FE6474-0819-4CAC-A677-1ACC1221F957}" type="slidenum">
               <a:rPr lang="en-GB" smtClean="0"/>
-              <a:t>14</a:t>
+              <a:t>13</a:t>
             </a:fld>
             <a:endParaRPr lang="en-GB"/>
           </a:p>
@@ -1005,7 +1010,7 @@
     </p:spTree>
     <p:extLst>
       <p:ext uri="{BB962C8B-B14F-4D97-AF65-F5344CB8AC3E}">
-        <p14:creationId xmlns:p14="http://schemas.microsoft.com/office/powerpoint/2010/main" val="1749210354"/>
+        <p14:creationId xmlns:p14="http://schemas.microsoft.com/office/powerpoint/2010/main" val="4288258623"/>
       </p:ext>
     </p:extLst>
   </p:cSld>
@@ -1059,34 +1064,32 @@
           <a:bodyPr/>
           <a:lstStyle/>
           <a:p>
-            <a:r>
-              <a:rPr lang="en-GB" dirty="0" smtClean="0"/>
-              <a:t>For application that support messaging you</a:t>
-            </a:r>
-            <a:r>
-              <a:rPr lang="en-GB" baseline="0" dirty="0" smtClean="0"/>
-              <a:t> need to extend their messaging notification to allow Android Auto to display them and for users to read and </a:t>
-            </a:r>
-            <a:r>
-              <a:rPr lang="en-GB" baseline="0" dirty="0" err="1" smtClean="0"/>
-              <a:t>responde</a:t>
-            </a:r>
-            <a:r>
-              <a:rPr lang="en-GB" baseline="0" dirty="0" smtClean="0"/>
-              <a:t> to them.  </a:t>
-            </a:r>
-          </a:p>
-          <a:p>
-            <a:r>
-              <a:rPr lang="en-GB" baseline="0" dirty="0" smtClean="0"/>
-              <a:t>With a consistent and low distraction ( Google Assistant) </a:t>
-            </a:r>
-          </a:p>
-          <a:p>
-            <a:endParaRPr lang="en-GB" baseline="0" dirty="0" smtClean="0"/>
-          </a:p>
-          <a:p>
-            <a:endParaRPr lang="en-GB" dirty="0"/>
+            <a:pPr marL="0" marR="0" lvl="0" indent="0" algn="l" defTabSz="914400" rtl="0" eaLnBrk="1" fontAlgn="auto" latinLnBrk="0" hangingPunct="1">
+              <a:lnSpc>
+                <a:spcPct val="100000"/>
+              </a:lnSpc>
+              <a:spcBef>
+                <a:spcPts val="0"/>
+              </a:spcBef>
+              <a:spcAft>
+                <a:spcPts val="0"/>
+              </a:spcAft>
+              <a:buClrTx/>
+              <a:buSzTx/>
+              <a:buFontTx/>
+              <a:buNone/>
+              <a:tabLst/>
+              <a:defRPr/>
+            </a:pPr>
+            <a:r>
+              <a:rPr lang="en-US" dirty="0" smtClean="0"/>
+              <a:t>Configure</a:t>
+            </a:r>
+            <a:r>
+              <a:rPr lang="en-US" baseline="0" dirty="0" smtClean="0"/>
+              <a:t> your application with this settings and implement a service for accessing music. This enables Android Auto to discover your app and provide a browse and playback interface for your application </a:t>
+            </a:r>
+            <a:endParaRPr lang="en-US" dirty="0" smtClean="0"/>
           </a:p>
         </p:txBody>
       </p:sp>
@@ -1105,19 +1108,18 @@
           <a:bodyPr/>
           <a:lstStyle/>
           <a:p>
-            <a:fld id="{1B06CD8F-B7ED-4A05-9FB1-A01CC0EF02CC}" type="slidenum">
-              <a:rPr lang="fr-FR" smtClean="0"/>
-              <a:pPr/>
-              <a:t>15</a:t>
+            <a:fld id="{A5FE6474-0819-4CAC-A677-1ACC1221F957}" type="slidenum">
+              <a:rPr lang="en-GB" smtClean="0"/>
+              <a:t>14</a:t>
             </a:fld>
-            <a:endParaRPr lang="fr-FR" dirty="0"/>
+            <a:endParaRPr lang="en-GB"/>
           </a:p>
         </p:txBody>
       </p:sp>
     </p:spTree>
     <p:extLst>
       <p:ext uri="{BB962C8B-B14F-4D97-AF65-F5344CB8AC3E}">
-        <p14:creationId xmlns:p14="http://schemas.microsoft.com/office/powerpoint/2010/main" val="2349112016"/>
+        <p14:creationId xmlns:p14="http://schemas.microsoft.com/office/powerpoint/2010/main" val="1749210354"/>
       </p:ext>
     </p:extLst>
   </p:cSld>
@@ -1173,32 +1175,31 @@
           <a:p>
             <a:r>
               <a:rPr lang="en-GB" dirty="0" smtClean="0"/>
-              <a:t>Testing</a:t>
+              <a:t>For application that support messaging you</a:t>
             </a:r>
             <a:r>
               <a:rPr lang="en-GB" baseline="0" dirty="0" smtClean="0"/>
-              <a:t> apps is important for ensuring that the user doesn’t encounter unexpected results or a poor User Experience </a:t>
+              <a:t> need to extend their messaging notification to allow Android Auto to display them and for users to read and </a:t>
+            </a:r>
+            <a:r>
+              <a:rPr lang="en-GB" baseline="0" dirty="0" err="1" smtClean="0"/>
+              <a:t>responde</a:t>
+            </a:r>
+            <a:r>
+              <a:rPr lang="en-GB" baseline="0" dirty="0" smtClean="0"/>
+              <a:t> to them.  </a:t>
+            </a:r>
+          </a:p>
+          <a:p>
+            <a:r>
+              <a:rPr lang="en-GB" baseline="0" dirty="0" smtClean="0"/>
+              <a:t>With a consistent and low distraction ( Google Assistant) </a:t>
             </a:r>
           </a:p>
           <a:p>
             <a:endParaRPr lang="en-GB" baseline="0" dirty="0" smtClean="0"/>
           </a:p>
           <a:p>
-            <a:r>
-              <a:rPr lang="en-GB" baseline="0" dirty="0" smtClean="0"/>
-              <a:t>There 2 ways of testing: </a:t>
-            </a:r>
-          </a:p>
-          <a:p>
-            <a:endParaRPr lang="en-GB" baseline="0" dirty="0" smtClean="0"/>
-          </a:p>
-          <a:p>
-            <a:r>
-              <a:rPr lang="en-GB" baseline="0" dirty="0" smtClean="0"/>
-              <a:t>DHU –&gt; software that emulates a Car Head Unit </a:t>
-            </a:r>
-          </a:p>
-          <a:p>
             <a:endParaRPr lang="en-GB" dirty="0"/>
           </a:p>
         </p:txBody>
@@ -1218,18 +1219,19 @@
           <a:bodyPr/>
           <a:lstStyle/>
           <a:p>
-            <a:fld id="{A5FE6474-0819-4CAC-A677-1ACC1221F957}" type="slidenum">
-              <a:rPr lang="en-GB" smtClean="0"/>
-              <a:t>16</a:t>
+            <a:fld id="{1B06CD8F-B7ED-4A05-9FB1-A01CC0EF02CC}" type="slidenum">
+              <a:rPr lang="fr-FR" smtClean="0"/>
+              <a:pPr/>
+              <a:t>15</a:t>
             </a:fld>
-            <a:endParaRPr lang="en-GB"/>
+            <a:endParaRPr lang="fr-FR" dirty="0"/>
           </a:p>
         </p:txBody>
       </p:sp>
     </p:spTree>
     <p:extLst>
       <p:ext uri="{BB962C8B-B14F-4D97-AF65-F5344CB8AC3E}">
-        <p14:creationId xmlns:p14="http://schemas.microsoft.com/office/powerpoint/2010/main" val="3694532524"/>
+        <p14:creationId xmlns:p14="http://schemas.microsoft.com/office/powerpoint/2010/main" val="2349112016"/>
       </p:ext>
     </p:extLst>
   </p:cSld>
@@ -1285,17 +1287,20 @@
           <a:p>
             <a:r>
               <a:rPr lang="en-GB" dirty="0" smtClean="0"/>
-              <a:t>When designing support for</a:t>
+              <a:t>Testing</a:t>
             </a:r>
             <a:r>
               <a:rPr lang="en-GB" baseline="0" dirty="0" smtClean="0"/>
-              <a:t> Android Auto in your app the main goal is to avoid driver distraction, apps should use a simple visual design and use voice commands.</a:t>
-            </a:r>
+              <a:t> apps is important for ensuring that the user doesn’t encounter unexpected results or a poor User Experience </a:t>
+            </a:r>
+          </a:p>
+          <a:p>
+            <a:endParaRPr lang="en-GB" baseline="0" dirty="0" smtClean="0"/>
           </a:p>
           <a:p>
             <a:r>
               <a:rPr lang="en-GB" baseline="0" dirty="0" smtClean="0"/>
-              <a:t>Apps should be predictable and use simple patterns for common tasks. </a:t>
+              <a:t>There 2 ways of testing: </a:t>
             </a:r>
           </a:p>
           <a:p>
@@ -1304,25 +1309,7 @@
           <a:p>
             <a:r>
               <a:rPr lang="en-GB" baseline="0" dirty="0" smtClean="0"/>
-              <a:t>Core app quality – in addiction to Auto specific criteria , Android Auto apps should meet all the relevant core app quality criteria for the Android platform </a:t>
-            </a:r>
-          </a:p>
-          <a:p>
-            <a:endParaRPr lang="en-GB" baseline="0" dirty="0" smtClean="0"/>
-          </a:p>
-          <a:p>
-            <a:r>
-              <a:rPr lang="en-GB" baseline="0" dirty="0" smtClean="0"/>
-              <a:t>Visual design – these criteria ensure that your app follows a design and interaction patterns that offer a consistent and intuitive user experience. </a:t>
-            </a:r>
-          </a:p>
-          <a:p>
-            <a:endParaRPr lang="en-GB" baseline="0" dirty="0" smtClean="0"/>
-          </a:p>
-          <a:p>
-            <a:r>
-              <a:rPr lang="en-GB" baseline="0" dirty="0" smtClean="0"/>
-              <a:t>Functionality  - These criteria ensures that your app is configured and provides the expected functional behaviour </a:t>
+              <a:t>DHU –&gt; software that emulates a Car Head Unit </a:t>
             </a:r>
           </a:p>
           <a:p>
@@ -1345,19 +1332,18 @@
           <a:bodyPr/>
           <a:lstStyle/>
           <a:p>
-            <a:fld id="{1B06CD8F-B7ED-4A05-9FB1-A01CC0EF02CC}" type="slidenum">
-              <a:rPr lang="fr-FR" smtClean="0"/>
-              <a:pPr/>
-              <a:t>17</a:t>
+            <a:fld id="{A5FE6474-0819-4CAC-A677-1ACC1221F957}" type="slidenum">
+              <a:rPr lang="en-GB" smtClean="0"/>
+              <a:t>16</a:t>
             </a:fld>
-            <a:endParaRPr lang="fr-FR" dirty="0"/>
+            <a:endParaRPr lang="en-GB"/>
           </a:p>
         </p:txBody>
       </p:sp>
     </p:spTree>
     <p:extLst>
       <p:ext uri="{BB962C8B-B14F-4D97-AF65-F5344CB8AC3E}">
-        <p14:creationId xmlns:p14="http://schemas.microsoft.com/office/powerpoint/2010/main" val="3349636162"/>
+        <p14:creationId xmlns:p14="http://schemas.microsoft.com/office/powerpoint/2010/main" val="3694532524"/>
       </p:ext>
     </p:extLst>
   </p:cSld>
@@ -1413,11 +1399,17 @@
           <a:p>
             <a:r>
               <a:rPr lang="en-GB" dirty="0" smtClean="0"/>
-              <a:t>Review</a:t>
+              <a:t>When designing support for</a:t>
             </a:r>
             <a:r>
               <a:rPr lang="en-GB" baseline="0" dirty="0" smtClean="0"/>
-              <a:t> – Detailed review process may take more time than a normal app</a:t>
+              <a:t> Android Auto in your app the main goal is to avoid driver distraction, apps should use a simple visual design and use voice commands.</a:t>
+            </a:r>
+          </a:p>
+          <a:p>
+            <a:r>
+              <a:rPr lang="en-GB" baseline="0" dirty="0" smtClean="0"/>
+              <a:t>Apps should be predictable and use simple patterns for common tasks. </a:t>
             </a:r>
           </a:p>
           <a:p>
@@ -1426,8 +1418,28 @@
           <a:p>
             <a:r>
               <a:rPr lang="en-GB" baseline="0" dirty="0" smtClean="0"/>
-              <a:t>If your app is not accepted, you will receive an email with a list of areas you need to address, after the necessary adjustments you can put your newer version to review </a:t>
-            </a:r>
+              <a:t>Core app quality – in addiction to Auto specific criteria , Android Auto apps should meet all the relevant core app quality criteria for the Android platform </a:t>
+            </a:r>
+          </a:p>
+          <a:p>
+            <a:endParaRPr lang="en-GB" baseline="0" dirty="0" smtClean="0"/>
+          </a:p>
+          <a:p>
+            <a:r>
+              <a:rPr lang="en-GB" baseline="0" dirty="0" smtClean="0"/>
+              <a:t>Visual design – these criteria ensure that your app follows a design and interaction patterns that offer a consistent and intuitive user experience. </a:t>
+            </a:r>
+          </a:p>
+          <a:p>
+            <a:endParaRPr lang="en-GB" baseline="0" dirty="0" smtClean="0"/>
+          </a:p>
+          <a:p>
+            <a:r>
+              <a:rPr lang="en-GB" baseline="0" dirty="0" smtClean="0"/>
+              <a:t>Functionality  - These criteria ensures that your app is configured and provides the expected functional behaviour </a:t>
+            </a:r>
+          </a:p>
+          <a:p>
             <a:endParaRPr lang="en-GB" dirty="0"/>
           </a:p>
         </p:txBody>
@@ -1447,18 +1459,19 @@
           <a:bodyPr/>
           <a:lstStyle/>
           <a:p>
-            <a:fld id="{A5FE6474-0819-4CAC-A677-1ACC1221F957}" type="slidenum">
-              <a:rPr lang="en-GB" smtClean="0"/>
-              <a:t>18</a:t>
+            <a:fld id="{1B06CD8F-B7ED-4A05-9FB1-A01CC0EF02CC}" type="slidenum">
+              <a:rPr lang="fr-FR" smtClean="0"/>
+              <a:pPr/>
+              <a:t>17</a:t>
             </a:fld>
-            <a:endParaRPr lang="en-GB"/>
+            <a:endParaRPr lang="fr-FR" dirty="0"/>
           </a:p>
         </p:txBody>
       </p:sp>
     </p:spTree>
     <p:extLst>
       <p:ext uri="{BB962C8B-B14F-4D97-AF65-F5344CB8AC3E}">
-        <p14:creationId xmlns:p14="http://schemas.microsoft.com/office/powerpoint/2010/main" val="3504536707"/>
+        <p14:creationId xmlns:p14="http://schemas.microsoft.com/office/powerpoint/2010/main" val="3349636162"/>
       </p:ext>
     </p:extLst>
   </p:cSld>
@@ -1513,29 +1526,22 @@
           <a:lstStyle/>
           <a:p>
             <a:r>
-              <a:rPr lang="en-US" dirty="0" smtClean="0"/>
-              <a:t>They implemented the Android source code by reconfiguring it into a car OS, without involving Google</a:t>
-            </a:r>
-          </a:p>
-          <a:p>
-            <a:endParaRPr lang="en-US" dirty="0" smtClean="0"/>
-          </a:p>
-          <a:p>
-            <a:r>
-              <a:rPr lang="en-US" dirty="0" smtClean="0"/>
-              <a:t>This attempt, unfortunately, has failed because by the time the product reached the market (after a long development process), the version of Android launched was older and it cannot be updated</a:t>
-            </a:r>
-          </a:p>
-          <a:p>
-            <a:endParaRPr lang="en-US" dirty="0" smtClean="0"/>
-          </a:p>
-          <a:p>
-            <a:r>
-              <a:rPr lang="en-US" dirty="0" smtClean="0"/>
-              <a:t>Though the anticipation that Google will produce a Play Store for the car OS is still not been confirmed. But the latest OS promises the control for Heating, ventilation and air conditioning (HVAC) unit and radio as well.</a:t>
-            </a:r>
-          </a:p>
-          <a:p>
+              <a:rPr lang="en-GB" dirty="0" smtClean="0"/>
+              <a:t>Review</a:t>
+            </a:r>
+            <a:r>
+              <a:rPr lang="en-GB" baseline="0" dirty="0" smtClean="0"/>
+              <a:t> – Detailed review process may take more time than a normal app</a:t>
+            </a:r>
+          </a:p>
+          <a:p>
+            <a:endParaRPr lang="en-GB" baseline="0" dirty="0" smtClean="0"/>
+          </a:p>
+          <a:p>
+            <a:r>
+              <a:rPr lang="en-GB" baseline="0" dirty="0" smtClean="0"/>
+              <a:t>If your app is not accepted, you will receive an email with a list of areas you need to address, after the necessary adjustments you can put your newer version to review </a:t>
+            </a:r>
             <a:endParaRPr lang="en-GB" dirty="0"/>
           </a:p>
         </p:txBody>
@@ -1555,19 +1561,18 @@
           <a:bodyPr/>
           <a:lstStyle/>
           <a:p>
-            <a:fld id="{1B06CD8F-B7ED-4A05-9FB1-A01CC0EF02CC}" type="slidenum">
-              <a:rPr lang="fr-FR" smtClean="0"/>
-              <a:pPr/>
-              <a:t>21</a:t>
+            <a:fld id="{A5FE6474-0819-4CAC-A677-1ACC1221F957}" type="slidenum">
+              <a:rPr lang="en-GB" smtClean="0"/>
+              <a:t>18</a:t>
             </a:fld>
-            <a:endParaRPr lang="fr-FR" dirty="0"/>
+            <a:endParaRPr lang="en-GB"/>
           </a:p>
         </p:txBody>
       </p:sp>
     </p:spTree>
     <p:extLst>
       <p:ext uri="{BB962C8B-B14F-4D97-AF65-F5344CB8AC3E}">
-        <p14:creationId xmlns:p14="http://schemas.microsoft.com/office/powerpoint/2010/main" val="1471383405"/>
+        <p14:creationId xmlns:p14="http://schemas.microsoft.com/office/powerpoint/2010/main" val="3504536707"/>
       </p:ext>
     </p:extLst>
   </p:cSld>
@@ -1621,6 +1626,115 @@
           <a:bodyPr/>
           <a:lstStyle/>
           <a:p>
+            <a:r>
+              <a:rPr lang="en-US" dirty="0" smtClean="0"/>
+              <a:t>They implemented the Android source code by reconfiguring it into a car OS, without involving Google</a:t>
+            </a:r>
+          </a:p>
+          <a:p>
+            <a:endParaRPr lang="en-US" dirty="0" smtClean="0"/>
+          </a:p>
+          <a:p>
+            <a:r>
+              <a:rPr lang="en-US" dirty="0" smtClean="0"/>
+              <a:t>This attempt, unfortunately, has failed because by the time the product reached the market (after a long development process), the version of Android launched was older and it cannot be updated</a:t>
+            </a:r>
+          </a:p>
+          <a:p>
+            <a:endParaRPr lang="en-US" dirty="0" smtClean="0"/>
+          </a:p>
+          <a:p>
+            <a:r>
+              <a:rPr lang="en-US" dirty="0" smtClean="0"/>
+              <a:t>Though the anticipation that Google will produce a Play Store for the car OS is still not been confirmed. But the latest OS promises the control for Heating, ventilation and air conditioning (HVAC) unit and radio as well.</a:t>
+            </a:r>
+          </a:p>
+          <a:p>
+            <a:endParaRPr lang="en-GB" dirty="0"/>
+          </a:p>
+        </p:txBody>
+      </p:sp>
+      <p:sp>
+        <p:nvSpPr>
+          <p:cNvPr id="4" name="Slide Number Placeholder 3"/>
+          <p:cNvSpPr>
+            <a:spLocks noGrp="1"/>
+          </p:cNvSpPr>
+          <p:nvPr>
+            <p:ph type="sldNum" sz="quarter" idx="10"/>
+          </p:nvPr>
+        </p:nvSpPr>
+        <p:spPr/>
+        <p:txBody>
+          <a:bodyPr/>
+          <a:lstStyle/>
+          <a:p>
+            <a:fld id="{1B06CD8F-B7ED-4A05-9FB1-A01CC0EF02CC}" type="slidenum">
+              <a:rPr lang="fr-FR" smtClean="0"/>
+              <a:pPr/>
+              <a:t>21</a:t>
+            </a:fld>
+            <a:endParaRPr lang="fr-FR" dirty="0"/>
+          </a:p>
+        </p:txBody>
+      </p:sp>
+    </p:spTree>
+    <p:extLst>
+      <p:ext uri="{BB962C8B-B14F-4D97-AF65-F5344CB8AC3E}">
+        <p14:creationId xmlns:p14="http://schemas.microsoft.com/office/powerpoint/2010/main" val="1471383405"/>
+      </p:ext>
+    </p:extLst>
+  </p:cSld>
+  <p:clrMapOvr>
+    <a:masterClrMapping/>
+  </p:clrMapOvr>
+</p:notes>
+</file>
+
+<file path=ppt/notesSlides/notesSlide17.xml><?xml version="1.0" encoding="utf-8"?>
+<p:notes xmlns:a="http://schemas.openxmlformats.org/drawingml/2006/main" xmlns:r="http://schemas.openxmlformats.org/officeDocument/2006/relationships" xmlns:p="http://schemas.openxmlformats.org/presentationml/2006/main">
+  <p:cSld>
+    <p:spTree>
+      <p:nvGrpSpPr>
+        <p:cNvPr id="1" name=""/>
+        <p:cNvGrpSpPr/>
+        <p:nvPr/>
+      </p:nvGrpSpPr>
+      <p:grpSpPr>
+        <a:xfrm>
+          <a:off x="0" y="0"/>
+          <a:ext cx="0" cy="0"/>
+          <a:chOff x="0" y="0"/>
+          <a:chExt cx="0" cy="0"/>
+        </a:xfrm>
+      </p:grpSpPr>
+      <p:sp>
+        <p:nvSpPr>
+          <p:cNvPr id="2" name="Slide Image Placeholder 1"/>
+          <p:cNvSpPr>
+            <a:spLocks noGrp="1" noRot="1" noChangeAspect="1"/>
+          </p:cNvSpPr>
+          <p:nvPr>
+            <p:ph type="sldImg"/>
+          </p:nvPr>
+        </p:nvSpPr>
+        <p:spPr/>
+      </p:sp>
+      <p:sp>
+        <p:nvSpPr>
+          <p:cNvPr id="3" name="Notes Placeholder 2"/>
+          <p:cNvSpPr>
+            <a:spLocks noGrp="1"/>
+          </p:cNvSpPr>
+          <p:nvPr>
+            <p:ph type="body" idx="1"/>
+          </p:nvPr>
+        </p:nvSpPr>
+        <p:spPr/>
+        <p:txBody>
+          <a:bodyPr/>
+          <a:lstStyle/>
+          <a:p>
             <a:pPr marL="0" marR="0" lvl="0" indent="0" algn="l" defTabSz="914400" rtl="0" eaLnBrk="1" fontAlgn="auto" latinLnBrk="0" hangingPunct="1">
               <a:lnSpc>
                 <a:spcPct val="100000"/>
@@ -1829,7 +1943,7 @@
 </p:notes>
 </file>
 
-<file path=ppt/notesSlides/notesSlide17.xml><?xml version="1.0" encoding="utf-8"?>
+<file path=ppt/notesSlides/notesSlide18.xml><?xml version="1.0" encoding="utf-8"?>
 <p:notes xmlns:a="http://schemas.openxmlformats.org/drawingml/2006/main" xmlns:r="http://schemas.openxmlformats.org/officeDocument/2006/relationships" xmlns:p="http://schemas.openxmlformats.org/presentationml/2006/main">
   <p:cSld>
     <p:spTree>
@@ -1936,7 +2050,7 @@
 </p:notes>
 </file>
 
-<file path=ppt/notesSlides/notesSlide18.xml><?xml version="1.0" encoding="utf-8"?>
+<file path=ppt/notesSlides/notesSlide19.xml><?xml version="1.0" encoding="utf-8"?>
 <p:notes xmlns:a="http://schemas.openxmlformats.org/drawingml/2006/main" xmlns:r="http://schemas.openxmlformats.org/officeDocument/2006/relationships" xmlns:p="http://schemas.openxmlformats.org/presentationml/2006/main">
   <p:cSld>
     <p:spTree>
@@ -2183,31 +2297,145 @@
           <a:lstStyle/>
           <a:p>
             <a:r>
-              <a:rPr lang="en-US" dirty="0" smtClean="0"/>
-              <a:t>The biggest advantage to use Android</a:t>
-            </a:r>
-            <a:r>
-              <a:rPr lang="en-US" baseline="0" dirty="0" smtClean="0"/>
-              <a:t> Auto instead of the implemented IVI (in vehicle infotainment) of a brand, is that using android Auto we get updates from google, however in a implemented IVI, once is done is done, there are no updates.</a:t>
-            </a:r>
-          </a:p>
-          <a:p>
-            <a:r>
-              <a:rPr lang="en-US" baseline="0" dirty="0" smtClean="0"/>
-              <a:t>We know there are people who prefer using other apps for GPS Navigation, but in most of the videos and reviews we saw, they say that Google Maps is the best for being more precise and user friendly, than the others</a:t>
-            </a:r>
-          </a:p>
-          <a:p>
-            <a:r>
-              <a:rPr lang="en-US" baseline="0" dirty="0" smtClean="0"/>
-              <a:t>We saw the comparison between voice control system between google and Apple, and the google voice control performs better, in the interpretation of what a person wants to say.</a:t>
-            </a:r>
-          </a:p>
-          <a:p>
-            <a:r>
-              <a:rPr lang="en-US" baseline="0" dirty="0" smtClean="0"/>
-              <a:t>We also don’t need to buy a new car or spend 700€ in a aftermarket display, we can simply use our phone to do the work.</a:t>
-            </a:r>
+              <a:rPr lang="en-US" sz="1200" b="0" i="0" kern="1200" dirty="0" smtClean="0">
+                <a:solidFill>
+                  <a:schemeClr val="tx1"/>
+                </a:solidFill>
+                <a:effectLst/>
+                <a:latin typeface="Arial" pitchFamily="34" charset="0"/>
+                <a:ea typeface="+mn-ea"/>
+                <a:cs typeface="+mn-cs"/>
+              </a:rPr>
+              <a:t>Android Auto works by projecting Android apps onto </a:t>
+            </a:r>
+            <a:r>
+              <a:rPr lang="en-US" sz="1200" b="0" i="0" kern="1200" dirty="0" err="1" smtClean="0">
+                <a:solidFill>
+                  <a:schemeClr val="tx1"/>
+                </a:solidFill>
+                <a:effectLst/>
+                <a:latin typeface="Arial" pitchFamily="34" charset="0"/>
+                <a:ea typeface="+mn-ea"/>
+                <a:cs typeface="+mn-cs"/>
+              </a:rPr>
+              <a:t>onto</a:t>
+            </a:r>
+            <a:r>
+              <a:rPr lang="en-US" sz="1200" b="0" i="0" kern="1200" dirty="0" smtClean="0">
+                <a:solidFill>
+                  <a:schemeClr val="tx1"/>
+                </a:solidFill>
+                <a:effectLst/>
+                <a:latin typeface="Arial" pitchFamily="34" charset="0"/>
+                <a:ea typeface="+mn-ea"/>
+                <a:cs typeface="+mn-cs"/>
+              </a:rPr>
+              <a:t> the in-car display after the phone has been plugged in to the car via USB</a:t>
+            </a:r>
+          </a:p>
+          <a:p>
+            <a:r>
+              <a:rPr lang="en-US" sz="1200" b="0" i="0" kern="1200" dirty="0" smtClean="0">
+                <a:solidFill>
+                  <a:schemeClr val="tx1"/>
+                </a:solidFill>
+                <a:effectLst/>
+                <a:latin typeface="Arial" pitchFamily="34" charset="0"/>
+                <a:ea typeface="+mn-ea"/>
+                <a:cs typeface="+mn-cs"/>
+              </a:rPr>
+              <a:t>Phone calls are going to be handled over Bluetooth</a:t>
+            </a:r>
+          </a:p>
+          <a:p>
+            <a:r>
+              <a:rPr lang="en-US" sz="1200" b="0" i="0" kern="1200" dirty="0" smtClean="0">
+                <a:solidFill>
+                  <a:schemeClr val="tx1"/>
+                </a:solidFill>
+                <a:effectLst/>
+                <a:latin typeface="Arial" pitchFamily="34" charset="0"/>
+                <a:ea typeface="+mn-ea"/>
+                <a:cs typeface="+mn-cs"/>
+              </a:rPr>
+              <a:t>Useful information</a:t>
+            </a:r>
+            <a:r>
+              <a:rPr lang="en-US" sz="1200" b="0" i="0" kern="1200" baseline="0" dirty="0" smtClean="0">
+                <a:solidFill>
+                  <a:schemeClr val="tx1"/>
+                </a:solidFill>
+                <a:effectLst/>
+                <a:latin typeface="Arial" pitchFamily="34" charset="0"/>
+                <a:ea typeface="+mn-ea"/>
+                <a:cs typeface="+mn-cs"/>
+              </a:rPr>
+              <a:t> such as text messages, a coming call.</a:t>
+            </a:r>
+          </a:p>
+          <a:p>
+            <a:r>
+              <a:rPr lang="en-US" sz="1200" b="0" i="0" kern="1200" baseline="0" dirty="0" smtClean="0">
+                <a:solidFill>
+                  <a:schemeClr val="tx1"/>
+                </a:solidFill>
+                <a:effectLst/>
+                <a:latin typeface="Arial" pitchFamily="34" charset="0"/>
+                <a:ea typeface="+mn-ea"/>
+                <a:cs typeface="+mn-cs"/>
+              </a:rPr>
+              <a:t>Simple cards which presents all the relevant information, in a </a:t>
+            </a:r>
+            <a:r>
+              <a:rPr lang="en-US" sz="1200" b="0" i="0" kern="1200" baseline="0" dirty="0" err="1" smtClean="0">
+                <a:solidFill>
+                  <a:schemeClr val="tx1"/>
+                </a:solidFill>
+                <a:effectLst/>
+                <a:latin typeface="Arial" pitchFamily="34" charset="0"/>
+                <a:ea typeface="+mn-ea"/>
+                <a:cs typeface="+mn-cs"/>
+              </a:rPr>
+              <a:t>intuive</a:t>
+            </a:r>
+            <a:r>
+              <a:rPr lang="en-US" sz="1200" b="0" i="0" kern="1200" baseline="0" dirty="0" smtClean="0">
+                <a:solidFill>
+                  <a:schemeClr val="tx1"/>
+                </a:solidFill>
+                <a:effectLst/>
+                <a:latin typeface="Arial" pitchFamily="34" charset="0"/>
+                <a:ea typeface="+mn-ea"/>
+                <a:cs typeface="+mn-cs"/>
+              </a:rPr>
+              <a:t> way.</a:t>
+            </a:r>
+            <a:endParaRPr lang="en-US" sz="1200" b="0" i="0" kern="1200" dirty="0" smtClean="0">
+              <a:solidFill>
+                <a:schemeClr val="tx1"/>
+              </a:solidFill>
+              <a:effectLst/>
+              <a:latin typeface="Arial" pitchFamily="34" charset="0"/>
+              <a:ea typeface="+mn-ea"/>
+              <a:cs typeface="+mn-cs"/>
+            </a:endParaRPr>
+          </a:p>
+          <a:p>
+            <a:r>
+              <a:rPr lang="en-US" sz="1200" b="0" i="0" kern="1200" dirty="0" smtClean="0">
+                <a:solidFill>
+                  <a:schemeClr val="tx1"/>
+                </a:solidFill>
+                <a:effectLst/>
+                <a:latin typeface="Arial" pitchFamily="34" charset="0"/>
+                <a:ea typeface="+mn-ea"/>
+                <a:cs typeface="+mn-cs"/>
+              </a:rPr>
+              <a:t>Android Auto apps have a consistent design, with large, round buttons for easy touch points, and similar menu structures. The idea is that apps won't be any more distracting than they need to be (which is why user interface elements look the same from one app to another), and generally don't need more than a quick glance to be put to work.</a:t>
+            </a:r>
+            <a:endParaRPr lang="en-US" dirty="0" smtClean="0"/>
+          </a:p>
+          <a:p>
             <a:endParaRPr lang="en-US" dirty="0"/>
           </a:p>
         </p:txBody>
@@ -2230,7 +2458,7 @@
             <a:fld id="{1B06CD8F-B7ED-4A05-9FB1-A01CC0EF02CC}" type="slidenum">
               <a:rPr lang="fr-FR" smtClean="0"/>
               <a:pPr/>
-              <a:t>5</a:t>
+              <a:t>4</a:t>
             </a:fld>
             <a:endParaRPr lang="fr-FR" dirty="0"/>
           </a:p>
@@ -2239,7 +2467,7 @@
     </p:spTree>
     <p:extLst>
       <p:ext uri="{BB962C8B-B14F-4D97-AF65-F5344CB8AC3E}">
-        <p14:creationId xmlns:p14="http://schemas.microsoft.com/office/powerpoint/2010/main" val="3973816794"/>
+        <p14:creationId xmlns:p14="http://schemas.microsoft.com/office/powerpoint/2010/main" val="1984887374"/>
       </p:ext>
     </p:extLst>
   </p:cSld>
@@ -2295,55 +2523,31 @@
           <a:p>
             <a:r>
               <a:rPr lang="en-US" dirty="0" smtClean="0"/>
-              <a:t>Need to be android 5.0 plus</a:t>
-            </a:r>
-          </a:p>
-          <a:p>
-            <a:r>
-              <a:rPr lang="en-US" dirty="0" smtClean="0"/>
-              <a:t>5 panels -&gt; navigation,</a:t>
+              <a:t>The biggest advantage to use Android</a:t>
             </a:r>
             <a:r>
               <a:rPr lang="en-US" baseline="0" dirty="0" smtClean="0"/>
-              <a:t> phone log, home, media, car diagnosis</a:t>
+              <a:t> Auto instead of the implemented IVI (in vehicle infotainment) of a brand, is that using android Auto we get updates from google, however in a implemented IVI, once is done is done, there are no updates.</a:t>
             </a:r>
           </a:p>
           <a:p>
             <a:r>
               <a:rPr lang="en-US" baseline="0" dirty="0" smtClean="0"/>
-              <a:t>Important information, like a message received, from </a:t>
-            </a:r>
-            <a:r>
-              <a:rPr lang="en-US" baseline="0" dirty="0" err="1" smtClean="0"/>
-              <a:t>whatsupp</a:t>
-            </a:r>
+              <a:t>We know there are people who prefer using other apps for GPS Navigation, but in most of the videos and reviews we saw, they say that Google Maps is the best for being more precise and user friendly, than the others</a:t>
+            </a:r>
+          </a:p>
+          <a:p>
             <a:r>
               <a:rPr lang="en-US" baseline="0" dirty="0" smtClean="0"/>
-              <a:t>, </a:t>
-            </a:r>
-            <a:r>
-              <a:rPr lang="en-US" baseline="0" dirty="0" err="1" smtClean="0"/>
-              <a:t>facebook</a:t>
-            </a:r>
+              <a:t>We saw the comparison between voice control system between google and Apple, and the google voice control performs better, in the interpretation of what a person wants to say.</a:t>
+            </a:r>
+          </a:p>
+          <a:p>
             <a:r>
               <a:rPr lang="en-US" baseline="0" dirty="0" smtClean="0"/>
-              <a:t> </a:t>
-            </a:r>
-            <a:r>
-              <a:rPr lang="en-US" baseline="0" dirty="0" err="1" smtClean="0"/>
-              <a:t>messeger</a:t>
-            </a:r>
-            <a:r>
-              <a:rPr lang="en-US" baseline="0" dirty="0" smtClean="0"/>
-              <a:t> or hangouts</a:t>
-            </a:r>
-          </a:p>
-          <a:p>
-            <a:r>
-              <a:rPr lang="en-US" baseline="0" dirty="0" smtClean="0"/>
-              <a:t>A phone call incoming</a:t>
-            </a:r>
-            <a:endParaRPr lang="en-US" dirty="0" smtClean="0"/>
+              <a:t>We also don’t need to buy a new car or spend 700€ in a aftermarket display, we can simply use our phone to do the work.</a:t>
+            </a:r>
+            <a:endParaRPr lang="en-US" dirty="0"/>
           </a:p>
         </p:txBody>
       </p:sp>
@@ -2365,7 +2569,7 @@
             <a:fld id="{1B06CD8F-B7ED-4A05-9FB1-A01CC0EF02CC}" type="slidenum">
               <a:rPr lang="fr-FR" smtClean="0"/>
               <a:pPr/>
-              <a:t>7</a:t>
+              <a:t>5</a:t>
             </a:fld>
             <a:endParaRPr lang="fr-FR" dirty="0"/>
           </a:p>
@@ -2374,7 +2578,7 @@
     </p:spTree>
     <p:extLst>
       <p:ext uri="{BB962C8B-B14F-4D97-AF65-F5344CB8AC3E}">
-        <p14:creationId xmlns:p14="http://schemas.microsoft.com/office/powerpoint/2010/main" val="1564263606"/>
+        <p14:creationId xmlns:p14="http://schemas.microsoft.com/office/powerpoint/2010/main" val="3973816794"/>
       </p:ext>
     </p:extLst>
   </p:cSld>
@@ -2430,79 +2634,69 @@
           <a:p>
             <a:r>
               <a:rPr lang="en-US" dirty="0" smtClean="0"/>
-              <a:t>Like said before, the car sound system is connected</a:t>
+              <a:t>Need to be android 5.0 plus</a:t>
+            </a:r>
+          </a:p>
+          <a:p>
+            <a:r>
+              <a:rPr lang="en-US" dirty="0" smtClean="0"/>
+              <a:t>5 panels -&gt; navigation,</a:t>
             </a:r>
             <a:r>
               <a:rPr lang="en-US" baseline="0" dirty="0" smtClean="0"/>
-              <a:t> via </a:t>
+              <a:t> phone log, home, media, car diagnosis</a:t>
+            </a:r>
+          </a:p>
+          <a:p>
+            <a:r>
+              <a:rPr lang="en-US" baseline="0" dirty="0" smtClean="0"/>
+              <a:t>Home menu is organized in order to show some info like the weather current song, current destination and upcoming </a:t>
             </a:r>
             <a:r>
               <a:rPr lang="en-US" baseline="0" dirty="0" err="1" smtClean="0"/>
-              <a:t>bluethoot</a:t>
-            </a:r>
+              <a:t>appoitments</a:t>
+            </a:r>
+            <a:endParaRPr lang="en-US" baseline="0" dirty="0" smtClean="0"/>
+          </a:p>
+          <a:p>
             <a:r>
               <a:rPr lang="en-US" baseline="0" dirty="0" smtClean="0"/>
-              <a:t>.</a:t>
-            </a:r>
-          </a:p>
-          <a:p>
+              <a:t>Important information, like a message received, from </a:t>
+            </a:r>
+            <a:r>
+              <a:rPr lang="en-US" baseline="0" dirty="0" err="1" smtClean="0"/>
+              <a:t>whatsupp</a:t>
+            </a:r>
             <a:r>
               <a:rPr lang="en-US" baseline="0" dirty="0" smtClean="0"/>
-              <a:t>We have a lot of options to start a voice command, for example if we use the “OK Google”, we don’t need to touch the screen, and keep the eyes on the road at the same time we are doing something else.</a:t>
-            </a:r>
-          </a:p>
-          <a:p>
+              <a:t>, </a:t>
+            </a:r>
+            <a:r>
+              <a:rPr lang="en-US" baseline="0" dirty="0" err="1" smtClean="0"/>
+              <a:t>facebook</a:t>
+            </a:r>
             <a:r>
               <a:rPr lang="en-US" baseline="0" dirty="0" smtClean="0"/>
-              <a:t>A example to set the destination we can say “OK Google, set directions to …” and we say the address.</a:t>
-            </a:r>
-          </a:p>
-          <a:p>
+              <a:t> </a:t>
+            </a:r>
+            <a:r>
+              <a:rPr lang="en-US" baseline="0" dirty="0" err="1" smtClean="0"/>
+              <a:t>messeger</a:t>
+            </a:r>
             <a:r>
               <a:rPr lang="en-US" baseline="0" dirty="0" smtClean="0"/>
-              <a:t>We can also ask for a </a:t>
-            </a:r>
-            <a:r>
-              <a:rPr lang="en-US" sz="1200" b="0" i="0" kern="1200" dirty="0" smtClean="0">
-                <a:solidFill>
-                  <a:schemeClr val="tx1"/>
-                </a:solidFill>
-                <a:effectLst/>
-                <a:latin typeface="Arial" pitchFamily="34" charset="0"/>
-                <a:ea typeface="+mn-ea"/>
-                <a:cs typeface="+mn-cs"/>
-              </a:rPr>
-              <a:t>specific</a:t>
-            </a:r>
+              <a:t> or hangouts</a:t>
+            </a:r>
+          </a:p>
+          <a:p>
             <a:r>
               <a:rPr lang="en-US" baseline="0" dirty="0" smtClean="0"/>
-              <a:t> song in a </a:t>
-            </a:r>
-            <a:r>
-              <a:rPr lang="en-US" sz="1200" b="0" i="0" kern="1200" dirty="0" smtClean="0">
-                <a:solidFill>
-                  <a:schemeClr val="tx1"/>
-                </a:solidFill>
-                <a:effectLst/>
-                <a:latin typeface="Arial" pitchFamily="34" charset="0"/>
-                <a:ea typeface="+mn-ea"/>
-                <a:cs typeface="+mn-cs"/>
-              </a:rPr>
-              <a:t>specific</a:t>
-            </a:r>
-            <a:r>
-              <a:rPr lang="en-US" baseline="0" dirty="0" smtClean="0"/>
-              <a:t> app</a:t>
-            </a:r>
-          </a:p>
-          <a:p>
-            <a:r>
-              <a:rPr lang="en-US" baseline="0" dirty="0" smtClean="0"/>
-              <a:t>Basically, We can use every OK Google command available for android system</a:t>
-            </a:r>
-          </a:p>
-          <a:p>
-            <a:endParaRPr lang="en-US" dirty="0"/>
+              <a:t>A phone call incoming</a:t>
+            </a:r>
+            <a:endParaRPr lang="en-US" dirty="0" smtClean="0"/>
+          </a:p>
+          <a:p>
+            <a:endParaRPr lang="en-US" dirty="0" smtClean="0"/>
           </a:p>
         </p:txBody>
       </p:sp>
@@ -2524,7 +2718,7 @@
             <a:fld id="{1B06CD8F-B7ED-4A05-9FB1-A01CC0EF02CC}" type="slidenum">
               <a:rPr lang="fr-FR" smtClean="0"/>
               <a:pPr/>
-              <a:t>8</a:t>
+              <a:t>7</a:t>
             </a:fld>
             <a:endParaRPr lang="fr-FR" dirty="0"/>
           </a:p>
@@ -2533,7 +2727,7 @@
     </p:spTree>
     <p:extLst>
       <p:ext uri="{BB962C8B-B14F-4D97-AF65-F5344CB8AC3E}">
-        <p14:creationId xmlns:p14="http://schemas.microsoft.com/office/powerpoint/2010/main" val="4291574160"/>
+        <p14:creationId xmlns:p14="http://schemas.microsoft.com/office/powerpoint/2010/main" val="1564263606"/>
       </p:ext>
     </p:extLst>
   </p:cSld>
@@ -2589,18 +2783,78 @@
           <a:p>
             <a:r>
               <a:rPr lang="en-US" dirty="0" smtClean="0"/>
-              <a:t>Here is shown the phone screen and the car dash screen,</a:t>
+              <a:t>Like said before, the car sound system is connected</a:t>
             </a:r>
             <a:r>
               <a:rPr lang="en-US" baseline="0" dirty="0" smtClean="0"/>
-              <a:t> and the blue markers show the panel with 5 or 4 buttons</a:t>
-            </a:r>
-          </a:p>
-          <a:p>
+              <a:t> via </a:t>
+            </a:r>
+            <a:r>
+              <a:rPr lang="en-US" baseline="0" dirty="0" err="1" smtClean="0"/>
+              <a:t>bluethoot</a:t>
+            </a:r>
             <a:r>
               <a:rPr lang="en-US" baseline="0" dirty="0" smtClean="0"/>
-              <a:t>For car diagnosis the app called Torque is the one that is used</a:t>
-            </a:r>
+              <a:t>.</a:t>
+            </a:r>
+          </a:p>
+          <a:p>
+            <a:r>
+              <a:rPr lang="en-US" baseline="0" dirty="0" smtClean="0"/>
+              <a:t>We have a lot of options to start a voice command, for example if we use the “OK Google”, we don’t need to touch the screen, and keep the eyes on the road at the same time we are doing something else.</a:t>
+            </a:r>
+          </a:p>
+          <a:p>
+            <a:r>
+              <a:rPr lang="en-US" baseline="0" dirty="0" smtClean="0"/>
+              <a:t>A example to set the destination we can say “OK Google, set directions to …” and we say the address.</a:t>
+            </a:r>
+          </a:p>
+          <a:p>
+            <a:r>
+              <a:rPr lang="en-US" baseline="0" dirty="0" smtClean="0"/>
+              <a:t>We can also ask for a </a:t>
+            </a:r>
+            <a:r>
+              <a:rPr lang="en-US" sz="1200" b="0" i="0" kern="1200" dirty="0" smtClean="0">
+                <a:solidFill>
+                  <a:schemeClr val="tx1"/>
+                </a:solidFill>
+                <a:effectLst/>
+                <a:latin typeface="Arial" pitchFamily="34" charset="0"/>
+                <a:ea typeface="+mn-ea"/>
+                <a:cs typeface="+mn-cs"/>
+              </a:rPr>
+              <a:t>specific</a:t>
+            </a:r>
+            <a:r>
+              <a:rPr lang="en-US" baseline="0" dirty="0" smtClean="0"/>
+              <a:t> song in a </a:t>
+            </a:r>
+            <a:r>
+              <a:rPr lang="en-US" sz="1200" b="0" i="0" kern="1200" dirty="0" smtClean="0">
+                <a:solidFill>
+                  <a:schemeClr val="tx1"/>
+                </a:solidFill>
+                <a:effectLst/>
+                <a:latin typeface="Arial" pitchFamily="34" charset="0"/>
+                <a:ea typeface="+mn-ea"/>
+                <a:cs typeface="+mn-cs"/>
+              </a:rPr>
+              <a:t>specific</a:t>
+            </a:r>
+            <a:r>
+              <a:rPr lang="en-US" baseline="0" dirty="0" smtClean="0"/>
+              <a:t> app</a:t>
+            </a:r>
+          </a:p>
+          <a:p>
+            <a:r>
+              <a:rPr lang="en-US" baseline="0" dirty="0" smtClean="0"/>
+              <a:t>Basically, We can use every OK Google command available for android system</a:t>
+            </a:r>
+          </a:p>
+          <a:p>
             <a:endParaRPr lang="en-US" dirty="0"/>
           </a:p>
         </p:txBody>
@@ -2623,7 +2877,7 @@
             <a:fld id="{1B06CD8F-B7ED-4A05-9FB1-A01CC0EF02CC}" type="slidenum">
               <a:rPr lang="fr-FR" smtClean="0"/>
               <a:pPr/>
-              <a:t>9</a:t>
+              <a:t>8</a:t>
             </a:fld>
             <a:endParaRPr lang="fr-FR" dirty="0"/>
           </a:p>
@@ -2632,7 +2886,7 @@
     </p:spTree>
     <p:extLst>
       <p:ext uri="{BB962C8B-B14F-4D97-AF65-F5344CB8AC3E}">
-        <p14:creationId xmlns:p14="http://schemas.microsoft.com/office/powerpoint/2010/main" val="3316341565"/>
+        <p14:creationId xmlns:p14="http://schemas.microsoft.com/office/powerpoint/2010/main" val="4291574160"/>
       </p:ext>
     </p:extLst>
   </p:cSld>
@@ -2688,15 +2942,17 @@
           <a:p>
             <a:r>
               <a:rPr lang="en-US" dirty="0" smtClean="0"/>
-              <a:t>Here</a:t>
+              <a:t>Here is shown the phone screen and the car dash screen,</a:t>
             </a:r>
             <a:r>
               <a:rPr lang="en-US" baseline="0" dirty="0" smtClean="0"/>
-              <a:t> is shown some examples of the home menu, where we see the relevant information, in the case of the phone we see the current destination, the actual music and a received message, in the car dash is shown a received message, a coming appointment and the current </a:t>
-            </a:r>
-            <a:r>
-              <a:rPr lang="en-US" baseline="0" dirty="0" err="1" smtClean="0"/>
-              <a:t>wheather</a:t>
+              <a:t> and the blue markers show the panel with 5 or 4 buttons</a:t>
+            </a:r>
+          </a:p>
+          <a:p>
+            <a:r>
+              <a:rPr lang="en-US" baseline="0" dirty="0" smtClean="0"/>
+              <a:t>For car diagnosis the app called Torque is the one that is used</a:t>
             </a:r>
             <a:endParaRPr lang="en-US" dirty="0"/>
           </a:p>
@@ -2720,7 +2976,7 @@
             <a:fld id="{1B06CD8F-B7ED-4A05-9FB1-A01CC0EF02CC}" type="slidenum">
               <a:rPr lang="fr-FR" smtClean="0"/>
               <a:pPr/>
-              <a:t>10</a:t>
+              <a:t>9</a:t>
             </a:fld>
             <a:endParaRPr lang="fr-FR" dirty="0"/>
           </a:p>
@@ -2729,7 +2985,7 @@
     </p:spTree>
     <p:extLst>
       <p:ext uri="{BB962C8B-B14F-4D97-AF65-F5344CB8AC3E}">
-        <p14:creationId xmlns:p14="http://schemas.microsoft.com/office/powerpoint/2010/main" val="1596670375"/>
+        <p14:creationId xmlns:p14="http://schemas.microsoft.com/office/powerpoint/2010/main" val="3316341565"/>
       </p:ext>
     </p:extLst>
   </p:cSld>
@@ -2783,7 +3039,19 @@
           <a:bodyPr/>
           <a:lstStyle/>
           <a:p>
-            <a:endParaRPr lang="en-US"/>
+            <a:r>
+              <a:rPr lang="en-US" dirty="0" smtClean="0"/>
+              <a:t>Here</a:t>
+            </a:r>
+            <a:r>
+              <a:rPr lang="en-US" baseline="0" dirty="0" smtClean="0"/>
+              <a:t> is shown some examples of the home menu, where we see the relevant information, in the case of the phone we see the current destination, the actual music and a received message, in the car dash is shown a received message, a coming appointment and the current </a:t>
+            </a:r>
+            <a:r>
+              <a:rPr lang="en-US" baseline="0" dirty="0" err="1" smtClean="0"/>
+              <a:t>wheather</a:t>
+            </a:r>
+            <a:endParaRPr lang="en-US" dirty="0"/>
           </a:p>
         </p:txBody>
       </p:sp>
@@ -2805,7 +3073,7 @@
             <a:fld id="{1B06CD8F-B7ED-4A05-9FB1-A01CC0EF02CC}" type="slidenum">
               <a:rPr lang="fr-FR" smtClean="0"/>
               <a:pPr/>
-              <a:t>11</a:t>
+              <a:t>10</a:t>
             </a:fld>
             <a:endParaRPr lang="fr-FR" dirty="0"/>
           </a:p>
@@ -2814,7 +3082,7 @@
     </p:spTree>
     <p:extLst>
       <p:ext uri="{BB962C8B-B14F-4D97-AF65-F5344CB8AC3E}">
-        <p14:creationId xmlns:p14="http://schemas.microsoft.com/office/powerpoint/2010/main" val="4260471285"/>
+        <p14:creationId xmlns:p14="http://schemas.microsoft.com/office/powerpoint/2010/main" val="1596670375"/>
       </p:ext>
     </p:extLst>
   </p:cSld>
@@ -2868,37 +3136,7 @@
           <a:bodyPr/>
           <a:lstStyle/>
           <a:p>
-            <a:r>
-              <a:rPr lang="en-GB" dirty="0" smtClean="0"/>
-              <a:t>Android</a:t>
-            </a:r>
-            <a:r>
-              <a:rPr lang="en-GB" baseline="0" dirty="0" smtClean="0"/>
-              <a:t> Auto extends a new or existing application</a:t>
-            </a:r>
-          </a:p>
-          <a:p>
-            <a:endParaRPr lang="en-GB" baseline="0" dirty="0" smtClean="0"/>
-          </a:p>
-          <a:p>
-            <a:r>
-              <a:rPr lang="en-GB" baseline="0" dirty="0" smtClean="0"/>
-              <a:t>Developers don’t need to worry about vehicle specific hardware differences </a:t>
-            </a:r>
-          </a:p>
-          <a:p>
-            <a:endParaRPr lang="en-GB" baseline="0" dirty="0" smtClean="0"/>
-          </a:p>
-          <a:p>
-            <a:r>
-              <a:rPr lang="en-GB" dirty="0" smtClean="0"/>
-              <a:t>Android</a:t>
-            </a:r>
-            <a:r>
-              <a:rPr lang="en-GB" baseline="0" dirty="0" smtClean="0"/>
-              <a:t> must be 5.0 or higher</a:t>
-            </a:r>
-            <a:endParaRPr lang="en-GB" dirty="0"/>
+            <a:endParaRPr lang="en-US"/>
           </a:p>
         </p:txBody>
       </p:sp>
@@ -2917,18 +3155,19 @@
           <a:bodyPr/>
           <a:lstStyle/>
           <a:p>
-            <a:fld id="{A5FE6474-0819-4CAC-A677-1ACC1221F957}" type="slidenum">
-              <a:rPr lang="en-GB" smtClean="0"/>
-              <a:t>13</a:t>
+            <a:fld id="{1B06CD8F-B7ED-4A05-9FB1-A01CC0EF02CC}" type="slidenum">
+              <a:rPr lang="fr-FR" smtClean="0"/>
+              <a:pPr/>
+              <a:t>11</a:t>
             </a:fld>
-            <a:endParaRPr lang="en-GB"/>
+            <a:endParaRPr lang="fr-FR" dirty="0"/>
           </a:p>
         </p:txBody>
       </p:sp>
     </p:spTree>
     <p:extLst>
       <p:ext uri="{BB962C8B-B14F-4D97-AF65-F5344CB8AC3E}">
-        <p14:creationId xmlns:p14="http://schemas.microsoft.com/office/powerpoint/2010/main" val="4288258623"/>
+        <p14:creationId xmlns:p14="http://schemas.microsoft.com/office/powerpoint/2010/main" val="4260471285"/>
       </p:ext>
     </p:extLst>
   </p:cSld>
@@ -21803,15 +22042,6 @@
 </file>
 
 <file path=customXml/item1.xml><?xml version="1.0" encoding="utf-8"?>
-<?mso-contentType ?>
-<FormTemplates xmlns="http://schemas.microsoft.com/sharepoint/v3/contenttype/forms">
-  <Display>DocumentLibraryForm</Display>
-  <Edit>DocumentLibraryForm</Edit>
-  <New>DocumentLibraryForm</New>
-</FormTemplates>
-</file>
-
-<file path=customXml/item2.xml><?xml version="1.0" encoding="utf-8"?>
 <ct:contentTypeSchema xmlns:ct="http://schemas.microsoft.com/office/2006/metadata/contentType" xmlns:ma="http://schemas.microsoft.com/office/2006/metadata/properties/metaAttributes" ct:_="" ma:_="" ma:contentTypeName="Document" ma:contentTypeID="0x0101001F419E1A6EA81A4789CC2A27D54FE063" ma:contentTypeVersion="2" ma:contentTypeDescription="Create a new document." ma:contentTypeScope="" ma:versionID="6e5cb36ff88c0f99687fc20d43474a84">
   <xsd:schema xmlns:xsd="http://www.w3.org/2001/XMLSchema" xmlns:xs="http://www.w3.org/2001/XMLSchema" xmlns:p="http://schemas.microsoft.com/office/2006/metadata/properties" targetNamespace="http://schemas.microsoft.com/office/2006/metadata/properties" ma:root="true" ma:fieldsID="0d665e38e66d01d06a7f476fcfe73af8">
     <xsd:element name="properties">
@@ -21925,6 +22155,15 @@
 </ct:contentTypeSchema>
 </file>
 
+<file path=customXml/item2.xml><?xml version="1.0" encoding="utf-8"?>
+<?mso-contentType ?>
+<FormTemplates xmlns="http://schemas.microsoft.com/sharepoint/v3/contenttype/forms">
+  <Display>DocumentLibraryForm</Display>
+  <Edit>DocumentLibraryForm</Edit>
+  <New>DocumentLibraryForm</New>
+</FormTemplates>
+</file>
+
 <file path=customXml/item3.xml><?xml version="1.0" encoding="utf-8"?>
 <p:properties xmlns:p="http://schemas.microsoft.com/office/2006/metadata/properties" xmlns:xsi="http://www.w3.org/2001/XMLSchema-instance" xmlns:pc="http://schemas.microsoft.com/office/infopath/2007/PartnerControls">
   <documentManagement/>
@@ -21932,14 +22171,6 @@
 </file>
 
 <file path=customXml/itemProps1.xml><?xml version="1.0" encoding="utf-8"?>
-<ds:datastoreItem xmlns:ds="http://schemas.openxmlformats.org/officeDocument/2006/customXml" ds:itemID="{74695D99-3EAE-4F55-A2B4-F38051B8FE0A}">
-  <ds:schemaRefs>
-    <ds:schemaRef ds:uri="http://schemas.microsoft.com/sharepoint/v3/contenttype/forms"/>
-  </ds:schemaRefs>
-</ds:datastoreItem>
-</file>
-
-<file path=customXml/itemProps2.xml><?xml version="1.0" encoding="utf-8"?>
 <ds:datastoreItem xmlns:ds="http://schemas.openxmlformats.org/officeDocument/2006/customXml" ds:itemID="{71BEF1E5-09DF-46B0-9968-4DC05085673B}">
   <ds:schemaRefs>
     <ds:schemaRef ds:uri="http://schemas.microsoft.com/office/2006/metadata/contentType"/>
@@ -21951,6 +22182,14 @@
     <ds:schemaRef ds:uri="http://purl.org/dc/terms/"/>
     <ds:schemaRef ds:uri="http://schemas.microsoft.com/internal/obd"/>
     <ds:schemaRef ds:uri="http://schemas.microsoft.com/office/infopath/2007/PartnerControls"/>
+  </ds:schemaRefs>
+</ds:datastoreItem>
+</file>
+
+<file path=customXml/itemProps2.xml><?xml version="1.0" encoding="utf-8"?>
+<ds:datastoreItem xmlns:ds="http://schemas.openxmlformats.org/officeDocument/2006/customXml" ds:itemID="{74695D99-3EAE-4F55-A2B4-F38051B8FE0A}">
+  <ds:schemaRefs>
+    <ds:schemaRef ds:uri="http://schemas.microsoft.com/sharepoint/v3/contenttype/forms"/>
   </ds:schemaRefs>
 </ds:datastoreItem>
 </file>

--- a/PowerPoint Final/Presentation_Joao_Mauro.pptx
+++ b/PowerPoint Final/Presentation_Joao_Mauro.pptx
@@ -1628,29 +1628,17 @@
           <a:p>
             <a:r>
               <a:rPr lang="en-US" dirty="0" smtClean="0"/>
-              <a:t>They implemented the Android source code by reconfiguring it into a car OS, without involving Google</a:t>
-            </a:r>
-          </a:p>
-          <a:p>
-            <a:endParaRPr lang="en-US" dirty="0" smtClean="0"/>
-          </a:p>
-          <a:p>
-            <a:r>
-              <a:rPr lang="en-US" dirty="0" smtClean="0"/>
-              <a:t>This attempt, unfortunately, has failed because by the time the product reached the market (after a long development process), the version of Android launched was older and it cannot be updated</a:t>
-            </a:r>
-          </a:p>
-          <a:p>
-            <a:endParaRPr lang="en-US" dirty="0" smtClean="0"/>
-          </a:p>
-          <a:p>
-            <a:r>
-              <a:rPr lang="en-US" dirty="0" smtClean="0"/>
-              <a:t>Though the anticipation that Google will produce a Play Store for the car OS is still not been confirmed. But the latest OS promises the control for Heating, ventilation and air conditioning (HVAC) unit and radio as well.</a:t>
-            </a:r>
-          </a:p>
-          <a:p>
-            <a:endParaRPr lang="en-GB" dirty="0"/>
+              <a:t>Examples of countries</a:t>
+            </a:r>
+            <a:r>
+              <a:rPr lang="en-US" smtClean="0"/>
+              <a:t>: Germany</a:t>
+            </a:r>
+            <a:r>
+              <a:rPr lang="en-US" baseline="0" smtClean="0"/>
+              <a:t> France USA</a:t>
+            </a:r>
+            <a:endParaRPr lang="en-US" dirty="0"/>
           </a:p>
         </p:txBody>
       </p:sp>
@@ -1672,7 +1660,7 @@
             <a:fld id="{1B06CD8F-B7ED-4A05-9FB1-A01CC0EF02CC}" type="slidenum">
               <a:rPr lang="fr-FR" smtClean="0"/>
               <a:pPr/>
-              <a:t>21</a:t>
+              <a:t>20</a:t>
             </a:fld>
             <a:endParaRPr lang="fr-FR" dirty="0"/>
           </a:p>
@@ -1681,7 +1669,7 @@
     </p:spTree>
     <p:extLst>
       <p:ext uri="{BB962C8B-B14F-4D97-AF65-F5344CB8AC3E}">
-        <p14:creationId xmlns:p14="http://schemas.microsoft.com/office/powerpoint/2010/main" val="1471383405"/>
+        <p14:creationId xmlns:p14="http://schemas.microsoft.com/office/powerpoint/2010/main" val="2160029460"/>
       </p:ext>
     </p:extLst>
   </p:cSld>
@@ -1735,6 +1723,115 @@
           <a:bodyPr/>
           <a:lstStyle/>
           <a:p>
+            <a:r>
+              <a:rPr lang="en-US" dirty="0" smtClean="0"/>
+              <a:t>They implemented the Android source code by reconfiguring it into a car OS, without involving Google</a:t>
+            </a:r>
+          </a:p>
+          <a:p>
+            <a:endParaRPr lang="en-US" dirty="0" smtClean="0"/>
+          </a:p>
+          <a:p>
+            <a:r>
+              <a:rPr lang="en-US" dirty="0" smtClean="0"/>
+              <a:t>This attempt, unfortunately, has failed because by the time the product reached the market (after a long development process), the version of Android launched was older and it cannot be updated</a:t>
+            </a:r>
+          </a:p>
+          <a:p>
+            <a:endParaRPr lang="en-US" dirty="0" smtClean="0"/>
+          </a:p>
+          <a:p>
+            <a:r>
+              <a:rPr lang="en-US" dirty="0" smtClean="0"/>
+              <a:t>Though the anticipation that Google will produce a Play Store for the car OS is still not been confirmed. But the latest OS promises the control for Heating, ventilation and air conditioning (HVAC) unit and radio as well.</a:t>
+            </a:r>
+          </a:p>
+          <a:p>
+            <a:endParaRPr lang="en-GB" dirty="0"/>
+          </a:p>
+        </p:txBody>
+      </p:sp>
+      <p:sp>
+        <p:nvSpPr>
+          <p:cNvPr id="4" name="Slide Number Placeholder 3"/>
+          <p:cNvSpPr>
+            <a:spLocks noGrp="1"/>
+          </p:cNvSpPr>
+          <p:nvPr>
+            <p:ph type="sldNum" sz="quarter" idx="10"/>
+          </p:nvPr>
+        </p:nvSpPr>
+        <p:spPr/>
+        <p:txBody>
+          <a:bodyPr/>
+          <a:lstStyle/>
+          <a:p>
+            <a:fld id="{1B06CD8F-B7ED-4A05-9FB1-A01CC0EF02CC}" type="slidenum">
+              <a:rPr lang="fr-FR" smtClean="0"/>
+              <a:pPr/>
+              <a:t>21</a:t>
+            </a:fld>
+            <a:endParaRPr lang="fr-FR" dirty="0"/>
+          </a:p>
+        </p:txBody>
+      </p:sp>
+    </p:spTree>
+    <p:extLst>
+      <p:ext uri="{BB962C8B-B14F-4D97-AF65-F5344CB8AC3E}">
+        <p14:creationId xmlns:p14="http://schemas.microsoft.com/office/powerpoint/2010/main" val="1471383405"/>
+      </p:ext>
+    </p:extLst>
+  </p:cSld>
+  <p:clrMapOvr>
+    <a:masterClrMapping/>
+  </p:clrMapOvr>
+</p:notes>
+</file>
+
+<file path=ppt/notesSlides/notesSlide18.xml><?xml version="1.0" encoding="utf-8"?>
+<p:notes xmlns:a="http://schemas.openxmlformats.org/drawingml/2006/main" xmlns:r="http://schemas.openxmlformats.org/officeDocument/2006/relationships" xmlns:p="http://schemas.openxmlformats.org/presentationml/2006/main">
+  <p:cSld>
+    <p:spTree>
+      <p:nvGrpSpPr>
+        <p:cNvPr id="1" name=""/>
+        <p:cNvGrpSpPr/>
+        <p:nvPr/>
+      </p:nvGrpSpPr>
+      <p:grpSpPr>
+        <a:xfrm>
+          <a:off x="0" y="0"/>
+          <a:ext cx="0" cy="0"/>
+          <a:chOff x="0" y="0"/>
+          <a:chExt cx="0" cy="0"/>
+        </a:xfrm>
+      </p:grpSpPr>
+      <p:sp>
+        <p:nvSpPr>
+          <p:cNvPr id="2" name="Slide Image Placeholder 1"/>
+          <p:cNvSpPr>
+            <a:spLocks noGrp="1" noRot="1" noChangeAspect="1"/>
+          </p:cNvSpPr>
+          <p:nvPr>
+            <p:ph type="sldImg"/>
+          </p:nvPr>
+        </p:nvSpPr>
+        <p:spPr/>
+      </p:sp>
+      <p:sp>
+        <p:nvSpPr>
+          <p:cNvPr id="3" name="Notes Placeholder 2"/>
+          <p:cNvSpPr>
+            <a:spLocks noGrp="1"/>
+          </p:cNvSpPr>
+          <p:nvPr>
+            <p:ph type="body" idx="1"/>
+          </p:nvPr>
+        </p:nvSpPr>
+        <p:spPr/>
+        <p:txBody>
+          <a:bodyPr/>
+          <a:lstStyle/>
+          <a:p>
             <a:pPr marL="0" marR="0" lvl="0" indent="0" algn="l" defTabSz="914400" rtl="0" eaLnBrk="1" fontAlgn="auto" latinLnBrk="0" hangingPunct="1">
               <a:lnSpc>
                 <a:spcPct val="100000"/>
@@ -1943,113 +2040,6 @@
 </p:notes>
 </file>
 
-<file path=ppt/notesSlides/notesSlide18.xml><?xml version="1.0" encoding="utf-8"?>
-<p:notes xmlns:a="http://schemas.openxmlformats.org/drawingml/2006/main" xmlns:r="http://schemas.openxmlformats.org/officeDocument/2006/relationships" xmlns:p="http://schemas.openxmlformats.org/presentationml/2006/main">
-  <p:cSld>
-    <p:spTree>
-      <p:nvGrpSpPr>
-        <p:cNvPr id="1" name=""/>
-        <p:cNvGrpSpPr/>
-        <p:nvPr/>
-      </p:nvGrpSpPr>
-      <p:grpSpPr>
-        <a:xfrm>
-          <a:off x="0" y="0"/>
-          <a:ext cx="0" cy="0"/>
-          <a:chOff x="0" y="0"/>
-          <a:chExt cx="0" cy="0"/>
-        </a:xfrm>
-      </p:grpSpPr>
-      <p:sp>
-        <p:nvSpPr>
-          <p:cNvPr id="2" name="Slide Image Placeholder 1"/>
-          <p:cNvSpPr>
-            <a:spLocks noGrp="1" noRot="1" noChangeAspect="1"/>
-          </p:cNvSpPr>
-          <p:nvPr>
-            <p:ph type="sldImg"/>
-          </p:nvPr>
-        </p:nvSpPr>
-        <p:spPr/>
-      </p:sp>
-      <p:sp>
-        <p:nvSpPr>
-          <p:cNvPr id="3" name="Notes Placeholder 2"/>
-          <p:cNvSpPr>
-            <a:spLocks noGrp="1"/>
-          </p:cNvSpPr>
-          <p:nvPr>
-            <p:ph type="body" idx="1"/>
-          </p:nvPr>
-        </p:nvSpPr>
-        <p:spPr/>
-        <p:txBody>
-          <a:bodyPr/>
-          <a:lstStyle/>
-          <a:p>
-            <a:r>
-              <a:rPr lang="en-GB" dirty="0" smtClean="0"/>
-              <a:t>Google produces</a:t>
-            </a:r>
-            <a:r>
-              <a:rPr lang="en-GB" baseline="0" dirty="0" smtClean="0"/>
-              <a:t> the core software , OEMs rebrand the interface with their own UI</a:t>
-            </a:r>
-          </a:p>
-          <a:p>
-            <a:r>
-              <a:rPr lang="en-GB" baseline="0" dirty="0" smtClean="0"/>
-              <a:t>Google also provides apps like Google Maps and Google Music, and OEMs are free to add their own apps </a:t>
-            </a:r>
-          </a:p>
-          <a:p>
-            <a:r>
-              <a:rPr lang="en-GB" baseline="0" dirty="0" smtClean="0"/>
-              <a:t>For example Audi has its own navigation system in addition to Google Maps. </a:t>
-            </a:r>
-          </a:p>
-          <a:p>
-            <a:endParaRPr lang="en-GB" dirty="0"/>
-          </a:p>
-        </p:txBody>
-      </p:sp>
-      <p:sp>
-        <p:nvSpPr>
-          <p:cNvPr id="4" name="Slide Number Placeholder 3"/>
-          <p:cNvSpPr>
-            <a:spLocks noGrp="1"/>
-          </p:cNvSpPr>
-          <p:nvPr>
-            <p:ph type="sldNum" sz="quarter" idx="10"/>
-          </p:nvPr>
-        </p:nvSpPr>
-        <p:spPr/>
-        <p:txBody>
-          <a:bodyPr/>
-          <a:lstStyle/>
-          <a:p>
-            <a:fld id="{1B06CD8F-B7ED-4A05-9FB1-A01CC0EF02CC}" type="slidenum">
-              <a:rPr lang="fr-FR" smtClean="0"/>
-              <a:pPr/>
-              <a:t>23</a:t>
-            </a:fld>
-            <a:endParaRPr lang="fr-FR" dirty="0"/>
-          </a:p>
-        </p:txBody>
-      </p:sp>
-    </p:spTree>
-    <p:extLst>
-      <p:ext uri="{BB962C8B-B14F-4D97-AF65-F5344CB8AC3E}">
-        <p14:creationId xmlns:p14="http://schemas.microsoft.com/office/powerpoint/2010/main" val="695118903"/>
-      </p:ext>
-    </p:extLst>
-  </p:cSld>
-  <p:clrMapOvr>
-    <a:masterClrMapping/>
-  </p:clrMapOvr>
-</p:notes>
-</file>
-
 <file path=ppt/notesSlides/notesSlide19.xml><?xml version="1.0" encoding="utf-8"?>
 <p:notes xmlns:a="http://schemas.openxmlformats.org/drawingml/2006/main" xmlns:r="http://schemas.openxmlformats.org/officeDocument/2006/relationships" xmlns:p="http://schemas.openxmlformats.org/presentationml/2006/main">
   <p:cSld>
@@ -2096,21 +2086,27 @@
           <a:p>
             <a:r>
               <a:rPr lang="en-GB" dirty="0" smtClean="0"/>
-              <a:t>As</a:t>
+              <a:t>Google produces</a:t>
             </a:r>
             <a:r>
               <a:rPr lang="en-GB" baseline="0" dirty="0" smtClean="0"/>
-              <a:t> you can see the user interface is very different from the Android Auto UI. </a:t>
-            </a:r>
-          </a:p>
-          <a:p>
-            <a:endParaRPr lang="en-GB" baseline="0" dirty="0"/>
+              <a:t> the core software , OEMs rebrand the interface with their own UI</a:t>
+            </a:r>
           </a:p>
           <a:p>
             <a:r>
               <a:rPr lang="en-GB" baseline="0" dirty="0" smtClean="0"/>
-              <a:t>Audi and Volvo can keep a design and layout that are familiar with their costumers </a:t>
-            </a:r>
+              <a:t>Google also provides apps like Google Maps and Google Music, and OEMs are free to add their own apps </a:t>
+            </a:r>
+          </a:p>
+          <a:p>
+            <a:r>
+              <a:rPr lang="en-GB" baseline="0" dirty="0" smtClean="0"/>
+              <a:t>For example Audi has its own navigation system in addition to Google Maps. </a:t>
+            </a:r>
+          </a:p>
+          <a:p>
+            <a:endParaRPr lang="en-GB" dirty="0"/>
           </a:p>
         </p:txBody>
       </p:sp>
@@ -2132,7 +2128,7 @@
             <a:fld id="{1B06CD8F-B7ED-4A05-9FB1-A01CC0EF02CC}" type="slidenum">
               <a:rPr lang="fr-FR" smtClean="0"/>
               <a:pPr/>
-              <a:t>24</a:t>
+              <a:t>23</a:t>
             </a:fld>
             <a:endParaRPr lang="fr-FR" dirty="0"/>
           </a:p>
@@ -2141,7 +2137,7 @@
     </p:spTree>
     <p:extLst>
       <p:ext uri="{BB962C8B-B14F-4D97-AF65-F5344CB8AC3E}">
-        <p14:creationId xmlns:p14="http://schemas.microsoft.com/office/powerpoint/2010/main" val="3990286277"/>
+        <p14:creationId xmlns:p14="http://schemas.microsoft.com/office/powerpoint/2010/main" val="695118903"/>
       </p:ext>
     </p:extLst>
   </p:cSld>
@@ -2243,6 +2239,107 @@
     <p:extLst>
       <p:ext uri="{BB962C8B-B14F-4D97-AF65-F5344CB8AC3E}">
         <p14:creationId xmlns:p14="http://schemas.microsoft.com/office/powerpoint/2010/main" val="3043622959"/>
+      </p:ext>
+    </p:extLst>
+  </p:cSld>
+  <p:clrMapOvr>
+    <a:masterClrMapping/>
+  </p:clrMapOvr>
+</p:notes>
+</file>
+
+<file path=ppt/notesSlides/notesSlide20.xml><?xml version="1.0" encoding="utf-8"?>
+<p:notes xmlns:a="http://schemas.openxmlformats.org/drawingml/2006/main" xmlns:r="http://schemas.openxmlformats.org/officeDocument/2006/relationships" xmlns:p="http://schemas.openxmlformats.org/presentationml/2006/main">
+  <p:cSld>
+    <p:spTree>
+      <p:nvGrpSpPr>
+        <p:cNvPr id="1" name=""/>
+        <p:cNvGrpSpPr/>
+        <p:nvPr/>
+      </p:nvGrpSpPr>
+      <p:grpSpPr>
+        <a:xfrm>
+          <a:off x="0" y="0"/>
+          <a:ext cx="0" cy="0"/>
+          <a:chOff x="0" y="0"/>
+          <a:chExt cx="0" cy="0"/>
+        </a:xfrm>
+      </p:grpSpPr>
+      <p:sp>
+        <p:nvSpPr>
+          <p:cNvPr id="2" name="Slide Image Placeholder 1"/>
+          <p:cNvSpPr>
+            <a:spLocks noGrp="1" noRot="1" noChangeAspect="1"/>
+          </p:cNvSpPr>
+          <p:nvPr>
+            <p:ph type="sldImg"/>
+          </p:nvPr>
+        </p:nvSpPr>
+        <p:spPr/>
+      </p:sp>
+      <p:sp>
+        <p:nvSpPr>
+          <p:cNvPr id="3" name="Notes Placeholder 2"/>
+          <p:cNvSpPr>
+            <a:spLocks noGrp="1"/>
+          </p:cNvSpPr>
+          <p:nvPr>
+            <p:ph type="body" idx="1"/>
+          </p:nvPr>
+        </p:nvSpPr>
+        <p:spPr/>
+        <p:txBody>
+          <a:bodyPr/>
+          <a:lstStyle/>
+          <a:p>
+            <a:r>
+              <a:rPr lang="en-GB" dirty="0" smtClean="0"/>
+              <a:t>As</a:t>
+            </a:r>
+            <a:r>
+              <a:rPr lang="en-GB" baseline="0" dirty="0" smtClean="0"/>
+              <a:t> you can see the user interface is very different from the Android Auto UI. </a:t>
+            </a:r>
+          </a:p>
+          <a:p>
+            <a:endParaRPr lang="en-GB" baseline="0" dirty="0"/>
+          </a:p>
+          <a:p>
+            <a:r>
+              <a:rPr lang="en-GB" baseline="0" dirty="0" smtClean="0"/>
+              <a:t>Audi and Volvo can keep a design and layout that are familiar with their costumers </a:t>
+            </a:r>
+          </a:p>
+        </p:txBody>
+      </p:sp>
+      <p:sp>
+        <p:nvSpPr>
+          <p:cNvPr id="4" name="Slide Number Placeholder 3"/>
+          <p:cNvSpPr>
+            <a:spLocks noGrp="1"/>
+          </p:cNvSpPr>
+          <p:nvPr>
+            <p:ph type="sldNum" sz="quarter" idx="10"/>
+          </p:nvPr>
+        </p:nvSpPr>
+        <p:spPr/>
+        <p:txBody>
+          <a:bodyPr/>
+          <a:lstStyle/>
+          <a:p>
+            <a:fld id="{1B06CD8F-B7ED-4A05-9FB1-A01CC0EF02CC}" type="slidenum">
+              <a:rPr lang="fr-FR" smtClean="0"/>
+              <a:pPr/>
+              <a:t>24</a:t>
+            </a:fld>
+            <a:endParaRPr lang="fr-FR" dirty="0"/>
+          </a:p>
+        </p:txBody>
+      </p:sp>
+    </p:spTree>
+    <p:extLst>
+      <p:ext uri="{BB962C8B-B14F-4D97-AF65-F5344CB8AC3E}">
+        <p14:creationId xmlns:p14="http://schemas.microsoft.com/office/powerpoint/2010/main" val="3990286277"/>
       </p:ext>
     </p:extLst>
   </p:cSld>
@@ -18512,7 +18609,15 @@
             </a:pPr>
             <a:r>
               <a:rPr lang="en-US" dirty="0" smtClean="0"/>
-              <a:t>There are 37 brands of cars that have already implemented Android auto in some models, such as: Audi, Chevrolet, Lamborghini and Volvo</a:t>
+              <a:t>There are </a:t>
+            </a:r>
+            <a:r>
+              <a:rPr lang="en-US" dirty="0" smtClean="0"/>
+              <a:t>38 </a:t>
+            </a:r>
+            <a:r>
+              <a:rPr lang="en-US" dirty="0" smtClean="0"/>
+              <a:t>brands of cars that have already implemented Android auto in some models, such as: Audi, Chevrolet, Lamborghini and Volvo</a:t>
             </a:r>
           </a:p>
           <a:p>
@@ -18536,7 +18641,15 @@
             </a:pPr>
             <a:r>
               <a:rPr lang="en-US" dirty="0" smtClean="0"/>
-              <a:t>In the near future the Android Auto will be implemented in 16 more brands</a:t>
+              <a:t>In the near future the Android Auto will be implemented in </a:t>
+            </a:r>
+            <a:r>
+              <a:rPr lang="en-US" dirty="0" smtClean="0"/>
+              <a:t>14 </a:t>
+            </a:r>
+            <a:r>
+              <a:rPr lang="en-US" dirty="0" smtClean="0"/>
+              <a:t>more brands</a:t>
             </a:r>
             <a:endParaRPr lang="en-US" dirty="0"/>
           </a:p>
@@ -22042,6 +22155,15 @@
 </file>
 
 <file path=customXml/item1.xml><?xml version="1.0" encoding="utf-8"?>
+<?mso-contentType ?>
+<FormTemplates xmlns="http://schemas.microsoft.com/sharepoint/v3/contenttype/forms">
+  <Display>DocumentLibraryForm</Display>
+  <Edit>DocumentLibraryForm</Edit>
+  <New>DocumentLibraryForm</New>
+</FormTemplates>
+</file>
+
+<file path=customXml/item2.xml><?xml version="1.0" encoding="utf-8"?>
 <ct:contentTypeSchema xmlns:ct="http://schemas.microsoft.com/office/2006/metadata/contentType" xmlns:ma="http://schemas.microsoft.com/office/2006/metadata/properties/metaAttributes" ct:_="" ma:_="" ma:contentTypeName="Document" ma:contentTypeID="0x0101001F419E1A6EA81A4789CC2A27D54FE063" ma:contentTypeVersion="2" ma:contentTypeDescription="Create a new document." ma:contentTypeScope="" ma:versionID="6e5cb36ff88c0f99687fc20d43474a84">
   <xsd:schema xmlns:xsd="http://www.w3.org/2001/XMLSchema" xmlns:xs="http://www.w3.org/2001/XMLSchema" xmlns:p="http://schemas.microsoft.com/office/2006/metadata/properties" targetNamespace="http://schemas.microsoft.com/office/2006/metadata/properties" ma:root="true" ma:fieldsID="0d665e38e66d01d06a7f476fcfe73af8">
     <xsd:element name="properties">
@@ -22155,15 +22277,6 @@
 </ct:contentTypeSchema>
 </file>
 
-<file path=customXml/item2.xml><?xml version="1.0" encoding="utf-8"?>
-<?mso-contentType ?>
-<FormTemplates xmlns="http://schemas.microsoft.com/sharepoint/v3/contenttype/forms">
-  <Display>DocumentLibraryForm</Display>
-  <Edit>DocumentLibraryForm</Edit>
-  <New>DocumentLibraryForm</New>
-</FormTemplates>
-</file>
-
 <file path=customXml/item3.xml><?xml version="1.0" encoding="utf-8"?>
 <p:properties xmlns:p="http://schemas.microsoft.com/office/2006/metadata/properties" xmlns:xsi="http://www.w3.org/2001/XMLSchema-instance" xmlns:pc="http://schemas.microsoft.com/office/infopath/2007/PartnerControls">
   <documentManagement/>
@@ -22171,6 +22284,14 @@
 </file>
 
 <file path=customXml/itemProps1.xml><?xml version="1.0" encoding="utf-8"?>
+<ds:datastoreItem xmlns:ds="http://schemas.openxmlformats.org/officeDocument/2006/customXml" ds:itemID="{74695D99-3EAE-4F55-A2B4-F38051B8FE0A}">
+  <ds:schemaRefs>
+    <ds:schemaRef ds:uri="http://schemas.microsoft.com/sharepoint/v3/contenttype/forms"/>
+  </ds:schemaRefs>
+</ds:datastoreItem>
+</file>
+
+<file path=customXml/itemProps2.xml><?xml version="1.0" encoding="utf-8"?>
 <ds:datastoreItem xmlns:ds="http://schemas.openxmlformats.org/officeDocument/2006/customXml" ds:itemID="{71BEF1E5-09DF-46B0-9968-4DC05085673B}">
   <ds:schemaRefs>
     <ds:schemaRef ds:uri="http://schemas.microsoft.com/office/2006/metadata/contentType"/>
@@ -22182,14 +22303,6 @@
     <ds:schemaRef ds:uri="http://purl.org/dc/terms/"/>
     <ds:schemaRef ds:uri="http://schemas.microsoft.com/internal/obd"/>
     <ds:schemaRef ds:uri="http://schemas.microsoft.com/office/infopath/2007/PartnerControls"/>
-  </ds:schemaRefs>
-</ds:datastoreItem>
-</file>
-
-<file path=customXml/itemProps2.xml><?xml version="1.0" encoding="utf-8"?>
-<ds:datastoreItem xmlns:ds="http://schemas.openxmlformats.org/officeDocument/2006/customXml" ds:itemID="{74695D99-3EAE-4F55-A2B4-F38051B8FE0A}">
-  <ds:schemaRefs>
-    <ds:schemaRef ds:uri="http://schemas.microsoft.com/sharepoint/v3/contenttype/forms"/>
   </ds:schemaRefs>
 </ds:datastoreItem>
 </file>

--- a/PowerPoint Final/Presentation_Joao_Mauro.pptx
+++ b/PowerPoint Final/Presentation_Joao_Mauro.pptx
@@ -18609,15 +18609,7 @@
             </a:pPr>
             <a:r>
               <a:rPr lang="en-US" dirty="0" smtClean="0"/>
-              <a:t>There are </a:t>
-            </a:r>
-            <a:r>
-              <a:rPr lang="en-US" dirty="0" smtClean="0"/>
-              <a:t>38 </a:t>
-            </a:r>
-            <a:r>
-              <a:rPr lang="en-US" dirty="0" smtClean="0"/>
-              <a:t>brands of cars that have already implemented Android auto in some models, such as: Audi, Chevrolet, Lamborghini and Volvo</a:t>
+              <a:t>There are 38 brands of cars that have already implemented Android auto in some models, such as: Audi, Chevrolet, Lamborghini and Volvo</a:t>
             </a:r>
           </a:p>
           <a:p>
@@ -18641,15 +18633,7 @@
             </a:pPr>
             <a:r>
               <a:rPr lang="en-US" dirty="0" smtClean="0"/>
-              <a:t>In the near future the Android Auto will be implemented in </a:t>
-            </a:r>
-            <a:r>
-              <a:rPr lang="en-US" dirty="0" smtClean="0"/>
-              <a:t>14 </a:t>
-            </a:r>
-            <a:r>
-              <a:rPr lang="en-US" dirty="0" smtClean="0"/>
-              <a:t>more brands</a:t>
+              <a:t>In the near future the Android Auto will be implemented in 14 more brands</a:t>
             </a:r>
             <a:endParaRPr lang="en-US" dirty="0"/>
           </a:p>
@@ -18791,8 +18775,36 @@
               <a:buChar char="•"/>
             </a:pPr>
             <a:r>
+              <a:rPr lang="en-US" smtClean="0"/>
+              <a:t>In</a:t>
+            </a:r>
+            <a:r>
+              <a:rPr lang="en-US" smtClean="0"/>
+              <a:t> </a:t>
+            </a:r>
+            <a:r>
               <a:rPr lang="en-US" dirty="0" smtClean="0"/>
-              <a:t>For Portugal, there isn’t a official release date that, however the APK can be downloaded, and use some functionalities</a:t>
+              <a:t>Portugal, there isn’t a official release date </a:t>
+            </a:r>
+            <a:r>
+              <a:rPr lang="en-US" dirty="0" smtClean="0"/>
+              <a:t>yet</a:t>
+            </a:r>
+            <a:r>
+              <a:rPr lang="en-US" dirty="0" smtClean="0"/>
+              <a:t>, </a:t>
+            </a:r>
+            <a:r>
+              <a:rPr lang="en-US" dirty="0" smtClean="0"/>
+              <a:t>however the APK can be downloaded, </a:t>
+            </a:r>
+            <a:r>
+              <a:rPr lang="en-US" dirty="0" smtClean="0"/>
+              <a:t>and some functionalities </a:t>
+            </a:r>
+            <a:r>
+              <a:rPr lang="en-US" smtClean="0"/>
+              <a:t>can be used.</a:t>
             </a:r>
             <a:endParaRPr lang="en-US" dirty="0"/>
           </a:p>
@@ -22155,15 +22167,6 @@
 </file>
 
 <file path=customXml/item1.xml><?xml version="1.0" encoding="utf-8"?>
-<?mso-contentType ?>
-<FormTemplates xmlns="http://schemas.microsoft.com/sharepoint/v3/contenttype/forms">
-  <Display>DocumentLibraryForm</Display>
-  <Edit>DocumentLibraryForm</Edit>
-  <New>DocumentLibraryForm</New>
-</FormTemplates>
-</file>
-
-<file path=customXml/item2.xml><?xml version="1.0" encoding="utf-8"?>
 <ct:contentTypeSchema xmlns:ct="http://schemas.microsoft.com/office/2006/metadata/contentType" xmlns:ma="http://schemas.microsoft.com/office/2006/metadata/properties/metaAttributes" ct:_="" ma:_="" ma:contentTypeName="Document" ma:contentTypeID="0x0101001F419E1A6EA81A4789CC2A27D54FE063" ma:contentTypeVersion="2" ma:contentTypeDescription="Create a new document." ma:contentTypeScope="" ma:versionID="6e5cb36ff88c0f99687fc20d43474a84">
   <xsd:schema xmlns:xsd="http://www.w3.org/2001/XMLSchema" xmlns:xs="http://www.w3.org/2001/XMLSchema" xmlns:p="http://schemas.microsoft.com/office/2006/metadata/properties" targetNamespace="http://schemas.microsoft.com/office/2006/metadata/properties" ma:root="true" ma:fieldsID="0d665e38e66d01d06a7f476fcfe73af8">
     <xsd:element name="properties">
@@ -22277,6 +22280,15 @@
 </ct:contentTypeSchema>
 </file>
 
+<file path=customXml/item2.xml><?xml version="1.0" encoding="utf-8"?>
+<?mso-contentType ?>
+<FormTemplates xmlns="http://schemas.microsoft.com/sharepoint/v3/contenttype/forms">
+  <Display>DocumentLibraryForm</Display>
+  <Edit>DocumentLibraryForm</Edit>
+  <New>DocumentLibraryForm</New>
+</FormTemplates>
+</file>
+
 <file path=customXml/item3.xml><?xml version="1.0" encoding="utf-8"?>
 <p:properties xmlns:p="http://schemas.microsoft.com/office/2006/metadata/properties" xmlns:xsi="http://www.w3.org/2001/XMLSchema-instance" xmlns:pc="http://schemas.microsoft.com/office/infopath/2007/PartnerControls">
   <documentManagement/>
@@ -22284,14 +22296,6 @@
 </file>
 
 <file path=customXml/itemProps1.xml><?xml version="1.0" encoding="utf-8"?>
-<ds:datastoreItem xmlns:ds="http://schemas.openxmlformats.org/officeDocument/2006/customXml" ds:itemID="{74695D99-3EAE-4F55-A2B4-F38051B8FE0A}">
-  <ds:schemaRefs>
-    <ds:schemaRef ds:uri="http://schemas.microsoft.com/sharepoint/v3/contenttype/forms"/>
-  </ds:schemaRefs>
-</ds:datastoreItem>
-</file>
-
-<file path=customXml/itemProps2.xml><?xml version="1.0" encoding="utf-8"?>
 <ds:datastoreItem xmlns:ds="http://schemas.openxmlformats.org/officeDocument/2006/customXml" ds:itemID="{71BEF1E5-09DF-46B0-9968-4DC05085673B}">
   <ds:schemaRefs>
     <ds:schemaRef ds:uri="http://schemas.microsoft.com/office/2006/metadata/contentType"/>
@@ -22303,6 +22307,14 @@
     <ds:schemaRef ds:uri="http://purl.org/dc/terms/"/>
     <ds:schemaRef ds:uri="http://schemas.microsoft.com/internal/obd"/>
     <ds:schemaRef ds:uri="http://schemas.microsoft.com/office/infopath/2007/PartnerControls"/>
+  </ds:schemaRefs>
+</ds:datastoreItem>
+</file>
+
+<file path=customXml/itemProps2.xml><?xml version="1.0" encoding="utf-8"?>
+<ds:datastoreItem xmlns:ds="http://schemas.openxmlformats.org/officeDocument/2006/customXml" ds:itemID="{74695D99-3EAE-4F55-A2B4-F38051B8FE0A}">
+  <ds:schemaRefs>
+    <ds:schemaRef ds:uri="http://schemas.microsoft.com/sharepoint/v3/contenttype/forms"/>
   </ds:schemaRefs>
 </ds:datastoreItem>
 </file>

--- a/PowerPoint Final/Presentation_Joao_Mauro.pptx
+++ b/PowerPoint Final/Presentation_Joao_Mauro.pptx
@@ -2403,19 +2403,7 @@
                 <a:ea typeface="+mn-ea"/>
                 <a:cs typeface="+mn-cs"/>
               </a:rPr>
-              <a:t>Android Auto works by projecting Android apps onto </a:t>
-            </a:r>
-            <a:r>
-              <a:rPr lang="en-US" sz="1200" b="0" i="0" kern="1200" dirty="0" err="1" smtClean="0">
-                <a:solidFill>
-                  <a:schemeClr val="tx1"/>
-                </a:solidFill>
-                <a:effectLst/>
-                <a:latin typeface="Arial" pitchFamily="34" charset="0"/>
-                <a:ea typeface="+mn-ea"/>
-                <a:cs typeface="+mn-cs"/>
-              </a:rPr>
-              <a:t>onto</a:t>
+              <a:t>Android </a:t>
             </a:r>
             <a:r>
               <a:rPr lang="en-US" sz="1200" b="0" i="0" kern="1200" dirty="0" smtClean="0">
@@ -2427,7 +2415,81 @@
                 <a:ea typeface="+mn-ea"/>
                 <a:cs typeface="+mn-cs"/>
               </a:rPr>
-              <a:t> the in-car display after the phone has been plugged in to the car via USB</a:t>
+              <a:t>Auto</a:t>
+            </a:r>
+            <a:r>
+              <a:rPr lang="en-US" sz="1200" b="0" i="0" kern="1200" baseline="0" dirty="0" smtClean="0">
+                <a:solidFill>
+                  <a:schemeClr val="tx1"/>
+                </a:solidFill>
+                <a:effectLst/>
+                <a:latin typeface="Arial" pitchFamily="34" charset="0"/>
+                <a:ea typeface="+mn-ea"/>
+                <a:cs typeface="+mn-cs"/>
+              </a:rPr>
+              <a:t> Is an app designed to help the driver so he cannot be distracted by the phone</a:t>
+            </a:r>
+          </a:p>
+          <a:p>
+            <a:r>
+              <a:rPr lang="en-US" sz="1200" b="0" i="0" kern="1200" baseline="0" dirty="0" smtClean="0">
+                <a:solidFill>
+                  <a:schemeClr val="tx1"/>
+                </a:solidFill>
+                <a:effectLst/>
+                <a:latin typeface="Arial" pitchFamily="34" charset="0"/>
+                <a:ea typeface="+mn-ea"/>
+                <a:cs typeface="+mn-cs"/>
+              </a:rPr>
+              <a:t>It</a:t>
+            </a:r>
+            <a:r>
+              <a:rPr lang="en-US" sz="1200" b="0" i="0" kern="1200" dirty="0" smtClean="0">
+                <a:solidFill>
+                  <a:schemeClr val="tx1"/>
+                </a:solidFill>
+                <a:effectLst/>
+                <a:latin typeface="Arial" pitchFamily="34" charset="0"/>
+                <a:ea typeface="+mn-ea"/>
+                <a:cs typeface="+mn-cs"/>
+              </a:rPr>
+              <a:t> </a:t>
+            </a:r>
+            <a:r>
+              <a:rPr lang="en-US" sz="1200" b="0" i="0" kern="1200" dirty="0" smtClean="0">
+                <a:solidFill>
+                  <a:schemeClr val="tx1"/>
+                </a:solidFill>
+                <a:effectLst/>
+                <a:latin typeface="Arial" pitchFamily="34" charset="0"/>
+                <a:ea typeface="+mn-ea"/>
+                <a:cs typeface="+mn-cs"/>
+              </a:rPr>
+              <a:t>works by projecting Android apps onto </a:t>
+            </a:r>
+            <a:r>
+              <a:rPr lang="en-US" sz="1200" b="0" i="0" kern="1200" dirty="0" smtClean="0">
+                <a:solidFill>
+                  <a:schemeClr val="tx1"/>
+                </a:solidFill>
+                <a:effectLst/>
+                <a:latin typeface="Arial" pitchFamily="34" charset="0"/>
+                <a:ea typeface="+mn-ea"/>
+                <a:cs typeface="+mn-cs"/>
+              </a:rPr>
+              <a:t> </a:t>
+            </a:r>
+            <a:r>
+              <a:rPr lang="en-US" sz="1200" b="0" i="0" kern="1200" dirty="0" smtClean="0">
+                <a:solidFill>
+                  <a:schemeClr val="tx1"/>
+                </a:solidFill>
+                <a:effectLst/>
+                <a:latin typeface="Arial" pitchFamily="34" charset="0"/>
+                <a:ea typeface="+mn-ea"/>
+                <a:cs typeface="+mn-cs"/>
+              </a:rPr>
+              <a:t>the in-car display after the phone has been plugged in to the car via USB</a:t>
             </a:r>
           </a:p>
           <a:p>
@@ -18776,31 +18838,11 @@
             </a:pPr>
             <a:r>
               <a:rPr lang="en-US" smtClean="0"/>
-              <a:t>In</a:t>
-            </a:r>
-            <a:r>
-              <a:rPr lang="en-US" smtClean="0"/>
-              <a:t> </a:t>
+              <a:t>In </a:t>
             </a:r>
             <a:r>
               <a:rPr lang="en-US" dirty="0" smtClean="0"/>
-              <a:t>Portugal, there isn’t a official release date </a:t>
-            </a:r>
-            <a:r>
-              <a:rPr lang="en-US" dirty="0" smtClean="0"/>
-              <a:t>yet</a:t>
-            </a:r>
-            <a:r>
-              <a:rPr lang="en-US" dirty="0" smtClean="0"/>
-              <a:t>, </a:t>
-            </a:r>
-            <a:r>
-              <a:rPr lang="en-US" dirty="0" smtClean="0"/>
-              <a:t>however the APK can be downloaded, </a:t>
-            </a:r>
-            <a:r>
-              <a:rPr lang="en-US" dirty="0" smtClean="0"/>
-              <a:t>and some functionalities </a:t>
+              <a:t>Portugal, there isn’t a official release date yet, however the APK can be downloaded, and some functionalities </a:t>
             </a:r>
             <a:r>
               <a:rPr lang="en-US" smtClean="0"/>
@@ -22167,6 +22209,15 @@
 </file>
 
 <file path=customXml/item1.xml><?xml version="1.0" encoding="utf-8"?>
+<?mso-contentType ?>
+<FormTemplates xmlns="http://schemas.microsoft.com/sharepoint/v3/contenttype/forms">
+  <Display>DocumentLibraryForm</Display>
+  <Edit>DocumentLibraryForm</Edit>
+  <New>DocumentLibraryForm</New>
+</FormTemplates>
+</file>
+
+<file path=customXml/item2.xml><?xml version="1.0" encoding="utf-8"?>
 <ct:contentTypeSchema xmlns:ct="http://schemas.microsoft.com/office/2006/metadata/contentType" xmlns:ma="http://schemas.microsoft.com/office/2006/metadata/properties/metaAttributes" ct:_="" ma:_="" ma:contentTypeName="Document" ma:contentTypeID="0x0101001F419E1A6EA81A4789CC2A27D54FE063" ma:contentTypeVersion="2" ma:contentTypeDescription="Create a new document." ma:contentTypeScope="" ma:versionID="6e5cb36ff88c0f99687fc20d43474a84">
   <xsd:schema xmlns:xsd="http://www.w3.org/2001/XMLSchema" xmlns:xs="http://www.w3.org/2001/XMLSchema" xmlns:p="http://schemas.microsoft.com/office/2006/metadata/properties" targetNamespace="http://schemas.microsoft.com/office/2006/metadata/properties" ma:root="true" ma:fieldsID="0d665e38e66d01d06a7f476fcfe73af8">
     <xsd:element name="properties">
@@ -22280,15 +22331,6 @@
 </ct:contentTypeSchema>
 </file>
 
-<file path=customXml/item2.xml><?xml version="1.0" encoding="utf-8"?>
-<?mso-contentType ?>
-<FormTemplates xmlns="http://schemas.microsoft.com/sharepoint/v3/contenttype/forms">
-  <Display>DocumentLibraryForm</Display>
-  <Edit>DocumentLibraryForm</Edit>
-  <New>DocumentLibraryForm</New>
-</FormTemplates>
-</file>
-
 <file path=customXml/item3.xml><?xml version="1.0" encoding="utf-8"?>
 <p:properties xmlns:p="http://schemas.microsoft.com/office/2006/metadata/properties" xmlns:xsi="http://www.w3.org/2001/XMLSchema-instance" xmlns:pc="http://schemas.microsoft.com/office/infopath/2007/PartnerControls">
   <documentManagement/>
@@ -22296,6 +22338,14 @@
 </file>
 
 <file path=customXml/itemProps1.xml><?xml version="1.0" encoding="utf-8"?>
+<ds:datastoreItem xmlns:ds="http://schemas.openxmlformats.org/officeDocument/2006/customXml" ds:itemID="{74695D99-3EAE-4F55-A2B4-F38051B8FE0A}">
+  <ds:schemaRefs>
+    <ds:schemaRef ds:uri="http://schemas.microsoft.com/sharepoint/v3/contenttype/forms"/>
+  </ds:schemaRefs>
+</ds:datastoreItem>
+</file>
+
+<file path=customXml/itemProps2.xml><?xml version="1.0" encoding="utf-8"?>
 <ds:datastoreItem xmlns:ds="http://schemas.openxmlformats.org/officeDocument/2006/customXml" ds:itemID="{71BEF1E5-09DF-46B0-9968-4DC05085673B}">
   <ds:schemaRefs>
     <ds:schemaRef ds:uri="http://schemas.microsoft.com/office/2006/metadata/contentType"/>
@@ -22307,14 +22357,6 @@
     <ds:schemaRef ds:uri="http://purl.org/dc/terms/"/>
     <ds:schemaRef ds:uri="http://schemas.microsoft.com/internal/obd"/>
     <ds:schemaRef ds:uri="http://schemas.microsoft.com/office/infopath/2007/PartnerControls"/>
-  </ds:schemaRefs>
-</ds:datastoreItem>
-</file>
-
-<file path=customXml/itemProps2.xml><?xml version="1.0" encoding="utf-8"?>
-<ds:datastoreItem xmlns:ds="http://schemas.openxmlformats.org/officeDocument/2006/customXml" ds:itemID="{74695D99-3EAE-4F55-A2B4-F38051B8FE0A}">
-  <ds:schemaRefs>
-    <ds:schemaRef ds:uri="http://schemas.microsoft.com/sharepoint/v3/contenttype/forms"/>
   </ds:schemaRefs>
 </ds:datastoreItem>
 </file>

--- a/PowerPoint Final/Presentation_Joao_Mauro.pptx
+++ b/PowerPoint Final/Presentation_Joao_Mauro.pptx
@@ -2403,19 +2403,7 @@
                 <a:ea typeface="+mn-ea"/>
                 <a:cs typeface="+mn-cs"/>
               </a:rPr>
-              <a:t>Android </a:t>
-            </a:r>
-            <a:r>
-              <a:rPr lang="en-US" sz="1200" b="0" i="0" kern="1200" dirty="0" smtClean="0">
-                <a:solidFill>
-                  <a:schemeClr val="tx1"/>
-                </a:solidFill>
-                <a:effectLst/>
-                <a:latin typeface="Arial" pitchFamily="34" charset="0"/>
-                <a:ea typeface="+mn-ea"/>
-                <a:cs typeface="+mn-cs"/>
-              </a:rPr>
-              <a:t>Auto</a:t>
+              <a:t>Android Auto</a:t>
             </a:r>
             <a:r>
               <a:rPr lang="en-US" sz="1200" b="0" i="0" kern="1200" baseline="0" dirty="0" smtClean="0">
@@ -2453,43 +2441,7 @@
                 <a:ea typeface="+mn-ea"/>
                 <a:cs typeface="+mn-cs"/>
               </a:rPr>
-              <a:t> </a:t>
-            </a:r>
-            <a:r>
-              <a:rPr lang="en-US" sz="1200" b="0" i="0" kern="1200" dirty="0" smtClean="0">
-                <a:solidFill>
-                  <a:schemeClr val="tx1"/>
-                </a:solidFill>
-                <a:effectLst/>
-                <a:latin typeface="Arial" pitchFamily="34" charset="0"/>
-                <a:ea typeface="+mn-ea"/>
-                <a:cs typeface="+mn-cs"/>
-              </a:rPr>
-              <a:t>works by projecting Android apps onto </a:t>
-            </a:r>
-            <a:r>
-              <a:rPr lang="en-US" sz="1200" b="0" i="0" kern="1200" dirty="0" smtClean="0">
-                <a:solidFill>
-                  <a:schemeClr val="tx1"/>
-                </a:solidFill>
-                <a:effectLst/>
-                <a:latin typeface="Arial" pitchFamily="34" charset="0"/>
-                <a:ea typeface="+mn-ea"/>
-                <a:cs typeface="+mn-cs"/>
-              </a:rPr>
-              <a:t> </a:t>
-            </a:r>
-            <a:r>
-              <a:rPr lang="en-US" sz="1200" b="0" i="0" kern="1200" dirty="0" smtClean="0">
-                <a:solidFill>
-                  <a:schemeClr val="tx1"/>
-                </a:solidFill>
-                <a:effectLst/>
-                <a:latin typeface="Arial" pitchFamily="34" charset="0"/>
-                <a:ea typeface="+mn-ea"/>
-                <a:cs typeface="+mn-cs"/>
-              </a:rPr>
-              <a:t>the in-car display after the phone has been plugged in to the car via USB</a:t>
+              <a:t> works by projecting Android apps onto  the in-car display after the phone has been plugged in to the car via USB</a:t>
             </a:r>
           </a:p>
           <a:p>
@@ -2686,8 +2638,21 @@
             </a:r>
             <a:r>
               <a:rPr lang="en-US" baseline="0" dirty="0" smtClean="0"/>
-              <a:t> Auto instead of the implemented IVI (in vehicle infotainment) of a brand, is that using android Auto we get updates from google, however in a implemented IVI, once is done is done, there are no updates.</a:t>
-            </a:r>
+              <a:t> Auto instead of the implemented IVI (in vehicle infotainment) of a brand, is that using android Auto we get updates from google, </a:t>
+            </a:r>
+            <a:r>
+              <a:rPr lang="en-US" baseline="0" dirty="0" smtClean="0"/>
+              <a:t>one the other hand </a:t>
+            </a:r>
+            <a:r>
+              <a:rPr lang="en-US" baseline="0" dirty="0" smtClean="0"/>
+              <a:t>in a implemented IVI, once is done is done, </a:t>
+            </a:r>
+            <a:r>
+              <a:rPr lang="en-US" baseline="0" dirty="0" smtClean="0"/>
+              <a:t>we need to go to the brand in order to update the system.</a:t>
+            </a:r>
+            <a:endParaRPr lang="en-US" baseline="0" dirty="0" smtClean="0"/>
           </a:p>
           <a:p>
             <a:r>
@@ -2704,7 +2669,15 @@
           <a:p>
             <a:r>
               <a:rPr lang="en-US" baseline="0" dirty="0" smtClean="0"/>
-              <a:t>We also don’t need to buy a new car or spend 700€ in a aftermarket display, we can simply use our phone to do the work.</a:t>
+              <a:t>We also don’t need to buy a new car or spend 700€ in a aftermarket </a:t>
+            </a:r>
+            <a:r>
+              <a:rPr lang="en-US" baseline="0" dirty="0" smtClean="0"/>
+              <a:t>stereo, </a:t>
+            </a:r>
+            <a:r>
+              <a:rPr lang="en-US" baseline="0" dirty="0" smtClean="0"/>
+              <a:t>we can simply use our phone to do the work.</a:t>
             </a:r>
             <a:endParaRPr lang="en-US" dirty="0"/>
           </a:p>
@@ -18671,7 +18644,23 @@
             </a:pPr>
             <a:r>
               <a:rPr lang="en-US" dirty="0" smtClean="0"/>
-              <a:t>There are 38 brands of cars that have already implemented Android auto in some models, such as: Audi, Chevrolet, Lamborghini and Volvo</a:t>
+              <a:t>There are 38 brands of cars that have already implemented </a:t>
+            </a:r>
+            <a:r>
+              <a:rPr lang="en-US" smtClean="0"/>
+              <a:t>Android </a:t>
+            </a:r>
+            <a:r>
+              <a:rPr lang="en-US"/>
+              <a:t>A</a:t>
+            </a:r>
+            <a:r>
+              <a:rPr lang="en-US" smtClean="0"/>
+              <a:t>uto </a:t>
+            </a:r>
+            <a:r>
+              <a:rPr lang="en-US" dirty="0" smtClean="0"/>
+              <a:t>in some models, such as: Audi, Chevrolet, Lamborghini and Volvo</a:t>
             </a:r>
           </a:p>
           <a:p>
@@ -22209,15 +22198,6 @@
 </file>
 
 <file path=customXml/item1.xml><?xml version="1.0" encoding="utf-8"?>
-<?mso-contentType ?>
-<FormTemplates xmlns="http://schemas.microsoft.com/sharepoint/v3/contenttype/forms">
-  <Display>DocumentLibraryForm</Display>
-  <Edit>DocumentLibraryForm</Edit>
-  <New>DocumentLibraryForm</New>
-</FormTemplates>
-</file>
-
-<file path=customXml/item2.xml><?xml version="1.0" encoding="utf-8"?>
 <ct:contentTypeSchema xmlns:ct="http://schemas.microsoft.com/office/2006/metadata/contentType" xmlns:ma="http://schemas.microsoft.com/office/2006/metadata/properties/metaAttributes" ct:_="" ma:_="" ma:contentTypeName="Document" ma:contentTypeID="0x0101001F419E1A6EA81A4789CC2A27D54FE063" ma:contentTypeVersion="2" ma:contentTypeDescription="Create a new document." ma:contentTypeScope="" ma:versionID="6e5cb36ff88c0f99687fc20d43474a84">
   <xsd:schema xmlns:xsd="http://www.w3.org/2001/XMLSchema" xmlns:xs="http://www.w3.org/2001/XMLSchema" xmlns:p="http://schemas.microsoft.com/office/2006/metadata/properties" targetNamespace="http://schemas.microsoft.com/office/2006/metadata/properties" ma:root="true" ma:fieldsID="0d665e38e66d01d06a7f476fcfe73af8">
     <xsd:element name="properties">
@@ -22331,6 +22311,15 @@
 </ct:contentTypeSchema>
 </file>
 
+<file path=customXml/item2.xml><?xml version="1.0" encoding="utf-8"?>
+<?mso-contentType ?>
+<FormTemplates xmlns="http://schemas.microsoft.com/sharepoint/v3/contenttype/forms">
+  <Display>DocumentLibraryForm</Display>
+  <Edit>DocumentLibraryForm</Edit>
+  <New>DocumentLibraryForm</New>
+</FormTemplates>
+</file>
+
 <file path=customXml/item3.xml><?xml version="1.0" encoding="utf-8"?>
 <p:properties xmlns:p="http://schemas.microsoft.com/office/2006/metadata/properties" xmlns:xsi="http://www.w3.org/2001/XMLSchema-instance" xmlns:pc="http://schemas.microsoft.com/office/infopath/2007/PartnerControls">
   <documentManagement/>
@@ -22338,14 +22327,6 @@
 </file>
 
 <file path=customXml/itemProps1.xml><?xml version="1.0" encoding="utf-8"?>
-<ds:datastoreItem xmlns:ds="http://schemas.openxmlformats.org/officeDocument/2006/customXml" ds:itemID="{74695D99-3EAE-4F55-A2B4-F38051B8FE0A}">
-  <ds:schemaRefs>
-    <ds:schemaRef ds:uri="http://schemas.microsoft.com/sharepoint/v3/contenttype/forms"/>
-  </ds:schemaRefs>
-</ds:datastoreItem>
-</file>
-
-<file path=customXml/itemProps2.xml><?xml version="1.0" encoding="utf-8"?>
 <ds:datastoreItem xmlns:ds="http://schemas.openxmlformats.org/officeDocument/2006/customXml" ds:itemID="{71BEF1E5-09DF-46B0-9968-4DC05085673B}">
   <ds:schemaRefs>
     <ds:schemaRef ds:uri="http://schemas.microsoft.com/office/2006/metadata/contentType"/>
@@ -22357,6 +22338,14 @@
     <ds:schemaRef ds:uri="http://purl.org/dc/terms/"/>
     <ds:schemaRef ds:uri="http://schemas.microsoft.com/internal/obd"/>
     <ds:schemaRef ds:uri="http://schemas.microsoft.com/office/infopath/2007/PartnerControls"/>
+  </ds:schemaRefs>
+</ds:datastoreItem>
+</file>
+
+<file path=customXml/itemProps2.xml><?xml version="1.0" encoding="utf-8"?>
+<ds:datastoreItem xmlns:ds="http://schemas.openxmlformats.org/officeDocument/2006/customXml" ds:itemID="{74695D99-3EAE-4F55-A2B4-F38051B8FE0A}">
+  <ds:schemaRefs>
+    <ds:schemaRef ds:uri="http://schemas.microsoft.com/sharepoint/v3/contenttype/forms"/>
   </ds:schemaRefs>
 </ds:datastoreItem>
 </file>
